--- a/PLAYTV2020/matt-boles-video.pptx
+++ b/PLAYTV2020/matt-boles-video.pptx
@@ -6,22 +6,27 @@
     <p:sldMasterId id="2147483651" r:id="rId2"/>
   </p:sldMasterIdLst>
   <p:notesMasterIdLst>
-    <p:notesMasterId r:id="rId16"/>
+    <p:notesMasterId r:id="rId21"/>
   </p:notesMasterIdLst>
   <p:sldIdLst>
-    <p:sldId id="256" r:id="rId3"/>
-    <p:sldId id="257" r:id="rId4"/>
-    <p:sldId id="258" r:id="rId5"/>
-    <p:sldId id="259" r:id="rId6"/>
-    <p:sldId id="260" r:id="rId7"/>
-    <p:sldId id="261" r:id="rId8"/>
-    <p:sldId id="262" r:id="rId9"/>
-    <p:sldId id="263" r:id="rId10"/>
-    <p:sldId id="264" r:id="rId11"/>
-    <p:sldId id="265" r:id="rId12"/>
+    <p:sldId id="257" r:id="rId3"/>
+    <p:sldId id="258" r:id="rId4"/>
+    <p:sldId id="259" r:id="rId5"/>
+    <p:sldId id="269" r:id="rId6"/>
+    <p:sldId id="270" r:id="rId7"/>
+    <p:sldId id="271" r:id="rId8"/>
+    <p:sldId id="272" r:id="rId9"/>
+    <p:sldId id="273" r:id="rId10"/>
+    <p:sldId id="274" r:id="rId11"/>
+    <p:sldId id="260" r:id="rId12"/>
     <p:sldId id="266" r:id="rId13"/>
-    <p:sldId id="267" r:id="rId14"/>
-    <p:sldId id="268" r:id="rId15"/>
+    <p:sldId id="261" r:id="rId14"/>
+    <p:sldId id="262" r:id="rId15"/>
+    <p:sldId id="263" r:id="rId16"/>
+    <p:sldId id="264" r:id="rId17"/>
+    <p:sldId id="265" r:id="rId18"/>
+    <p:sldId id="267" r:id="rId19"/>
+    <p:sldId id="268" r:id="rId20"/>
   </p:sldIdLst>
   <p:sldSz cx="12192000" cy="6858000"/>
   <p:notesSz cx="6858000" cy="9144000"/>
@@ -304,7 +309,7 @@
       </p15:notesGuideLst>
     </p:ext>
     <p:ext uri="http://customooxmlschemas.google.com/">
-      <go:slidesCustomData xmlns:go="http://customooxmlschemas.google.com/" xmlns:p15="http://schemas.microsoft.com/office/powerpoint/2012/main" xmlns:p14="http://schemas.microsoft.com/office/powerpoint/2010/main" xmlns:com="http://schemas.openxmlformats.org/drawingml/2006/compatibility" xmlns:pvml="urn:schemas-microsoft-com:office:powerpoint" xmlns:v="urn:schemas-microsoft-com:vml" xmlns:o="urn:schemas-microsoft-com:office:office" xmlns:dgm="http://schemas.openxmlformats.org/drawingml/2006/diagram" xmlns:c="http://schemas.openxmlformats.org/drawingml/2006/chart" xmlns:mv="urn:schemas-microsoft-com:mac:vml" xmlns:mc="http://schemas.openxmlformats.org/markup-compatibility/2006" xmlns="" r:id="rId21" roundtripDataSignature="AMtx7mhTXUsXJMZT1PuQXuqxCJc3N1Qu9w=="/>
+      <go:slidesCustomData xmlns="" xmlns:mc="http://schemas.openxmlformats.org/markup-compatibility/2006" xmlns:mv="urn:schemas-microsoft-com:mac:vml" xmlns:c="http://schemas.openxmlformats.org/drawingml/2006/chart" xmlns:dgm="http://schemas.openxmlformats.org/drawingml/2006/diagram" xmlns:o="urn:schemas-microsoft-com:office:office" xmlns:v="urn:schemas-microsoft-com:vml" xmlns:pvml="urn:schemas-microsoft-com:office:powerpoint" xmlns:com="http://schemas.openxmlformats.org/drawingml/2006/compatibility" xmlns:p14="http://schemas.microsoft.com/office/powerpoint/2010/main" xmlns:p15="http://schemas.microsoft.com/office/powerpoint/2012/main" xmlns:go="http://customooxmlschemas.google.com/" r:id="rId22" roundtripDataSignature="AMtx7mhTXUsXJMZT1PuQXuqxCJc3N1Qu9w=="/>
     </p:ext>
   </p:extLst>
 </p:presentation>
@@ -1232,7 +1237,7 @@
   <p:cSld>
     <p:spTree>
       <p:nvGrpSpPr>
-        <p:cNvPr id="1" name="Shape 72"/>
+        <p:cNvPr id="1" name="Shape 80"/>
         <p:cNvGrpSpPr/>
         <p:nvPr/>
       </p:nvGrpSpPr>
@@ -1246,7 +1251,7 @@
       </p:grpSpPr>
       <p:sp>
         <p:nvSpPr>
-          <p:cNvPr id="73" name="Google Shape;73;p1:notes"/>
+          <p:cNvPr id="81" name="Google Shape;81;p2:notes"/>
           <p:cNvSpPr txBox="1">
             <a:spLocks noGrp="1"/>
           </p:cNvSpPr>
@@ -1292,7 +1297,7 @@
       </p:sp>
       <p:sp>
         <p:nvSpPr>
-          <p:cNvPr id="74" name="Google Shape;74;p1:notes"/>
+          <p:cNvPr id="82" name="Google Shape;82;p2:notes"/>
           <p:cNvSpPr>
             <a:spLocks noGrp="1" noRot="1" noChangeAspect="1"/>
           </p:cNvSpPr>
@@ -1354,7 +1359,7 @@
   <p:cSld>
     <p:spTree>
       <p:nvGrpSpPr>
-        <p:cNvPr id="1" name="Shape 137"/>
+        <p:cNvPr id="1" name="Shape 101"/>
         <p:cNvGrpSpPr/>
         <p:nvPr/>
       </p:nvGrpSpPr>
@@ -1368,7 +1373,7 @@
       </p:grpSpPr>
       <p:sp>
         <p:nvSpPr>
-          <p:cNvPr id="138" name="Google Shape;138;p11:notes"/>
+          <p:cNvPr id="102" name="Google Shape;102;p6:notes"/>
           <p:cNvSpPr txBox="1">
             <a:spLocks noGrp="1"/>
           </p:cNvSpPr>
@@ -1414,7 +1419,7 @@
       </p:sp>
       <p:sp>
         <p:nvSpPr>
-          <p:cNvPr id="139" name="Google Shape;139;p11:notes"/>
+          <p:cNvPr id="103" name="Google Shape;103;p6:notes"/>
           <p:cNvSpPr>
             <a:spLocks noGrp="1" noRot="1" noChangeAspect="1"/>
           </p:cNvSpPr>
@@ -1598,6 +1603,616 @@
   <p:cSld>
     <p:spTree>
       <p:nvGrpSpPr>
+        <p:cNvPr id="1" name="Shape 107"/>
+        <p:cNvGrpSpPr/>
+        <p:nvPr/>
+      </p:nvGrpSpPr>
+      <p:grpSpPr>
+        <a:xfrm>
+          <a:off x="0" y="0"/>
+          <a:ext cx="0" cy="0"/>
+          <a:chOff x="0" y="0"/>
+          <a:chExt cx="0" cy="0"/>
+        </a:xfrm>
+      </p:grpSpPr>
+      <p:sp>
+        <p:nvSpPr>
+          <p:cNvPr id="108" name="Google Shape;108;p22:notes"/>
+          <p:cNvSpPr txBox="1">
+            <a:spLocks noGrp="1"/>
+          </p:cNvSpPr>
+          <p:nvPr>
+            <p:ph type="body" idx="1"/>
+          </p:nvPr>
+        </p:nvSpPr>
+        <p:spPr>
+          <a:xfrm>
+            <a:off x="381000" y="3124200"/>
+            <a:ext cx="6096000" cy="5334000"/>
+          </a:xfrm>
+          <a:prstGeom prst="rect">
+            <a:avLst/>
+          </a:prstGeom>
+          <a:noFill/>
+          <a:ln>
+            <a:noFill/>
+          </a:ln>
+        </p:spPr>
+        <p:txBody>
+          <a:bodyPr spcFirstLastPara="1" wrap="square" lIns="0" tIns="0" rIns="0" bIns="0" anchor="t" anchorCtr="0">
+            <a:noAutofit/>
+          </a:bodyPr>
+          <a:lstStyle/>
+          <a:p>
+            <a:pPr marL="0" lvl="0" indent="0" algn="l" rtl="0">
+              <a:lnSpc>
+                <a:spcPct val="100000"/>
+              </a:lnSpc>
+              <a:spcBef>
+                <a:spcPts val="600"/>
+              </a:spcBef>
+              <a:spcAft>
+                <a:spcPts val="0"/>
+              </a:spcAft>
+              <a:buSzPts val="275"/>
+              <a:buNone/>
+            </a:pPr>
+            <a:endParaRPr/>
+          </a:p>
+        </p:txBody>
+      </p:sp>
+      <p:sp>
+        <p:nvSpPr>
+          <p:cNvPr id="109" name="Google Shape;109;p22:notes"/>
+          <p:cNvSpPr>
+            <a:spLocks noGrp="1" noRot="1" noChangeAspect="1"/>
+          </p:cNvSpPr>
+          <p:nvPr>
+            <p:ph type="sldImg" idx="2"/>
+          </p:nvPr>
+        </p:nvSpPr>
+        <p:spPr>
+          <a:xfrm>
+            <a:off x="381000" y="381000"/>
+            <a:ext cx="4572000" cy="2573338"/>
+          </a:xfrm>
+          <a:custGeom>
+            <a:avLst/>
+            <a:gdLst/>
+            <a:ahLst/>
+            <a:cxnLst/>
+            <a:rect l="l" t="t" r="r" b="b"/>
+            <a:pathLst>
+              <a:path w="120000" h="120000" extrusionOk="0">
+                <a:moveTo>
+                  <a:pt x="0" y="0"/>
+                </a:moveTo>
+                <a:lnTo>
+                  <a:pt x="120000" y="0"/>
+                </a:lnTo>
+                <a:lnTo>
+                  <a:pt x="120000" y="120000"/>
+                </a:lnTo>
+                <a:lnTo>
+                  <a:pt x="0" y="120000"/>
+                </a:lnTo>
+                <a:close/>
+              </a:path>
+            </a:pathLst>
+          </a:custGeom>
+          <a:noFill/>
+          <a:ln w="12700" cap="flat" cmpd="sng">
+            <a:solidFill>
+              <a:srgbClr val="000000"/>
+            </a:solidFill>
+            <a:prstDash val="solid"/>
+            <a:round/>
+            <a:headEnd type="none" w="sm" len="sm"/>
+            <a:tailEnd type="none" w="sm" len="sm"/>
+          </a:ln>
+        </p:spPr>
+      </p:sp>
+    </p:spTree>
+  </p:cSld>
+  <p:clrMapOvr>
+    <a:masterClrMapping/>
+  </p:clrMapOvr>
+</p:notes>
+</file>
+
+<file path=ppt/notesSlides/notesSlide13.xml><?xml version="1.0" encoding="utf-8"?>
+<p:notes xmlns:a="http://schemas.openxmlformats.org/drawingml/2006/main" xmlns:r="http://schemas.openxmlformats.org/officeDocument/2006/relationships" xmlns:p="http://schemas.openxmlformats.org/presentationml/2006/main" showMasterSp="0" showMasterPhAnim="0">
+  <p:cSld>
+    <p:spTree>
+      <p:nvGrpSpPr>
+        <p:cNvPr id="1" name="Shape 114"/>
+        <p:cNvGrpSpPr/>
+        <p:nvPr/>
+      </p:nvGrpSpPr>
+      <p:grpSpPr>
+        <a:xfrm>
+          <a:off x="0" y="0"/>
+          <a:ext cx="0" cy="0"/>
+          <a:chOff x="0" y="0"/>
+          <a:chExt cx="0" cy="0"/>
+        </a:xfrm>
+      </p:grpSpPr>
+      <p:sp>
+        <p:nvSpPr>
+          <p:cNvPr id="115" name="Google Shape;115;p7:notes"/>
+          <p:cNvSpPr txBox="1">
+            <a:spLocks noGrp="1"/>
+          </p:cNvSpPr>
+          <p:nvPr>
+            <p:ph type="body" idx="1"/>
+          </p:nvPr>
+        </p:nvSpPr>
+        <p:spPr>
+          <a:xfrm>
+            <a:off x="381000" y="3124200"/>
+            <a:ext cx="6096000" cy="5334000"/>
+          </a:xfrm>
+          <a:prstGeom prst="rect">
+            <a:avLst/>
+          </a:prstGeom>
+          <a:noFill/>
+          <a:ln>
+            <a:noFill/>
+          </a:ln>
+        </p:spPr>
+        <p:txBody>
+          <a:bodyPr spcFirstLastPara="1" wrap="square" lIns="0" tIns="0" rIns="0" bIns="0" anchor="t" anchorCtr="0">
+            <a:noAutofit/>
+          </a:bodyPr>
+          <a:lstStyle/>
+          <a:p>
+            <a:pPr marL="0" lvl="0" indent="0" algn="l" rtl="0">
+              <a:lnSpc>
+                <a:spcPct val="100000"/>
+              </a:lnSpc>
+              <a:spcBef>
+                <a:spcPts val="600"/>
+              </a:spcBef>
+              <a:spcAft>
+                <a:spcPts val="0"/>
+              </a:spcAft>
+              <a:buSzPts val="275"/>
+              <a:buNone/>
+            </a:pPr>
+            <a:endParaRPr/>
+          </a:p>
+        </p:txBody>
+      </p:sp>
+      <p:sp>
+        <p:nvSpPr>
+          <p:cNvPr id="116" name="Google Shape;116;p7:notes"/>
+          <p:cNvSpPr>
+            <a:spLocks noGrp="1" noRot="1" noChangeAspect="1"/>
+          </p:cNvSpPr>
+          <p:nvPr>
+            <p:ph type="sldImg" idx="2"/>
+          </p:nvPr>
+        </p:nvSpPr>
+        <p:spPr>
+          <a:xfrm>
+            <a:off x="381000" y="381000"/>
+            <a:ext cx="4572000" cy="2573338"/>
+          </a:xfrm>
+          <a:custGeom>
+            <a:avLst/>
+            <a:gdLst/>
+            <a:ahLst/>
+            <a:cxnLst/>
+            <a:rect l="l" t="t" r="r" b="b"/>
+            <a:pathLst>
+              <a:path w="120000" h="120000" extrusionOk="0">
+                <a:moveTo>
+                  <a:pt x="0" y="0"/>
+                </a:moveTo>
+                <a:lnTo>
+                  <a:pt x="120000" y="0"/>
+                </a:lnTo>
+                <a:lnTo>
+                  <a:pt x="120000" y="120000"/>
+                </a:lnTo>
+                <a:lnTo>
+                  <a:pt x="0" y="120000"/>
+                </a:lnTo>
+                <a:close/>
+              </a:path>
+            </a:pathLst>
+          </a:custGeom>
+          <a:noFill/>
+          <a:ln w="12700" cap="flat" cmpd="sng">
+            <a:solidFill>
+              <a:srgbClr val="000000"/>
+            </a:solidFill>
+            <a:prstDash val="solid"/>
+            <a:round/>
+            <a:headEnd type="none" w="sm" len="sm"/>
+            <a:tailEnd type="none" w="sm" len="sm"/>
+          </a:ln>
+        </p:spPr>
+      </p:sp>
+    </p:spTree>
+  </p:cSld>
+  <p:clrMapOvr>
+    <a:masterClrMapping/>
+  </p:clrMapOvr>
+</p:notes>
+</file>
+
+<file path=ppt/notesSlides/notesSlide14.xml><?xml version="1.0" encoding="utf-8"?>
+<p:notes xmlns:a="http://schemas.openxmlformats.org/drawingml/2006/main" xmlns:r="http://schemas.openxmlformats.org/officeDocument/2006/relationships" xmlns:p="http://schemas.openxmlformats.org/presentationml/2006/main" showMasterSp="0" showMasterPhAnim="0">
+  <p:cSld>
+    <p:spTree>
+      <p:nvGrpSpPr>
+        <p:cNvPr id="1" name="Shape 123"/>
+        <p:cNvGrpSpPr/>
+        <p:nvPr/>
+      </p:nvGrpSpPr>
+      <p:grpSpPr>
+        <a:xfrm>
+          <a:off x="0" y="0"/>
+          <a:ext cx="0" cy="0"/>
+          <a:chOff x="0" y="0"/>
+          <a:chExt cx="0" cy="0"/>
+        </a:xfrm>
+      </p:grpSpPr>
+      <p:sp>
+        <p:nvSpPr>
+          <p:cNvPr id="124" name="Google Shape;124;p8:notes"/>
+          <p:cNvSpPr txBox="1">
+            <a:spLocks noGrp="1"/>
+          </p:cNvSpPr>
+          <p:nvPr>
+            <p:ph type="body" idx="1"/>
+          </p:nvPr>
+        </p:nvSpPr>
+        <p:spPr>
+          <a:xfrm>
+            <a:off x="381000" y="3124200"/>
+            <a:ext cx="6096000" cy="5334000"/>
+          </a:xfrm>
+          <a:prstGeom prst="rect">
+            <a:avLst/>
+          </a:prstGeom>
+          <a:noFill/>
+          <a:ln>
+            <a:noFill/>
+          </a:ln>
+        </p:spPr>
+        <p:txBody>
+          <a:bodyPr spcFirstLastPara="1" wrap="square" lIns="0" tIns="0" rIns="0" bIns="0" anchor="t" anchorCtr="0">
+            <a:noAutofit/>
+          </a:bodyPr>
+          <a:lstStyle/>
+          <a:p>
+            <a:pPr marL="0" lvl="0" indent="0" algn="l" rtl="0">
+              <a:lnSpc>
+                <a:spcPct val="100000"/>
+              </a:lnSpc>
+              <a:spcBef>
+                <a:spcPts val="600"/>
+              </a:spcBef>
+              <a:spcAft>
+                <a:spcPts val="0"/>
+              </a:spcAft>
+              <a:buSzPts val="275"/>
+              <a:buNone/>
+            </a:pPr>
+            <a:endParaRPr/>
+          </a:p>
+        </p:txBody>
+      </p:sp>
+      <p:sp>
+        <p:nvSpPr>
+          <p:cNvPr id="125" name="Google Shape;125;p8:notes"/>
+          <p:cNvSpPr>
+            <a:spLocks noGrp="1" noRot="1" noChangeAspect="1"/>
+          </p:cNvSpPr>
+          <p:nvPr>
+            <p:ph type="sldImg" idx="2"/>
+          </p:nvPr>
+        </p:nvSpPr>
+        <p:spPr>
+          <a:xfrm>
+            <a:off x="381000" y="381000"/>
+            <a:ext cx="4572000" cy="2573338"/>
+          </a:xfrm>
+          <a:custGeom>
+            <a:avLst/>
+            <a:gdLst/>
+            <a:ahLst/>
+            <a:cxnLst/>
+            <a:rect l="l" t="t" r="r" b="b"/>
+            <a:pathLst>
+              <a:path w="120000" h="120000" extrusionOk="0">
+                <a:moveTo>
+                  <a:pt x="0" y="0"/>
+                </a:moveTo>
+                <a:lnTo>
+                  <a:pt x="120000" y="0"/>
+                </a:lnTo>
+                <a:lnTo>
+                  <a:pt x="120000" y="120000"/>
+                </a:lnTo>
+                <a:lnTo>
+                  <a:pt x="0" y="120000"/>
+                </a:lnTo>
+                <a:close/>
+              </a:path>
+            </a:pathLst>
+          </a:custGeom>
+          <a:noFill/>
+          <a:ln w="12700" cap="flat" cmpd="sng">
+            <a:solidFill>
+              <a:srgbClr val="000000"/>
+            </a:solidFill>
+            <a:prstDash val="solid"/>
+            <a:round/>
+            <a:headEnd type="none" w="sm" len="sm"/>
+            <a:tailEnd type="none" w="sm" len="sm"/>
+          </a:ln>
+        </p:spPr>
+      </p:sp>
+    </p:spTree>
+  </p:cSld>
+  <p:clrMapOvr>
+    <a:masterClrMapping/>
+  </p:clrMapOvr>
+</p:notes>
+</file>
+
+<file path=ppt/notesSlides/notesSlide15.xml><?xml version="1.0" encoding="utf-8"?>
+<p:notes xmlns:a="http://schemas.openxmlformats.org/drawingml/2006/main" xmlns:r="http://schemas.openxmlformats.org/officeDocument/2006/relationships" xmlns:p="http://schemas.openxmlformats.org/presentationml/2006/main" showMasterSp="0" showMasterPhAnim="0">
+  <p:cSld>
+    <p:spTree>
+      <p:nvGrpSpPr>
+        <p:cNvPr id="1" name="Shape 130"/>
+        <p:cNvGrpSpPr/>
+        <p:nvPr/>
+      </p:nvGrpSpPr>
+      <p:grpSpPr>
+        <a:xfrm>
+          <a:off x="0" y="0"/>
+          <a:ext cx="0" cy="0"/>
+          <a:chOff x="0" y="0"/>
+          <a:chExt cx="0" cy="0"/>
+        </a:xfrm>
+      </p:grpSpPr>
+      <p:sp>
+        <p:nvSpPr>
+          <p:cNvPr id="131" name="Google Shape;131;p24:notes"/>
+          <p:cNvSpPr txBox="1">
+            <a:spLocks noGrp="1"/>
+          </p:cNvSpPr>
+          <p:nvPr>
+            <p:ph type="body" idx="1"/>
+          </p:nvPr>
+        </p:nvSpPr>
+        <p:spPr>
+          <a:xfrm>
+            <a:off x="381000" y="3124200"/>
+            <a:ext cx="6096000" cy="5334000"/>
+          </a:xfrm>
+          <a:prstGeom prst="rect">
+            <a:avLst/>
+          </a:prstGeom>
+          <a:noFill/>
+          <a:ln>
+            <a:noFill/>
+          </a:ln>
+        </p:spPr>
+        <p:txBody>
+          <a:bodyPr spcFirstLastPara="1" wrap="square" lIns="0" tIns="0" rIns="0" bIns="0" anchor="t" anchorCtr="0">
+            <a:noAutofit/>
+          </a:bodyPr>
+          <a:lstStyle/>
+          <a:p>
+            <a:pPr marL="0" lvl="0" indent="0" algn="l" rtl="0">
+              <a:lnSpc>
+                <a:spcPct val="100000"/>
+              </a:lnSpc>
+              <a:spcBef>
+                <a:spcPts val="600"/>
+              </a:spcBef>
+              <a:spcAft>
+                <a:spcPts val="0"/>
+              </a:spcAft>
+              <a:buSzPts val="275"/>
+              <a:buNone/>
+            </a:pPr>
+            <a:endParaRPr/>
+          </a:p>
+        </p:txBody>
+      </p:sp>
+      <p:sp>
+        <p:nvSpPr>
+          <p:cNvPr id="132" name="Google Shape;132;p24:notes"/>
+          <p:cNvSpPr>
+            <a:spLocks noGrp="1" noRot="1" noChangeAspect="1"/>
+          </p:cNvSpPr>
+          <p:nvPr>
+            <p:ph type="sldImg" idx="2"/>
+          </p:nvPr>
+        </p:nvSpPr>
+        <p:spPr>
+          <a:xfrm>
+            <a:off x="381000" y="381000"/>
+            <a:ext cx="4572000" cy="2573338"/>
+          </a:xfrm>
+          <a:custGeom>
+            <a:avLst/>
+            <a:gdLst/>
+            <a:ahLst/>
+            <a:cxnLst/>
+            <a:rect l="l" t="t" r="r" b="b"/>
+            <a:pathLst>
+              <a:path w="120000" h="120000" extrusionOk="0">
+                <a:moveTo>
+                  <a:pt x="0" y="0"/>
+                </a:moveTo>
+                <a:lnTo>
+                  <a:pt x="120000" y="0"/>
+                </a:lnTo>
+                <a:lnTo>
+                  <a:pt x="120000" y="120000"/>
+                </a:lnTo>
+                <a:lnTo>
+                  <a:pt x="0" y="120000"/>
+                </a:lnTo>
+                <a:close/>
+              </a:path>
+            </a:pathLst>
+          </a:custGeom>
+          <a:noFill/>
+          <a:ln w="12700" cap="flat" cmpd="sng">
+            <a:solidFill>
+              <a:srgbClr val="000000"/>
+            </a:solidFill>
+            <a:prstDash val="solid"/>
+            <a:round/>
+            <a:headEnd type="none" w="sm" len="sm"/>
+            <a:tailEnd type="none" w="sm" len="sm"/>
+          </a:ln>
+        </p:spPr>
+      </p:sp>
+    </p:spTree>
+  </p:cSld>
+  <p:clrMapOvr>
+    <a:masterClrMapping/>
+  </p:clrMapOvr>
+</p:notes>
+</file>
+
+<file path=ppt/notesSlides/notesSlide16.xml><?xml version="1.0" encoding="utf-8"?>
+<p:notes xmlns:a="http://schemas.openxmlformats.org/drawingml/2006/main" xmlns:r="http://schemas.openxmlformats.org/officeDocument/2006/relationships" xmlns:p="http://schemas.openxmlformats.org/presentationml/2006/main" showMasterSp="0" showMasterPhAnim="0">
+  <p:cSld>
+    <p:spTree>
+      <p:nvGrpSpPr>
+        <p:cNvPr id="1" name="Shape 137"/>
+        <p:cNvGrpSpPr/>
+        <p:nvPr/>
+      </p:nvGrpSpPr>
+      <p:grpSpPr>
+        <a:xfrm>
+          <a:off x="0" y="0"/>
+          <a:ext cx="0" cy="0"/>
+          <a:chOff x="0" y="0"/>
+          <a:chExt cx="0" cy="0"/>
+        </a:xfrm>
+      </p:grpSpPr>
+      <p:sp>
+        <p:nvSpPr>
+          <p:cNvPr id="138" name="Google Shape;138;p11:notes"/>
+          <p:cNvSpPr txBox="1">
+            <a:spLocks noGrp="1"/>
+          </p:cNvSpPr>
+          <p:nvPr>
+            <p:ph type="body" idx="1"/>
+          </p:nvPr>
+        </p:nvSpPr>
+        <p:spPr>
+          <a:xfrm>
+            <a:off x="381000" y="3124200"/>
+            <a:ext cx="6096000" cy="5334000"/>
+          </a:xfrm>
+          <a:prstGeom prst="rect">
+            <a:avLst/>
+          </a:prstGeom>
+          <a:noFill/>
+          <a:ln>
+            <a:noFill/>
+          </a:ln>
+        </p:spPr>
+        <p:txBody>
+          <a:bodyPr spcFirstLastPara="1" wrap="square" lIns="0" tIns="0" rIns="0" bIns="0" anchor="t" anchorCtr="0">
+            <a:noAutofit/>
+          </a:bodyPr>
+          <a:lstStyle/>
+          <a:p>
+            <a:pPr marL="0" lvl="0" indent="0" algn="l" rtl="0">
+              <a:lnSpc>
+                <a:spcPct val="100000"/>
+              </a:lnSpc>
+              <a:spcBef>
+                <a:spcPts val="600"/>
+              </a:spcBef>
+              <a:spcAft>
+                <a:spcPts val="0"/>
+              </a:spcAft>
+              <a:buSzPts val="275"/>
+              <a:buNone/>
+            </a:pPr>
+            <a:endParaRPr/>
+          </a:p>
+        </p:txBody>
+      </p:sp>
+      <p:sp>
+        <p:nvSpPr>
+          <p:cNvPr id="139" name="Google Shape;139;p11:notes"/>
+          <p:cNvSpPr>
+            <a:spLocks noGrp="1" noRot="1" noChangeAspect="1"/>
+          </p:cNvSpPr>
+          <p:nvPr>
+            <p:ph type="sldImg" idx="2"/>
+          </p:nvPr>
+        </p:nvSpPr>
+        <p:spPr>
+          <a:xfrm>
+            <a:off x="381000" y="381000"/>
+            <a:ext cx="4572000" cy="2573338"/>
+          </a:xfrm>
+          <a:custGeom>
+            <a:avLst/>
+            <a:gdLst/>
+            <a:ahLst/>
+            <a:cxnLst/>
+            <a:rect l="l" t="t" r="r" b="b"/>
+            <a:pathLst>
+              <a:path w="120000" h="120000" extrusionOk="0">
+                <a:moveTo>
+                  <a:pt x="0" y="0"/>
+                </a:moveTo>
+                <a:lnTo>
+                  <a:pt x="120000" y="0"/>
+                </a:lnTo>
+                <a:lnTo>
+                  <a:pt x="120000" y="120000"/>
+                </a:lnTo>
+                <a:lnTo>
+                  <a:pt x="0" y="120000"/>
+                </a:lnTo>
+                <a:close/>
+              </a:path>
+            </a:pathLst>
+          </a:custGeom>
+          <a:noFill/>
+          <a:ln w="12700" cap="flat" cmpd="sng">
+            <a:solidFill>
+              <a:srgbClr val="000000"/>
+            </a:solidFill>
+            <a:prstDash val="solid"/>
+            <a:round/>
+            <a:headEnd type="none" w="sm" len="sm"/>
+            <a:tailEnd type="none" w="sm" len="sm"/>
+          </a:ln>
+        </p:spPr>
+      </p:sp>
+    </p:spTree>
+  </p:cSld>
+  <p:clrMapOvr>
+    <a:masterClrMapping/>
+  </p:clrMapOvr>
+</p:notes>
+</file>
+
+<file path=ppt/notesSlides/notesSlide17.xml><?xml version="1.0" encoding="utf-8"?>
+<p:notes xmlns:a="http://schemas.openxmlformats.org/drawingml/2006/main" xmlns:r="http://schemas.openxmlformats.org/officeDocument/2006/relationships" xmlns:p="http://schemas.openxmlformats.org/presentationml/2006/main" showMasterSp="0" showMasterPhAnim="0">
+  <p:cSld>
+    <p:spTree>
+      <p:nvGrpSpPr>
         <p:cNvPr id="1" name="Shape 148"/>
         <p:cNvGrpSpPr/>
         <p:nvPr/>
@@ -1715,7 +2330,7 @@
 </p:notes>
 </file>
 
-<file path=ppt/notesSlides/notesSlide13.xml><?xml version="1.0" encoding="utf-8"?>
+<file path=ppt/notesSlides/notesSlide18.xml><?xml version="1.0" encoding="utf-8"?>
 <p:notes xmlns:a="http://schemas.openxmlformats.org/drawingml/2006/main" xmlns:r="http://schemas.openxmlformats.org/officeDocument/2006/relationships" xmlns:p="http://schemas.openxmlformats.org/presentationml/2006/main" showMasterSp="0" showMasterPhAnim="0">
   <p:cSld>
     <p:spTree>
@@ -1838,128 +2453,6 @@
 </file>
 
 <file path=ppt/notesSlides/notesSlide2.xml><?xml version="1.0" encoding="utf-8"?>
-<p:notes xmlns:a="http://schemas.openxmlformats.org/drawingml/2006/main" xmlns:r="http://schemas.openxmlformats.org/officeDocument/2006/relationships" xmlns:p="http://schemas.openxmlformats.org/presentationml/2006/main" showMasterSp="0" showMasterPhAnim="0">
-  <p:cSld>
-    <p:spTree>
-      <p:nvGrpSpPr>
-        <p:cNvPr id="1" name="Shape 80"/>
-        <p:cNvGrpSpPr/>
-        <p:nvPr/>
-      </p:nvGrpSpPr>
-      <p:grpSpPr>
-        <a:xfrm>
-          <a:off x="0" y="0"/>
-          <a:ext cx="0" cy="0"/>
-          <a:chOff x="0" y="0"/>
-          <a:chExt cx="0" cy="0"/>
-        </a:xfrm>
-      </p:grpSpPr>
-      <p:sp>
-        <p:nvSpPr>
-          <p:cNvPr id="81" name="Google Shape;81;p2:notes"/>
-          <p:cNvSpPr txBox="1">
-            <a:spLocks noGrp="1"/>
-          </p:cNvSpPr>
-          <p:nvPr>
-            <p:ph type="body" idx="1"/>
-          </p:nvPr>
-        </p:nvSpPr>
-        <p:spPr>
-          <a:xfrm>
-            <a:off x="381000" y="3124200"/>
-            <a:ext cx="6096000" cy="5334000"/>
-          </a:xfrm>
-          <a:prstGeom prst="rect">
-            <a:avLst/>
-          </a:prstGeom>
-          <a:noFill/>
-          <a:ln>
-            <a:noFill/>
-          </a:ln>
-        </p:spPr>
-        <p:txBody>
-          <a:bodyPr spcFirstLastPara="1" wrap="square" lIns="0" tIns="0" rIns="0" bIns="0" anchor="t" anchorCtr="0">
-            <a:noAutofit/>
-          </a:bodyPr>
-          <a:lstStyle/>
-          <a:p>
-            <a:pPr marL="0" lvl="0" indent="0" algn="l" rtl="0">
-              <a:lnSpc>
-                <a:spcPct val="100000"/>
-              </a:lnSpc>
-              <a:spcBef>
-                <a:spcPts val="600"/>
-              </a:spcBef>
-              <a:spcAft>
-                <a:spcPts val="0"/>
-              </a:spcAft>
-              <a:buSzPts val="275"/>
-              <a:buNone/>
-            </a:pPr>
-            <a:endParaRPr/>
-          </a:p>
-        </p:txBody>
-      </p:sp>
-      <p:sp>
-        <p:nvSpPr>
-          <p:cNvPr id="82" name="Google Shape;82;p2:notes"/>
-          <p:cNvSpPr>
-            <a:spLocks noGrp="1" noRot="1" noChangeAspect="1"/>
-          </p:cNvSpPr>
-          <p:nvPr>
-            <p:ph type="sldImg" idx="2"/>
-          </p:nvPr>
-        </p:nvSpPr>
-        <p:spPr>
-          <a:xfrm>
-            <a:off x="381000" y="381000"/>
-            <a:ext cx="4572000" cy="2573338"/>
-          </a:xfrm>
-          <a:custGeom>
-            <a:avLst/>
-            <a:gdLst/>
-            <a:ahLst/>
-            <a:cxnLst/>
-            <a:rect l="l" t="t" r="r" b="b"/>
-            <a:pathLst>
-              <a:path w="120000" h="120000" extrusionOk="0">
-                <a:moveTo>
-                  <a:pt x="0" y="0"/>
-                </a:moveTo>
-                <a:lnTo>
-                  <a:pt x="120000" y="0"/>
-                </a:lnTo>
-                <a:lnTo>
-                  <a:pt x="120000" y="120000"/>
-                </a:lnTo>
-                <a:lnTo>
-                  <a:pt x="0" y="120000"/>
-                </a:lnTo>
-                <a:close/>
-              </a:path>
-            </a:pathLst>
-          </a:custGeom>
-          <a:noFill/>
-          <a:ln w="12700" cap="flat" cmpd="sng">
-            <a:solidFill>
-              <a:srgbClr val="000000"/>
-            </a:solidFill>
-            <a:prstDash val="solid"/>
-            <a:round/>
-            <a:headEnd type="none" w="sm" len="sm"/>
-            <a:tailEnd type="none" w="sm" len="sm"/>
-          </a:ln>
-        </p:spPr>
-      </p:sp>
-    </p:spTree>
-  </p:cSld>
-  <p:clrMapOvr>
-    <a:masterClrMapping/>
-  </p:clrMapOvr>
-</p:notes>
-</file>
-
-<file path=ppt/notesSlides/notesSlide3.xml><?xml version="1.0" encoding="utf-8"?>
 <p:notes xmlns:a="http://schemas.openxmlformats.org/drawingml/2006/main" xmlns:r="http://schemas.openxmlformats.org/officeDocument/2006/relationships" xmlns:p="http://schemas.openxmlformats.org/presentationml/2006/main" showMasterSp="0" showMasterPhAnim="0">
   <p:cSld>
     <p:spTree>
@@ -2121,7 +2614,7 @@
             </a:pPr>
             <a:fld id="{00000000-1234-1234-1234-123412341234}" type="slidenum">
               <a:rPr lang="en-US"/>
-              <a:t>3</a:t>
+              <a:t>2</a:t>
             </a:fld>
             <a:endParaRPr/>
           </a:p>
@@ -2135,7 +2628,7 @@
 </p:notes>
 </file>
 
-<file path=ppt/notesSlides/notesSlide4.xml><?xml version="1.0" encoding="utf-8"?>
+<file path=ppt/notesSlides/notesSlide3.xml><?xml version="1.0" encoding="utf-8"?>
 <p:notes xmlns:a="http://schemas.openxmlformats.org/drawingml/2006/main" xmlns:r="http://schemas.openxmlformats.org/officeDocument/2006/relationships" xmlns:p="http://schemas.openxmlformats.org/presentationml/2006/main" showMasterSp="0" showMasterPhAnim="0">
   <p:cSld>
     <p:spTree>
@@ -2257,12 +2750,12 @@
 </p:notes>
 </file>
 
-<file path=ppt/notesSlides/notesSlide5.xml><?xml version="1.0" encoding="utf-8"?>
+<file path=ppt/notesSlides/notesSlide4.xml><?xml version="1.0" encoding="utf-8"?>
 <p:notes xmlns:a="http://schemas.openxmlformats.org/drawingml/2006/main" xmlns:r="http://schemas.openxmlformats.org/officeDocument/2006/relationships" xmlns:p="http://schemas.openxmlformats.org/presentationml/2006/main" showMasterSp="0" showMasterPhAnim="0">
   <p:cSld>
     <p:spTree>
       <p:nvGrpSpPr>
-        <p:cNvPr id="1" name="Shape 101"/>
+        <p:cNvPr id="1" name="Shape 142"/>
         <p:cNvGrpSpPr/>
         <p:nvPr/>
       </p:nvGrpSpPr>
@@ -2276,7 +2769,7 @@
       </p:grpSpPr>
       <p:sp>
         <p:nvSpPr>
-          <p:cNvPr id="102" name="Google Shape;102;p6:notes"/>
+          <p:cNvPr id="143" name="Google Shape;143;p12:notes"/>
           <p:cNvSpPr txBox="1">
             <a:spLocks noGrp="1"/>
           </p:cNvSpPr>
@@ -2322,7 +2815,7 @@
       </p:sp>
       <p:sp>
         <p:nvSpPr>
-          <p:cNvPr id="103" name="Google Shape;103;p6:notes"/>
+          <p:cNvPr id="144" name="Google Shape;144;p12:notes"/>
           <p:cNvSpPr>
             <a:spLocks noGrp="1" noRot="1" noChangeAspect="1"/>
           </p:cNvSpPr>
@@ -2372,6 +2865,11 @@
         </p:spPr>
       </p:sp>
     </p:spTree>
+    <p:extLst>
+      <p:ext uri="{BB962C8B-B14F-4D97-AF65-F5344CB8AC3E}">
+        <p14:creationId xmlns:p14="http://schemas.microsoft.com/office/powerpoint/2010/main" val="2875197748"/>
+      </p:ext>
+    </p:extLst>
   </p:cSld>
   <p:clrMapOvr>
     <a:masterClrMapping/>
@@ -2379,12 +2877,12 @@
 </p:notes>
 </file>
 
-<file path=ppt/notesSlides/notesSlide6.xml><?xml version="1.0" encoding="utf-8"?>
+<file path=ppt/notesSlides/notesSlide5.xml><?xml version="1.0" encoding="utf-8"?>
 <p:notes xmlns:a="http://schemas.openxmlformats.org/drawingml/2006/main" xmlns:r="http://schemas.openxmlformats.org/officeDocument/2006/relationships" xmlns:p="http://schemas.openxmlformats.org/presentationml/2006/main" showMasterSp="0" showMasterPhAnim="0">
   <p:cSld>
     <p:spTree>
       <p:nvGrpSpPr>
-        <p:cNvPr id="1" name="Shape 107"/>
+        <p:cNvPr id="1" name="Shape 95"/>
         <p:cNvGrpSpPr/>
         <p:nvPr/>
       </p:nvGrpSpPr>
@@ -2398,7 +2896,7 @@
       </p:grpSpPr>
       <p:sp>
         <p:nvSpPr>
-          <p:cNvPr id="108" name="Google Shape;108;p22:notes"/>
+          <p:cNvPr id="96" name="Google Shape;96;p3:notes"/>
           <p:cNvSpPr txBox="1">
             <a:spLocks noGrp="1"/>
           </p:cNvSpPr>
@@ -2444,7 +2942,7 @@
       </p:sp>
       <p:sp>
         <p:nvSpPr>
-          <p:cNvPr id="109" name="Google Shape;109;p22:notes"/>
+          <p:cNvPr id="97" name="Google Shape;97;p3:notes"/>
           <p:cNvSpPr>
             <a:spLocks noGrp="1" noRot="1" noChangeAspect="1"/>
           </p:cNvSpPr>
@@ -2494,6 +2992,11 @@
         </p:spPr>
       </p:sp>
     </p:spTree>
+    <p:extLst>
+      <p:ext uri="{BB962C8B-B14F-4D97-AF65-F5344CB8AC3E}">
+        <p14:creationId xmlns:p14="http://schemas.microsoft.com/office/powerpoint/2010/main" val="1558777692"/>
+      </p:ext>
+    </p:extLst>
   </p:cSld>
   <p:clrMapOvr>
     <a:masterClrMapping/>
@@ -2501,12 +3004,12 @@
 </p:notes>
 </file>
 
-<file path=ppt/notesSlides/notesSlide7.xml><?xml version="1.0" encoding="utf-8"?>
+<file path=ppt/notesSlides/notesSlide6.xml><?xml version="1.0" encoding="utf-8"?>
 <p:notes xmlns:a="http://schemas.openxmlformats.org/drawingml/2006/main" xmlns:r="http://schemas.openxmlformats.org/officeDocument/2006/relationships" xmlns:p="http://schemas.openxmlformats.org/presentationml/2006/main" showMasterSp="0" showMasterPhAnim="0">
   <p:cSld>
     <p:spTree>
       <p:nvGrpSpPr>
-        <p:cNvPr id="1" name="Shape 114"/>
+        <p:cNvPr id="1" name="Shape 142"/>
         <p:cNvGrpSpPr/>
         <p:nvPr/>
       </p:nvGrpSpPr>
@@ -2520,7 +3023,7 @@
       </p:grpSpPr>
       <p:sp>
         <p:nvSpPr>
-          <p:cNvPr id="115" name="Google Shape;115;p7:notes"/>
+          <p:cNvPr id="143" name="Google Shape;143;p12:notes"/>
           <p:cNvSpPr txBox="1">
             <a:spLocks noGrp="1"/>
           </p:cNvSpPr>
@@ -2566,7 +3069,7 @@
       </p:sp>
       <p:sp>
         <p:nvSpPr>
-          <p:cNvPr id="116" name="Google Shape;116;p7:notes"/>
+          <p:cNvPr id="144" name="Google Shape;144;p12:notes"/>
           <p:cNvSpPr>
             <a:spLocks noGrp="1" noRot="1" noChangeAspect="1"/>
           </p:cNvSpPr>
@@ -2616,6 +3119,11 @@
         </p:spPr>
       </p:sp>
     </p:spTree>
+    <p:extLst>
+      <p:ext uri="{BB962C8B-B14F-4D97-AF65-F5344CB8AC3E}">
+        <p14:creationId xmlns:p14="http://schemas.microsoft.com/office/powerpoint/2010/main" val="2984564809"/>
+      </p:ext>
+    </p:extLst>
   </p:cSld>
   <p:clrMapOvr>
     <a:masterClrMapping/>
@@ -2623,12 +3131,12 @@
 </p:notes>
 </file>
 
-<file path=ppt/notesSlides/notesSlide8.xml><?xml version="1.0" encoding="utf-8"?>
+<file path=ppt/notesSlides/notesSlide7.xml><?xml version="1.0" encoding="utf-8"?>
 <p:notes xmlns:a="http://schemas.openxmlformats.org/drawingml/2006/main" xmlns:r="http://schemas.openxmlformats.org/officeDocument/2006/relationships" xmlns:p="http://schemas.openxmlformats.org/presentationml/2006/main" showMasterSp="0" showMasterPhAnim="0">
   <p:cSld>
     <p:spTree>
       <p:nvGrpSpPr>
-        <p:cNvPr id="1" name="Shape 123"/>
+        <p:cNvPr id="1" name="Shape 142"/>
         <p:cNvGrpSpPr/>
         <p:nvPr/>
       </p:nvGrpSpPr>
@@ -2642,7 +3150,7 @@
       </p:grpSpPr>
       <p:sp>
         <p:nvSpPr>
-          <p:cNvPr id="124" name="Google Shape;124;p8:notes"/>
+          <p:cNvPr id="143" name="Google Shape;143;p12:notes"/>
           <p:cNvSpPr txBox="1">
             <a:spLocks noGrp="1"/>
           </p:cNvSpPr>
@@ -2688,7 +3196,7 @@
       </p:sp>
       <p:sp>
         <p:nvSpPr>
-          <p:cNvPr id="125" name="Google Shape;125;p8:notes"/>
+          <p:cNvPr id="144" name="Google Shape;144;p12:notes"/>
           <p:cNvSpPr>
             <a:spLocks noGrp="1" noRot="1" noChangeAspect="1"/>
           </p:cNvSpPr>
@@ -2738,6 +3246,11 @@
         </p:spPr>
       </p:sp>
     </p:spTree>
+    <p:extLst>
+      <p:ext uri="{BB962C8B-B14F-4D97-AF65-F5344CB8AC3E}">
+        <p14:creationId xmlns:p14="http://schemas.microsoft.com/office/powerpoint/2010/main" val="2174514130"/>
+      </p:ext>
+    </p:extLst>
   </p:cSld>
   <p:clrMapOvr>
     <a:masterClrMapping/>
@@ -2745,12 +3258,12 @@
 </p:notes>
 </file>
 
-<file path=ppt/notesSlides/notesSlide9.xml><?xml version="1.0" encoding="utf-8"?>
+<file path=ppt/notesSlides/notesSlide8.xml><?xml version="1.0" encoding="utf-8"?>
 <p:notes xmlns:a="http://schemas.openxmlformats.org/drawingml/2006/main" xmlns:r="http://schemas.openxmlformats.org/officeDocument/2006/relationships" xmlns:p="http://schemas.openxmlformats.org/presentationml/2006/main" showMasterSp="0" showMasterPhAnim="0">
   <p:cSld>
     <p:spTree>
       <p:nvGrpSpPr>
-        <p:cNvPr id="1" name="Shape 130"/>
+        <p:cNvPr id="1" name="Shape 142"/>
         <p:cNvGrpSpPr/>
         <p:nvPr/>
       </p:nvGrpSpPr>
@@ -2764,7 +3277,7 @@
       </p:grpSpPr>
       <p:sp>
         <p:nvSpPr>
-          <p:cNvPr id="131" name="Google Shape;131;p24:notes"/>
+          <p:cNvPr id="143" name="Google Shape;143;p12:notes"/>
           <p:cNvSpPr txBox="1">
             <a:spLocks noGrp="1"/>
           </p:cNvSpPr>
@@ -2810,7 +3323,7 @@
       </p:sp>
       <p:sp>
         <p:nvSpPr>
-          <p:cNvPr id="132" name="Google Shape;132;p24:notes"/>
+          <p:cNvPr id="144" name="Google Shape;144;p12:notes"/>
           <p:cNvSpPr>
             <a:spLocks noGrp="1" noRot="1" noChangeAspect="1"/>
           </p:cNvSpPr>
@@ -2860,6 +3373,11 @@
         </p:spPr>
       </p:sp>
     </p:spTree>
+    <p:extLst>
+      <p:ext uri="{BB962C8B-B14F-4D97-AF65-F5344CB8AC3E}">
+        <p14:creationId xmlns:p14="http://schemas.microsoft.com/office/powerpoint/2010/main" val="1072534020"/>
+      </p:ext>
+    </p:extLst>
   </p:cSld>
   <p:clrMapOvr>
     <a:masterClrMapping/>
@@ -2867,12 +3385,12 @@
 </p:notes>
 </file>
 
-<file path=ppt/slideLayouts/slideLayout1.xml><?xml version="1.0" encoding="utf-8"?>
-<p:sldLayout xmlns:a="http://schemas.openxmlformats.org/drawingml/2006/main" xmlns:r="http://schemas.openxmlformats.org/officeDocument/2006/relationships" xmlns:p="http://schemas.openxmlformats.org/presentationml/2006/main" showMasterSp="0" matchingName="Title Slide 2">
-  <p:cSld name="Title Slide 2">
+<file path=ppt/notesSlides/notesSlide9.xml><?xml version="1.0" encoding="utf-8"?>
+<p:notes xmlns:a="http://schemas.openxmlformats.org/drawingml/2006/main" xmlns:r="http://schemas.openxmlformats.org/officeDocument/2006/relationships" xmlns:p="http://schemas.openxmlformats.org/presentationml/2006/main" showMasterSp="0" showMasterPhAnim="0">
+  <p:cSld>
     <p:spTree>
       <p:nvGrpSpPr>
-        <p:cNvPr id="1" name="Shape 12"/>
+        <p:cNvPr id="1" name="Shape 142"/>
         <p:cNvGrpSpPr/>
         <p:nvPr/>
       </p:nvGrpSpPr>
@@ -2884,283 +3402,20 @@
           <a:chExt cx="0" cy="0"/>
         </a:xfrm>
       </p:grpSpPr>
-      <p:pic>
-        <p:nvPicPr>
-          <p:cNvPr id="13" name="Google Shape;13;p19"/>
-          <p:cNvPicPr preferRelativeResize="0"/>
-          <p:nvPr/>
-        </p:nvPicPr>
-        <p:blipFill rotWithShape="1">
-          <a:blip r:embed="rId2">
-            <a:alphaModFix/>
-          </a:blip>
-          <a:srcRect/>
-          <a:stretch/>
-        </p:blipFill>
-        <p:spPr>
-          <a:xfrm>
-            <a:off x="0" y="0"/>
-            <a:ext cx="12192000" cy="6858000"/>
-          </a:xfrm>
-          <a:prstGeom prst="rect">
-            <a:avLst/>
-          </a:prstGeom>
-          <a:noFill/>
-          <a:ln>
-            <a:noFill/>
-          </a:ln>
-        </p:spPr>
-      </p:pic>
       <p:sp>
         <p:nvSpPr>
-          <p:cNvPr id="14" name="Google Shape;14;p19"/>
-          <p:cNvSpPr/>
-          <p:nvPr/>
-        </p:nvSpPr>
-        <p:spPr>
-          <a:xfrm rot="10800000">
-            <a:off x="0" y="0"/>
-            <a:ext cx="12192000" cy="4191000"/>
-          </a:xfrm>
-          <a:prstGeom prst="rect">
-            <a:avLst/>
-          </a:prstGeom>
-          <a:gradFill>
-            <a:gsLst>
-              <a:gs pos="0">
-                <a:srgbClr val="000000">
-                  <a:alpha val="0"/>
-                </a:srgbClr>
-              </a:gs>
-              <a:gs pos="100000">
-                <a:srgbClr val="000000">
-                  <a:alpha val="48235"/>
-                </a:srgbClr>
-              </a:gs>
-            </a:gsLst>
-            <a:lin ang="5400000" scaled="0"/>
-          </a:gradFill>
-          <a:ln>
-            <a:noFill/>
-          </a:ln>
-        </p:spPr>
-        <p:txBody>
-          <a:bodyPr spcFirstLastPara="1" wrap="square" lIns="91425" tIns="45700" rIns="91425" bIns="45700" anchor="ctr" anchorCtr="0">
-            <a:noAutofit/>
-          </a:bodyPr>
-          <a:lstStyle/>
-          <a:p>
-            <a:pPr marL="0" marR="0" lvl="0" indent="0" algn="ctr" rtl="0">
-              <a:lnSpc>
-                <a:spcPct val="90000"/>
-              </a:lnSpc>
-              <a:spcBef>
-                <a:spcPts val="0"/>
-              </a:spcBef>
-              <a:spcAft>
-                <a:spcPts val="0"/>
-              </a:spcAft>
-              <a:buClr>
-                <a:srgbClr val="000000"/>
-              </a:buClr>
-              <a:buSzPts val="1800"/>
-              <a:buFont typeface="Arial"/>
-              <a:buNone/>
-            </a:pPr>
-            <a:endParaRPr sz="1800" b="0" i="0" u="none" strike="noStrike" cap="none">
-              <a:solidFill>
-                <a:schemeClr val="lt1"/>
-              </a:solidFill>
-              <a:latin typeface="Arial"/>
-              <a:ea typeface="Arial"/>
-              <a:cs typeface="Arial"/>
-              <a:sym typeface="Arial"/>
-            </a:endParaRPr>
-          </a:p>
-        </p:txBody>
-      </p:sp>
-      <p:sp>
-        <p:nvSpPr>
-          <p:cNvPr id="15" name="Google Shape;15;p19"/>
+          <p:cNvPr id="143" name="Google Shape;143;p12:notes"/>
           <p:cNvSpPr txBox="1">
             <a:spLocks noGrp="1"/>
           </p:cNvSpPr>
           <p:nvPr>
-            <p:ph type="title"/>
+            <p:ph type="body" idx="1"/>
           </p:nvPr>
         </p:nvSpPr>
         <p:spPr>
           <a:xfrm>
-            <a:off x="610392" y="1752600"/>
-            <a:ext cx="8914608" cy="990599"/>
-          </a:xfrm>
-          <a:prstGeom prst="rect">
-            <a:avLst/>
-          </a:prstGeom>
-          <a:noFill/>
-          <a:ln>
-            <a:noFill/>
-          </a:ln>
-        </p:spPr>
-        <p:txBody>
-          <a:bodyPr spcFirstLastPara="1" wrap="square" lIns="0" tIns="0" rIns="0" bIns="0" anchor="b" anchorCtr="0">
-            <a:noAutofit/>
-          </a:bodyPr>
-          <a:lstStyle>
-            <a:lvl1pPr lvl="0" algn="l">
-              <a:lnSpc>
-                <a:spcPct val="80000"/>
-              </a:lnSpc>
-              <a:spcBef>
-                <a:spcPts val="0"/>
-              </a:spcBef>
-              <a:spcAft>
-                <a:spcPts val="0"/>
-              </a:spcAft>
-              <a:buClr>
-                <a:srgbClr val="FFFFFF"/>
-              </a:buClr>
-              <a:buSzPts val="5400"/>
-              <a:buFont typeface="Arial"/>
-              <a:buNone/>
-              <a:defRPr sz="6600" b="1" i="0">
-                <a:solidFill>
-                  <a:srgbClr val="FFFFFF"/>
-                </a:solidFill>
-              </a:defRPr>
-            </a:lvl1pPr>
-            <a:lvl2pPr lvl="1" algn="l">
-              <a:lnSpc>
-                <a:spcPct val="100000"/>
-              </a:lnSpc>
-              <a:spcBef>
-                <a:spcPts val="0"/>
-              </a:spcBef>
-              <a:spcAft>
-                <a:spcPts val="0"/>
-              </a:spcAft>
-              <a:buSzPts val="1400"/>
-              <a:buNone/>
-              <a:defRPr/>
-            </a:lvl2pPr>
-            <a:lvl3pPr lvl="2" algn="l">
-              <a:lnSpc>
-                <a:spcPct val="100000"/>
-              </a:lnSpc>
-              <a:spcBef>
-                <a:spcPts val="0"/>
-              </a:spcBef>
-              <a:spcAft>
-                <a:spcPts val="0"/>
-              </a:spcAft>
-              <a:buSzPts val="1400"/>
-              <a:buNone/>
-              <a:defRPr/>
-            </a:lvl3pPr>
-            <a:lvl4pPr lvl="3" algn="l">
-              <a:lnSpc>
-                <a:spcPct val="100000"/>
-              </a:lnSpc>
-              <a:spcBef>
-                <a:spcPts val="0"/>
-              </a:spcBef>
-              <a:spcAft>
-                <a:spcPts val="0"/>
-              </a:spcAft>
-              <a:buSzPts val="1400"/>
-              <a:buNone/>
-              <a:defRPr/>
-            </a:lvl4pPr>
-            <a:lvl5pPr lvl="4" algn="l">
-              <a:lnSpc>
-                <a:spcPct val="100000"/>
-              </a:lnSpc>
-              <a:spcBef>
-                <a:spcPts val="0"/>
-              </a:spcBef>
-              <a:spcAft>
-                <a:spcPts val="0"/>
-              </a:spcAft>
-              <a:buSzPts val="1400"/>
-              <a:buNone/>
-              <a:defRPr/>
-            </a:lvl5pPr>
-            <a:lvl6pPr lvl="5" algn="l">
-              <a:lnSpc>
-                <a:spcPct val="100000"/>
-              </a:lnSpc>
-              <a:spcBef>
-                <a:spcPts val="0"/>
-              </a:spcBef>
-              <a:spcAft>
-                <a:spcPts val="0"/>
-              </a:spcAft>
-              <a:buSzPts val="1400"/>
-              <a:buNone/>
-              <a:defRPr/>
-            </a:lvl6pPr>
-            <a:lvl7pPr lvl="6" algn="l">
-              <a:lnSpc>
-                <a:spcPct val="100000"/>
-              </a:lnSpc>
-              <a:spcBef>
-                <a:spcPts val="0"/>
-              </a:spcBef>
-              <a:spcAft>
-                <a:spcPts val="0"/>
-              </a:spcAft>
-              <a:buSzPts val="1400"/>
-              <a:buNone/>
-              <a:defRPr/>
-            </a:lvl7pPr>
-            <a:lvl8pPr lvl="7" algn="l">
-              <a:lnSpc>
-                <a:spcPct val="100000"/>
-              </a:lnSpc>
-              <a:spcBef>
-                <a:spcPts val="0"/>
-              </a:spcBef>
-              <a:spcAft>
-                <a:spcPts val="0"/>
-              </a:spcAft>
-              <a:buSzPts val="1400"/>
-              <a:buNone/>
-              <a:defRPr/>
-            </a:lvl8pPr>
-            <a:lvl9pPr lvl="8" algn="l">
-              <a:lnSpc>
-                <a:spcPct val="100000"/>
-              </a:lnSpc>
-              <a:spcBef>
-                <a:spcPts val="0"/>
-              </a:spcBef>
-              <a:spcAft>
-                <a:spcPts val="0"/>
-              </a:spcAft>
-              <a:buSzPts val="1400"/>
-              <a:buNone/>
-              <a:defRPr/>
-            </a:lvl9pPr>
-          </a:lstStyle>
-          <a:p>
-            <a:endParaRPr/>
-          </a:p>
-        </p:txBody>
-      </p:sp>
-      <p:sp>
-        <p:nvSpPr>
-          <p:cNvPr id="16" name="Google Shape;16;p19"/>
-          <p:cNvSpPr txBox="1">
-            <a:spLocks noGrp="1"/>
-          </p:cNvSpPr>
-          <p:nvPr>
-            <p:ph type="subTitle" idx="1"/>
-          </p:nvPr>
-        </p:nvSpPr>
-        <p:spPr>
-          <a:xfrm>
-            <a:off x="608013" y="2895600"/>
-            <a:ext cx="8229600" cy="643392"/>
+            <a:off x="381000" y="3124200"/>
+            <a:ext cx="6096000" cy="5334000"/>
           </a:xfrm>
           <a:prstGeom prst="rect">
             <a:avLst/>
@@ -3174,31 +3429,11 @@
           <a:bodyPr spcFirstLastPara="1" wrap="square" lIns="0" tIns="0" rIns="0" bIns="0" anchor="t" anchorCtr="0">
             <a:noAutofit/>
           </a:bodyPr>
-          <a:lstStyle>
-            <a:lvl1pPr lvl="0" algn="l">
-              <a:lnSpc>
-                <a:spcPct val="90000"/>
-              </a:lnSpc>
-              <a:spcBef>
-                <a:spcPts val="0"/>
-              </a:spcBef>
-              <a:spcAft>
-                <a:spcPts val="0"/>
-              </a:spcAft>
-              <a:buClr>
-                <a:srgbClr val="FFFFFF"/>
-              </a:buClr>
-              <a:buSzPts val="2800"/>
-              <a:buNone/>
-              <a:defRPr sz="2800" b="0" i="0">
-                <a:solidFill>
-                  <a:srgbClr val="FFFFFF"/>
-                </a:solidFill>
-              </a:defRPr>
-            </a:lvl1pPr>
-            <a:lvl2pPr lvl="1" algn="ctr">
-              <a:lnSpc>
-                <a:spcPct val="90000"/>
+          <a:lstStyle/>
+          <a:p>
+            <a:pPr marL="0" lvl="0" indent="0" algn="l" rtl="0">
+              <a:lnSpc>
+                <a:spcPct val="100000"/>
               </a:lnSpc>
               <a:spcBef>
                 <a:spcPts val="600"/>
@@ -3206,1984 +3441,78 @@
               <a:spcAft>
                 <a:spcPts val="0"/>
               </a:spcAft>
-              <a:buClr>
-                <a:schemeClr val="lt1"/>
-              </a:buClr>
-              <a:buSzPts val="2000"/>
-              <a:buNone/>
-              <a:defRPr sz="2000"/>
-            </a:lvl2pPr>
-            <a:lvl3pPr lvl="2" algn="ctr">
-              <a:lnSpc>
-                <a:spcPct val="90000"/>
-              </a:lnSpc>
-              <a:spcBef>
-                <a:spcPts val="600"/>
-              </a:spcBef>
-              <a:spcAft>
-                <a:spcPts val="0"/>
-              </a:spcAft>
-              <a:buClr>
-                <a:schemeClr val="lt1"/>
-              </a:buClr>
-              <a:buSzPts val="1800"/>
-              <a:buNone/>
-              <a:defRPr sz="1800"/>
-            </a:lvl3pPr>
-            <a:lvl4pPr lvl="3" algn="ctr">
-              <a:lnSpc>
-                <a:spcPct val="90000"/>
-              </a:lnSpc>
-              <a:spcBef>
-                <a:spcPts val="600"/>
-              </a:spcBef>
-              <a:spcAft>
-                <a:spcPts val="0"/>
-              </a:spcAft>
-              <a:buClr>
-                <a:schemeClr val="lt1"/>
-              </a:buClr>
-              <a:buSzPts val="1600"/>
-              <a:buNone/>
-              <a:defRPr sz="1600"/>
-            </a:lvl4pPr>
-            <a:lvl5pPr lvl="4" algn="ctr">
-              <a:lnSpc>
-                <a:spcPct val="90000"/>
-              </a:lnSpc>
-              <a:spcBef>
-                <a:spcPts val="600"/>
-              </a:spcBef>
-              <a:spcAft>
-                <a:spcPts val="0"/>
-              </a:spcAft>
-              <a:buClr>
-                <a:schemeClr val="lt1"/>
-              </a:buClr>
-              <a:buSzPts val="1600"/>
-              <a:buNone/>
-              <a:defRPr sz="1600"/>
-            </a:lvl5pPr>
-            <a:lvl6pPr lvl="5" algn="ctr">
-              <a:lnSpc>
-                <a:spcPct val="90000"/>
-              </a:lnSpc>
-              <a:spcBef>
-                <a:spcPts val="600"/>
-              </a:spcBef>
-              <a:spcAft>
-                <a:spcPts val="0"/>
-              </a:spcAft>
-              <a:buSzPts val="1600"/>
-              <a:buNone/>
-              <a:defRPr sz="1600"/>
-            </a:lvl6pPr>
-            <a:lvl7pPr lvl="6" algn="ctr">
-              <a:lnSpc>
-                <a:spcPct val="90000"/>
-              </a:lnSpc>
-              <a:spcBef>
-                <a:spcPts val="600"/>
-              </a:spcBef>
-              <a:spcAft>
-                <a:spcPts val="0"/>
-              </a:spcAft>
-              <a:buSzPts val="1600"/>
-              <a:buNone/>
-              <a:defRPr sz="1600"/>
-            </a:lvl7pPr>
-            <a:lvl8pPr lvl="7" algn="ctr">
-              <a:lnSpc>
-                <a:spcPct val="90000"/>
-              </a:lnSpc>
-              <a:spcBef>
-                <a:spcPts val="600"/>
-              </a:spcBef>
-              <a:spcAft>
-                <a:spcPts val="0"/>
-              </a:spcAft>
-              <a:buSzPts val="1600"/>
-              <a:buNone/>
-              <a:defRPr sz="1600"/>
-            </a:lvl8pPr>
-            <a:lvl9pPr lvl="8" algn="ctr">
-              <a:lnSpc>
-                <a:spcPct val="90000"/>
-              </a:lnSpc>
-              <a:spcBef>
-                <a:spcPts val="600"/>
-              </a:spcBef>
-              <a:spcAft>
-                <a:spcPts val="0"/>
-              </a:spcAft>
-              <a:buSzPts val="1600"/>
-              <a:buNone/>
-              <a:defRPr sz="1600"/>
-            </a:lvl9pPr>
-          </a:lstStyle>
-          <a:p>
+              <a:buSzPts val="275"/>
+              <a:buNone/>
+            </a:pPr>
             <a:endParaRPr/>
           </a:p>
         </p:txBody>
       </p:sp>
       <p:sp>
         <p:nvSpPr>
-          <p:cNvPr id="17" name="Google Shape;17;p19"/>
-          <p:cNvSpPr txBox="1">
-            <a:spLocks noGrp="1"/>
+          <p:cNvPr id="144" name="Google Shape;144;p12:notes"/>
+          <p:cNvSpPr>
+            <a:spLocks noGrp="1" noRot="1" noChangeAspect="1"/>
           </p:cNvSpPr>
           <p:nvPr>
-            <p:ph type="body" idx="2"/>
+            <p:ph type="sldImg" idx="2"/>
           </p:nvPr>
         </p:nvSpPr>
         <p:spPr>
           <a:xfrm>
-            <a:off x="606425" y="3737175"/>
-            <a:ext cx="5489700" cy="702882"/>
+            <a:off x="381000" y="381000"/>
+            <a:ext cx="4572000" cy="2573338"/>
           </a:xfrm>
-          <a:prstGeom prst="rect">
+          <a:custGeom>
             <a:avLst/>
-          </a:prstGeom>
+            <a:gdLst/>
+            <a:ahLst/>
+            <a:cxnLst/>
+            <a:rect l="l" t="t" r="r" b="b"/>
+            <a:pathLst>
+              <a:path w="120000" h="120000" extrusionOk="0">
+                <a:moveTo>
+                  <a:pt x="0" y="0"/>
+                </a:moveTo>
+                <a:lnTo>
+                  <a:pt x="120000" y="0"/>
+                </a:lnTo>
+                <a:lnTo>
+                  <a:pt x="120000" y="120000"/>
+                </a:lnTo>
+                <a:lnTo>
+                  <a:pt x="0" y="120000"/>
+                </a:lnTo>
+                <a:close/>
+              </a:path>
+            </a:pathLst>
+          </a:custGeom>
           <a:noFill/>
-          <a:ln>
-            <a:noFill/>
+          <a:ln w="12700" cap="flat" cmpd="sng">
+            <a:solidFill>
+              <a:srgbClr val="000000"/>
+            </a:solidFill>
+            <a:prstDash val="solid"/>
+            <a:round/>
+            <a:headEnd type="none" w="sm" len="sm"/>
+            <a:tailEnd type="none" w="sm" len="sm"/>
           </a:ln>
         </p:spPr>
-        <p:txBody>
-          <a:bodyPr spcFirstLastPara="1" wrap="square" lIns="0" tIns="0" rIns="0" bIns="0" anchor="t" anchorCtr="0">
-            <a:noAutofit/>
-          </a:bodyPr>
-          <a:lstStyle>
-            <a:lvl1pPr marL="457200" lvl="0" indent="-228600" algn="l">
-              <a:lnSpc>
-                <a:spcPct val="90000"/>
-              </a:lnSpc>
-              <a:spcBef>
-                <a:spcPts val="0"/>
-              </a:spcBef>
-              <a:spcAft>
-                <a:spcPts val="0"/>
-              </a:spcAft>
-              <a:buClr>
-                <a:srgbClr val="FFFFFF"/>
-              </a:buClr>
-              <a:buSzPts val="2000"/>
-              <a:buNone/>
-              <a:defRPr sz="2000" b="0" i="0">
-                <a:solidFill>
-                  <a:srgbClr val="FFFFFF"/>
-                </a:solidFill>
-              </a:defRPr>
-            </a:lvl1pPr>
-            <a:lvl2pPr marL="914400" lvl="1" indent="-228600" algn="l">
-              <a:lnSpc>
-                <a:spcPct val="90000"/>
-              </a:lnSpc>
-              <a:spcBef>
-                <a:spcPts val="0"/>
-              </a:spcBef>
-              <a:spcAft>
-                <a:spcPts val="0"/>
-              </a:spcAft>
-              <a:buClr>
-                <a:srgbClr val="FFFFFF"/>
-              </a:buClr>
-              <a:buSzPts val="2000"/>
-              <a:buNone/>
-              <a:defRPr>
-                <a:solidFill>
-                  <a:srgbClr val="FFFFFF"/>
-                </a:solidFill>
-              </a:defRPr>
-            </a:lvl2pPr>
-            <a:lvl3pPr marL="1371600" lvl="2" indent="-228600" algn="l">
-              <a:lnSpc>
-                <a:spcPct val="90000"/>
-              </a:lnSpc>
-              <a:spcBef>
-                <a:spcPts val="0"/>
-              </a:spcBef>
-              <a:spcAft>
-                <a:spcPts val="0"/>
-              </a:spcAft>
-              <a:buClr>
-                <a:srgbClr val="FFFFFF"/>
-              </a:buClr>
-              <a:buSzPts val="2000"/>
-              <a:buNone/>
-              <a:defRPr sz="2000">
-                <a:solidFill>
-                  <a:srgbClr val="FFFFFF"/>
-                </a:solidFill>
-              </a:defRPr>
-            </a:lvl3pPr>
-            <a:lvl4pPr marL="1828800" lvl="3" indent="-228600" algn="l">
-              <a:lnSpc>
-                <a:spcPct val="90000"/>
-              </a:lnSpc>
-              <a:spcBef>
-                <a:spcPts val="0"/>
-              </a:spcBef>
-              <a:spcAft>
-                <a:spcPts val="0"/>
-              </a:spcAft>
-              <a:buClr>
-                <a:srgbClr val="FFFFFF"/>
-              </a:buClr>
-              <a:buSzPts val="2000"/>
-              <a:buNone/>
-              <a:defRPr sz="2000">
-                <a:solidFill>
-                  <a:srgbClr val="FFFFFF"/>
-                </a:solidFill>
-              </a:defRPr>
-            </a:lvl4pPr>
-            <a:lvl5pPr marL="2286000" lvl="4" indent="-228600" algn="l">
-              <a:lnSpc>
-                <a:spcPct val="90000"/>
-              </a:lnSpc>
-              <a:spcBef>
-                <a:spcPts val="0"/>
-              </a:spcBef>
-              <a:spcAft>
-                <a:spcPts val="0"/>
-              </a:spcAft>
-              <a:buClr>
-                <a:srgbClr val="FFFFFF"/>
-              </a:buClr>
-              <a:buSzPts val="2000"/>
-              <a:buNone/>
-              <a:defRPr sz="2000">
-                <a:solidFill>
-                  <a:srgbClr val="FFFFFF"/>
-                </a:solidFill>
-              </a:defRPr>
-            </a:lvl5pPr>
-            <a:lvl6pPr marL="2743200" lvl="5" indent="-228600" algn="l">
-              <a:lnSpc>
-                <a:spcPct val="90000"/>
-              </a:lnSpc>
-              <a:spcBef>
-                <a:spcPts val="0"/>
-              </a:spcBef>
-              <a:spcAft>
-                <a:spcPts val="0"/>
-              </a:spcAft>
-              <a:buClr>
-                <a:srgbClr val="FFFFFF"/>
-              </a:buClr>
-              <a:buSzPts val="2000"/>
-              <a:buNone/>
-              <a:defRPr sz="2000">
-                <a:solidFill>
-                  <a:srgbClr val="FFFFFF"/>
-                </a:solidFill>
-              </a:defRPr>
-            </a:lvl6pPr>
-            <a:lvl7pPr marL="3200400" lvl="6" indent="-228600" algn="l">
-              <a:lnSpc>
-                <a:spcPct val="90000"/>
-              </a:lnSpc>
-              <a:spcBef>
-                <a:spcPts val="0"/>
-              </a:spcBef>
-              <a:spcAft>
-                <a:spcPts val="0"/>
-              </a:spcAft>
-              <a:buClr>
-                <a:srgbClr val="FFFFFF"/>
-              </a:buClr>
-              <a:buSzPts val="2000"/>
-              <a:buNone/>
-              <a:defRPr sz="2000">
-                <a:solidFill>
-                  <a:srgbClr val="FFFFFF"/>
-                </a:solidFill>
-              </a:defRPr>
-            </a:lvl7pPr>
-            <a:lvl8pPr marL="3657600" lvl="7" indent="-228600" algn="l">
-              <a:lnSpc>
-                <a:spcPct val="90000"/>
-              </a:lnSpc>
-              <a:spcBef>
-                <a:spcPts val="0"/>
-              </a:spcBef>
-              <a:spcAft>
-                <a:spcPts val="0"/>
-              </a:spcAft>
-              <a:buClr>
-                <a:srgbClr val="FFFFFF"/>
-              </a:buClr>
-              <a:buSzPts val="2000"/>
-              <a:buNone/>
-              <a:defRPr sz="2000">
-                <a:solidFill>
-                  <a:srgbClr val="FFFFFF"/>
-                </a:solidFill>
-              </a:defRPr>
-            </a:lvl8pPr>
-            <a:lvl9pPr marL="4114800" lvl="8" indent="-228600" algn="l">
-              <a:lnSpc>
-                <a:spcPct val="90000"/>
-              </a:lnSpc>
-              <a:spcBef>
-                <a:spcPts val="0"/>
-              </a:spcBef>
-              <a:spcAft>
-                <a:spcPts val="0"/>
-              </a:spcAft>
-              <a:buClr>
-                <a:srgbClr val="FFFFFF"/>
-              </a:buClr>
-              <a:buSzPts val="2000"/>
-              <a:buNone/>
-              <a:defRPr sz="2000">
-                <a:solidFill>
-                  <a:srgbClr val="FFFFFF"/>
-                </a:solidFill>
-              </a:defRPr>
-            </a:lvl9pPr>
-          </a:lstStyle>
-          <a:p>
-            <a:endParaRPr/>
-          </a:p>
-        </p:txBody>
       </p:sp>
-      <p:pic>
-        <p:nvPicPr>
-          <p:cNvPr id="18" name="Google Shape;18;p19"/>
-          <p:cNvPicPr preferRelativeResize="0"/>
-          <p:nvPr/>
-        </p:nvPicPr>
-        <p:blipFill rotWithShape="1">
-          <a:blip r:embed="rId3">
-            <a:alphaModFix/>
-          </a:blip>
-          <a:srcRect/>
-          <a:stretch/>
-        </p:blipFill>
-        <p:spPr>
-          <a:xfrm>
-            <a:off x="10249161" y="4889713"/>
-            <a:ext cx="1824606" cy="1824606"/>
-          </a:xfrm>
-          <a:prstGeom prst="rect">
-            <a:avLst/>
-          </a:prstGeom>
-          <a:noFill/>
-          <a:ln>
-            <a:noFill/>
-          </a:ln>
-        </p:spPr>
-      </p:pic>
     </p:spTree>
+    <p:extLst>
+      <p:ext uri="{BB962C8B-B14F-4D97-AF65-F5344CB8AC3E}">
+        <p14:creationId xmlns:p14="http://schemas.microsoft.com/office/powerpoint/2010/main" val="562289869"/>
+      </p:ext>
+    </p:extLst>
   </p:cSld>
   <p:clrMapOvr>
     <a:masterClrMapping/>
   </p:clrMapOvr>
-  <mc:AlternateContent xmlns:mc="http://schemas.openxmlformats.org/markup-compatibility/2006" xmlns:p14="http://schemas.microsoft.com/office/powerpoint/2010/main">
-    <mc:Choice Requires="p14">
-      <p:transition spd="med" p14:dur="700">
-        <p:fade/>
-      </p:transition>
-    </mc:Choice>
-    <mc:Fallback xmlns:p15="http://schemas.microsoft.com/office/powerpoint/2012/main" xmlns:com="http://schemas.openxmlformats.org/drawingml/2006/compatibility" xmlns:pvml="urn:schemas-microsoft-com:office:powerpoint" xmlns:v="urn:schemas-microsoft-com:vml" xmlns:o="urn:schemas-microsoft-com:office:office" xmlns:dgm="http://schemas.openxmlformats.org/drawingml/2006/diagram" xmlns:c="http://schemas.openxmlformats.org/drawingml/2006/chart" xmlns:mv="urn:schemas-microsoft-com:mac:vml" xmlns="">
-      <p:transition spd="slow">
-        <p:fade/>
-      </p:transition>
-    </mc:Fallback>
-  </mc:AlternateContent>
-</p:sldLayout>
+</p:notes>
 </file>
 
-<file path=ppt/slideLayouts/slideLayout10.xml><?xml version="1.0" encoding="utf-8"?>
-<p:sldLayout xmlns:a="http://schemas.openxmlformats.org/drawingml/2006/main" xmlns:r="http://schemas.openxmlformats.org/officeDocument/2006/relationships" xmlns:p="http://schemas.openxmlformats.org/presentationml/2006/main" matchingName=" Gray Title, Subtitle and Content">
-  <p:cSld name="Title, Subtitle and Content">
-    <p:spTree>
-      <p:nvGrpSpPr>
-        <p:cNvPr id="1" name="Shape 57"/>
-        <p:cNvGrpSpPr/>
-        <p:nvPr/>
-      </p:nvGrpSpPr>
-      <p:grpSpPr>
-        <a:xfrm>
-          <a:off x="0" y="0"/>
-          <a:ext cx="0" cy="0"/>
-          <a:chOff x="0" y="0"/>
-          <a:chExt cx="0" cy="0"/>
-        </a:xfrm>
-      </p:grpSpPr>
-      <p:sp>
-        <p:nvSpPr>
-          <p:cNvPr id="58" name="Google Shape;58;p32"/>
-          <p:cNvSpPr txBox="1">
-            <a:spLocks noGrp="1"/>
-          </p:cNvSpPr>
-          <p:nvPr>
-            <p:ph type="body" idx="1"/>
-          </p:nvPr>
-        </p:nvSpPr>
-        <p:spPr>
-          <a:xfrm>
-            <a:off x="609600" y="1916419"/>
-            <a:ext cx="10969784" cy="4571999"/>
-          </a:xfrm>
-          <a:prstGeom prst="rect">
-            <a:avLst/>
-          </a:prstGeom>
-          <a:noFill/>
-          <a:ln>
-            <a:noFill/>
-          </a:ln>
-        </p:spPr>
-        <p:txBody>
-          <a:bodyPr spcFirstLastPara="1" wrap="square" lIns="0" tIns="0" rIns="0" bIns="0" anchor="t" anchorCtr="0">
-            <a:noAutofit/>
-          </a:bodyPr>
-          <a:lstStyle>
-            <a:lvl1pPr marL="457200" lvl="0" indent="-381000" algn="l">
-              <a:lnSpc>
-                <a:spcPct val="90000"/>
-              </a:lnSpc>
-              <a:spcBef>
-                <a:spcPts val="1200"/>
-              </a:spcBef>
-              <a:spcAft>
-                <a:spcPts val="0"/>
-              </a:spcAft>
-              <a:buClr>
-                <a:srgbClr val="161614"/>
-              </a:buClr>
-              <a:buSzPts val="2400"/>
-              <a:buFont typeface="Arial"/>
-              <a:buChar char="•"/>
-              <a:defRPr sz="1800" b="0" i="0">
-                <a:solidFill>
-                  <a:srgbClr val="161614"/>
-                </a:solidFill>
-              </a:defRPr>
-            </a:lvl1pPr>
-            <a:lvl2pPr marL="914400" lvl="1" indent="-355600" algn="l">
-              <a:lnSpc>
-                <a:spcPct val="90000"/>
-              </a:lnSpc>
-              <a:spcBef>
-                <a:spcPts val="600"/>
-              </a:spcBef>
-              <a:spcAft>
-                <a:spcPts val="0"/>
-              </a:spcAft>
-              <a:buClr>
-                <a:schemeClr val="dk1"/>
-              </a:buClr>
-              <a:buSzPts val="2000"/>
-              <a:buChar char="–"/>
-              <a:defRPr b="0" i="0"/>
-            </a:lvl2pPr>
-            <a:lvl3pPr marL="1371600" lvl="2" indent="-342900" algn="l">
-              <a:lnSpc>
-                <a:spcPct val="90000"/>
-              </a:lnSpc>
-              <a:spcBef>
-                <a:spcPts val="600"/>
-              </a:spcBef>
-              <a:spcAft>
-                <a:spcPts val="0"/>
-              </a:spcAft>
-              <a:buClr>
-                <a:schemeClr val="dk1"/>
-              </a:buClr>
-              <a:buSzPts val="1800"/>
-              <a:buFont typeface="Noto Sans Symbols"/>
-              <a:buChar char="▪"/>
-              <a:defRPr b="0" i="0"/>
-            </a:lvl3pPr>
-            <a:lvl4pPr marL="1828800" lvl="3" indent="-330200" algn="l">
-              <a:lnSpc>
-                <a:spcPct val="90000"/>
-              </a:lnSpc>
-              <a:spcBef>
-                <a:spcPts val="600"/>
-              </a:spcBef>
-              <a:spcAft>
-                <a:spcPts val="0"/>
-              </a:spcAft>
-              <a:buClr>
-                <a:schemeClr val="dk1"/>
-              </a:buClr>
-              <a:buSzPts val="1600"/>
-              <a:buChar char="–"/>
-              <a:defRPr b="0" i="0"/>
-            </a:lvl4pPr>
-            <a:lvl5pPr marL="2286000" lvl="4" indent="-330200" algn="l">
-              <a:lnSpc>
-                <a:spcPct val="90000"/>
-              </a:lnSpc>
-              <a:spcBef>
-                <a:spcPts val="600"/>
-              </a:spcBef>
-              <a:spcAft>
-                <a:spcPts val="0"/>
-              </a:spcAft>
-              <a:buClr>
-                <a:schemeClr val="dk1"/>
-              </a:buClr>
-              <a:buSzPts val="1600"/>
-              <a:buChar char="–"/>
-              <a:defRPr b="0" i="0"/>
-            </a:lvl5pPr>
-            <a:lvl6pPr marL="2743200" lvl="5" indent="-342900" algn="l">
-              <a:lnSpc>
-                <a:spcPct val="90000"/>
-              </a:lnSpc>
-              <a:spcBef>
-                <a:spcPts val="600"/>
-              </a:spcBef>
-              <a:spcAft>
-                <a:spcPts val="0"/>
-              </a:spcAft>
-              <a:buSzPts val="1800"/>
-              <a:buChar char="–"/>
-              <a:defRPr/>
-            </a:lvl6pPr>
-            <a:lvl7pPr marL="3200400" lvl="6" indent="-342900" algn="l">
-              <a:lnSpc>
-                <a:spcPct val="90000"/>
-              </a:lnSpc>
-              <a:spcBef>
-                <a:spcPts val="600"/>
-              </a:spcBef>
-              <a:spcAft>
-                <a:spcPts val="0"/>
-              </a:spcAft>
-              <a:buSzPts val="1800"/>
-              <a:buChar char="–"/>
-              <a:defRPr/>
-            </a:lvl7pPr>
-            <a:lvl8pPr marL="3657600" lvl="7" indent="-342900" algn="l">
-              <a:lnSpc>
-                <a:spcPct val="90000"/>
-              </a:lnSpc>
-              <a:spcBef>
-                <a:spcPts val="600"/>
-              </a:spcBef>
-              <a:spcAft>
-                <a:spcPts val="0"/>
-              </a:spcAft>
-              <a:buSzPts val="1800"/>
-              <a:buChar char="–"/>
-              <a:defRPr/>
-            </a:lvl8pPr>
-            <a:lvl9pPr marL="4114800" lvl="8" indent="-342900" algn="l">
-              <a:lnSpc>
-                <a:spcPct val="90000"/>
-              </a:lnSpc>
-              <a:spcBef>
-                <a:spcPts val="600"/>
-              </a:spcBef>
-              <a:spcAft>
-                <a:spcPts val="0"/>
-              </a:spcAft>
-              <a:buSzPts val="1800"/>
-              <a:buChar char="–"/>
-              <a:defRPr/>
-            </a:lvl9pPr>
-          </a:lstStyle>
-          <a:p>
-            <a:endParaRPr/>
-          </a:p>
-        </p:txBody>
-      </p:sp>
-      <p:sp>
-        <p:nvSpPr>
-          <p:cNvPr id="59" name="Google Shape;59;p32"/>
-          <p:cNvSpPr txBox="1">
-            <a:spLocks noGrp="1"/>
-          </p:cNvSpPr>
-          <p:nvPr>
-            <p:ph type="title"/>
-          </p:nvPr>
-        </p:nvSpPr>
-        <p:spPr>
-          <a:xfrm>
-            <a:off x="609441" y="609600"/>
-            <a:ext cx="10969943" cy="491914"/>
-          </a:xfrm>
-          <a:prstGeom prst="rect">
-            <a:avLst/>
-          </a:prstGeom>
-          <a:noFill/>
-          <a:ln>
-            <a:noFill/>
-          </a:ln>
-        </p:spPr>
-        <p:txBody>
-          <a:bodyPr spcFirstLastPara="1" wrap="square" lIns="0" tIns="0" rIns="0" bIns="0" anchor="t" anchorCtr="0">
-            <a:noAutofit/>
-          </a:bodyPr>
-          <a:lstStyle>
-            <a:lvl1pPr lvl="0" algn="l">
-              <a:lnSpc>
-                <a:spcPct val="90000"/>
-              </a:lnSpc>
-              <a:spcBef>
-                <a:spcPts val="0"/>
-              </a:spcBef>
-              <a:spcAft>
-                <a:spcPts val="0"/>
-              </a:spcAft>
-              <a:buClr>
-                <a:schemeClr val="dk1"/>
-              </a:buClr>
-              <a:buSzPts val="3200"/>
-              <a:buFont typeface="Arial"/>
-              <a:buNone/>
-              <a:defRPr sz="4000" b="1" i="0">
-                <a:solidFill>
-                  <a:srgbClr val="161614"/>
-                </a:solidFill>
-              </a:defRPr>
-            </a:lvl1pPr>
-            <a:lvl2pPr lvl="1" algn="l">
-              <a:lnSpc>
-                <a:spcPct val="100000"/>
-              </a:lnSpc>
-              <a:spcBef>
-                <a:spcPts val="0"/>
-              </a:spcBef>
-              <a:spcAft>
-                <a:spcPts val="0"/>
-              </a:spcAft>
-              <a:buSzPts val="1400"/>
-              <a:buNone/>
-              <a:defRPr/>
-            </a:lvl2pPr>
-            <a:lvl3pPr lvl="2" algn="l">
-              <a:lnSpc>
-                <a:spcPct val="100000"/>
-              </a:lnSpc>
-              <a:spcBef>
-                <a:spcPts val="0"/>
-              </a:spcBef>
-              <a:spcAft>
-                <a:spcPts val="0"/>
-              </a:spcAft>
-              <a:buSzPts val="1400"/>
-              <a:buNone/>
-              <a:defRPr/>
-            </a:lvl3pPr>
-            <a:lvl4pPr lvl="3" algn="l">
-              <a:lnSpc>
-                <a:spcPct val="100000"/>
-              </a:lnSpc>
-              <a:spcBef>
-                <a:spcPts val="0"/>
-              </a:spcBef>
-              <a:spcAft>
-                <a:spcPts val="0"/>
-              </a:spcAft>
-              <a:buSzPts val="1400"/>
-              <a:buNone/>
-              <a:defRPr/>
-            </a:lvl4pPr>
-            <a:lvl5pPr lvl="4" algn="l">
-              <a:lnSpc>
-                <a:spcPct val="100000"/>
-              </a:lnSpc>
-              <a:spcBef>
-                <a:spcPts val="0"/>
-              </a:spcBef>
-              <a:spcAft>
-                <a:spcPts val="0"/>
-              </a:spcAft>
-              <a:buSzPts val="1400"/>
-              <a:buNone/>
-              <a:defRPr/>
-            </a:lvl5pPr>
-            <a:lvl6pPr lvl="5" algn="l">
-              <a:lnSpc>
-                <a:spcPct val="100000"/>
-              </a:lnSpc>
-              <a:spcBef>
-                <a:spcPts val="0"/>
-              </a:spcBef>
-              <a:spcAft>
-                <a:spcPts val="0"/>
-              </a:spcAft>
-              <a:buSzPts val="1400"/>
-              <a:buNone/>
-              <a:defRPr/>
-            </a:lvl6pPr>
-            <a:lvl7pPr lvl="6" algn="l">
-              <a:lnSpc>
-                <a:spcPct val="100000"/>
-              </a:lnSpc>
-              <a:spcBef>
-                <a:spcPts val="0"/>
-              </a:spcBef>
-              <a:spcAft>
-                <a:spcPts val="0"/>
-              </a:spcAft>
-              <a:buSzPts val="1400"/>
-              <a:buNone/>
-              <a:defRPr/>
-            </a:lvl7pPr>
-            <a:lvl8pPr lvl="7" algn="l">
-              <a:lnSpc>
-                <a:spcPct val="100000"/>
-              </a:lnSpc>
-              <a:spcBef>
-                <a:spcPts val="0"/>
-              </a:spcBef>
-              <a:spcAft>
-                <a:spcPts val="0"/>
-              </a:spcAft>
-              <a:buSzPts val="1400"/>
-              <a:buNone/>
-              <a:defRPr/>
-            </a:lvl8pPr>
-            <a:lvl9pPr lvl="8" algn="l">
-              <a:lnSpc>
-                <a:spcPct val="100000"/>
-              </a:lnSpc>
-              <a:spcBef>
-                <a:spcPts val="0"/>
-              </a:spcBef>
-              <a:spcAft>
-                <a:spcPts val="0"/>
-              </a:spcAft>
-              <a:buSzPts val="1400"/>
-              <a:buNone/>
-              <a:defRPr/>
-            </a:lvl9pPr>
-          </a:lstStyle>
-          <a:p>
-            <a:endParaRPr/>
-          </a:p>
-        </p:txBody>
-      </p:sp>
-      <p:sp>
-        <p:nvSpPr>
-          <p:cNvPr id="60" name="Google Shape;60;p32"/>
-          <p:cNvSpPr txBox="1">
-            <a:spLocks noGrp="1"/>
-          </p:cNvSpPr>
-          <p:nvPr>
-            <p:ph type="body" idx="2"/>
-          </p:nvPr>
-        </p:nvSpPr>
-        <p:spPr>
-          <a:xfrm>
-            <a:off x="609440" y="1524000"/>
-            <a:ext cx="10969943" cy="381000"/>
-          </a:xfrm>
-          <a:prstGeom prst="rect">
-            <a:avLst/>
-          </a:prstGeom>
-          <a:noFill/>
-          <a:ln>
-            <a:noFill/>
-          </a:ln>
-        </p:spPr>
-        <p:txBody>
-          <a:bodyPr spcFirstLastPara="1" wrap="square" lIns="0" tIns="0" rIns="0" bIns="0" anchor="t" anchorCtr="0">
-            <a:noAutofit/>
-          </a:bodyPr>
-          <a:lstStyle>
-            <a:lvl1pPr marL="457200" lvl="0" indent="-228600" algn="l">
-              <a:lnSpc>
-                <a:spcPct val="90000"/>
-              </a:lnSpc>
-              <a:spcBef>
-                <a:spcPts val="0"/>
-              </a:spcBef>
-              <a:spcAft>
-                <a:spcPts val="0"/>
-              </a:spcAft>
-              <a:buClr>
-                <a:schemeClr val="dk1"/>
-              </a:buClr>
-              <a:buSzPts val="2400"/>
-              <a:buNone/>
-              <a:defRPr sz="2400" b="1" i="0">
-                <a:solidFill>
-                  <a:srgbClr val="161614"/>
-                </a:solidFill>
-                <a:latin typeface="Arial"/>
-                <a:ea typeface="Arial"/>
-                <a:cs typeface="Arial"/>
-                <a:sym typeface="Arial"/>
-              </a:defRPr>
-            </a:lvl1pPr>
-            <a:lvl2pPr marL="914400" lvl="1" indent="-228600" algn="l">
-              <a:lnSpc>
-                <a:spcPct val="90000"/>
-              </a:lnSpc>
-              <a:spcBef>
-                <a:spcPts val="0"/>
-              </a:spcBef>
-              <a:spcAft>
-                <a:spcPts val="0"/>
-              </a:spcAft>
-              <a:buClr>
-                <a:schemeClr val="dk1"/>
-              </a:buClr>
-              <a:buSzPts val="2400"/>
-              <a:buNone/>
-              <a:defRPr sz="2400"/>
-            </a:lvl2pPr>
-            <a:lvl3pPr marL="1371600" lvl="2" indent="-228600" algn="l">
-              <a:lnSpc>
-                <a:spcPct val="90000"/>
-              </a:lnSpc>
-              <a:spcBef>
-                <a:spcPts val="0"/>
-              </a:spcBef>
-              <a:spcAft>
-                <a:spcPts val="0"/>
-              </a:spcAft>
-              <a:buClr>
-                <a:schemeClr val="dk1"/>
-              </a:buClr>
-              <a:buSzPts val="2400"/>
-              <a:buNone/>
-              <a:defRPr sz="2400"/>
-            </a:lvl3pPr>
-            <a:lvl4pPr marL="1828800" lvl="3" indent="-228600" algn="l">
-              <a:lnSpc>
-                <a:spcPct val="90000"/>
-              </a:lnSpc>
-              <a:spcBef>
-                <a:spcPts val="0"/>
-              </a:spcBef>
-              <a:spcAft>
-                <a:spcPts val="0"/>
-              </a:spcAft>
-              <a:buClr>
-                <a:schemeClr val="dk1"/>
-              </a:buClr>
-              <a:buSzPts val="2400"/>
-              <a:buNone/>
-              <a:defRPr sz="2400"/>
-            </a:lvl4pPr>
-            <a:lvl5pPr marL="2286000" lvl="4" indent="-228600" algn="l">
-              <a:lnSpc>
-                <a:spcPct val="90000"/>
-              </a:lnSpc>
-              <a:spcBef>
-                <a:spcPts val="0"/>
-              </a:spcBef>
-              <a:spcAft>
-                <a:spcPts val="0"/>
-              </a:spcAft>
-              <a:buClr>
-                <a:schemeClr val="dk1"/>
-              </a:buClr>
-              <a:buSzPts val="2400"/>
-              <a:buNone/>
-              <a:defRPr sz="2400"/>
-            </a:lvl5pPr>
-            <a:lvl6pPr marL="2743200" lvl="5" indent="-228600" algn="l">
-              <a:lnSpc>
-                <a:spcPct val="90000"/>
-              </a:lnSpc>
-              <a:spcBef>
-                <a:spcPts val="0"/>
-              </a:spcBef>
-              <a:spcAft>
-                <a:spcPts val="0"/>
-              </a:spcAft>
-              <a:buSzPts val="2400"/>
-              <a:buNone/>
-              <a:defRPr sz="2400"/>
-            </a:lvl6pPr>
-            <a:lvl7pPr marL="3200400" lvl="6" indent="-228600" algn="l">
-              <a:lnSpc>
-                <a:spcPct val="90000"/>
-              </a:lnSpc>
-              <a:spcBef>
-                <a:spcPts val="0"/>
-              </a:spcBef>
-              <a:spcAft>
-                <a:spcPts val="0"/>
-              </a:spcAft>
-              <a:buSzPts val="2400"/>
-              <a:buNone/>
-              <a:defRPr sz="2400"/>
-            </a:lvl7pPr>
-            <a:lvl8pPr marL="3657600" lvl="7" indent="-228600" algn="l">
-              <a:lnSpc>
-                <a:spcPct val="90000"/>
-              </a:lnSpc>
-              <a:spcBef>
-                <a:spcPts val="0"/>
-              </a:spcBef>
-              <a:spcAft>
-                <a:spcPts val="0"/>
-              </a:spcAft>
-              <a:buSzPts val="2400"/>
-              <a:buNone/>
-              <a:defRPr sz="2400"/>
-            </a:lvl8pPr>
-            <a:lvl9pPr marL="4114800" lvl="8" indent="-228600" algn="l">
-              <a:lnSpc>
-                <a:spcPct val="90000"/>
-              </a:lnSpc>
-              <a:spcBef>
-                <a:spcPts val="0"/>
-              </a:spcBef>
-              <a:spcAft>
-                <a:spcPts val="0"/>
-              </a:spcAft>
-              <a:buSzPts val="2400"/>
-              <a:buNone/>
-              <a:defRPr sz="2400"/>
-            </a:lvl9pPr>
-          </a:lstStyle>
-          <a:p>
-            <a:endParaRPr/>
-          </a:p>
-        </p:txBody>
-      </p:sp>
-    </p:spTree>
-  </p:cSld>
-  <p:clrMapOvr>
-    <a:masterClrMapping/>
-  </p:clrMapOvr>
-  <mc:AlternateContent xmlns:mc="http://schemas.openxmlformats.org/markup-compatibility/2006" xmlns:p14="http://schemas.microsoft.com/office/powerpoint/2010/main">
-    <mc:Choice Requires="p14">
-      <p:transition spd="med" p14:dur="700">
-        <p:fade/>
-      </p:transition>
-    </mc:Choice>
-    <mc:Fallback xmlns:p15="http://schemas.microsoft.com/office/powerpoint/2012/main" xmlns:com="http://schemas.openxmlformats.org/drawingml/2006/compatibility" xmlns:pvml="urn:schemas-microsoft-com:office:powerpoint" xmlns:v="urn:schemas-microsoft-com:vml" xmlns:o="urn:schemas-microsoft-com:office:office" xmlns:dgm="http://schemas.openxmlformats.org/drawingml/2006/diagram" xmlns:c="http://schemas.openxmlformats.org/drawingml/2006/chart" xmlns:mv="urn:schemas-microsoft-com:mac:vml" xmlns="">
-      <p:transition spd="slow">
-        <p:fade/>
-      </p:transition>
-    </mc:Fallback>
-  </mc:AlternateContent>
-</p:sldLayout>
-</file>
-
-<file path=ppt/slideLayouts/slideLayout11.xml><?xml version="1.0" encoding="utf-8"?>
-<p:sldLayout xmlns:a="http://schemas.openxmlformats.org/drawingml/2006/main" xmlns:r="http://schemas.openxmlformats.org/officeDocument/2006/relationships" xmlns:p="http://schemas.openxmlformats.org/presentationml/2006/main" matchingName="Quote Slide 1">
-  <p:cSld name="Quote Slide 1">
-    <p:spTree>
-      <p:nvGrpSpPr>
-        <p:cNvPr id="1" name="Shape 61"/>
-        <p:cNvGrpSpPr/>
-        <p:nvPr/>
-      </p:nvGrpSpPr>
-      <p:grpSpPr>
-        <a:xfrm>
-          <a:off x="0" y="0"/>
-          <a:ext cx="0" cy="0"/>
-          <a:chOff x="0" y="0"/>
-          <a:chExt cx="0" cy="0"/>
-        </a:xfrm>
-      </p:grpSpPr>
-      <p:sp>
-        <p:nvSpPr>
-          <p:cNvPr id="62" name="Google Shape;62;p33"/>
-          <p:cNvSpPr txBox="1">
-            <a:spLocks noGrp="1"/>
-          </p:cNvSpPr>
-          <p:nvPr>
-            <p:ph type="title"/>
-          </p:nvPr>
-        </p:nvSpPr>
-        <p:spPr>
-          <a:xfrm>
-            <a:off x="609600" y="537882"/>
-            <a:ext cx="9456736" cy="986118"/>
-          </a:xfrm>
-          <a:prstGeom prst="rect">
-            <a:avLst/>
-          </a:prstGeom>
-          <a:noFill/>
-          <a:ln>
-            <a:noFill/>
-          </a:ln>
-        </p:spPr>
-        <p:txBody>
-          <a:bodyPr spcFirstLastPara="1" wrap="square" lIns="0" tIns="0" rIns="0" bIns="0" anchor="t" anchorCtr="0">
-            <a:noAutofit/>
-          </a:bodyPr>
-          <a:lstStyle>
-            <a:lvl1pPr lvl="0" algn="l">
-              <a:lnSpc>
-                <a:spcPct val="109583"/>
-              </a:lnSpc>
-              <a:spcBef>
-                <a:spcPts val="600"/>
-              </a:spcBef>
-              <a:spcAft>
-                <a:spcPts val="0"/>
-              </a:spcAft>
-              <a:buClr>
-                <a:schemeClr val="dk1"/>
-              </a:buClr>
-              <a:buSzPts val="4800"/>
-              <a:buFont typeface="Arial"/>
-              <a:buNone/>
-              <a:defRPr sz="4000" b="1" i="0">
-                <a:solidFill>
-                  <a:srgbClr val="161614"/>
-                </a:solidFill>
-                <a:latin typeface="Arial"/>
-                <a:ea typeface="Arial"/>
-                <a:cs typeface="Arial"/>
-                <a:sym typeface="Arial"/>
-              </a:defRPr>
-            </a:lvl1pPr>
-            <a:lvl2pPr lvl="1" algn="l">
-              <a:lnSpc>
-                <a:spcPct val="100000"/>
-              </a:lnSpc>
-              <a:spcBef>
-                <a:spcPts val="0"/>
-              </a:spcBef>
-              <a:spcAft>
-                <a:spcPts val="0"/>
-              </a:spcAft>
-              <a:buSzPts val="1400"/>
-              <a:buNone/>
-              <a:defRPr/>
-            </a:lvl2pPr>
-            <a:lvl3pPr lvl="2" algn="l">
-              <a:lnSpc>
-                <a:spcPct val="100000"/>
-              </a:lnSpc>
-              <a:spcBef>
-                <a:spcPts val="0"/>
-              </a:spcBef>
-              <a:spcAft>
-                <a:spcPts val="0"/>
-              </a:spcAft>
-              <a:buSzPts val="1400"/>
-              <a:buNone/>
-              <a:defRPr/>
-            </a:lvl3pPr>
-            <a:lvl4pPr lvl="3" algn="l">
-              <a:lnSpc>
-                <a:spcPct val="100000"/>
-              </a:lnSpc>
-              <a:spcBef>
-                <a:spcPts val="0"/>
-              </a:spcBef>
-              <a:spcAft>
-                <a:spcPts val="0"/>
-              </a:spcAft>
-              <a:buSzPts val="1400"/>
-              <a:buNone/>
-              <a:defRPr/>
-            </a:lvl4pPr>
-            <a:lvl5pPr lvl="4" algn="l">
-              <a:lnSpc>
-                <a:spcPct val="100000"/>
-              </a:lnSpc>
-              <a:spcBef>
-                <a:spcPts val="0"/>
-              </a:spcBef>
-              <a:spcAft>
-                <a:spcPts val="0"/>
-              </a:spcAft>
-              <a:buSzPts val="1400"/>
-              <a:buNone/>
-              <a:defRPr/>
-            </a:lvl5pPr>
-            <a:lvl6pPr lvl="5" algn="l">
-              <a:lnSpc>
-                <a:spcPct val="100000"/>
-              </a:lnSpc>
-              <a:spcBef>
-                <a:spcPts val="0"/>
-              </a:spcBef>
-              <a:spcAft>
-                <a:spcPts val="0"/>
-              </a:spcAft>
-              <a:buSzPts val="1400"/>
-              <a:buNone/>
-              <a:defRPr/>
-            </a:lvl6pPr>
-            <a:lvl7pPr lvl="6" algn="l">
-              <a:lnSpc>
-                <a:spcPct val="100000"/>
-              </a:lnSpc>
-              <a:spcBef>
-                <a:spcPts val="0"/>
-              </a:spcBef>
-              <a:spcAft>
-                <a:spcPts val="0"/>
-              </a:spcAft>
-              <a:buSzPts val="1400"/>
-              <a:buNone/>
-              <a:defRPr/>
-            </a:lvl7pPr>
-            <a:lvl8pPr lvl="7" algn="l">
-              <a:lnSpc>
-                <a:spcPct val="100000"/>
-              </a:lnSpc>
-              <a:spcBef>
-                <a:spcPts val="0"/>
-              </a:spcBef>
-              <a:spcAft>
-                <a:spcPts val="0"/>
-              </a:spcAft>
-              <a:buSzPts val="1400"/>
-              <a:buNone/>
-              <a:defRPr/>
-            </a:lvl8pPr>
-            <a:lvl9pPr lvl="8" algn="l">
-              <a:lnSpc>
-                <a:spcPct val="100000"/>
-              </a:lnSpc>
-              <a:spcBef>
-                <a:spcPts val="0"/>
-              </a:spcBef>
-              <a:spcAft>
-                <a:spcPts val="0"/>
-              </a:spcAft>
-              <a:buSzPts val="1400"/>
-              <a:buNone/>
-              <a:defRPr/>
-            </a:lvl9pPr>
-          </a:lstStyle>
-          <a:p>
-            <a:endParaRPr/>
-          </a:p>
-        </p:txBody>
-      </p:sp>
-      <p:sp>
-        <p:nvSpPr>
-          <p:cNvPr id="63" name="Google Shape;63;p33"/>
-          <p:cNvSpPr txBox="1">
-            <a:spLocks noGrp="1"/>
-          </p:cNvSpPr>
-          <p:nvPr>
-            <p:ph type="body" idx="1"/>
-          </p:nvPr>
-        </p:nvSpPr>
-        <p:spPr>
-          <a:xfrm>
-            <a:off x="619125" y="1686018"/>
-            <a:ext cx="9532938" cy="3294062"/>
-          </a:xfrm>
-          <a:prstGeom prst="rect">
-            <a:avLst/>
-          </a:prstGeom>
-          <a:noFill/>
-          <a:ln>
-            <a:noFill/>
-          </a:ln>
-        </p:spPr>
-        <p:txBody>
-          <a:bodyPr spcFirstLastPara="1" wrap="square" lIns="0" tIns="0" rIns="0" bIns="0" anchor="t" anchorCtr="0">
-            <a:noAutofit/>
-          </a:bodyPr>
-          <a:lstStyle>
-            <a:lvl1pPr marL="457200" lvl="0" indent="-381000" algn="l">
-              <a:lnSpc>
-                <a:spcPct val="90000"/>
-              </a:lnSpc>
-              <a:spcBef>
-                <a:spcPts val="1200"/>
-              </a:spcBef>
-              <a:spcAft>
-                <a:spcPts val="0"/>
-              </a:spcAft>
-              <a:buClr>
-                <a:srgbClr val="000000"/>
-              </a:buClr>
-              <a:buSzPts val="2400"/>
-              <a:buChar char="•"/>
-              <a:defRPr>
-                <a:solidFill>
-                  <a:srgbClr val="000000"/>
-                </a:solidFill>
-              </a:defRPr>
-            </a:lvl1pPr>
-            <a:lvl2pPr marL="914400" lvl="1" indent="-355600" algn="l">
-              <a:lnSpc>
-                <a:spcPct val="90000"/>
-              </a:lnSpc>
-              <a:spcBef>
-                <a:spcPts val="600"/>
-              </a:spcBef>
-              <a:spcAft>
-                <a:spcPts val="0"/>
-              </a:spcAft>
-              <a:buClr>
-                <a:srgbClr val="000000"/>
-              </a:buClr>
-              <a:buSzPts val="2000"/>
-              <a:buFont typeface="Courier New"/>
-              <a:buChar char="o"/>
-              <a:defRPr>
-                <a:solidFill>
-                  <a:srgbClr val="000000"/>
-                </a:solidFill>
-              </a:defRPr>
-            </a:lvl2pPr>
-            <a:lvl3pPr marL="1371600" lvl="2" indent="-228600" algn="l">
-              <a:lnSpc>
-                <a:spcPct val="90000"/>
-              </a:lnSpc>
-              <a:spcBef>
-                <a:spcPts val="600"/>
-              </a:spcBef>
-              <a:spcAft>
-                <a:spcPts val="0"/>
-              </a:spcAft>
-              <a:buClr>
-                <a:srgbClr val="000000"/>
-              </a:buClr>
-              <a:buSzPts val="1800"/>
-              <a:buFont typeface="Arial"/>
-              <a:buNone/>
-              <a:defRPr>
-                <a:solidFill>
-                  <a:srgbClr val="000000"/>
-                </a:solidFill>
-              </a:defRPr>
-            </a:lvl3pPr>
-            <a:lvl4pPr marL="1828800" lvl="3" indent="-228600" algn="l">
-              <a:lnSpc>
-                <a:spcPct val="90000"/>
-              </a:lnSpc>
-              <a:spcBef>
-                <a:spcPts val="600"/>
-              </a:spcBef>
-              <a:spcAft>
-                <a:spcPts val="0"/>
-              </a:spcAft>
-              <a:buClr>
-                <a:srgbClr val="000000"/>
-              </a:buClr>
-              <a:buSzPts val="1600"/>
-              <a:buFont typeface="Arial"/>
-              <a:buNone/>
-              <a:defRPr>
-                <a:solidFill>
-                  <a:srgbClr val="000000"/>
-                </a:solidFill>
-              </a:defRPr>
-            </a:lvl4pPr>
-            <a:lvl5pPr marL="2286000" lvl="4" indent="-228600" algn="l">
-              <a:lnSpc>
-                <a:spcPct val="90000"/>
-              </a:lnSpc>
-              <a:spcBef>
-                <a:spcPts val="600"/>
-              </a:spcBef>
-              <a:spcAft>
-                <a:spcPts val="0"/>
-              </a:spcAft>
-              <a:buClr>
-                <a:srgbClr val="000000"/>
-              </a:buClr>
-              <a:buSzPts val="1600"/>
-              <a:buFont typeface="Arial"/>
-              <a:buNone/>
-              <a:defRPr>
-                <a:solidFill>
-                  <a:srgbClr val="000000"/>
-                </a:solidFill>
-              </a:defRPr>
-            </a:lvl5pPr>
-            <a:lvl6pPr marL="2743200" lvl="5" indent="-304800" algn="l">
-              <a:lnSpc>
-                <a:spcPct val="90000"/>
-              </a:lnSpc>
-              <a:spcBef>
-                <a:spcPts val="600"/>
-              </a:spcBef>
-              <a:spcAft>
-                <a:spcPts val="0"/>
-              </a:spcAft>
-              <a:buSzPts val="1200"/>
-              <a:buChar char="–"/>
-              <a:defRPr/>
-            </a:lvl6pPr>
-            <a:lvl7pPr marL="3200400" lvl="6" indent="-304800" algn="l">
-              <a:lnSpc>
-                <a:spcPct val="90000"/>
-              </a:lnSpc>
-              <a:spcBef>
-                <a:spcPts val="600"/>
-              </a:spcBef>
-              <a:spcAft>
-                <a:spcPts val="0"/>
-              </a:spcAft>
-              <a:buSzPts val="1200"/>
-              <a:buChar char="–"/>
-              <a:defRPr/>
-            </a:lvl7pPr>
-            <a:lvl8pPr marL="3657600" lvl="7" indent="-304800" algn="l">
-              <a:lnSpc>
-                <a:spcPct val="90000"/>
-              </a:lnSpc>
-              <a:spcBef>
-                <a:spcPts val="600"/>
-              </a:spcBef>
-              <a:spcAft>
-                <a:spcPts val="0"/>
-              </a:spcAft>
-              <a:buSzPts val="1200"/>
-              <a:buChar char="–"/>
-              <a:defRPr/>
-            </a:lvl8pPr>
-            <a:lvl9pPr marL="4114800" lvl="8" indent="-304800" algn="l">
-              <a:lnSpc>
-                <a:spcPct val="90000"/>
-              </a:lnSpc>
-              <a:spcBef>
-                <a:spcPts val="600"/>
-              </a:spcBef>
-              <a:spcAft>
-                <a:spcPts val="0"/>
-              </a:spcAft>
-              <a:buSzPts val="1200"/>
-              <a:buChar char="–"/>
-              <a:defRPr/>
-            </a:lvl9pPr>
-          </a:lstStyle>
-          <a:p>
-            <a:endParaRPr/>
-          </a:p>
-        </p:txBody>
-      </p:sp>
-    </p:spTree>
-  </p:cSld>
-  <p:clrMapOvr>
-    <a:masterClrMapping/>
-  </p:clrMapOvr>
-  <mc:AlternateContent xmlns:mc="http://schemas.openxmlformats.org/markup-compatibility/2006" xmlns:p14="http://schemas.microsoft.com/office/powerpoint/2010/main">
-    <mc:Choice Requires="p14">
-      <p:transition spd="med" p14:dur="700">
-        <p:fade/>
-      </p:transition>
-    </mc:Choice>
-    <mc:Fallback xmlns:p15="http://schemas.microsoft.com/office/powerpoint/2012/main" xmlns:com="http://schemas.openxmlformats.org/drawingml/2006/compatibility" xmlns:pvml="urn:schemas-microsoft-com:office:powerpoint" xmlns:v="urn:schemas-microsoft-com:vml" xmlns:o="urn:schemas-microsoft-com:office:office" xmlns:dgm="http://schemas.openxmlformats.org/drawingml/2006/diagram" xmlns:c="http://schemas.openxmlformats.org/drawingml/2006/chart" xmlns:mv="urn:schemas-microsoft-com:mac:vml" xmlns="">
-      <p:transition spd="slow">
-        <p:fade/>
-      </p:transition>
-    </mc:Fallback>
-  </mc:AlternateContent>
-</p:sldLayout>
-</file>
-
-<file path=ppt/slideLayouts/slideLayout12.xml><?xml version="1.0" encoding="utf-8"?>
-<p:sldLayout xmlns:a="http://schemas.openxmlformats.org/drawingml/2006/main" xmlns:r="http://schemas.openxmlformats.org/officeDocument/2006/relationships" xmlns:p="http://schemas.openxmlformats.org/presentationml/2006/main" matchingName="Closing slide">
-  <p:cSld name="Closing slide">
-    <p:spTree>
-      <p:nvGrpSpPr>
-        <p:cNvPr id="1" name="Shape 64"/>
-        <p:cNvGrpSpPr/>
-        <p:nvPr/>
-      </p:nvGrpSpPr>
-      <p:grpSpPr>
-        <a:xfrm>
-          <a:off x="0" y="0"/>
-          <a:ext cx="0" cy="0"/>
-          <a:chOff x="0" y="0"/>
-          <a:chExt cx="0" cy="0"/>
-        </a:xfrm>
-      </p:grpSpPr>
-      <p:pic>
-        <p:nvPicPr>
-          <p:cNvPr id="65" name="Google Shape;65;p36"/>
-          <p:cNvPicPr preferRelativeResize="0"/>
-          <p:nvPr/>
-        </p:nvPicPr>
-        <p:blipFill rotWithShape="1">
-          <a:blip r:embed="rId2">
-            <a:alphaModFix/>
-          </a:blip>
-          <a:srcRect/>
-          <a:stretch/>
-        </p:blipFill>
-        <p:spPr>
-          <a:xfrm>
-            <a:off x="0" y="0"/>
-            <a:ext cx="12192000" cy="6858000"/>
-          </a:xfrm>
-          <a:prstGeom prst="rect">
-            <a:avLst/>
-          </a:prstGeom>
-          <a:noFill/>
-          <a:ln>
-            <a:noFill/>
-          </a:ln>
-        </p:spPr>
-      </p:pic>
-      <p:sp>
-        <p:nvSpPr>
-          <p:cNvPr id="66" name="Google Shape;66;p36"/>
-          <p:cNvSpPr/>
-          <p:nvPr/>
-        </p:nvSpPr>
-        <p:spPr>
-          <a:xfrm rot="10800000">
-            <a:off x="0" y="18774"/>
-            <a:ext cx="12192000" cy="4317476"/>
-          </a:xfrm>
-          <a:prstGeom prst="rect">
-            <a:avLst/>
-          </a:prstGeom>
-          <a:gradFill>
-            <a:gsLst>
-              <a:gs pos="0">
-                <a:srgbClr val="000000">
-                  <a:alpha val="0"/>
-                </a:srgbClr>
-              </a:gs>
-              <a:gs pos="100000">
-                <a:srgbClr val="000000">
-                  <a:alpha val="20000"/>
-                </a:srgbClr>
-              </a:gs>
-            </a:gsLst>
-            <a:lin ang="5400000" scaled="0"/>
-          </a:gradFill>
-          <a:ln>
-            <a:noFill/>
-          </a:ln>
-        </p:spPr>
-        <p:txBody>
-          <a:bodyPr spcFirstLastPara="1" wrap="square" lIns="91425" tIns="45700" rIns="91425" bIns="45700" anchor="ctr" anchorCtr="0">
-            <a:noAutofit/>
-          </a:bodyPr>
-          <a:lstStyle/>
-          <a:p>
-            <a:pPr marL="0" marR="0" lvl="0" indent="0" algn="ctr" rtl="0">
-              <a:lnSpc>
-                <a:spcPct val="90000"/>
-              </a:lnSpc>
-              <a:spcBef>
-                <a:spcPts val="0"/>
-              </a:spcBef>
-              <a:spcAft>
-                <a:spcPts val="0"/>
-              </a:spcAft>
-              <a:buClr>
-                <a:srgbClr val="000000"/>
-              </a:buClr>
-              <a:buSzPts val="1800"/>
-              <a:buFont typeface="Arial"/>
-              <a:buNone/>
-            </a:pPr>
-            <a:endParaRPr sz="1800" b="0" i="0" u="none" strike="noStrike" cap="none">
-              <a:solidFill>
-                <a:schemeClr val="lt1"/>
-              </a:solidFill>
-              <a:latin typeface="Arial"/>
-              <a:ea typeface="Arial"/>
-              <a:cs typeface="Arial"/>
-              <a:sym typeface="Arial"/>
-            </a:endParaRPr>
-          </a:p>
-        </p:txBody>
-      </p:sp>
-      <p:sp>
-        <p:nvSpPr>
-          <p:cNvPr id="67" name="Google Shape;67;p36"/>
-          <p:cNvSpPr txBox="1"/>
-          <p:nvPr/>
-        </p:nvSpPr>
-        <p:spPr>
-          <a:xfrm>
-            <a:off x="1029921" y="4747910"/>
-            <a:ext cx="4326694" cy="923289"/>
-          </a:xfrm>
-          <a:prstGeom prst="rect">
-            <a:avLst/>
-          </a:prstGeom>
-          <a:noFill/>
-          <a:ln>
-            <a:noFill/>
-          </a:ln>
-        </p:spPr>
-        <p:txBody>
-          <a:bodyPr spcFirstLastPara="1" wrap="square" lIns="91425" tIns="45700" rIns="91425" bIns="45700" anchor="t" anchorCtr="0">
-            <a:spAutoFit/>
-          </a:bodyPr>
-          <a:lstStyle/>
-          <a:p>
-            <a:pPr marL="0" marR="0" lvl="0" indent="0" algn="ctr" rtl="0">
-              <a:lnSpc>
-                <a:spcPct val="100000"/>
-              </a:lnSpc>
-              <a:spcBef>
-                <a:spcPts val="0"/>
-              </a:spcBef>
-              <a:spcAft>
-                <a:spcPts val="0"/>
-              </a:spcAft>
-              <a:buClr>
-                <a:srgbClr val="000000"/>
-              </a:buClr>
-              <a:buSzPts val="5400"/>
-              <a:buFont typeface="Arial"/>
-              <a:buNone/>
-            </a:pPr>
-            <a:r>
-              <a:rPr lang="en-US" sz="5400" b="1" i="0" u="none" strike="noStrike" cap="none">
-                <a:solidFill>
-                  <a:srgbClr val="FFFFFF"/>
-                </a:solidFill>
-                <a:latin typeface="Arial"/>
-                <a:ea typeface="Arial"/>
-                <a:cs typeface="Arial"/>
-                <a:sym typeface="Arial"/>
-              </a:rPr>
-              <a:t>THANK YOU</a:t>
-            </a:r>
-            <a:endParaRPr sz="5400" b="1" i="0" u="none" strike="noStrike" cap="none">
-              <a:solidFill>
-                <a:srgbClr val="FFFFFF"/>
-              </a:solidFill>
-              <a:latin typeface="Arial"/>
-              <a:ea typeface="Arial"/>
-              <a:cs typeface="Arial"/>
-              <a:sym typeface="Arial"/>
-            </a:endParaRPr>
-          </a:p>
-        </p:txBody>
-      </p:sp>
-      <p:pic>
-        <p:nvPicPr>
-          <p:cNvPr id="68" name="Google Shape;68;p36"/>
-          <p:cNvPicPr preferRelativeResize="0"/>
-          <p:nvPr/>
-        </p:nvPicPr>
-        <p:blipFill rotWithShape="1">
-          <a:blip r:embed="rId3">
-            <a:alphaModFix/>
-          </a:blip>
-          <a:srcRect/>
-          <a:stretch/>
-        </p:blipFill>
-        <p:spPr>
-          <a:xfrm>
-            <a:off x="652361" y="388125"/>
-            <a:ext cx="5081812" cy="5081812"/>
-          </a:xfrm>
-          <a:prstGeom prst="rect">
-            <a:avLst/>
-          </a:prstGeom>
-          <a:noFill/>
-          <a:ln>
-            <a:noFill/>
-          </a:ln>
-        </p:spPr>
-      </p:pic>
-    </p:spTree>
-  </p:cSld>
-  <p:clrMapOvr>
-    <a:masterClrMapping/>
-  </p:clrMapOvr>
-  <mc:AlternateContent xmlns:mc="http://schemas.openxmlformats.org/markup-compatibility/2006" xmlns:p14="http://schemas.microsoft.com/office/powerpoint/2010/main">
-    <mc:Choice Requires="p14">
-      <p:transition spd="med" p14:dur="700">
-        <p:fade/>
-      </p:transition>
-    </mc:Choice>
-    <mc:Fallback xmlns:p15="http://schemas.microsoft.com/office/powerpoint/2012/main" xmlns:com="http://schemas.openxmlformats.org/drawingml/2006/compatibility" xmlns:pvml="urn:schemas-microsoft-com:office:powerpoint" xmlns:v="urn:schemas-microsoft-com:vml" xmlns:o="urn:schemas-microsoft-com:office:office" xmlns:dgm="http://schemas.openxmlformats.org/drawingml/2006/diagram" xmlns:c="http://schemas.openxmlformats.org/drawingml/2006/chart" xmlns:mv="urn:schemas-microsoft-com:mac:vml" xmlns="">
-      <p:transition spd="slow">
-        <p:fade/>
-      </p:transition>
-    </mc:Fallback>
-  </mc:AlternateContent>
-</p:sldLayout>
-</file>
-
-<file path=ppt/slideLayouts/slideLayout13.xml><?xml version="1.0" encoding="utf-8"?>
-<p:sldLayout xmlns:a="http://schemas.openxmlformats.org/drawingml/2006/main" xmlns:r="http://schemas.openxmlformats.org/officeDocument/2006/relationships" xmlns:p="http://schemas.openxmlformats.org/presentationml/2006/main" matchingName="Body Slide">
-  <p:cSld name="Body Slide">
-    <p:spTree>
-      <p:nvGrpSpPr>
-        <p:cNvPr id="1" name="Shape 69"/>
-        <p:cNvGrpSpPr/>
-        <p:nvPr/>
-      </p:nvGrpSpPr>
-      <p:grpSpPr>
-        <a:xfrm>
-          <a:off x="0" y="0"/>
-          <a:ext cx="0" cy="0"/>
-          <a:chOff x="0" y="0"/>
-          <a:chExt cx="0" cy="0"/>
-        </a:xfrm>
-      </p:grpSpPr>
-      <p:sp>
-        <p:nvSpPr>
-          <p:cNvPr id="70" name="Google Shape;70;p38"/>
-          <p:cNvSpPr txBox="1">
-            <a:spLocks noGrp="1"/>
-          </p:cNvSpPr>
-          <p:nvPr>
-            <p:ph type="title"/>
-          </p:nvPr>
-        </p:nvSpPr>
-        <p:spPr>
-          <a:xfrm>
-            <a:off x="609600" y="671636"/>
-            <a:ext cx="10303173" cy="852364"/>
-          </a:xfrm>
-          <a:prstGeom prst="rect">
-            <a:avLst/>
-          </a:prstGeom>
-          <a:noFill/>
-          <a:ln>
-            <a:noFill/>
-          </a:ln>
-        </p:spPr>
-        <p:txBody>
-          <a:bodyPr spcFirstLastPara="1" wrap="square" lIns="0" tIns="0" rIns="0" bIns="0" anchor="t" anchorCtr="0">
-            <a:noAutofit/>
-          </a:bodyPr>
-          <a:lstStyle>
-            <a:lvl1pPr lvl="0" algn="l">
-              <a:lnSpc>
-                <a:spcPct val="90000"/>
-              </a:lnSpc>
-              <a:spcBef>
-                <a:spcPts val="0"/>
-              </a:spcBef>
-              <a:spcAft>
-                <a:spcPts val="0"/>
-              </a:spcAft>
-              <a:buClr>
-                <a:schemeClr val="dk1"/>
-              </a:buClr>
-              <a:buSzPts val="3200"/>
-              <a:buFont typeface="Arial"/>
-              <a:buNone/>
-              <a:defRPr sz="4000" b="1" i="0">
-                <a:solidFill>
-                  <a:srgbClr val="161614"/>
-                </a:solidFill>
-              </a:defRPr>
-            </a:lvl1pPr>
-            <a:lvl2pPr lvl="1" algn="l">
-              <a:lnSpc>
-                <a:spcPct val="100000"/>
-              </a:lnSpc>
-              <a:spcBef>
-                <a:spcPts val="0"/>
-              </a:spcBef>
-              <a:spcAft>
-                <a:spcPts val="0"/>
-              </a:spcAft>
-              <a:buSzPts val="1400"/>
-              <a:buNone/>
-              <a:defRPr/>
-            </a:lvl2pPr>
-            <a:lvl3pPr lvl="2" algn="l">
-              <a:lnSpc>
-                <a:spcPct val="100000"/>
-              </a:lnSpc>
-              <a:spcBef>
-                <a:spcPts val="0"/>
-              </a:spcBef>
-              <a:spcAft>
-                <a:spcPts val="0"/>
-              </a:spcAft>
-              <a:buSzPts val="1400"/>
-              <a:buNone/>
-              <a:defRPr/>
-            </a:lvl3pPr>
-            <a:lvl4pPr lvl="3" algn="l">
-              <a:lnSpc>
-                <a:spcPct val="100000"/>
-              </a:lnSpc>
-              <a:spcBef>
-                <a:spcPts val="0"/>
-              </a:spcBef>
-              <a:spcAft>
-                <a:spcPts val="0"/>
-              </a:spcAft>
-              <a:buSzPts val="1400"/>
-              <a:buNone/>
-              <a:defRPr/>
-            </a:lvl4pPr>
-            <a:lvl5pPr lvl="4" algn="l">
-              <a:lnSpc>
-                <a:spcPct val="100000"/>
-              </a:lnSpc>
-              <a:spcBef>
-                <a:spcPts val="0"/>
-              </a:spcBef>
-              <a:spcAft>
-                <a:spcPts val="0"/>
-              </a:spcAft>
-              <a:buSzPts val="1400"/>
-              <a:buNone/>
-              <a:defRPr/>
-            </a:lvl5pPr>
-            <a:lvl6pPr lvl="5" algn="l">
-              <a:lnSpc>
-                <a:spcPct val="100000"/>
-              </a:lnSpc>
-              <a:spcBef>
-                <a:spcPts val="0"/>
-              </a:spcBef>
-              <a:spcAft>
-                <a:spcPts val="0"/>
-              </a:spcAft>
-              <a:buSzPts val="1400"/>
-              <a:buNone/>
-              <a:defRPr/>
-            </a:lvl6pPr>
-            <a:lvl7pPr lvl="6" algn="l">
-              <a:lnSpc>
-                <a:spcPct val="100000"/>
-              </a:lnSpc>
-              <a:spcBef>
-                <a:spcPts val="0"/>
-              </a:spcBef>
-              <a:spcAft>
-                <a:spcPts val="0"/>
-              </a:spcAft>
-              <a:buSzPts val="1400"/>
-              <a:buNone/>
-              <a:defRPr/>
-            </a:lvl7pPr>
-            <a:lvl8pPr lvl="7" algn="l">
-              <a:lnSpc>
-                <a:spcPct val="100000"/>
-              </a:lnSpc>
-              <a:spcBef>
-                <a:spcPts val="0"/>
-              </a:spcBef>
-              <a:spcAft>
-                <a:spcPts val="0"/>
-              </a:spcAft>
-              <a:buSzPts val="1400"/>
-              <a:buNone/>
-              <a:defRPr/>
-            </a:lvl8pPr>
-            <a:lvl9pPr lvl="8" algn="l">
-              <a:lnSpc>
-                <a:spcPct val="100000"/>
-              </a:lnSpc>
-              <a:spcBef>
-                <a:spcPts val="0"/>
-              </a:spcBef>
-              <a:spcAft>
-                <a:spcPts val="0"/>
-              </a:spcAft>
-              <a:buSzPts val="1400"/>
-              <a:buNone/>
-              <a:defRPr/>
-            </a:lvl9pPr>
-          </a:lstStyle>
-          <a:p>
-            <a:endParaRPr/>
-          </a:p>
-        </p:txBody>
-      </p:sp>
-      <p:sp>
-        <p:nvSpPr>
-          <p:cNvPr id="71" name="Google Shape;71;p38"/>
-          <p:cNvSpPr txBox="1">
-            <a:spLocks noGrp="1"/>
-          </p:cNvSpPr>
-          <p:nvPr>
-            <p:ph type="body" idx="1"/>
-          </p:nvPr>
-        </p:nvSpPr>
-        <p:spPr>
-          <a:xfrm>
-            <a:off x="609600" y="1600200"/>
-            <a:ext cx="10303173" cy="4495800"/>
-          </a:xfrm>
-          <a:prstGeom prst="rect">
-            <a:avLst/>
-          </a:prstGeom>
-          <a:noFill/>
-          <a:ln>
-            <a:noFill/>
-          </a:ln>
-        </p:spPr>
-        <p:txBody>
-          <a:bodyPr spcFirstLastPara="1" wrap="square" lIns="0" tIns="0" rIns="0" bIns="0" anchor="t" anchorCtr="0">
-            <a:noAutofit/>
-          </a:bodyPr>
-          <a:lstStyle>
-            <a:lvl1pPr marL="457200" lvl="0" indent="-355600" algn="l">
-              <a:lnSpc>
-                <a:spcPct val="150000"/>
-              </a:lnSpc>
-              <a:spcBef>
-                <a:spcPts val="0"/>
-              </a:spcBef>
-              <a:spcAft>
-                <a:spcPts val="0"/>
-              </a:spcAft>
-              <a:buClr>
-                <a:srgbClr val="161614"/>
-              </a:buClr>
-              <a:buSzPts val="2000"/>
-              <a:buFont typeface="Arial"/>
-              <a:buAutoNum type="arabicPeriod"/>
-              <a:defRPr sz="2000" b="0" i="0">
-                <a:solidFill>
-                  <a:srgbClr val="161614"/>
-                </a:solidFill>
-              </a:defRPr>
-            </a:lvl1pPr>
-            <a:lvl2pPr marL="914400" lvl="1" indent="-342900" algn="l">
-              <a:lnSpc>
-                <a:spcPct val="90000"/>
-              </a:lnSpc>
-              <a:spcBef>
-                <a:spcPts val="600"/>
-              </a:spcBef>
-              <a:spcAft>
-                <a:spcPts val="0"/>
-              </a:spcAft>
-              <a:buClr>
-                <a:schemeClr val="dk1"/>
-              </a:buClr>
-              <a:buSzPts val="1800"/>
-              <a:buChar char="–"/>
-              <a:defRPr/>
-            </a:lvl2pPr>
-            <a:lvl3pPr marL="1371600" lvl="2" indent="-342900" algn="l">
-              <a:lnSpc>
-                <a:spcPct val="90000"/>
-              </a:lnSpc>
-              <a:spcBef>
-                <a:spcPts val="600"/>
-              </a:spcBef>
-              <a:spcAft>
-                <a:spcPts val="0"/>
-              </a:spcAft>
-              <a:buClr>
-                <a:schemeClr val="dk1"/>
-              </a:buClr>
-              <a:buSzPts val="1800"/>
-              <a:buChar char="▪"/>
-              <a:defRPr/>
-            </a:lvl3pPr>
-            <a:lvl4pPr marL="1828800" lvl="3" indent="-342900" algn="l">
-              <a:lnSpc>
-                <a:spcPct val="90000"/>
-              </a:lnSpc>
-              <a:spcBef>
-                <a:spcPts val="600"/>
-              </a:spcBef>
-              <a:spcAft>
-                <a:spcPts val="0"/>
-              </a:spcAft>
-              <a:buClr>
-                <a:schemeClr val="dk1"/>
-              </a:buClr>
-              <a:buSzPts val="1800"/>
-              <a:buChar char="–"/>
-              <a:defRPr/>
-            </a:lvl4pPr>
-            <a:lvl5pPr marL="2286000" lvl="4" indent="-342900" algn="l">
-              <a:lnSpc>
-                <a:spcPct val="90000"/>
-              </a:lnSpc>
-              <a:spcBef>
-                <a:spcPts val="600"/>
-              </a:spcBef>
-              <a:spcAft>
-                <a:spcPts val="0"/>
-              </a:spcAft>
-              <a:buClr>
-                <a:schemeClr val="dk1"/>
-              </a:buClr>
-              <a:buSzPts val="1800"/>
-              <a:buChar char="–"/>
-              <a:defRPr/>
-            </a:lvl5pPr>
-            <a:lvl6pPr marL="2743200" lvl="5" indent="-342900" algn="l">
-              <a:lnSpc>
-                <a:spcPct val="90000"/>
-              </a:lnSpc>
-              <a:spcBef>
-                <a:spcPts val="600"/>
-              </a:spcBef>
-              <a:spcAft>
-                <a:spcPts val="0"/>
-              </a:spcAft>
-              <a:buSzPts val="1800"/>
-              <a:buChar char="–"/>
-              <a:defRPr/>
-            </a:lvl6pPr>
-            <a:lvl7pPr marL="3200400" lvl="6" indent="-342900" algn="l">
-              <a:lnSpc>
-                <a:spcPct val="90000"/>
-              </a:lnSpc>
-              <a:spcBef>
-                <a:spcPts val="600"/>
-              </a:spcBef>
-              <a:spcAft>
-                <a:spcPts val="0"/>
-              </a:spcAft>
-              <a:buSzPts val="1800"/>
-              <a:buChar char="–"/>
-              <a:defRPr/>
-            </a:lvl7pPr>
-            <a:lvl8pPr marL="3657600" lvl="7" indent="-342900" algn="l">
-              <a:lnSpc>
-                <a:spcPct val="90000"/>
-              </a:lnSpc>
-              <a:spcBef>
-                <a:spcPts val="600"/>
-              </a:spcBef>
-              <a:spcAft>
-                <a:spcPts val="0"/>
-              </a:spcAft>
-              <a:buSzPts val="1800"/>
-              <a:buChar char="–"/>
-              <a:defRPr/>
-            </a:lvl8pPr>
-            <a:lvl9pPr marL="4114800" lvl="8" indent="-342900" algn="l">
-              <a:lnSpc>
-                <a:spcPct val="90000"/>
-              </a:lnSpc>
-              <a:spcBef>
-                <a:spcPts val="600"/>
-              </a:spcBef>
-              <a:spcAft>
-                <a:spcPts val="0"/>
-              </a:spcAft>
-              <a:buSzPts val="1800"/>
-              <a:buChar char="–"/>
-              <a:defRPr/>
-            </a:lvl9pPr>
-          </a:lstStyle>
-          <a:p>
-            <a:endParaRPr/>
-          </a:p>
-        </p:txBody>
-      </p:sp>
-    </p:spTree>
-  </p:cSld>
-  <p:clrMapOvr>
-    <a:masterClrMapping/>
-  </p:clrMapOvr>
-  <mc:AlternateContent xmlns:mc="http://schemas.openxmlformats.org/markup-compatibility/2006" xmlns:p14="http://schemas.microsoft.com/office/powerpoint/2010/main">
-    <mc:Choice Requires="p14">
-      <p:transition spd="med" p14:dur="700">
-        <p:fade/>
-      </p:transition>
-    </mc:Choice>
-    <mc:Fallback xmlns:p15="http://schemas.microsoft.com/office/powerpoint/2012/main" xmlns:com="http://schemas.openxmlformats.org/drawingml/2006/compatibility" xmlns:pvml="urn:schemas-microsoft-com:office:powerpoint" xmlns:v="urn:schemas-microsoft-com:vml" xmlns:o="urn:schemas-microsoft-com:office:office" xmlns:dgm="http://schemas.openxmlformats.org/drawingml/2006/diagram" xmlns:c="http://schemas.openxmlformats.org/drawingml/2006/chart" xmlns:mv="urn:schemas-microsoft-com:mac:vml" xmlns="">
-      <p:transition spd="slow">
-        <p:fade/>
-      </p:transition>
-    </mc:Fallback>
-  </mc:AlternateContent>
-</p:sldLayout>
-</file>
-
-<file path=ppt/slideLayouts/slideLayout2.xml><?xml version="1.0" encoding="utf-8"?>
+<file path=ppt/slideLayouts/slideLayout1.xml><?xml version="1.0" encoding="utf-8"?>
 <p:sldLayout xmlns:a="http://schemas.openxmlformats.org/drawingml/2006/main" xmlns:r="http://schemas.openxmlformats.org/officeDocument/2006/relationships" xmlns:p="http://schemas.openxmlformats.org/presentationml/2006/main" showMasterSp="0" matchingName="Title Slide 1">
   <p:cSld name="Title Slide 1">
     <p:bg>
@@ -5977,7 +4306,7 @@
         <p:fade/>
       </p:transition>
     </mc:Choice>
-    <mc:Fallback xmlns:p15="http://schemas.microsoft.com/office/powerpoint/2012/main" xmlns:com="http://schemas.openxmlformats.org/drawingml/2006/compatibility" xmlns:pvml="urn:schemas-microsoft-com:office:powerpoint" xmlns:v="urn:schemas-microsoft-com:vml" xmlns:o="urn:schemas-microsoft-com:office:office" xmlns:dgm="http://schemas.openxmlformats.org/drawingml/2006/diagram" xmlns:c="http://schemas.openxmlformats.org/drawingml/2006/chart" xmlns:mv="urn:schemas-microsoft-com:mac:vml" xmlns="">
+    <mc:Fallback xmlns="" xmlns:mv="urn:schemas-microsoft-com:mac:vml" xmlns:c="http://schemas.openxmlformats.org/drawingml/2006/chart" xmlns:dgm="http://schemas.openxmlformats.org/drawingml/2006/diagram" xmlns:o="urn:schemas-microsoft-com:office:office" xmlns:v="urn:schemas-microsoft-com:vml" xmlns:pvml="urn:schemas-microsoft-com:office:powerpoint" xmlns:com="http://schemas.openxmlformats.org/drawingml/2006/compatibility" xmlns:p15="http://schemas.microsoft.com/office/powerpoint/2012/main">
       <p:transition spd="slow">
         <p:fade/>
       </p:transition>
@@ -5986,7 +4315,1025 @@
 </p:sldLayout>
 </file>
 
-<file path=ppt/slideLayouts/slideLayout3.xml><?xml version="1.0" encoding="utf-8"?>
+<file path=ppt/slideLayouts/slideLayout10.xml><?xml version="1.0" encoding="utf-8"?>
+<p:sldLayout xmlns:a="http://schemas.openxmlformats.org/drawingml/2006/main" xmlns:r="http://schemas.openxmlformats.org/officeDocument/2006/relationships" xmlns:p="http://schemas.openxmlformats.org/presentationml/2006/main" matchingName="Quote Slide 1">
+  <p:cSld name="Quote Slide 1">
+    <p:spTree>
+      <p:nvGrpSpPr>
+        <p:cNvPr id="1" name="Shape 61"/>
+        <p:cNvGrpSpPr/>
+        <p:nvPr/>
+      </p:nvGrpSpPr>
+      <p:grpSpPr>
+        <a:xfrm>
+          <a:off x="0" y="0"/>
+          <a:ext cx="0" cy="0"/>
+          <a:chOff x="0" y="0"/>
+          <a:chExt cx="0" cy="0"/>
+        </a:xfrm>
+      </p:grpSpPr>
+      <p:sp>
+        <p:nvSpPr>
+          <p:cNvPr id="62" name="Google Shape;62;p33"/>
+          <p:cNvSpPr txBox="1">
+            <a:spLocks noGrp="1"/>
+          </p:cNvSpPr>
+          <p:nvPr>
+            <p:ph type="title"/>
+          </p:nvPr>
+        </p:nvSpPr>
+        <p:spPr>
+          <a:xfrm>
+            <a:off x="609600" y="537882"/>
+            <a:ext cx="9456736" cy="986118"/>
+          </a:xfrm>
+          <a:prstGeom prst="rect">
+            <a:avLst/>
+          </a:prstGeom>
+          <a:noFill/>
+          <a:ln>
+            <a:noFill/>
+          </a:ln>
+        </p:spPr>
+        <p:txBody>
+          <a:bodyPr spcFirstLastPara="1" wrap="square" lIns="0" tIns="0" rIns="0" bIns="0" anchor="t" anchorCtr="0">
+            <a:noAutofit/>
+          </a:bodyPr>
+          <a:lstStyle>
+            <a:lvl1pPr lvl="0" algn="l">
+              <a:lnSpc>
+                <a:spcPct val="109583"/>
+              </a:lnSpc>
+              <a:spcBef>
+                <a:spcPts val="600"/>
+              </a:spcBef>
+              <a:spcAft>
+                <a:spcPts val="0"/>
+              </a:spcAft>
+              <a:buClr>
+                <a:schemeClr val="dk1"/>
+              </a:buClr>
+              <a:buSzPts val="4800"/>
+              <a:buFont typeface="Arial"/>
+              <a:buNone/>
+              <a:defRPr sz="4000" b="1" i="0">
+                <a:solidFill>
+                  <a:srgbClr val="161614"/>
+                </a:solidFill>
+                <a:latin typeface="Arial"/>
+                <a:ea typeface="Arial"/>
+                <a:cs typeface="Arial"/>
+                <a:sym typeface="Arial"/>
+              </a:defRPr>
+            </a:lvl1pPr>
+            <a:lvl2pPr lvl="1" algn="l">
+              <a:lnSpc>
+                <a:spcPct val="100000"/>
+              </a:lnSpc>
+              <a:spcBef>
+                <a:spcPts val="0"/>
+              </a:spcBef>
+              <a:spcAft>
+                <a:spcPts val="0"/>
+              </a:spcAft>
+              <a:buSzPts val="1400"/>
+              <a:buNone/>
+              <a:defRPr/>
+            </a:lvl2pPr>
+            <a:lvl3pPr lvl="2" algn="l">
+              <a:lnSpc>
+                <a:spcPct val="100000"/>
+              </a:lnSpc>
+              <a:spcBef>
+                <a:spcPts val="0"/>
+              </a:spcBef>
+              <a:spcAft>
+                <a:spcPts val="0"/>
+              </a:spcAft>
+              <a:buSzPts val="1400"/>
+              <a:buNone/>
+              <a:defRPr/>
+            </a:lvl3pPr>
+            <a:lvl4pPr lvl="3" algn="l">
+              <a:lnSpc>
+                <a:spcPct val="100000"/>
+              </a:lnSpc>
+              <a:spcBef>
+                <a:spcPts val="0"/>
+              </a:spcBef>
+              <a:spcAft>
+                <a:spcPts val="0"/>
+              </a:spcAft>
+              <a:buSzPts val="1400"/>
+              <a:buNone/>
+              <a:defRPr/>
+            </a:lvl4pPr>
+            <a:lvl5pPr lvl="4" algn="l">
+              <a:lnSpc>
+                <a:spcPct val="100000"/>
+              </a:lnSpc>
+              <a:spcBef>
+                <a:spcPts val="0"/>
+              </a:spcBef>
+              <a:spcAft>
+                <a:spcPts val="0"/>
+              </a:spcAft>
+              <a:buSzPts val="1400"/>
+              <a:buNone/>
+              <a:defRPr/>
+            </a:lvl5pPr>
+            <a:lvl6pPr lvl="5" algn="l">
+              <a:lnSpc>
+                <a:spcPct val="100000"/>
+              </a:lnSpc>
+              <a:spcBef>
+                <a:spcPts val="0"/>
+              </a:spcBef>
+              <a:spcAft>
+                <a:spcPts val="0"/>
+              </a:spcAft>
+              <a:buSzPts val="1400"/>
+              <a:buNone/>
+              <a:defRPr/>
+            </a:lvl6pPr>
+            <a:lvl7pPr lvl="6" algn="l">
+              <a:lnSpc>
+                <a:spcPct val="100000"/>
+              </a:lnSpc>
+              <a:spcBef>
+                <a:spcPts val="0"/>
+              </a:spcBef>
+              <a:spcAft>
+                <a:spcPts val="0"/>
+              </a:spcAft>
+              <a:buSzPts val="1400"/>
+              <a:buNone/>
+              <a:defRPr/>
+            </a:lvl7pPr>
+            <a:lvl8pPr lvl="7" algn="l">
+              <a:lnSpc>
+                <a:spcPct val="100000"/>
+              </a:lnSpc>
+              <a:spcBef>
+                <a:spcPts val="0"/>
+              </a:spcBef>
+              <a:spcAft>
+                <a:spcPts val="0"/>
+              </a:spcAft>
+              <a:buSzPts val="1400"/>
+              <a:buNone/>
+              <a:defRPr/>
+            </a:lvl8pPr>
+            <a:lvl9pPr lvl="8" algn="l">
+              <a:lnSpc>
+                <a:spcPct val="100000"/>
+              </a:lnSpc>
+              <a:spcBef>
+                <a:spcPts val="0"/>
+              </a:spcBef>
+              <a:spcAft>
+                <a:spcPts val="0"/>
+              </a:spcAft>
+              <a:buSzPts val="1400"/>
+              <a:buNone/>
+              <a:defRPr/>
+            </a:lvl9pPr>
+          </a:lstStyle>
+          <a:p>
+            <a:endParaRPr/>
+          </a:p>
+        </p:txBody>
+      </p:sp>
+      <p:sp>
+        <p:nvSpPr>
+          <p:cNvPr id="63" name="Google Shape;63;p33"/>
+          <p:cNvSpPr txBox="1">
+            <a:spLocks noGrp="1"/>
+          </p:cNvSpPr>
+          <p:nvPr>
+            <p:ph type="body" idx="1"/>
+          </p:nvPr>
+        </p:nvSpPr>
+        <p:spPr>
+          <a:xfrm>
+            <a:off x="619125" y="1686018"/>
+            <a:ext cx="9532938" cy="3294062"/>
+          </a:xfrm>
+          <a:prstGeom prst="rect">
+            <a:avLst/>
+          </a:prstGeom>
+          <a:noFill/>
+          <a:ln>
+            <a:noFill/>
+          </a:ln>
+        </p:spPr>
+        <p:txBody>
+          <a:bodyPr spcFirstLastPara="1" wrap="square" lIns="0" tIns="0" rIns="0" bIns="0" anchor="t" anchorCtr="0">
+            <a:noAutofit/>
+          </a:bodyPr>
+          <a:lstStyle>
+            <a:lvl1pPr marL="457200" lvl="0" indent="-381000" algn="l">
+              <a:lnSpc>
+                <a:spcPct val="90000"/>
+              </a:lnSpc>
+              <a:spcBef>
+                <a:spcPts val="1200"/>
+              </a:spcBef>
+              <a:spcAft>
+                <a:spcPts val="0"/>
+              </a:spcAft>
+              <a:buClr>
+                <a:srgbClr val="000000"/>
+              </a:buClr>
+              <a:buSzPts val="2400"/>
+              <a:buChar char="•"/>
+              <a:defRPr>
+                <a:solidFill>
+                  <a:srgbClr val="000000"/>
+                </a:solidFill>
+              </a:defRPr>
+            </a:lvl1pPr>
+            <a:lvl2pPr marL="914400" lvl="1" indent="-355600" algn="l">
+              <a:lnSpc>
+                <a:spcPct val="90000"/>
+              </a:lnSpc>
+              <a:spcBef>
+                <a:spcPts val="600"/>
+              </a:spcBef>
+              <a:spcAft>
+                <a:spcPts val="0"/>
+              </a:spcAft>
+              <a:buClr>
+                <a:srgbClr val="000000"/>
+              </a:buClr>
+              <a:buSzPts val="2000"/>
+              <a:buFont typeface="Courier New"/>
+              <a:buChar char="o"/>
+              <a:defRPr>
+                <a:solidFill>
+                  <a:srgbClr val="000000"/>
+                </a:solidFill>
+              </a:defRPr>
+            </a:lvl2pPr>
+            <a:lvl3pPr marL="1371600" lvl="2" indent="-228600" algn="l">
+              <a:lnSpc>
+                <a:spcPct val="90000"/>
+              </a:lnSpc>
+              <a:spcBef>
+                <a:spcPts val="600"/>
+              </a:spcBef>
+              <a:spcAft>
+                <a:spcPts val="0"/>
+              </a:spcAft>
+              <a:buClr>
+                <a:srgbClr val="000000"/>
+              </a:buClr>
+              <a:buSzPts val="1800"/>
+              <a:buFont typeface="Arial"/>
+              <a:buNone/>
+              <a:defRPr>
+                <a:solidFill>
+                  <a:srgbClr val="000000"/>
+                </a:solidFill>
+              </a:defRPr>
+            </a:lvl3pPr>
+            <a:lvl4pPr marL="1828800" lvl="3" indent="-228600" algn="l">
+              <a:lnSpc>
+                <a:spcPct val="90000"/>
+              </a:lnSpc>
+              <a:spcBef>
+                <a:spcPts val="600"/>
+              </a:spcBef>
+              <a:spcAft>
+                <a:spcPts val="0"/>
+              </a:spcAft>
+              <a:buClr>
+                <a:srgbClr val="000000"/>
+              </a:buClr>
+              <a:buSzPts val="1600"/>
+              <a:buFont typeface="Arial"/>
+              <a:buNone/>
+              <a:defRPr>
+                <a:solidFill>
+                  <a:srgbClr val="000000"/>
+                </a:solidFill>
+              </a:defRPr>
+            </a:lvl4pPr>
+            <a:lvl5pPr marL="2286000" lvl="4" indent="-228600" algn="l">
+              <a:lnSpc>
+                <a:spcPct val="90000"/>
+              </a:lnSpc>
+              <a:spcBef>
+                <a:spcPts val="600"/>
+              </a:spcBef>
+              <a:spcAft>
+                <a:spcPts val="0"/>
+              </a:spcAft>
+              <a:buClr>
+                <a:srgbClr val="000000"/>
+              </a:buClr>
+              <a:buSzPts val="1600"/>
+              <a:buFont typeface="Arial"/>
+              <a:buNone/>
+              <a:defRPr>
+                <a:solidFill>
+                  <a:srgbClr val="000000"/>
+                </a:solidFill>
+              </a:defRPr>
+            </a:lvl5pPr>
+            <a:lvl6pPr marL="2743200" lvl="5" indent="-304800" algn="l">
+              <a:lnSpc>
+                <a:spcPct val="90000"/>
+              </a:lnSpc>
+              <a:spcBef>
+                <a:spcPts val="600"/>
+              </a:spcBef>
+              <a:spcAft>
+                <a:spcPts val="0"/>
+              </a:spcAft>
+              <a:buSzPts val="1200"/>
+              <a:buChar char="–"/>
+              <a:defRPr/>
+            </a:lvl6pPr>
+            <a:lvl7pPr marL="3200400" lvl="6" indent="-304800" algn="l">
+              <a:lnSpc>
+                <a:spcPct val="90000"/>
+              </a:lnSpc>
+              <a:spcBef>
+                <a:spcPts val="600"/>
+              </a:spcBef>
+              <a:spcAft>
+                <a:spcPts val="0"/>
+              </a:spcAft>
+              <a:buSzPts val="1200"/>
+              <a:buChar char="–"/>
+              <a:defRPr/>
+            </a:lvl7pPr>
+            <a:lvl8pPr marL="3657600" lvl="7" indent="-304800" algn="l">
+              <a:lnSpc>
+                <a:spcPct val="90000"/>
+              </a:lnSpc>
+              <a:spcBef>
+                <a:spcPts val="600"/>
+              </a:spcBef>
+              <a:spcAft>
+                <a:spcPts val="0"/>
+              </a:spcAft>
+              <a:buSzPts val="1200"/>
+              <a:buChar char="–"/>
+              <a:defRPr/>
+            </a:lvl8pPr>
+            <a:lvl9pPr marL="4114800" lvl="8" indent="-304800" algn="l">
+              <a:lnSpc>
+                <a:spcPct val="90000"/>
+              </a:lnSpc>
+              <a:spcBef>
+                <a:spcPts val="600"/>
+              </a:spcBef>
+              <a:spcAft>
+                <a:spcPts val="0"/>
+              </a:spcAft>
+              <a:buSzPts val="1200"/>
+              <a:buChar char="–"/>
+              <a:defRPr/>
+            </a:lvl9pPr>
+          </a:lstStyle>
+          <a:p>
+            <a:endParaRPr/>
+          </a:p>
+        </p:txBody>
+      </p:sp>
+    </p:spTree>
+  </p:cSld>
+  <p:clrMapOvr>
+    <a:masterClrMapping/>
+  </p:clrMapOvr>
+  <mc:AlternateContent xmlns:mc="http://schemas.openxmlformats.org/markup-compatibility/2006" xmlns:p14="http://schemas.microsoft.com/office/powerpoint/2010/main">
+    <mc:Choice Requires="p14">
+      <p:transition spd="med" p14:dur="700">
+        <p:fade/>
+      </p:transition>
+    </mc:Choice>
+    <mc:Fallback xmlns="" xmlns:mv="urn:schemas-microsoft-com:mac:vml" xmlns:c="http://schemas.openxmlformats.org/drawingml/2006/chart" xmlns:dgm="http://schemas.openxmlformats.org/drawingml/2006/diagram" xmlns:o="urn:schemas-microsoft-com:office:office" xmlns:v="urn:schemas-microsoft-com:vml" xmlns:pvml="urn:schemas-microsoft-com:office:powerpoint" xmlns:com="http://schemas.openxmlformats.org/drawingml/2006/compatibility" xmlns:p15="http://schemas.microsoft.com/office/powerpoint/2012/main">
+      <p:transition spd="slow">
+        <p:fade/>
+      </p:transition>
+    </mc:Fallback>
+  </mc:AlternateContent>
+</p:sldLayout>
+</file>
+
+<file path=ppt/slideLayouts/slideLayout11.xml><?xml version="1.0" encoding="utf-8"?>
+<p:sldLayout xmlns:a="http://schemas.openxmlformats.org/drawingml/2006/main" xmlns:r="http://schemas.openxmlformats.org/officeDocument/2006/relationships" xmlns:p="http://schemas.openxmlformats.org/presentationml/2006/main" matchingName="Closing slide">
+  <p:cSld name="Closing slide">
+    <p:spTree>
+      <p:nvGrpSpPr>
+        <p:cNvPr id="1" name="Shape 64"/>
+        <p:cNvGrpSpPr/>
+        <p:nvPr/>
+      </p:nvGrpSpPr>
+      <p:grpSpPr>
+        <a:xfrm>
+          <a:off x="0" y="0"/>
+          <a:ext cx="0" cy="0"/>
+          <a:chOff x="0" y="0"/>
+          <a:chExt cx="0" cy="0"/>
+        </a:xfrm>
+      </p:grpSpPr>
+      <p:pic>
+        <p:nvPicPr>
+          <p:cNvPr id="65" name="Google Shape;65;p36"/>
+          <p:cNvPicPr preferRelativeResize="0"/>
+          <p:nvPr/>
+        </p:nvPicPr>
+        <p:blipFill rotWithShape="1">
+          <a:blip r:embed="rId2">
+            <a:alphaModFix/>
+          </a:blip>
+          <a:srcRect/>
+          <a:stretch/>
+        </p:blipFill>
+        <p:spPr>
+          <a:xfrm>
+            <a:off x="0" y="0"/>
+            <a:ext cx="12192000" cy="6858000"/>
+          </a:xfrm>
+          <a:prstGeom prst="rect">
+            <a:avLst/>
+          </a:prstGeom>
+          <a:noFill/>
+          <a:ln>
+            <a:noFill/>
+          </a:ln>
+        </p:spPr>
+      </p:pic>
+      <p:sp>
+        <p:nvSpPr>
+          <p:cNvPr id="66" name="Google Shape;66;p36"/>
+          <p:cNvSpPr/>
+          <p:nvPr/>
+        </p:nvSpPr>
+        <p:spPr>
+          <a:xfrm rot="10800000">
+            <a:off x="0" y="18774"/>
+            <a:ext cx="12192000" cy="4317476"/>
+          </a:xfrm>
+          <a:prstGeom prst="rect">
+            <a:avLst/>
+          </a:prstGeom>
+          <a:gradFill>
+            <a:gsLst>
+              <a:gs pos="0">
+                <a:srgbClr val="000000">
+                  <a:alpha val="0"/>
+                </a:srgbClr>
+              </a:gs>
+              <a:gs pos="100000">
+                <a:srgbClr val="000000">
+                  <a:alpha val="20000"/>
+                </a:srgbClr>
+              </a:gs>
+            </a:gsLst>
+            <a:lin ang="5400000" scaled="0"/>
+          </a:gradFill>
+          <a:ln>
+            <a:noFill/>
+          </a:ln>
+        </p:spPr>
+        <p:txBody>
+          <a:bodyPr spcFirstLastPara="1" wrap="square" lIns="91425" tIns="45700" rIns="91425" bIns="45700" anchor="ctr" anchorCtr="0">
+            <a:noAutofit/>
+          </a:bodyPr>
+          <a:lstStyle/>
+          <a:p>
+            <a:pPr marL="0" marR="0" lvl="0" indent="0" algn="ctr" rtl="0">
+              <a:lnSpc>
+                <a:spcPct val="90000"/>
+              </a:lnSpc>
+              <a:spcBef>
+                <a:spcPts val="0"/>
+              </a:spcBef>
+              <a:spcAft>
+                <a:spcPts val="0"/>
+              </a:spcAft>
+              <a:buClr>
+                <a:srgbClr val="000000"/>
+              </a:buClr>
+              <a:buSzPts val="1800"/>
+              <a:buFont typeface="Arial"/>
+              <a:buNone/>
+            </a:pPr>
+            <a:endParaRPr sz="1800" b="0" i="0" u="none" strike="noStrike" cap="none">
+              <a:solidFill>
+                <a:schemeClr val="lt1"/>
+              </a:solidFill>
+              <a:latin typeface="Arial"/>
+              <a:ea typeface="Arial"/>
+              <a:cs typeface="Arial"/>
+              <a:sym typeface="Arial"/>
+            </a:endParaRPr>
+          </a:p>
+        </p:txBody>
+      </p:sp>
+      <p:sp>
+        <p:nvSpPr>
+          <p:cNvPr id="67" name="Google Shape;67;p36"/>
+          <p:cNvSpPr txBox="1"/>
+          <p:nvPr/>
+        </p:nvSpPr>
+        <p:spPr>
+          <a:xfrm>
+            <a:off x="1029921" y="4747910"/>
+            <a:ext cx="4326694" cy="923289"/>
+          </a:xfrm>
+          <a:prstGeom prst="rect">
+            <a:avLst/>
+          </a:prstGeom>
+          <a:noFill/>
+          <a:ln>
+            <a:noFill/>
+          </a:ln>
+        </p:spPr>
+        <p:txBody>
+          <a:bodyPr spcFirstLastPara="1" wrap="square" lIns="91425" tIns="45700" rIns="91425" bIns="45700" anchor="t" anchorCtr="0">
+            <a:spAutoFit/>
+          </a:bodyPr>
+          <a:lstStyle/>
+          <a:p>
+            <a:pPr marL="0" marR="0" lvl="0" indent="0" algn="ctr" rtl="0">
+              <a:lnSpc>
+                <a:spcPct val="100000"/>
+              </a:lnSpc>
+              <a:spcBef>
+                <a:spcPts val="0"/>
+              </a:spcBef>
+              <a:spcAft>
+                <a:spcPts val="0"/>
+              </a:spcAft>
+              <a:buClr>
+                <a:srgbClr val="000000"/>
+              </a:buClr>
+              <a:buSzPts val="5400"/>
+              <a:buFont typeface="Arial"/>
+              <a:buNone/>
+            </a:pPr>
+            <a:r>
+              <a:rPr lang="en-US" sz="5400" b="1" i="0" u="none" strike="noStrike" cap="none">
+                <a:solidFill>
+                  <a:srgbClr val="FFFFFF"/>
+                </a:solidFill>
+                <a:latin typeface="Arial"/>
+                <a:ea typeface="Arial"/>
+                <a:cs typeface="Arial"/>
+                <a:sym typeface="Arial"/>
+              </a:rPr>
+              <a:t>THANK YOU</a:t>
+            </a:r>
+            <a:endParaRPr sz="5400" b="1" i="0" u="none" strike="noStrike" cap="none">
+              <a:solidFill>
+                <a:srgbClr val="FFFFFF"/>
+              </a:solidFill>
+              <a:latin typeface="Arial"/>
+              <a:ea typeface="Arial"/>
+              <a:cs typeface="Arial"/>
+              <a:sym typeface="Arial"/>
+            </a:endParaRPr>
+          </a:p>
+        </p:txBody>
+      </p:sp>
+      <p:pic>
+        <p:nvPicPr>
+          <p:cNvPr id="68" name="Google Shape;68;p36"/>
+          <p:cNvPicPr preferRelativeResize="0"/>
+          <p:nvPr/>
+        </p:nvPicPr>
+        <p:blipFill rotWithShape="1">
+          <a:blip r:embed="rId3">
+            <a:alphaModFix/>
+          </a:blip>
+          <a:srcRect/>
+          <a:stretch/>
+        </p:blipFill>
+        <p:spPr>
+          <a:xfrm>
+            <a:off x="652361" y="388125"/>
+            <a:ext cx="5081812" cy="5081812"/>
+          </a:xfrm>
+          <a:prstGeom prst="rect">
+            <a:avLst/>
+          </a:prstGeom>
+          <a:noFill/>
+          <a:ln>
+            <a:noFill/>
+          </a:ln>
+        </p:spPr>
+      </p:pic>
+    </p:spTree>
+  </p:cSld>
+  <p:clrMapOvr>
+    <a:masterClrMapping/>
+  </p:clrMapOvr>
+  <mc:AlternateContent xmlns:mc="http://schemas.openxmlformats.org/markup-compatibility/2006" xmlns:p14="http://schemas.microsoft.com/office/powerpoint/2010/main">
+    <mc:Choice Requires="p14">
+      <p:transition spd="med" p14:dur="700">
+        <p:fade/>
+      </p:transition>
+    </mc:Choice>
+    <mc:Fallback xmlns="" xmlns:mv="urn:schemas-microsoft-com:mac:vml" xmlns:c="http://schemas.openxmlformats.org/drawingml/2006/chart" xmlns:dgm="http://schemas.openxmlformats.org/drawingml/2006/diagram" xmlns:o="urn:schemas-microsoft-com:office:office" xmlns:v="urn:schemas-microsoft-com:vml" xmlns:pvml="urn:schemas-microsoft-com:office:powerpoint" xmlns:com="http://schemas.openxmlformats.org/drawingml/2006/compatibility" xmlns:p15="http://schemas.microsoft.com/office/powerpoint/2012/main">
+      <p:transition spd="slow">
+        <p:fade/>
+      </p:transition>
+    </mc:Fallback>
+  </mc:AlternateContent>
+</p:sldLayout>
+</file>
+
+<file path=ppt/slideLayouts/slideLayout12.xml><?xml version="1.0" encoding="utf-8"?>
+<p:sldLayout xmlns:a="http://schemas.openxmlformats.org/drawingml/2006/main" xmlns:r="http://schemas.openxmlformats.org/officeDocument/2006/relationships" xmlns:p="http://schemas.openxmlformats.org/presentationml/2006/main" matchingName="Body Slide">
+  <p:cSld name="Body Slide">
+    <p:spTree>
+      <p:nvGrpSpPr>
+        <p:cNvPr id="1" name="Shape 69"/>
+        <p:cNvGrpSpPr/>
+        <p:nvPr/>
+      </p:nvGrpSpPr>
+      <p:grpSpPr>
+        <a:xfrm>
+          <a:off x="0" y="0"/>
+          <a:ext cx="0" cy="0"/>
+          <a:chOff x="0" y="0"/>
+          <a:chExt cx="0" cy="0"/>
+        </a:xfrm>
+      </p:grpSpPr>
+      <p:sp>
+        <p:nvSpPr>
+          <p:cNvPr id="70" name="Google Shape;70;p38"/>
+          <p:cNvSpPr txBox="1">
+            <a:spLocks noGrp="1"/>
+          </p:cNvSpPr>
+          <p:nvPr>
+            <p:ph type="title"/>
+          </p:nvPr>
+        </p:nvSpPr>
+        <p:spPr>
+          <a:xfrm>
+            <a:off x="609600" y="671636"/>
+            <a:ext cx="10303173" cy="852364"/>
+          </a:xfrm>
+          <a:prstGeom prst="rect">
+            <a:avLst/>
+          </a:prstGeom>
+          <a:noFill/>
+          <a:ln>
+            <a:noFill/>
+          </a:ln>
+        </p:spPr>
+        <p:txBody>
+          <a:bodyPr spcFirstLastPara="1" wrap="square" lIns="0" tIns="0" rIns="0" bIns="0" anchor="t" anchorCtr="0">
+            <a:noAutofit/>
+          </a:bodyPr>
+          <a:lstStyle>
+            <a:lvl1pPr lvl="0" algn="l">
+              <a:lnSpc>
+                <a:spcPct val="90000"/>
+              </a:lnSpc>
+              <a:spcBef>
+                <a:spcPts val="0"/>
+              </a:spcBef>
+              <a:spcAft>
+                <a:spcPts val="0"/>
+              </a:spcAft>
+              <a:buClr>
+                <a:schemeClr val="dk1"/>
+              </a:buClr>
+              <a:buSzPts val="3200"/>
+              <a:buFont typeface="Arial"/>
+              <a:buNone/>
+              <a:defRPr sz="4000" b="1" i="0">
+                <a:solidFill>
+                  <a:srgbClr val="161614"/>
+                </a:solidFill>
+              </a:defRPr>
+            </a:lvl1pPr>
+            <a:lvl2pPr lvl="1" algn="l">
+              <a:lnSpc>
+                <a:spcPct val="100000"/>
+              </a:lnSpc>
+              <a:spcBef>
+                <a:spcPts val="0"/>
+              </a:spcBef>
+              <a:spcAft>
+                <a:spcPts val="0"/>
+              </a:spcAft>
+              <a:buSzPts val="1400"/>
+              <a:buNone/>
+              <a:defRPr/>
+            </a:lvl2pPr>
+            <a:lvl3pPr lvl="2" algn="l">
+              <a:lnSpc>
+                <a:spcPct val="100000"/>
+              </a:lnSpc>
+              <a:spcBef>
+                <a:spcPts val="0"/>
+              </a:spcBef>
+              <a:spcAft>
+                <a:spcPts val="0"/>
+              </a:spcAft>
+              <a:buSzPts val="1400"/>
+              <a:buNone/>
+              <a:defRPr/>
+            </a:lvl3pPr>
+            <a:lvl4pPr lvl="3" algn="l">
+              <a:lnSpc>
+                <a:spcPct val="100000"/>
+              </a:lnSpc>
+              <a:spcBef>
+                <a:spcPts val="0"/>
+              </a:spcBef>
+              <a:spcAft>
+                <a:spcPts val="0"/>
+              </a:spcAft>
+              <a:buSzPts val="1400"/>
+              <a:buNone/>
+              <a:defRPr/>
+            </a:lvl4pPr>
+            <a:lvl5pPr lvl="4" algn="l">
+              <a:lnSpc>
+                <a:spcPct val="100000"/>
+              </a:lnSpc>
+              <a:spcBef>
+                <a:spcPts val="0"/>
+              </a:spcBef>
+              <a:spcAft>
+                <a:spcPts val="0"/>
+              </a:spcAft>
+              <a:buSzPts val="1400"/>
+              <a:buNone/>
+              <a:defRPr/>
+            </a:lvl5pPr>
+            <a:lvl6pPr lvl="5" algn="l">
+              <a:lnSpc>
+                <a:spcPct val="100000"/>
+              </a:lnSpc>
+              <a:spcBef>
+                <a:spcPts val="0"/>
+              </a:spcBef>
+              <a:spcAft>
+                <a:spcPts val="0"/>
+              </a:spcAft>
+              <a:buSzPts val="1400"/>
+              <a:buNone/>
+              <a:defRPr/>
+            </a:lvl6pPr>
+            <a:lvl7pPr lvl="6" algn="l">
+              <a:lnSpc>
+                <a:spcPct val="100000"/>
+              </a:lnSpc>
+              <a:spcBef>
+                <a:spcPts val="0"/>
+              </a:spcBef>
+              <a:spcAft>
+                <a:spcPts val="0"/>
+              </a:spcAft>
+              <a:buSzPts val="1400"/>
+              <a:buNone/>
+              <a:defRPr/>
+            </a:lvl7pPr>
+            <a:lvl8pPr lvl="7" algn="l">
+              <a:lnSpc>
+                <a:spcPct val="100000"/>
+              </a:lnSpc>
+              <a:spcBef>
+                <a:spcPts val="0"/>
+              </a:spcBef>
+              <a:spcAft>
+                <a:spcPts val="0"/>
+              </a:spcAft>
+              <a:buSzPts val="1400"/>
+              <a:buNone/>
+              <a:defRPr/>
+            </a:lvl8pPr>
+            <a:lvl9pPr lvl="8" algn="l">
+              <a:lnSpc>
+                <a:spcPct val="100000"/>
+              </a:lnSpc>
+              <a:spcBef>
+                <a:spcPts val="0"/>
+              </a:spcBef>
+              <a:spcAft>
+                <a:spcPts val="0"/>
+              </a:spcAft>
+              <a:buSzPts val="1400"/>
+              <a:buNone/>
+              <a:defRPr/>
+            </a:lvl9pPr>
+          </a:lstStyle>
+          <a:p>
+            <a:endParaRPr/>
+          </a:p>
+        </p:txBody>
+      </p:sp>
+      <p:sp>
+        <p:nvSpPr>
+          <p:cNvPr id="71" name="Google Shape;71;p38"/>
+          <p:cNvSpPr txBox="1">
+            <a:spLocks noGrp="1"/>
+          </p:cNvSpPr>
+          <p:nvPr>
+            <p:ph type="body" idx="1"/>
+          </p:nvPr>
+        </p:nvSpPr>
+        <p:spPr>
+          <a:xfrm>
+            <a:off x="609600" y="1600200"/>
+            <a:ext cx="10303173" cy="4495800"/>
+          </a:xfrm>
+          <a:prstGeom prst="rect">
+            <a:avLst/>
+          </a:prstGeom>
+          <a:noFill/>
+          <a:ln>
+            <a:noFill/>
+          </a:ln>
+        </p:spPr>
+        <p:txBody>
+          <a:bodyPr spcFirstLastPara="1" wrap="square" lIns="0" tIns="0" rIns="0" bIns="0" anchor="t" anchorCtr="0">
+            <a:noAutofit/>
+          </a:bodyPr>
+          <a:lstStyle>
+            <a:lvl1pPr marL="457200" lvl="0" indent="-355600" algn="l">
+              <a:lnSpc>
+                <a:spcPct val="150000"/>
+              </a:lnSpc>
+              <a:spcBef>
+                <a:spcPts val="0"/>
+              </a:spcBef>
+              <a:spcAft>
+                <a:spcPts val="0"/>
+              </a:spcAft>
+              <a:buClr>
+                <a:srgbClr val="161614"/>
+              </a:buClr>
+              <a:buSzPts val="2000"/>
+              <a:buFont typeface="Arial"/>
+              <a:buAutoNum type="arabicPeriod"/>
+              <a:defRPr sz="2000" b="0" i="0">
+                <a:solidFill>
+                  <a:srgbClr val="161614"/>
+                </a:solidFill>
+              </a:defRPr>
+            </a:lvl1pPr>
+            <a:lvl2pPr marL="914400" lvl="1" indent="-342900" algn="l">
+              <a:lnSpc>
+                <a:spcPct val="90000"/>
+              </a:lnSpc>
+              <a:spcBef>
+                <a:spcPts val="600"/>
+              </a:spcBef>
+              <a:spcAft>
+                <a:spcPts val="0"/>
+              </a:spcAft>
+              <a:buClr>
+                <a:schemeClr val="dk1"/>
+              </a:buClr>
+              <a:buSzPts val="1800"/>
+              <a:buChar char="–"/>
+              <a:defRPr/>
+            </a:lvl2pPr>
+            <a:lvl3pPr marL="1371600" lvl="2" indent="-342900" algn="l">
+              <a:lnSpc>
+                <a:spcPct val="90000"/>
+              </a:lnSpc>
+              <a:spcBef>
+                <a:spcPts val="600"/>
+              </a:spcBef>
+              <a:spcAft>
+                <a:spcPts val="0"/>
+              </a:spcAft>
+              <a:buClr>
+                <a:schemeClr val="dk1"/>
+              </a:buClr>
+              <a:buSzPts val="1800"/>
+              <a:buChar char="▪"/>
+              <a:defRPr/>
+            </a:lvl3pPr>
+            <a:lvl4pPr marL="1828800" lvl="3" indent="-342900" algn="l">
+              <a:lnSpc>
+                <a:spcPct val="90000"/>
+              </a:lnSpc>
+              <a:spcBef>
+                <a:spcPts val="600"/>
+              </a:spcBef>
+              <a:spcAft>
+                <a:spcPts val="0"/>
+              </a:spcAft>
+              <a:buClr>
+                <a:schemeClr val="dk1"/>
+              </a:buClr>
+              <a:buSzPts val="1800"/>
+              <a:buChar char="–"/>
+              <a:defRPr/>
+            </a:lvl4pPr>
+            <a:lvl5pPr marL="2286000" lvl="4" indent="-342900" algn="l">
+              <a:lnSpc>
+                <a:spcPct val="90000"/>
+              </a:lnSpc>
+              <a:spcBef>
+                <a:spcPts val="600"/>
+              </a:spcBef>
+              <a:spcAft>
+                <a:spcPts val="0"/>
+              </a:spcAft>
+              <a:buClr>
+                <a:schemeClr val="dk1"/>
+              </a:buClr>
+              <a:buSzPts val="1800"/>
+              <a:buChar char="–"/>
+              <a:defRPr/>
+            </a:lvl5pPr>
+            <a:lvl6pPr marL="2743200" lvl="5" indent="-342900" algn="l">
+              <a:lnSpc>
+                <a:spcPct val="90000"/>
+              </a:lnSpc>
+              <a:spcBef>
+                <a:spcPts val="600"/>
+              </a:spcBef>
+              <a:spcAft>
+                <a:spcPts val="0"/>
+              </a:spcAft>
+              <a:buSzPts val="1800"/>
+              <a:buChar char="–"/>
+              <a:defRPr/>
+            </a:lvl6pPr>
+            <a:lvl7pPr marL="3200400" lvl="6" indent="-342900" algn="l">
+              <a:lnSpc>
+                <a:spcPct val="90000"/>
+              </a:lnSpc>
+              <a:spcBef>
+                <a:spcPts val="600"/>
+              </a:spcBef>
+              <a:spcAft>
+                <a:spcPts val="0"/>
+              </a:spcAft>
+              <a:buSzPts val="1800"/>
+              <a:buChar char="–"/>
+              <a:defRPr/>
+            </a:lvl7pPr>
+            <a:lvl8pPr marL="3657600" lvl="7" indent="-342900" algn="l">
+              <a:lnSpc>
+                <a:spcPct val="90000"/>
+              </a:lnSpc>
+              <a:spcBef>
+                <a:spcPts val="600"/>
+              </a:spcBef>
+              <a:spcAft>
+                <a:spcPts val="0"/>
+              </a:spcAft>
+              <a:buSzPts val="1800"/>
+              <a:buChar char="–"/>
+              <a:defRPr/>
+            </a:lvl8pPr>
+            <a:lvl9pPr marL="4114800" lvl="8" indent="-342900" algn="l">
+              <a:lnSpc>
+                <a:spcPct val="90000"/>
+              </a:lnSpc>
+              <a:spcBef>
+                <a:spcPts val="600"/>
+              </a:spcBef>
+              <a:spcAft>
+                <a:spcPts val="0"/>
+              </a:spcAft>
+              <a:buSzPts val="1800"/>
+              <a:buChar char="–"/>
+              <a:defRPr/>
+            </a:lvl9pPr>
+          </a:lstStyle>
+          <a:p>
+            <a:endParaRPr/>
+          </a:p>
+        </p:txBody>
+      </p:sp>
+    </p:spTree>
+  </p:cSld>
+  <p:clrMapOvr>
+    <a:masterClrMapping/>
+  </p:clrMapOvr>
+  <mc:AlternateContent xmlns:mc="http://schemas.openxmlformats.org/markup-compatibility/2006" xmlns:p14="http://schemas.microsoft.com/office/powerpoint/2010/main">
+    <mc:Choice Requires="p14">
+      <p:transition spd="med" p14:dur="700">
+        <p:fade/>
+      </p:transition>
+    </mc:Choice>
+    <mc:Fallback xmlns="" xmlns:mv="urn:schemas-microsoft-com:mac:vml" xmlns:c="http://schemas.openxmlformats.org/drawingml/2006/chart" xmlns:dgm="http://schemas.openxmlformats.org/drawingml/2006/diagram" xmlns:o="urn:schemas-microsoft-com:office:office" xmlns:v="urn:schemas-microsoft-com:vml" xmlns:pvml="urn:schemas-microsoft-com:office:powerpoint" xmlns:com="http://schemas.openxmlformats.org/drawingml/2006/compatibility" xmlns:p15="http://schemas.microsoft.com/office/powerpoint/2012/main">
+      <p:transition spd="slow">
+        <p:fade/>
+      </p:transition>
+    </mc:Fallback>
+  </mc:AlternateContent>
+</p:sldLayout>
+</file>
+
+<file path=ppt/slideLayouts/slideLayout2.xml><?xml version="1.0" encoding="utf-8"?>
 <p:sldLayout xmlns:a="http://schemas.openxmlformats.org/drawingml/2006/main" xmlns:r="http://schemas.openxmlformats.org/officeDocument/2006/relationships" xmlns:p="http://schemas.openxmlformats.org/presentationml/2006/main" matchingName="Agenda">
   <p:cSld name="Agenda">
     <p:spTree>
@@ -6377,7 +5724,7 @@
         <p:fade/>
       </p:transition>
     </mc:Choice>
-    <mc:Fallback xmlns:p15="http://schemas.microsoft.com/office/powerpoint/2012/main" xmlns:com="http://schemas.openxmlformats.org/drawingml/2006/compatibility" xmlns:pvml="urn:schemas-microsoft-com:office:powerpoint" xmlns:v="urn:schemas-microsoft-com:vml" xmlns:o="urn:schemas-microsoft-com:office:office" xmlns:dgm="http://schemas.openxmlformats.org/drawingml/2006/diagram" xmlns:c="http://schemas.openxmlformats.org/drawingml/2006/chart" xmlns:mv="urn:schemas-microsoft-com:mac:vml" xmlns="">
+    <mc:Fallback xmlns="" xmlns:mv="urn:schemas-microsoft-com:mac:vml" xmlns:c="http://schemas.openxmlformats.org/drawingml/2006/chart" xmlns:dgm="http://schemas.openxmlformats.org/drawingml/2006/diagram" xmlns:o="urn:schemas-microsoft-com:office:office" xmlns:v="urn:schemas-microsoft-com:vml" xmlns:pvml="urn:schemas-microsoft-com:office:powerpoint" xmlns:com="http://schemas.openxmlformats.org/drawingml/2006/compatibility" xmlns:p15="http://schemas.microsoft.com/office/powerpoint/2012/main">
       <p:transition spd="slow">
         <p:fade/>
       </p:transition>
@@ -6386,7 +5733,7 @@
 </p:sldLayout>
 </file>
 
-<file path=ppt/slideLayouts/slideLayout4.xml><?xml version="1.0" encoding="utf-8"?>
+<file path=ppt/slideLayouts/slideLayout3.xml><?xml version="1.0" encoding="utf-8"?>
 <p:sldLayout xmlns:a="http://schemas.openxmlformats.org/drawingml/2006/main" xmlns:r="http://schemas.openxmlformats.org/officeDocument/2006/relationships" xmlns:p="http://schemas.openxmlformats.org/presentationml/2006/main" showMasterSp="0" matchingName="Section Slide 1">
   <p:cSld name="Slide Section 1">
     <p:spTree>
@@ -6868,7 +6215,7 @@
         <p:fade/>
       </p:transition>
     </mc:Choice>
-    <mc:Fallback xmlns:p15="http://schemas.microsoft.com/office/powerpoint/2012/main" xmlns:com="http://schemas.openxmlformats.org/drawingml/2006/compatibility" xmlns:pvml="urn:schemas-microsoft-com:office:powerpoint" xmlns:v="urn:schemas-microsoft-com:vml" xmlns:o="urn:schemas-microsoft-com:office:office" xmlns:dgm="http://schemas.openxmlformats.org/drawingml/2006/diagram" xmlns:c="http://schemas.openxmlformats.org/drawingml/2006/chart" xmlns:mv="urn:schemas-microsoft-com:mac:vml" xmlns="">
+    <mc:Fallback xmlns="" xmlns:mv="urn:schemas-microsoft-com:mac:vml" xmlns:c="http://schemas.openxmlformats.org/drawingml/2006/chart" xmlns:dgm="http://schemas.openxmlformats.org/drawingml/2006/diagram" xmlns:o="urn:schemas-microsoft-com:office:office" xmlns:v="urn:schemas-microsoft-com:vml" xmlns:pvml="urn:schemas-microsoft-com:office:powerpoint" xmlns:com="http://schemas.openxmlformats.org/drawingml/2006/compatibility" xmlns:p15="http://schemas.microsoft.com/office/powerpoint/2012/main">
       <p:transition spd="slow">
         <p:fade/>
       </p:transition>
@@ -6877,7 +6224,7 @@
 </p:sldLayout>
 </file>
 
-<file path=ppt/slideLayouts/slideLayout5.xml><?xml version="1.0" encoding="utf-8"?>
+<file path=ppt/slideLayouts/slideLayout4.xml><?xml version="1.0" encoding="utf-8"?>
 <p:sldLayout xmlns:a="http://schemas.openxmlformats.org/drawingml/2006/main" xmlns:r="http://schemas.openxmlformats.org/officeDocument/2006/relationships" xmlns:p="http://schemas.openxmlformats.org/presentationml/2006/main" matchingName="Gray Title and Content">
   <p:cSld name="Title and Content">
     <p:spTree>
@@ -7258,7 +6605,7 @@
         <p:fade/>
       </p:transition>
     </mc:Choice>
-    <mc:Fallback xmlns:p15="http://schemas.microsoft.com/office/powerpoint/2012/main" xmlns:com="http://schemas.openxmlformats.org/drawingml/2006/compatibility" xmlns:pvml="urn:schemas-microsoft-com:office:powerpoint" xmlns:v="urn:schemas-microsoft-com:vml" xmlns:o="urn:schemas-microsoft-com:office:office" xmlns:dgm="http://schemas.openxmlformats.org/drawingml/2006/diagram" xmlns:c="http://schemas.openxmlformats.org/drawingml/2006/chart" xmlns:mv="urn:schemas-microsoft-com:mac:vml" xmlns="">
+    <mc:Fallback xmlns="" xmlns:mv="urn:schemas-microsoft-com:mac:vml" xmlns:c="http://schemas.openxmlformats.org/drawingml/2006/chart" xmlns:dgm="http://schemas.openxmlformats.org/drawingml/2006/diagram" xmlns:o="urn:schemas-microsoft-com:office:office" xmlns:v="urn:schemas-microsoft-com:vml" xmlns:pvml="urn:schemas-microsoft-com:office:powerpoint" xmlns:com="http://schemas.openxmlformats.org/drawingml/2006/compatibility" xmlns:p15="http://schemas.microsoft.com/office/powerpoint/2012/main">
       <p:transition spd="slow">
         <p:fade/>
       </p:transition>
@@ -7267,7 +6614,7 @@
 </p:sldLayout>
 </file>
 
-<file path=ppt/slideLayouts/slideLayout6.xml><?xml version="1.0" encoding="utf-8"?>
+<file path=ppt/slideLayouts/slideLayout5.xml><?xml version="1.0" encoding="utf-8"?>
 <p:sldLayout xmlns:a="http://schemas.openxmlformats.org/drawingml/2006/main" xmlns:r="http://schemas.openxmlformats.org/officeDocument/2006/relationships" xmlns:p="http://schemas.openxmlformats.org/presentationml/2006/main" matchingName="Graph and Charts Slide">
   <p:cSld name="Graph and Charts Slide">
     <p:spTree>
@@ -7463,7 +6810,7 @@
         <p:fade/>
       </p:transition>
     </mc:Choice>
-    <mc:Fallback xmlns:p15="http://schemas.microsoft.com/office/powerpoint/2012/main" xmlns:com="http://schemas.openxmlformats.org/drawingml/2006/compatibility" xmlns:pvml="urn:schemas-microsoft-com:office:powerpoint" xmlns:v="urn:schemas-microsoft-com:vml" xmlns:o="urn:schemas-microsoft-com:office:office" xmlns:dgm="http://schemas.openxmlformats.org/drawingml/2006/diagram" xmlns:c="http://schemas.openxmlformats.org/drawingml/2006/chart" xmlns:mv="urn:schemas-microsoft-com:mac:vml" xmlns="">
+    <mc:Fallback xmlns="" xmlns:mv="urn:schemas-microsoft-com:mac:vml" xmlns:c="http://schemas.openxmlformats.org/drawingml/2006/chart" xmlns:dgm="http://schemas.openxmlformats.org/drawingml/2006/diagram" xmlns:o="urn:schemas-microsoft-com:office:office" xmlns:v="urn:schemas-microsoft-com:vml" xmlns:pvml="urn:schemas-microsoft-com:office:powerpoint" xmlns:com="http://schemas.openxmlformats.org/drawingml/2006/compatibility" xmlns:p15="http://schemas.microsoft.com/office/powerpoint/2012/main">
       <p:transition spd="slow">
         <p:fade/>
       </p:transition>
@@ -7472,7 +6819,7 @@
 </p:sldLayout>
 </file>
 
-<file path=ppt/slideLayouts/slideLayout7.xml><?xml version="1.0" encoding="utf-8"?>
+<file path=ppt/slideLayouts/slideLayout6.xml><?xml version="1.0" encoding="utf-8"?>
 <p:sldLayout xmlns:a="http://schemas.openxmlformats.org/drawingml/2006/main" xmlns:r="http://schemas.openxmlformats.org/officeDocument/2006/relationships" xmlns:p="http://schemas.openxmlformats.org/presentationml/2006/main" matchingName="One column with photo">
   <p:cSld name="One column with photo">
     <p:spTree>
@@ -8119,7 +7466,7 @@
         <p:fade/>
       </p:transition>
     </mc:Choice>
-    <mc:Fallback xmlns:p15="http://schemas.microsoft.com/office/powerpoint/2012/main" xmlns:com="http://schemas.openxmlformats.org/drawingml/2006/compatibility" xmlns:pvml="urn:schemas-microsoft-com:office:powerpoint" xmlns:v="urn:schemas-microsoft-com:vml" xmlns:o="urn:schemas-microsoft-com:office:office" xmlns:dgm="http://schemas.openxmlformats.org/drawingml/2006/diagram" xmlns:c="http://schemas.openxmlformats.org/drawingml/2006/chart" xmlns:mv="urn:schemas-microsoft-com:mac:vml" xmlns="">
+    <mc:Fallback xmlns="" xmlns:mv="urn:schemas-microsoft-com:mac:vml" xmlns:c="http://schemas.openxmlformats.org/drawingml/2006/chart" xmlns:dgm="http://schemas.openxmlformats.org/drawingml/2006/diagram" xmlns:o="urn:schemas-microsoft-com:office:office" xmlns:v="urn:schemas-microsoft-com:vml" xmlns:pvml="urn:schemas-microsoft-com:office:powerpoint" xmlns:com="http://schemas.openxmlformats.org/drawingml/2006/compatibility" xmlns:p15="http://schemas.microsoft.com/office/powerpoint/2012/main">
       <p:transition spd="slow">
         <p:fade/>
       </p:transition>
@@ -8128,7 +7475,7 @@
 </p:sldLayout>
 </file>
 
-<file path=ppt/slideLayouts/slideLayout8.xml><?xml version="1.0" encoding="utf-8"?>
+<file path=ppt/slideLayouts/slideLayout7.xml><?xml version="1.0" encoding="utf-8"?>
 <p:sldLayout xmlns:a="http://schemas.openxmlformats.org/drawingml/2006/main" xmlns:r="http://schemas.openxmlformats.org/officeDocument/2006/relationships" xmlns:p="http://schemas.openxmlformats.org/presentationml/2006/main" matchingName="Two column">
   <p:cSld name="Two column">
     <p:spTree>
@@ -8690,7 +8037,7 @@
         <p:fade/>
       </p:transition>
     </mc:Choice>
-    <mc:Fallback xmlns:p15="http://schemas.microsoft.com/office/powerpoint/2012/main" xmlns:com="http://schemas.openxmlformats.org/drawingml/2006/compatibility" xmlns:pvml="urn:schemas-microsoft-com:office:powerpoint" xmlns:v="urn:schemas-microsoft-com:vml" xmlns:o="urn:schemas-microsoft-com:office:office" xmlns:dgm="http://schemas.openxmlformats.org/drawingml/2006/diagram" xmlns:c="http://schemas.openxmlformats.org/drawingml/2006/chart" xmlns:mv="urn:schemas-microsoft-com:mac:vml" xmlns="">
+    <mc:Fallback xmlns="" xmlns:mv="urn:schemas-microsoft-com:mac:vml" xmlns:c="http://schemas.openxmlformats.org/drawingml/2006/chart" xmlns:dgm="http://schemas.openxmlformats.org/drawingml/2006/diagram" xmlns:o="urn:schemas-microsoft-com:office:office" xmlns:v="urn:schemas-microsoft-com:vml" xmlns:pvml="urn:schemas-microsoft-com:office:powerpoint" xmlns:com="http://schemas.openxmlformats.org/drawingml/2006/compatibility" xmlns:p15="http://schemas.microsoft.com/office/powerpoint/2012/main">
       <p:transition spd="slow">
         <p:fade/>
       </p:transition>
@@ -8699,7 +8046,7 @@
 </p:sldLayout>
 </file>
 
-<file path=ppt/slideLayouts/slideLayout9.xml><?xml version="1.0" encoding="utf-8"?>
+<file path=ppt/slideLayouts/slideLayout8.xml><?xml version="1.0" encoding="utf-8"?>
 <p:sldLayout xmlns:a="http://schemas.openxmlformats.org/drawingml/2006/main" xmlns:r="http://schemas.openxmlformats.org/officeDocument/2006/relationships" xmlns:p="http://schemas.openxmlformats.org/presentationml/2006/main" matchingName="Half photo/color">
   <p:cSld name="1_Half photo/color">
     <p:bg>
@@ -9326,7 +8673,576 @@
         <p:fade/>
       </p:transition>
     </mc:Choice>
-    <mc:Fallback xmlns:p15="http://schemas.microsoft.com/office/powerpoint/2012/main" xmlns:com="http://schemas.openxmlformats.org/drawingml/2006/compatibility" xmlns:pvml="urn:schemas-microsoft-com:office:powerpoint" xmlns:v="urn:schemas-microsoft-com:vml" xmlns:o="urn:schemas-microsoft-com:office:office" xmlns:dgm="http://schemas.openxmlformats.org/drawingml/2006/diagram" xmlns:c="http://schemas.openxmlformats.org/drawingml/2006/chart" xmlns:mv="urn:schemas-microsoft-com:mac:vml" xmlns="">
+    <mc:Fallback xmlns="" xmlns:mv="urn:schemas-microsoft-com:mac:vml" xmlns:c="http://schemas.openxmlformats.org/drawingml/2006/chart" xmlns:dgm="http://schemas.openxmlformats.org/drawingml/2006/diagram" xmlns:o="urn:schemas-microsoft-com:office:office" xmlns:v="urn:schemas-microsoft-com:vml" xmlns:pvml="urn:schemas-microsoft-com:office:powerpoint" xmlns:com="http://schemas.openxmlformats.org/drawingml/2006/compatibility" xmlns:p15="http://schemas.microsoft.com/office/powerpoint/2012/main">
+      <p:transition spd="slow">
+        <p:fade/>
+      </p:transition>
+    </mc:Fallback>
+  </mc:AlternateContent>
+</p:sldLayout>
+</file>
+
+<file path=ppt/slideLayouts/slideLayout9.xml><?xml version="1.0" encoding="utf-8"?>
+<p:sldLayout xmlns:a="http://schemas.openxmlformats.org/drawingml/2006/main" xmlns:r="http://schemas.openxmlformats.org/officeDocument/2006/relationships" xmlns:p="http://schemas.openxmlformats.org/presentationml/2006/main" matchingName=" Gray Title, Subtitle and Content">
+  <p:cSld name="Title, Subtitle and Content">
+    <p:spTree>
+      <p:nvGrpSpPr>
+        <p:cNvPr id="1" name="Shape 57"/>
+        <p:cNvGrpSpPr/>
+        <p:nvPr/>
+      </p:nvGrpSpPr>
+      <p:grpSpPr>
+        <a:xfrm>
+          <a:off x="0" y="0"/>
+          <a:ext cx="0" cy="0"/>
+          <a:chOff x="0" y="0"/>
+          <a:chExt cx="0" cy="0"/>
+        </a:xfrm>
+      </p:grpSpPr>
+      <p:sp>
+        <p:nvSpPr>
+          <p:cNvPr id="58" name="Google Shape;58;p32"/>
+          <p:cNvSpPr txBox="1">
+            <a:spLocks noGrp="1"/>
+          </p:cNvSpPr>
+          <p:nvPr>
+            <p:ph type="body" idx="1"/>
+          </p:nvPr>
+        </p:nvSpPr>
+        <p:spPr>
+          <a:xfrm>
+            <a:off x="609600" y="1916419"/>
+            <a:ext cx="10969784" cy="4571999"/>
+          </a:xfrm>
+          <a:prstGeom prst="rect">
+            <a:avLst/>
+          </a:prstGeom>
+          <a:noFill/>
+          <a:ln>
+            <a:noFill/>
+          </a:ln>
+        </p:spPr>
+        <p:txBody>
+          <a:bodyPr spcFirstLastPara="1" wrap="square" lIns="0" tIns="0" rIns="0" bIns="0" anchor="t" anchorCtr="0">
+            <a:noAutofit/>
+          </a:bodyPr>
+          <a:lstStyle>
+            <a:lvl1pPr marL="457200" lvl="0" indent="-381000" algn="l">
+              <a:lnSpc>
+                <a:spcPct val="90000"/>
+              </a:lnSpc>
+              <a:spcBef>
+                <a:spcPts val="1200"/>
+              </a:spcBef>
+              <a:spcAft>
+                <a:spcPts val="0"/>
+              </a:spcAft>
+              <a:buClr>
+                <a:srgbClr val="161614"/>
+              </a:buClr>
+              <a:buSzPts val="2400"/>
+              <a:buFont typeface="Arial"/>
+              <a:buChar char="•"/>
+              <a:defRPr sz="1800" b="0" i="0">
+                <a:solidFill>
+                  <a:srgbClr val="161614"/>
+                </a:solidFill>
+              </a:defRPr>
+            </a:lvl1pPr>
+            <a:lvl2pPr marL="914400" lvl="1" indent="-355600" algn="l">
+              <a:lnSpc>
+                <a:spcPct val="90000"/>
+              </a:lnSpc>
+              <a:spcBef>
+                <a:spcPts val="600"/>
+              </a:spcBef>
+              <a:spcAft>
+                <a:spcPts val="0"/>
+              </a:spcAft>
+              <a:buClr>
+                <a:schemeClr val="dk1"/>
+              </a:buClr>
+              <a:buSzPts val="2000"/>
+              <a:buChar char="–"/>
+              <a:defRPr b="0" i="0"/>
+            </a:lvl2pPr>
+            <a:lvl3pPr marL="1371600" lvl="2" indent="-342900" algn="l">
+              <a:lnSpc>
+                <a:spcPct val="90000"/>
+              </a:lnSpc>
+              <a:spcBef>
+                <a:spcPts val="600"/>
+              </a:spcBef>
+              <a:spcAft>
+                <a:spcPts val="0"/>
+              </a:spcAft>
+              <a:buClr>
+                <a:schemeClr val="dk1"/>
+              </a:buClr>
+              <a:buSzPts val="1800"/>
+              <a:buFont typeface="Noto Sans Symbols"/>
+              <a:buChar char="▪"/>
+              <a:defRPr b="0" i="0"/>
+            </a:lvl3pPr>
+            <a:lvl4pPr marL="1828800" lvl="3" indent="-330200" algn="l">
+              <a:lnSpc>
+                <a:spcPct val="90000"/>
+              </a:lnSpc>
+              <a:spcBef>
+                <a:spcPts val="600"/>
+              </a:spcBef>
+              <a:spcAft>
+                <a:spcPts val="0"/>
+              </a:spcAft>
+              <a:buClr>
+                <a:schemeClr val="dk1"/>
+              </a:buClr>
+              <a:buSzPts val="1600"/>
+              <a:buChar char="–"/>
+              <a:defRPr b="0" i="0"/>
+            </a:lvl4pPr>
+            <a:lvl5pPr marL="2286000" lvl="4" indent="-330200" algn="l">
+              <a:lnSpc>
+                <a:spcPct val="90000"/>
+              </a:lnSpc>
+              <a:spcBef>
+                <a:spcPts val="600"/>
+              </a:spcBef>
+              <a:spcAft>
+                <a:spcPts val="0"/>
+              </a:spcAft>
+              <a:buClr>
+                <a:schemeClr val="dk1"/>
+              </a:buClr>
+              <a:buSzPts val="1600"/>
+              <a:buChar char="–"/>
+              <a:defRPr b="0" i="0"/>
+            </a:lvl5pPr>
+            <a:lvl6pPr marL="2743200" lvl="5" indent="-342900" algn="l">
+              <a:lnSpc>
+                <a:spcPct val="90000"/>
+              </a:lnSpc>
+              <a:spcBef>
+                <a:spcPts val="600"/>
+              </a:spcBef>
+              <a:spcAft>
+                <a:spcPts val="0"/>
+              </a:spcAft>
+              <a:buSzPts val="1800"/>
+              <a:buChar char="–"/>
+              <a:defRPr/>
+            </a:lvl6pPr>
+            <a:lvl7pPr marL="3200400" lvl="6" indent="-342900" algn="l">
+              <a:lnSpc>
+                <a:spcPct val="90000"/>
+              </a:lnSpc>
+              <a:spcBef>
+                <a:spcPts val="600"/>
+              </a:spcBef>
+              <a:spcAft>
+                <a:spcPts val="0"/>
+              </a:spcAft>
+              <a:buSzPts val="1800"/>
+              <a:buChar char="–"/>
+              <a:defRPr/>
+            </a:lvl7pPr>
+            <a:lvl8pPr marL="3657600" lvl="7" indent="-342900" algn="l">
+              <a:lnSpc>
+                <a:spcPct val="90000"/>
+              </a:lnSpc>
+              <a:spcBef>
+                <a:spcPts val="600"/>
+              </a:spcBef>
+              <a:spcAft>
+                <a:spcPts val="0"/>
+              </a:spcAft>
+              <a:buSzPts val="1800"/>
+              <a:buChar char="–"/>
+              <a:defRPr/>
+            </a:lvl8pPr>
+            <a:lvl9pPr marL="4114800" lvl="8" indent="-342900" algn="l">
+              <a:lnSpc>
+                <a:spcPct val="90000"/>
+              </a:lnSpc>
+              <a:spcBef>
+                <a:spcPts val="600"/>
+              </a:spcBef>
+              <a:spcAft>
+                <a:spcPts val="0"/>
+              </a:spcAft>
+              <a:buSzPts val="1800"/>
+              <a:buChar char="–"/>
+              <a:defRPr/>
+            </a:lvl9pPr>
+          </a:lstStyle>
+          <a:p>
+            <a:endParaRPr/>
+          </a:p>
+        </p:txBody>
+      </p:sp>
+      <p:sp>
+        <p:nvSpPr>
+          <p:cNvPr id="59" name="Google Shape;59;p32"/>
+          <p:cNvSpPr txBox="1">
+            <a:spLocks noGrp="1"/>
+          </p:cNvSpPr>
+          <p:nvPr>
+            <p:ph type="title"/>
+          </p:nvPr>
+        </p:nvSpPr>
+        <p:spPr>
+          <a:xfrm>
+            <a:off x="609441" y="609600"/>
+            <a:ext cx="10969943" cy="491914"/>
+          </a:xfrm>
+          <a:prstGeom prst="rect">
+            <a:avLst/>
+          </a:prstGeom>
+          <a:noFill/>
+          <a:ln>
+            <a:noFill/>
+          </a:ln>
+        </p:spPr>
+        <p:txBody>
+          <a:bodyPr spcFirstLastPara="1" wrap="square" lIns="0" tIns="0" rIns="0" bIns="0" anchor="t" anchorCtr="0">
+            <a:noAutofit/>
+          </a:bodyPr>
+          <a:lstStyle>
+            <a:lvl1pPr lvl="0" algn="l">
+              <a:lnSpc>
+                <a:spcPct val="90000"/>
+              </a:lnSpc>
+              <a:spcBef>
+                <a:spcPts val="0"/>
+              </a:spcBef>
+              <a:spcAft>
+                <a:spcPts val="0"/>
+              </a:spcAft>
+              <a:buClr>
+                <a:schemeClr val="dk1"/>
+              </a:buClr>
+              <a:buSzPts val="3200"/>
+              <a:buFont typeface="Arial"/>
+              <a:buNone/>
+              <a:defRPr sz="4000" b="1" i="0">
+                <a:solidFill>
+                  <a:srgbClr val="161614"/>
+                </a:solidFill>
+              </a:defRPr>
+            </a:lvl1pPr>
+            <a:lvl2pPr lvl="1" algn="l">
+              <a:lnSpc>
+                <a:spcPct val="100000"/>
+              </a:lnSpc>
+              <a:spcBef>
+                <a:spcPts val="0"/>
+              </a:spcBef>
+              <a:spcAft>
+                <a:spcPts val="0"/>
+              </a:spcAft>
+              <a:buSzPts val="1400"/>
+              <a:buNone/>
+              <a:defRPr/>
+            </a:lvl2pPr>
+            <a:lvl3pPr lvl="2" algn="l">
+              <a:lnSpc>
+                <a:spcPct val="100000"/>
+              </a:lnSpc>
+              <a:spcBef>
+                <a:spcPts val="0"/>
+              </a:spcBef>
+              <a:spcAft>
+                <a:spcPts val="0"/>
+              </a:spcAft>
+              <a:buSzPts val="1400"/>
+              <a:buNone/>
+              <a:defRPr/>
+            </a:lvl3pPr>
+            <a:lvl4pPr lvl="3" algn="l">
+              <a:lnSpc>
+                <a:spcPct val="100000"/>
+              </a:lnSpc>
+              <a:spcBef>
+                <a:spcPts val="0"/>
+              </a:spcBef>
+              <a:spcAft>
+                <a:spcPts val="0"/>
+              </a:spcAft>
+              <a:buSzPts val="1400"/>
+              <a:buNone/>
+              <a:defRPr/>
+            </a:lvl4pPr>
+            <a:lvl5pPr lvl="4" algn="l">
+              <a:lnSpc>
+                <a:spcPct val="100000"/>
+              </a:lnSpc>
+              <a:spcBef>
+                <a:spcPts val="0"/>
+              </a:spcBef>
+              <a:spcAft>
+                <a:spcPts val="0"/>
+              </a:spcAft>
+              <a:buSzPts val="1400"/>
+              <a:buNone/>
+              <a:defRPr/>
+            </a:lvl5pPr>
+            <a:lvl6pPr lvl="5" algn="l">
+              <a:lnSpc>
+                <a:spcPct val="100000"/>
+              </a:lnSpc>
+              <a:spcBef>
+                <a:spcPts val="0"/>
+              </a:spcBef>
+              <a:spcAft>
+                <a:spcPts val="0"/>
+              </a:spcAft>
+              <a:buSzPts val="1400"/>
+              <a:buNone/>
+              <a:defRPr/>
+            </a:lvl6pPr>
+            <a:lvl7pPr lvl="6" algn="l">
+              <a:lnSpc>
+                <a:spcPct val="100000"/>
+              </a:lnSpc>
+              <a:spcBef>
+                <a:spcPts val="0"/>
+              </a:spcBef>
+              <a:spcAft>
+                <a:spcPts val="0"/>
+              </a:spcAft>
+              <a:buSzPts val="1400"/>
+              <a:buNone/>
+              <a:defRPr/>
+            </a:lvl7pPr>
+            <a:lvl8pPr lvl="7" algn="l">
+              <a:lnSpc>
+                <a:spcPct val="100000"/>
+              </a:lnSpc>
+              <a:spcBef>
+                <a:spcPts val="0"/>
+              </a:spcBef>
+              <a:spcAft>
+                <a:spcPts val="0"/>
+              </a:spcAft>
+              <a:buSzPts val="1400"/>
+              <a:buNone/>
+              <a:defRPr/>
+            </a:lvl8pPr>
+            <a:lvl9pPr lvl="8" algn="l">
+              <a:lnSpc>
+                <a:spcPct val="100000"/>
+              </a:lnSpc>
+              <a:spcBef>
+                <a:spcPts val="0"/>
+              </a:spcBef>
+              <a:spcAft>
+                <a:spcPts val="0"/>
+              </a:spcAft>
+              <a:buSzPts val="1400"/>
+              <a:buNone/>
+              <a:defRPr/>
+            </a:lvl9pPr>
+          </a:lstStyle>
+          <a:p>
+            <a:endParaRPr/>
+          </a:p>
+        </p:txBody>
+      </p:sp>
+      <p:sp>
+        <p:nvSpPr>
+          <p:cNvPr id="60" name="Google Shape;60;p32"/>
+          <p:cNvSpPr txBox="1">
+            <a:spLocks noGrp="1"/>
+          </p:cNvSpPr>
+          <p:nvPr>
+            <p:ph type="body" idx="2"/>
+          </p:nvPr>
+        </p:nvSpPr>
+        <p:spPr>
+          <a:xfrm>
+            <a:off x="609440" y="1524000"/>
+            <a:ext cx="10969943" cy="381000"/>
+          </a:xfrm>
+          <a:prstGeom prst="rect">
+            <a:avLst/>
+          </a:prstGeom>
+          <a:noFill/>
+          <a:ln>
+            <a:noFill/>
+          </a:ln>
+        </p:spPr>
+        <p:txBody>
+          <a:bodyPr spcFirstLastPara="1" wrap="square" lIns="0" tIns="0" rIns="0" bIns="0" anchor="t" anchorCtr="0">
+            <a:noAutofit/>
+          </a:bodyPr>
+          <a:lstStyle>
+            <a:lvl1pPr marL="457200" lvl="0" indent="-228600" algn="l">
+              <a:lnSpc>
+                <a:spcPct val="90000"/>
+              </a:lnSpc>
+              <a:spcBef>
+                <a:spcPts val="0"/>
+              </a:spcBef>
+              <a:spcAft>
+                <a:spcPts val="0"/>
+              </a:spcAft>
+              <a:buClr>
+                <a:schemeClr val="dk1"/>
+              </a:buClr>
+              <a:buSzPts val="2400"/>
+              <a:buNone/>
+              <a:defRPr sz="2400" b="1" i="0">
+                <a:solidFill>
+                  <a:srgbClr val="161614"/>
+                </a:solidFill>
+                <a:latin typeface="Arial"/>
+                <a:ea typeface="Arial"/>
+                <a:cs typeface="Arial"/>
+                <a:sym typeface="Arial"/>
+              </a:defRPr>
+            </a:lvl1pPr>
+            <a:lvl2pPr marL="914400" lvl="1" indent="-228600" algn="l">
+              <a:lnSpc>
+                <a:spcPct val="90000"/>
+              </a:lnSpc>
+              <a:spcBef>
+                <a:spcPts val="0"/>
+              </a:spcBef>
+              <a:spcAft>
+                <a:spcPts val="0"/>
+              </a:spcAft>
+              <a:buClr>
+                <a:schemeClr val="dk1"/>
+              </a:buClr>
+              <a:buSzPts val="2400"/>
+              <a:buNone/>
+              <a:defRPr sz="2400"/>
+            </a:lvl2pPr>
+            <a:lvl3pPr marL="1371600" lvl="2" indent="-228600" algn="l">
+              <a:lnSpc>
+                <a:spcPct val="90000"/>
+              </a:lnSpc>
+              <a:spcBef>
+                <a:spcPts val="0"/>
+              </a:spcBef>
+              <a:spcAft>
+                <a:spcPts val="0"/>
+              </a:spcAft>
+              <a:buClr>
+                <a:schemeClr val="dk1"/>
+              </a:buClr>
+              <a:buSzPts val="2400"/>
+              <a:buNone/>
+              <a:defRPr sz="2400"/>
+            </a:lvl3pPr>
+            <a:lvl4pPr marL="1828800" lvl="3" indent="-228600" algn="l">
+              <a:lnSpc>
+                <a:spcPct val="90000"/>
+              </a:lnSpc>
+              <a:spcBef>
+                <a:spcPts val="0"/>
+              </a:spcBef>
+              <a:spcAft>
+                <a:spcPts val="0"/>
+              </a:spcAft>
+              <a:buClr>
+                <a:schemeClr val="dk1"/>
+              </a:buClr>
+              <a:buSzPts val="2400"/>
+              <a:buNone/>
+              <a:defRPr sz="2400"/>
+            </a:lvl4pPr>
+            <a:lvl5pPr marL="2286000" lvl="4" indent="-228600" algn="l">
+              <a:lnSpc>
+                <a:spcPct val="90000"/>
+              </a:lnSpc>
+              <a:spcBef>
+                <a:spcPts val="0"/>
+              </a:spcBef>
+              <a:spcAft>
+                <a:spcPts val="0"/>
+              </a:spcAft>
+              <a:buClr>
+                <a:schemeClr val="dk1"/>
+              </a:buClr>
+              <a:buSzPts val="2400"/>
+              <a:buNone/>
+              <a:defRPr sz="2400"/>
+            </a:lvl5pPr>
+            <a:lvl6pPr marL="2743200" lvl="5" indent="-228600" algn="l">
+              <a:lnSpc>
+                <a:spcPct val="90000"/>
+              </a:lnSpc>
+              <a:spcBef>
+                <a:spcPts val="0"/>
+              </a:spcBef>
+              <a:spcAft>
+                <a:spcPts val="0"/>
+              </a:spcAft>
+              <a:buSzPts val="2400"/>
+              <a:buNone/>
+              <a:defRPr sz="2400"/>
+            </a:lvl6pPr>
+            <a:lvl7pPr marL="3200400" lvl="6" indent="-228600" algn="l">
+              <a:lnSpc>
+                <a:spcPct val="90000"/>
+              </a:lnSpc>
+              <a:spcBef>
+                <a:spcPts val="0"/>
+              </a:spcBef>
+              <a:spcAft>
+                <a:spcPts val="0"/>
+              </a:spcAft>
+              <a:buSzPts val="2400"/>
+              <a:buNone/>
+              <a:defRPr sz="2400"/>
+            </a:lvl7pPr>
+            <a:lvl8pPr marL="3657600" lvl="7" indent="-228600" algn="l">
+              <a:lnSpc>
+                <a:spcPct val="90000"/>
+              </a:lnSpc>
+              <a:spcBef>
+                <a:spcPts val="0"/>
+              </a:spcBef>
+              <a:spcAft>
+                <a:spcPts val="0"/>
+              </a:spcAft>
+              <a:buSzPts val="2400"/>
+              <a:buNone/>
+              <a:defRPr sz="2400"/>
+            </a:lvl8pPr>
+            <a:lvl9pPr marL="4114800" lvl="8" indent="-228600" algn="l">
+              <a:lnSpc>
+                <a:spcPct val="90000"/>
+              </a:lnSpc>
+              <a:spcBef>
+                <a:spcPts val="0"/>
+              </a:spcBef>
+              <a:spcAft>
+                <a:spcPts val="0"/>
+              </a:spcAft>
+              <a:buSzPts val="2400"/>
+              <a:buNone/>
+              <a:defRPr sz="2400"/>
+            </a:lvl9pPr>
+          </a:lstStyle>
+          <a:p>
+            <a:endParaRPr/>
+          </a:p>
+        </p:txBody>
+      </p:sp>
+    </p:spTree>
+  </p:cSld>
+  <p:clrMapOvr>
+    <a:masterClrMapping/>
+  </p:clrMapOvr>
+  <mc:AlternateContent xmlns:mc="http://schemas.openxmlformats.org/markup-compatibility/2006" xmlns:p14="http://schemas.microsoft.com/office/powerpoint/2010/main">
+    <mc:Choice Requires="p14">
+      <p:transition spd="med" p14:dur="700">
+        <p:fade/>
+      </p:transition>
+    </mc:Choice>
+    <mc:Fallback xmlns="" xmlns:mv="urn:schemas-microsoft-com:mac:vml" xmlns:c="http://schemas.openxmlformats.org/drawingml/2006/chart" xmlns:dgm="http://schemas.openxmlformats.org/drawingml/2006/diagram" xmlns:o="urn:schemas-microsoft-com:office:office" xmlns:v="urn:schemas-microsoft-com:vml" xmlns:pvml="urn:schemas-microsoft-com:office:powerpoint" xmlns:com="http://schemas.openxmlformats.org/drawingml/2006/compatibility" xmlns:p15="http://schemas.microsoft.com/office/powerpoint/2012/main">
       <p:transition spd="slow">
         <p:fade/>
       </p:transition>
@@ -10171,7 +10087,7 @@
           <p:nvPr/>
         </p:nvPicPr>
         <p:blipFill rotWithShape="1">
-          <a:blip r:embed="rId4">
+          <a:blip r:embed="rId3">
             <a:alphaModFix/>
           </a:blip>
           <a:srcRect/>
@@ -10195,8 +10111,7 @@
   </p:cSld>
   <p:clrMap bg1="lt1" tx1="dk1" bg2="dk2" tx2="lt2" accent1="accent1" accent2="accent2" accent3="accent3" accent4="accent4" accent5="accent5" accent6="accent6" hlink="hlink" folHlink="folHlink"/>
   <p:sldLayoutIdLst>
-    <p:sldLayoutId id="2147483649" r:id="rId1"/>
-    <p:sldLayoutId id="2147483650" r:id="rId2"/>
+    <p:sldLayoutId id="2147483650" r:id="rId1"/>
   </p:sldLayoutIdLst>
   <mc:AlternateContent xmlns:mc="http://schemas.openxmlformats.org/markup-compatibility/2006" xmlns:p14="http://schemas.microsoft.com/office/powerpoint/2010/main">
     <mc:Choice Requires="p14">
@@ -10204,7 +10119,7 @@
         <p:fade/>
       </p:transition>
     </mc:Choice>
-    <mc:Fallback xmlns:p15="http://schemas.microsoft.com/office/powerpoint/2012/main" xmlns:com="http://schemas.openxmlformats.org/drawingml/2006/compatibility" xmlns:pvml="urn:schemas-microsoft-com:office:powerpoint" xmlns:v="urn:schemas-microsoft-com:vml" xmlns:o="urn:schemas-microsoft-com:office:office" xmlns:dgm="http://schemas.openxmlformats.org/drawingml/2006/diagram" xmlns:c="http://schemas.openxmlformats.org/drawingml/2006/chart" xmlns:mv="urn:schemas-microsoft-com:mac:vml" xmlns="">
+    <mc:Fallback xmlns="" xmlns:mv="urn:schemas-microsoft-com:mac:vml" xmlns:c="http://schemas.openxmlformats.org/drawingml/2006/chart" xmlns:dgm="http://schemas.openxmlformats.org/drawingml/2006/diagram" xmlns:o="urn:schemas-microsoft-com:office:office" xmlns:v="urn:schemas-microsoft-com:vml" xmlns:pvml="urn:schemas-microsoft-com:office:powerpoint" xmlns:com="http://schemas.openxmlformats.org/drawingml/2006/compatibility" xmlns:p15="http://schemas.microsoft.com/office/powerpoint/2012/main">
       <p:transition spd="slow">
         <p:fade/>
       </p:transition>
@@ -11554,7 +11469,7 @@
         <p:fade/>
       </p:transition>
     </mc:Choice>
-    <mc:Fallback xmlns:p15="http://schemas.microsoft.com/office/powerpoint/2012/main" xmlns:com="http://schemas.openxmlformats.org/drawingml/2006/compatibility" xmlns:pvml="urn:schemas-microsoft-com:office:powerpoint" xmlns:v="urn:schemas-microsoft-com:vml" xmlns:o="urn:schemas-microsoft-com:office:office" xmlns:dgm="http://schemas.openxmlformats.org/drawingml/2006/diagram" xmlns:c="http://schemas.openxmlformats.org/drawingml/2006/chart" xmlns:mv="urn:schemas-microsoft-com:mac:vml" xmlns="">
+    <mc:Fallback xmlns="" xmlns:mv="urn:schemas-microsoft-com:mac:vml" xmlns:c="http://schemas.openxmlformats.org/drawingml/2006/chart" xmlns:dgm="http://schemas.openxmlformats.org/drawingml/2006/diagram" xmlns:o="urn:schemas-microsoft-com:office:office" xmlns:v="urn:schemas-microsoft-com:vml" xmlns:pvml="urn:schemas-microsoft-com:office:powerpoint" xmlns:com="http://schemas.openxmlformats.org/drawingml/2006/compatibility" xmlns:p15="http://schemas.microsoft.com/office/powerpoint/2012/main">
       <p:transition spd="slow">
         <p:fade/>
       </p:transition>
@@ -12294,7 +12209,7 @@
   <p:cSld>
     <p:spTree>
       <p:nvGrpSpPr>
-        <p:cNvPr id="1" name="Shape 75"/>
+        <p:cNvPr id="1" name="Shape 83"/>
         <p:cNvGrpSpPr/>
         <p:nvPr/>
       </p:nvGrpSpPr>
@@ -12308,171 +12223,7 @@
       </p:grpSpPr>
       <p:sp>
         <p:nvSpPr>
-          <p:cNvPr id="76" name="Google Shape;76;p1"/>
-          <p:cNvSpPr txBox="1"/>
-          <p:nvPr/>
-        </p:nvSpPr>
-        <p:spPr>
-          <a:xfrm>
-            <a:off x="606423" y="1752600"/>
-            <a:ext cx="1818899" cy="830956"/>
-          </a:xfrm>
-          <a:prstGeom prst="rect">
-            <a:avLst/>
-          </a:prstGeom>
-          <a:solidFill>
-            <a:srgbClr val="FFFFFF"/>
-          </a:solidFill>
-          <a:ln>
-            <a:noFill/>
-          </a:ln>
-        </p:spPr>
-        <p:txBody>
-          <a:bodyPr spcFirstLastPara="1" wrap="square" lIns="91425" tIns="45700" rIns="91425" bIns="45700" anchor="t" anchorCtr="0">
-            <a:spAutoFit/>
-          </a:bodyPr>
-          <a:lstStyle/>
-          <a:p>
-            <a:pPr marL="0" marR="0" lvl="0" indent="0" algn="ctr" rtl="0">
-              <a:lnSpc>
-                <a:spcPct val="100000"/>
-              </a:lnSpc>
-              <a:spcBef>
-                <a:spcPts val="0"/>
-              </a:spcBef>
-              <a:spcAft>
-                <a:spcPts val="0"/>
-              </a:spcAft>
-              <a:buClr>
-                <a:srgbClr val="000000"/>
-              </a:buClr>
-              <a:buSzPts val="1200"/>
-              <a:buFont typeface="Arial"/>
-              <a:buNone/>
-            </a:pPr>
-            <a:endParaRPr sz="1200" b="0" i="0" u="none" strike="noStrike" cap="none" dirty="0">
-              <a:solidFill>
-                <a:srgbClr val="000000"/>
-              </a:solidFill>
-              <a:latin typeface="Arial"/>
-              <a:ea typeface="Arial"/>
-              <a:cs typeface="Arial"/>
-              <a:sym typeface="Arial"/>
-            </a:endParaRPr>
-          </a:p>
-          <a:p>
-            <a:pPr marL="0" marR="0" lvl="0" indent="0" algn="ctr" rtl="0">
-              <a:lnSpc>
-                <a:spcPct val="100000"/>
-              </a:lnSpc>
-              <a:spcBef>
-                <a:spcPts val="0"/>
-              </a:spcBef>
-              <a:spcAft>
-                <a:spcPts val="0"/>
-              </a:spcAft>
-              <a:buClr>
-                <a:srgbClr val="000000"/>
-              </a:buClr>
-              <a:buSzPts val="1200"/>
-              <a:buFont typeface="Arial"/>
-              <a:buNone/>
-            </a:pPr>
-            <a:r>
-              <a:rPr lang="en-US" sz="1200" b="0" i="0" u="none" strike="noStrike" cap="none" dirty="0">
-                <a:solidFill>
-                  <a:srgbClr val="000000"/>
-                </a:solidFill>
-                <a:latin typeface="Arial"/>
-                <a:ea typeface="Arial"/>
-                <a:cs typeface="Arial"/>
-                <a:sym typeface="Arial"/>
-              </a:rPr>
-              <a:t>YOUR LOGO</a:t>
-            </a:r>
-            <a:endParaRPr sz="1200" b="0" i="0" u="none" strike="noStrike" cap="none" dirty="0">
-              <a:solidFill>
-                <a:srgbClr val="000000"/>
-              </a:solidFill>
-              <a:latin typeface="Arial"/>
-              <a:ea typeface="Arial"/>
-              <a:cs typeface="Arial"/>
-              <a:sym typeface="Arial"/>
-            </a:endParaRPr>
-          </a:p>
-          <a:p>
-            <a:pPr marL="0" marR="0" lvl="0" indent="0" algn="ctr" rtl="0">
-              <a:lnSpc>
-                <a:spcPct val="100000"/>
-              </a:lnSpc>
-              <a:spcBef>
-                <a:spcPts val="0"/>
-              </a:spcBef>
-              <a:spcAft>
-                <a:spcPts val="0"/>
-              </a:spcAft>
-              <a:buClr>
-                <a:srgbClr val="000000"/>
-              </a:buClr>
-              <a:buSzPts val="1200"/>
-              <a:buFont typeface="Arial"/>
-              <a:buNone/>
-            </a:pPr>
-            <a:r>
-              <a:rPr lang="en-US" sz="1200" b="0" i="0" u="none" strike="noStrike" cap="none" dirty="0">
-                <a:solidFill>
-                  <a:srgbClr val="000000"/>
-                </a:solidFill>
-                <a:latin typeface="Arial"/>
-                <a:ea typeface="Arial"/>
-                <a:cs typeface="Arial"/>
-                <a:sym typeface="Arial"/>
-              </a:rPr>
-              <a:t>DELETE BOX</a:t>
-            </a:r>
-            <a:endParaRPr sz="1200" b="0" i="0" u="none" strike="noStrike" cap="none" dirty="0">
-              <a:solidFill>
-                <a:srgbClr val="000000"/>
-              </a:solidFill>
-              <a:latin typeface="Arial"/>
-              <a:ea typeface="Arial"/>
-              <a:cs typeface="Arial"/>
-              <a:sym typeface="Arial"/>
-            </a:endParaRPr>
-          </a:p>
-          <a:p>
-            <a:pPr marL="0" marR="0" lvl="0" indent="0" algn="ctr" rtl="0">
-              <a:lnSpc>
-                <a:spcPct val="100000"/>
-              </a:lnSpc>
-              <a:spcBef>
-                <a:spcPts val="0"/>
-              </a:spcBef>
-              <a:spcAft>
-                <a:spcPts val="0"/>
-              </a:spcAft>
-              <a:buClr>
-                <a:srgbClr val="000000"/>
-              </a:buClr>
-              <a:buSzPts val="1200"/>
-              <a:buFont typeface="Arial"/>
-              <a:buNone/>
-            </a:pPr>
-            <a:endParaRPr sz="1200" b="0" i="0" u="none" strike="noStrike" cap="none" dirty="0">
-              <a:solidFill>
-                <a:srgbClr val="000000"/>
-              </a:solidFill>
-              <a:latin typeface="Arial"/>
-              <a:ea typeface="Arial"/>
-              <a:cs typeface="Arial"/>
-              <a:sym typeface="Arial"/>
-            </a:endParaRPr>
-          </a:p>
-        </p:txBody>
-      </p:sp>
-      <p:sp>
-        <p:nvSpPr>
-          <p:cNvPr id="77" name="Google Shape;77;p1"/>
+          <p:cNvPr id="85" name="Google Shape;85;p2"/>
           <p:cNvSpPr txBox="1">
             <a:spLocks noGrp="1"/>
           </p:cNvSpPr>
@@ -12482,8 +12233,8 @@
         </p:nvSpPr>
         <p:spPr>
           <a:xfrm>
-            <a:off x="606423" y="2762974"/>
-            <a:ext cx="5858172" cy="1611715"/>
+            <a:off x="606422" y="2762974"/>
+            <a:ext cx="7335501" cy="1611715"/>
           </a:xfrm>
           <a:prstGeom prst="rect">
             <a:avLst/>
@@ -12499,34 +12250,22 @@
           </a:bodyPr>
           <a:lstStyle/>
           <a:p>
-            <a:pPr marL="0" lvl="0" indent="0" algn="l" rtl="0">
-              <a:lnSpc>
-                <a:spcPct val="80000"/>
-              </a:lnSpc>
-              <a:spcBef>
-                <a:spcPts val="0"/>
-              </a:spcBef>
-              <a:spcAft>
-                <a:spcPts val="0"/>
-              </a:spcAft>
-              <a:buClr>
-                <a:srgbClr val="FFFFFF"/>
-              </a:buClr>
-              <a:buSzPts val="5400"/>
-              <a:buFont typeface="Arial"/>
-              <a:buNone/>
-            </a:pPr>
+            <a:pPr lvl="0"/>
             <a:r>
-              <a:rPr lang="en-US" sz="6000" cap="none"/>
-              <a:t>CLICK TO ADD TITLE</a:t>
+              <a:rPr lang="en-US" dirty="0"/>
+              <a:t>USING BRIGHTCOVE’S REST APIs</a:t>
             </a:r>
-            <a:endParaRPr sz="6000" cap="none"/>
+            <a:r>
+              <a:rPr lang="en-US" sz="6000" dirty="0"/>
+              <a:t> </a:t>
+            </a:r>
+            <a:endParaRPr sz="6000" cap="none" dirty="0"/>
           </a:p>
         </p:txBody>
       </p:sp>
       <p:sp>
         <p:nvSpPr>
-          <p:cNvPr id="78" name="Google Shape;78;p1"/>
+          <p:cNvPr id="86" name="Google Shape;86;p2"/>
           <p:cNvSpPr txBox="1">
             <a:spLocks noGrp="1"/>
           </p:cNvSpPr>
@@ -12553,44 +12292,365 @@
           </a:bodyPr>
           <a:lstStyle/>
           <a:p>
-            <a:pPr marL="0" lvl="0" indent="0" algn="l" rtl="0">
-              <a:lnSpc>
-                <a:spcPct val="90000"/>
-              </a:lnSpc>
-              <a:spcBef>
-                <a:spcPts val="0"/>
-              </a:spcBef>
-              <a:spcAft>
-                <a:spcPts val="0"/>
-              </a:spcAft>
-              <a:buClr>
-                <a:srgbClr val="FFFFFF"/>
-              </a:buClr>
-              <a:buSzPts val="2800"/>
-              <a:buNone/>
-            </a:pPr>
+            <a:pPr marL="0" lvl="0" indent="0"/>
             <a:r>
-              <a:rPr lang="en-US"/>
-              <a:t>Click to add subtitle</a:t>
+              <a:rPr lang="en-US" dirty="0"/>
+              <a:t>An Introductory Look</a:t>
             </a:r>
-            <a:endParaRPr/>
+          </a:p>
+          <a:p>
+            <a:pPr marL="0" lvl="0" indent="0"/>
+            <a:endParaRPr lang="en-US" dirty="0"/>
           </a:p>
         </p:txBody>
       </p:sp>
       <p:sp>
         <p:nvSpPr>
-          <p:cNvPr id="79" name="Google Shape;79;p1"/>
+          <p:cNvPr id="8" name="Google Shape;79;p1">
+            <a:extLst>
+              <a:ext uri="{FF2B5EF4-FFF2-40B4-BE49-F238E27FC236}">
+                <a16:creationId xmlns:a16="http://schemas.microsoft.com/office/drawing/2014/main" id="{58D34D67-B84B-364E-8EA8-85E4D8928016}"/>
+              </a:ext>
+            </a:extLst>
+          </p:cNvPr>
+          <p:cNvSpPr txBox="1">
+            <a:spLocks/>
+          </p:cNvSpPr>
+          <p:nvPr/>
+        </p:nvSpPr>
+        <p:spPr>
+          <a:xfrm>
+            <a:off x="606422" y="4970132"/>
+            <a:ext cx="7499888" cy="339214"/>
+          </a:xfrm>
+          <a:prstGeom prst="rect">
+            <a:avLst/>
+          </a:prstGeom>
+          <a:noFill/>
+          <a:ln>
+            <a:noFill/>
+          </a:ln>
+        </p:spPr>
+        <p:txBody>
+          <a:bodyPr spcFirstLastPara="1" wrap="square" lIns="0" tIns="0" rIns="0" bIns="0" anchor="t" anchorCtr="0">
+            <a:noAutofit/>
+          </a:bodyPr>
+          <a:lstStyle>
+            <a:defPPr marR="0" lvl="0" algn="l" rtl="0">
+              <a:lnSpc>
+                <a:spcPct val="100000"/>
+              </a:lnSpc>
+              <a:spcBef>
+                <a:spcPts val="0"/>
+              </a:spcBef>
+              <a:spcAft>
+                <a:spcPts val="0"/>
+              </a:spcAft>
+            </a:defPPr>
+            <a:lvl1pPr marL="457200" marR="0" lvl="0" indent="-228600" algn="l" rtl="0">
+              <a:lnSpc>
+                <a:spcPct val="90000"/>
+              </a:lnSpc>
+              <a:spcBef>
+                <a:spcPts val="0"/>
+              </a:spcBef>
+              <a:spcAft>
+                <a:spcPts val="0"/>
+              </a:spcAft>
+              <a:buClr>
+                <a:srgbClr val="FFFFFF"/>
+              </a:buClr>
+              <a:buSzPts val="2000"/>
+              <a:buFont typeface="Arial"/>
+              <a:buNone/>
+              <a:defRPr sz="2000" b="0" i="0" u="none" strike="noStrike" cap="none">
+                <a:solidFill>
+                  <a:srgbClr val="FFFFFF"/>
+                </a:solidFill>
+                <a:latin typeface="Arial"/>
+                <a:ea typeface="Arial"/>
+                <a:cs typeface="Arial"/>
+                <a:sym typeface="Arial"/>
+              </a:defRPr>
+            </a:lvl1pPr>
+            <a:lvl2pPr marL="914400" marR="0" lvl="1" indent="-228600" algn="l" rtl="0">
+              <a:lnSpc>
+                <a:spcPct val="90000"/>
+              </a:lnSpc>
+              <a:spcBef>
+                <a:spcPts val="0"/>
+              </a:spcBef>
+              <a:spcAft>
+                <a:spcPts val="0"/>
+              </a:spcAft>
+              <a:buClr>
+                <a:srgbClr val="FFFFFF"/>
+              </a:buClr>
+              <a:buSzPts val="2000"/>
+              <a:buFont typeface="Arial"/>
+              <a:buNone/>
+              <a:defRPr sz="2000" b="0" i="0" u="none" strike="noStrike" cap="none">
+                <a:solidFill>
+                  <a:srgbClr val="FFFFFF"/>
+                </a:solidFill>
+                <a:latin typeface="Arial"/>
+                <a:ea typeface="Arial"/>
+                <a:cs typeface="Arial"/>
+                <a:sym typeface="Arial"/>
+              </a:defRPr>
+            </a:lvl2pPr>
+            <a:lvl3pPr marL="1371600" marR="0" lvl="2" indent="-228600" algn="l" rtl="0">
+              <a:lnSpc>
+                <a:spcPct val="90000"/>
+              </a:lnSpc>
+              <a:spcBef>
+                <a:spcPts val="0"/>
+              </a:spcBef>
+              <a:spcAft>
+                <a:spcPts val="0"/>
+              </a:spcAft>
+              <a:buClr>
+                <a:srgbClr val="FFFFFF"/>
+              </a:buClr>
+              <a:buSzPts val="2000"/>
+              <a:buFont typeface="Noto Sans Symbols"/>
+              <a:buNone/>
+              <a:defRPr sz="2000" b="0" i="0" u="none" strike="noStrike" cap="none">
+                <a:solidFill>
+                  <a:srgbClr val="FFFFFF"/>
+                </a:solidFill>
+                <a:latin typeface="Arial"/>
+                <a:ea typeface="Arial"/>
+                <a:cs typeface="Arial"/>
+                <a:sym typeface="Arial"/>
+              </a:defRPr>
+            </a:lvl3pPr>
+            <a:lvl4pPr marL="1828800" marR="0" lvl="3" indent="-228600" algn="l" rtl="0">
+              <a:lnSpc>
+                <a:spcPct val="90000"/>
+              </a:lnSpc>
+              <a:spcBef>
+                <a:spcPts val="0"/>
+              </a:spcBef>
+              <a:spcAft>
+                <a:spcPts val="0"/>
+              </a:spcAft>
+              <a:buClr>
+                <a:srgbClr val="FFFFFF"/>
+              </a:buClr>
+              <a:buSzPts val="2000"/>
+              <a:buFont typeface="Arial"/>
+              <a:buNone/>
+              <a:defRPr sz="2000" b="0" i="0" u="none" strike="noStrike" cap="none">
+                <a:solidFill>
+                  <a:srgbClr val="FFFFFF"/>
+                </a:solidFill>
+                <a:latin typeface="Arial"/>
+                <a:ea typeface="Arial"/>
+                <a:cs typeface="Arial"/>
+                <a:sym typeface="Arial"/>
+              </a:defRPr>
+            </a:lvl4pPr>
+            <a:lvl5pPr marL="2286000" marR="0" lvl="4" indent="-228600" algn="l" rtl="0">
+              <a:lnSpc>
+                <a:spcPct val="90000"/>
+              </a:lnSpc>
+              <a:spcBef>
+                <a:spcPts val="0"/>
+              </a:spcBef>
+              <a:spcAft>
+                <a:spcPts val="0"/>
+              </a:spcAft>
+              <a:buClr>
+                <a:srgbClr val="FFFFFF"/>
+              </a:buClr>
+              <a:buSzPts val="2000"/>
+              <a:buFont typeface="Arial"/>
+              <a:buNone/>
+              <a:defRPr sz="2000" b="0" i="0" u="none" strike="noStrike" cap="none">
+                <a:solidFill>
+                  <a:srgbClr val="FFFFFF"/>
+                </a:solidFill>
+                <a:latin typeface="Arial"/>
+                <a:ea typeface="Arial"/>
+                <a:cs typeface="Arial"/>
+                <a:sym typeface="Arial"/>
+              </a:defRPr>
+            </a:lvl5pPr>
+            <a:lvl6pPr marL="2743200" marR="0" lvl="5" indent="-228600" algn="l" rtl="0">
+              <a:lnSpc>
+                <a:spcPct val="90000"/>
+              </a:lnSpc>
+              <a:spcBef>
+                <a:spcPts val="0"/>
+              </a:spcBef>
+              <a:spcAft>
+                <a:spcPts val="0"/>
+              </a:spcAft>
+              <a:buClr>
+                <a:srgbClr val="FFFFFF"/>
+              </a:buClr>
+              <a:buSzPts val="2000"/>
+              <a:buFont typeface="Arial"/>
+              <a:buNone/>
+              <a:defRPr sz="2000" b="0" i="0" u="none" strike="noStrike" cap="none">
+                <a:solidFill>
+                  <a:srgbClr val="FFFFFF"/>
+                </a:solidFill>
+                <a:latin typeface="Arial"/>
+                <a:ea typeface="Arial"/>
+                <a:cs typeface="Arial"/>
+                <a:sym typeface="Arial"/>
+              </a:defRPr>
+            </a:lvl6pPr>
+            <a:lvl7pPr marL="3200400" marR="0" lvl="6" indent="-228600" algn="l" rtl="0">
+              <a:lnSpc>
+                <a:spcPct val="90000"/>
+              </a:lnSpc>
+              <a:spcBef>
+                <a:spcPts val="0"/>
+              </a:spcBef>
+              <a:spcAft>
+                <a:spcPts val="0"/>
+              </a:spcAft>
+              <a:buClr>
+                <a:srgbClr val="FFFFFF"/>
+              </a:buClr>
+              <a:buSzPts val="2000"/>
+              <a:buFont typeface="Arial"/>
+              <a:buNone/>
+              <a:defRPr sz="2000" b="0" i="0" u="none" strike="noStrike" cap="none">
+                <a:solidFill>
+                  <a:srgbClr val="FFFFFF"/>
+                </a:solidFill>
+                <a:latin typeface="Arial"/>
+                <a:ea typeface="Arial"/>
+                <a:cs typeface="Arial"/>
+                <a:sym typeface="Arial"/>
+              </a:defRPr>
+            </a:lvl7pPr>
+            <a:lvl8pPr marL="3657600" marR="0" lvl="7" indent="-228600" algn="l" rtl="0">
+              <a:lnSpc>
+                <a:spcPct val="90000"/>
+              </a:lnSpc>
+              <a:spcBef>
+                <a:spcPts val="0"/>
+              </a:spcBef>
+              <a:spcAft>
+                <a:spcPts val="0"/>
+              </a:spcAft>
+              <a:buClr>
+                <a:srgbClr val="FFFFFF"/>
+              </a:buClr>
+              <a:buSzPts val="2000"/>
+              <a:buFont typeface="Arial"/>
+              <a:buNone/>
+              <a:defRPr sz="2000" b="0" i="0" u="none" strike="noStrike" cap="none">
+                <a:solidFill>
+                  <a:srgbClr val="FFFFFF"/>
+                </a:solidFill>
+                <a:latin typeface="Arial"/>
+                <a:ea typeface="Arial"/>
+                <a:cs typeface="Arial"/>
+                <a:sym typeface="Arial"/>
+              </a:defRPr>
+            </a:lvl8pPr>
+            <a:lvl9pPr marL="4114800" marR="0" lvl="8" indent="-228600" algn="l" rtl="0">
+              <a:lnSpc>
+                <a:spcPct val="90000"/>
+              </a:lnSpc>
+              <a:spcBef>
+                <a:spcPts val="0"/>
+              </a:spcBef>
+              <a:spcAft>
+                <a:spcPts val="0"/>
+              </a:spcAft>
+              <a:buClr>
+                <a:srgbClr val="FFFFFF"/>
+              </a:buClr>
+              <a:buSzPts val="2000"/>
+              <a:buFont typeface="Arial"/>
+              <a:buNone/>
+              <a:defRPr sz="2000" b="0" i="0" u="none" strike="noStrike" cap="none">
+                <a:solidFill>
+                  <a:srgbClr val="FFFFFF"/>
+                </a:solidFill>
+                <a:latin typeface="Arial"/>
+                <a:ea typeface="Arial"/>
+                <a:cs typeface="Arial"/>
+                <a:sym typeface="Arial"/>
+              </a:defRPr>
+            </a:lvl9pPr>
+          </a:lstStyle>
+          <a:p>
+            <a:pPr marL="0" indent="0"/>
+            <a:r>
+              <a:rPr lang="en-US"/>
+              <a:t>Matthew Boles | Sr. Learning Specialist | mboles@brightcove.com</a:t>
+            </a:r>
+            <a:endParaRPr lang="en-US" dirty="0"/>
+          </a:p>
+        </p:txBody>
+      </p:sp>
+    </p:spTree>
+  </p:cSld>
+  <p:clrMapOvr>
+    <a:masterClrMapping/>
+  </p:clrMapOvr>
+  <mc:AlternateContent xmlns:mc="http://schemas.openxmlformats.org/markup-compatibility/2006" xmlns:p14="http://schemas.microsoft.com/office/powerpoint/2010/main">
+    <mc:Choice Requires="p14">
+      <p:transition spd="med" p14:dur="700">
+        <p:fade/>
+      </p:transition>
+    </mc:Choice>
+    <mc:Fallback xmlns="" xmlns:mv="urn:schemas-microsoft-com:mac:vml" xmlns:c="http://schemas.openxmlformats.org/drawingml/2006/chart" xmlns:dgm="http://schemas.openxmlformats.org/drawingml/2006/diagram" xmlns:o="urn:schemas-microsoft-com:office:office" xmlns:v="urn:schemas-microsoft-com:vml" xmlns:pvml="urn:schemas-microsoft-com:office:powerpoint" xmlns:com="http://schemas.openxmlformats.org/drawingml/2006/compatibility" xmlns:p15="http://schemas.microsoft.com/office/powerpoint/2012/main">
+      <p:transition spd="slow">
+        <p:fade/>
+      </p:transition>
+    </mc:Fallback>
+  </mc:AlternateContent>
+</p:sld>
+</file>
+
+<file path=ppt/slides/slide10.xml><?xml version="1.0" encoding="utf-8"?>
+<p:sld xmlns:a="http://schemas.openxmlformats.org/drawingml/2006/main" xmlns:r="http://schemas.openxmlformats.org/officeDocument/2006/relationships" xmlns:p="http://schemas.openxmlformats.org/presentationml/2006/main">
+  <p:cSld>
+    <p:bg>
+      <p:bgPr>
+        <a:solidFill>
+          <a:srgbClr val="FFFFFF"/>
+        </a:solidFill>
+        <a:effectLst/>
+      </p:bgPr>
+    </p:bg>
+    <p:spTree>
+      <p:nvGrpSpPr>
+        <p:cNvPr id="1" name="Shape 104"/>
+        <p:cNvGrpSpPr/>
+        <p:nvPr/>
+      </p:nvGrpSpPr>
+      <p:grpSpPr>
+        <a:xfrm>
+          <a:off x="0" y="0"/>
+          <a:ext cx="0" cy="0"/>
+          <a:chOff x="0" y="0"/>
+          <a:chExt cx="0" cy="0"/>
+        </a:xfrm>
+      </p:grpSpPr>
+      <p:sp>
+        <p:nvSpPr>
+          <p:cNvPr id="105" name="Google Shape;105;p6"/>
           <p:cNvSpPr txBox="1">
             <a:spLocks noGrp="1"/>
           </p:cNvSpPr>
           <p:nvPr>
-            <p:ph type="body" idx="2"/>
+            <p:ph type="title"/>
           </p:nvPr>
         </p:nvSpPr>
         <p:spPr>
           <a:xfrm>
-            <a:off x="606423" y="4970132"/>
-            <a:ext cx="5489578" cy="339214"/>
+            <a:off x="609600" y="814649"/>
+            <a:ext cx="7917871" cy="486285"/>
           </a:xfrm>
           <a:prstGeom prst="rect">
             <a:avLst/>
@@ -12617,16 +12677,73 @@
                 <a:spcPts val="0"/>
               </a:spcAft>
               <a:buClr>
-                <a:srgbClr val="FFFFFF"/>
-              </a:buClr>
-              <a:buSzPts val="2000"/>
+                <a:schemeClr val="dk1"/>
+              </a:buClr>
+              <a:buSzPts val="3200"/>
+              <a:buFont typeface="Arial"/>
               <a:buNone/>
             </a:pPr>
             <a:r>
+              <a:rPr lang="en-US" sz="4000"/>
+              <a:t>CLICK TO ADD TITLE</a:t>
+            </a:r>
+            <a:br>
               <a:rPr lang="en-US"/>
-              <a:t>Name | Title | Email</a:t>
+            </a:br>
+            <a:endParaRPr/>
+          </a:p>
+        </p:txBody>
+      </p:sp>
+      <p:sp>
+        <p:nvSpPr>
+          <p:cNvPr id="106" name="Google Shape;106;p6"/>
+          <p:cNvSpPr txBox="1">
+            <a:spLocks noGrp="1"/>
+          </p:cNvSpPr>
+          <p:nvPr>
+            <p:ph type="body" idx="1"/>
+          </p:nvPr>
+        </p:nvSpPr>
+        <p:spPr>
+          <a:xfrm>
+            <a:off x="609600" y="1584103"/>
+            <a:ext cx="10969784" cy="4571999"/>
+          </a:xfrm>
+          <a:prstGeom prst="rect">
+            <a:avLst/>
+          </a:prstGeom>
+          <a:noFill/>
+          <a:ln>
+            <a:noFill/>
+          </a:ln>
+        </p:spPr>
+        <p:txBody>
+          <a:bodyPr spcFirstLastPara="1" wrap="square" lIns="0" tIns="0" rIns="0" bIns="0" anchor="t" anchorCtr="0">
+            <a:noAutofit/>
+          </a:bodyPr>
+          <a:lstStyle/>
+          <a:p>
+            <a:pPr marL="182563" lvl="0" indent="-177800" algn="l" rtl="0">
+              <a:lnSpc>
+                <a:spcPct val="90000"/>
+              </a:lnSpc>
+              <a:spcBef>
+                <a:spcPts val="0"/>
+              </a:spcBef>
+              <a:spcAft>
+                <a:spcPts val="0"/>
+              </a:spcAft>
+              <a:buClr>
+                <a:schemeClr val="dk1"/>
+              </a:buClr>
+              <a:buSzPts val="2400"/>
+              <a:buNone/>
+            </a:pPr>
+            <a:r>
+              <a:rPr lang="en-US" dirty="0"/>
+              <a:t>Supporting copy here</a:t>
             </a:r>
-            <a:endParaRPr/>
+            <a:endParaRPr dirty="0"/>
           </a:p>
         </p:txBody>
       </p:sp>
@@ -12641,118 +12758,7 @@
         <p:fade/>
       </p:transition>
     </mc:Choice>
-    <mc:Fallback xmlns:p15="http://schemas.microsoft.com/office/powerpoint/2012/main" xmlns:com="http://schemas.openxmlformats.org/drawingml/2006/compatibility" xmlns:pvml="urn:schemas-microsoft-com:office:powerpoint" xmlns:v="urn:schemas-microsoft-com:vml" xmlns:o="urn:schemas-microsoft-com:office:office" xmlns:dgm="http://schemas.openxmlformats.org/drawingml/2006/diagram" xmlns:c="http://schemas.openxmlformats.org/drawingml/2006/chart" xmlns:mv="urn:schemas-microsoft-com:mac:vml" xmlns="">
-      <p:transition spd="slow">
-        <p:fade/>
-      </p:transition>
-    </mc:Fallback>
-  </mc:AlternateContent>
-</p:sld>
-</file>
-
-<file path=ppt/slides/slide10.xml><?xml version="1.0" encoding="utf-8"?>
-<p:sld xmlns:a="http://schemas.openxmlformats.org/drawingml/2006/main" xmlns:r="http://schemas.openxmlformats.org/officeDocument/2006/relationships" xmlns:p="http://schemas.openxmlformats.org/presentationml/2006/main" showMasterSp="0">
-  <p:cSld>
-    <p:bg>
-      <p:bgPr>
-        <a:solidFill>
-          <a:srgbClr val="FFFFFF"/>
-        </a:solidFill>
-        <a:effectLst/>
-      </p:bgPr>
-    </p:bg>
-    <p:spTree>
-      <p:nvGrpSpPr>
-        <p:cNvPr id="1" name="Shape 140"/>
-        <p:cNvGrpSpPr/>
-        <p:nvPr/>
-      </p:nvGrpSpPr>
-      <p:grpSpPr>
-        <a:xfrm>
-          <a:off x="0" y="0"/>
-          <a:ext cx="0" cy="0"/>
-          <a:chOff x="0" y="0"/>
-          <a:chExt cx="0" cy="0"/>
-        </a:xfrm>
-      </p:grpSpPr>
-      <p:sp>
-        <p:nvSpPr>
-          <p:cNvPr id="141" name="Google Shape;141;p11"/>
-          <p:cNvSpPr txBox="1"/>
-          <p:nvPr/>
-        </p:nvSpPr>
-        <p:spPr>
-          <a:xfrm>
-            <a:off x="2451652" y="3193775"/>
-            <a:ext cx="6864626" cy="338554"/>
-          </a:xfrm>
-          <a:prstGeom prst="rect">
-            <a:avLst/>
-          </a:prstGeom>
-          <a:noFill/>
-          <a:ln>
-            <a:noFill/>
-          </a:ln>
-        </p:spPr>
-        <p:txBody>
-          <a:bodyPr spcFirstLastPara="1" wrap="square" lIns="91425" tIns="45700" rIns="91425" bIns="45700" anchor="t" anchorCtr="0">
-            <a:spAutoFit/>
-          </a:bodyPr>
-          <a:lstStyle/>
-          <a:p>
-            <a:pPr marL="0" marR="0" lvl="0" indent="0" algn="ctr" rtl="0">
-              <a:lnSpc>
-                <a:spcPct val="100000"/>
-              </a:lnSpc>
-              <a:spcBef>
-                <a:spcPts val="0"/>
-              </a:spcBef>
-              <a:spcAft>
-                <a:spcPts val="0"/>
-              </a:spcAft>
-              <a:buClr>
-                <a:srgbClr val="000000"/>
-              </a:buClr>
-              <a:buSzPts val="1600"/>
-              <a:buFont typeface="Arial"/>
-              <a:buNone/>
-            </a:pPr>
-            <a:r>
-              <a:rPr lang="en-US" sz="1600" b="0" i="0" u="none" strike="noStrike" cap="none">
-                <a:solidFill>
-                  <a:srgbClr val="000000"/>
-                </a:solidFill>
-                <a:latin typeface="Arial"/>
-                <a:ea typeface="Arial"/>
-                <a:cs typeface="Arial"/>
-                <a:sym typeface="Arial"/>
-              </a:rPr>
-              <a:t>THIS IS YOUR SLIDE FOR FULL SCREEN VIDEO DELETE THIS BOX</a:t>
-            </a:r>
-            <a:endParaRPr sz="1600" b="0" i="0" u="none" strike="noStrike" cap="none">
-              <a:solidFill>
-                <a:srgbClr val="000000"/>
-              </a:solidFill>
-              <a:latin typeface="Arial"/>
-              <a:ea typeface="Arial"/>
-              <a:cs typeface="Arial"/>
-              <a:sym typeface="Arial"/>
-            </a:endParaRPr>
-          </a:p>
-        </p:txBody>
-      </p:sp>
-    </p:spTree>
-  </p:cSld>
-  <p:clrMapOvr>
-    <a:masterClrMapping/>
-  </p:clrMapOvr>
-  <mc:AlternateContent xmlns:mc="http://schemas.openxmlformats.org/markup-compatibility/2006" xmlns:p14="http://schemas.microsoft.com/office/powerpoint/2010/main">
-    <mc:Choice Requires="p14">
-      <p:transition spd="med" p14:dur="700">
-        <p:fade/>
-      </p:transition>
-    </mc:Choice>
-    <mc:Fallback xmlns:p15="http://schemas.microsoft.com/office/powerpoint/2012/main" xmlns:com="http://schemas.openxmlformats.org/drawingml/2006/compatibility" xmlns:pvml="urn:schemas-microsoft-com:office:powerpoint" xmlns:v="urn:schemas-microsoft-com:vml" xmlns:o="urn:schemas-microsoft-com:office:office" xmlns:dgm="http://schemas.openxmlformats.org/drawingml/2006/diagram" xmlns:c="http://schemas.openxmlformats.org/drawingml/2006/chart" xmlns:mv="urn:schemas-microsoft-com:mac:vml" xmlns="">
+    <mc:Fallback xmlns="" xmlns:mv="urn:schemas-microsoft-com:mac:vml" xmlns:c="http://schemas.openxmlformats.org/drawingml/2006/chart" xmlns:dgm="http://schemas.openxmlformats.org/drawingml/2006/diagram" xmlns:o="urn:schemas-microsoft-com:office:office" xmlns:v="urn:schemas-microsoft-com:vml" xmlns:pvml="urn:schemas-microsoft-com:office:powerpoint" xmlns:com="http://schemas.openxmlformats.org/drawingml/2006/compatibility" xmlns:p15="http://schemas.microsoft.com/office/powerpoint/2012/main">
       <p:transition spd="slow">
         <p:fade/>
       </p:transition>
@@ -13119,7 +13125,7 @@
         <p:fade/>
       </p:transition>
     </mc:Choice>
-    <mc:Fallback xmlns:p15="http://schemas.microsoft.com/office/powerpoint/2012/main" xmlns:com="http://schemas.openxmlformats.org/drawingml/2006/compatibility" xmlns:pvml="urn:schemas-microsoft-com:office:powerpoint" xmlns:v="urn:schemas-microsoft-com:vml" xmlns:o="urn:schemas-microsoft-com:office:office" xmlns:dgm="http://schemas.openxmlformats.org/drawingml/2006/diagram" xmlns:c="http://schemas.openxmlformats.org/drawingml/2006/chart" xmlns:mv="urn:schemas-microsoft-com:mac:vml" xmlns="">
+    <mc:Fallback xmlns="" xmlns:mv="urn:schemas-microsoft-com:mac:vml" xmlns:c="http://schemas.openxmlformats.org/drawingml/2006/chart" xmlns:dgm="http://schemas.openxmlformats.org/drawingml/2006/diagram" xmlns:o="urn:schemas-microsoft-com:office:office" xmlns:v="urn:schemas-microsoft-com:vml" xmlns:pvml="urn:schemas-microsoft-com:office:powerpoint" xmlns:com="http://schemas.openxmlformats.org/drawingml/2006/compatibility" xmlns:p15="http://schemas.microsoft.com/office/powerpoint/2012/main">
       <p:transition spd="slow">
         <p:fade/>
       </p:transition>
@@ -13129,1111 +13135,6 @@
 </file>
 
 <file path=ppt/slides/slide12.xml><?xml version="1.0" encoding="utf-8"?>
-<p:sld xmlns:a="http://schemas.openxmlformats.org/drawingml/2006/main" xmlns:r="http://schemas.openxmlformats.org/officeDocument/2006/relationships" xmlns:p="http://schemas.openxmlformats.org/presentationml/2006/main">
-  <p:cSld>
-    <p:spTree>
-      <p:nvGrpSpPr>
-        <p:cNvPr id="1" name="Shape 151"/>
-        <p:cNvGrpSpPr/>
-        <p:nvPr/>
-      </p:nvGrpSpPr>
-      <p:grpSpPr>
-        <a:xfrm>
-          <a:off x="0" y="0"/>
-          <a:ext cx="0" cy="0"/>
-          <a:chOff x="0" y="0"/>
-          <a:chExt cx="0" cy="0"/>
-        </a:xfrm>
-      </p:grpSpPr>
-      <p:sp>
-        <p:nvSpPr>
-          <p:cNvPr id="152" name="Google Shape;152;p14"/>
-          <p:cNvSpPr txBox="1">
-            <a:spLocks noGrp="1"/>
-          </p:cNvSpPr>
-          <p:nvPr>
-            <p:ph type="body" idx="1"/>
-          </p:nvPr>
-        </p:nvSpPr>
-        <p:spPr>
-          <a:xfrm>
-            <a:off x="609600" y="1839716"/>
-            <a:ext cx="10969800" cy="4572000"/>
-          </a:xfrm>
-          <a:prstGeom prst="rect">
-            <a:avLst/>
-          </a:prstGeom>
-          <a:noFill/>
-          <a:ln>
-            <a:noFill/>
-          </a:ln>
-        </p:spPr>
-        <p:txBody>
-          <a:bodyPr spcFirstLastPara="1" wrap="square" lIns="0" tIns="0" rIns="0" bIns="0" anchor="t" anchorCtr="0">
-            <a:noAutofit/>
-          </a:bodyPr>
-          <a:lstStyle/>
-          <a:p>
-            <a:pPr marL="4763" lvl="0" indent="0" algn="l" rtl="0">
-              <a:lnSpc>
-                <a:spcPct val="90000"/>
-              </a:lnSpc>
-              <a:spcBef>
-                <a:spcPts val="0"/>
-              </a:spcBef>
-              <a:spcAft>
-                <a:spcPts val="0"/>
-              </a:spcAft>
-              <a:buClr>
-                <a:schemeClr val="dk1"/>
-              </a:buClr>
-              <a:buSzPts val="2400"/>
-              <a:buNone/>
-            </a:pPr>
-            <a:r>
-              <a:rPr lang="en-US"/>
-              <a:t>Supporting copy here</a:t>
-            </a:r>
-            <a:endParaRPr/>
-          </a:p>
-        </p:txBody>
-      </p:sp>
-      <p:sp>
-        <p:nvSpPr>
-          <p:cNvPr id="153" name="Google Shape;153;p14"/>
-          <p:cNvSpPr txBox="1">
-            <a:spLocks noGrp="1"/>
-          </p:cNvSpPr>
-          <p:nvPr>
-            <p:ph type="body" idx="2"/>
-          </p:nvPr>
-        </p:nvSpPr>
-        <p:spPr>
-          <a:xfrm>
-            <a:off x="609441" y="1394532"/>
-            <a:ext cx="10969800" cy="320700"/>
-          </a:xfrm>
-          <a:prstGeom prst="rect">
-            <a:avLst/>
-          </a:prstGeom>
-          <a:noFill/>
-          <a:ln>
-            <a:noFill/>
-          </a:ln>
-        </p:spPr>
-        <p:txBody>
-          <a:bodyPr spcFirstLastPara="1" wrap="square" lIns="0" tIns="0" rIns="0" bIns="0" anchor="t" anchorCtr="0">
-            <a:noAutofit/>
-          </a:bodyPr>
-          <a:lstStyle/>
-          <a:p>
-            <a:pPr marL="0" lvl="0" indent="0" algn="l" rtl="0">
-              <a:lnSpc>
-                <a:spcPct val="90000"/>
-              </a:lnSpc>
-              <a:spcBef>
-                <a:spcPts val="0"/>
-              </a:spcBef>
-              <a:spcAft>
-                <a:spcPts val="0"/>
-              </a:spcAft>
-              <a:buSzPts val="2400"/>
-              <a:buNone/>
-            </a:pPr>
-            <a:r>
-              <a:rPr lang="en-US" b="0"/>
-              <a:t>Click to add category</a:t>
-            </a:r>
-            <a:endParaRPr/>
-          </a:p>
-        </p:txBody>
-      </p:sp>
-      <p:sp>
-        <p:nvSpPr>
-          <p:cNvPr id="154" name="Google Shape;154;p14"/>
-          <p:cNvSpPr txBox="1"/>
-          <p:nvPr/>
-        </p:nvSpPr>
-        <p:spPr>
-          <a:xfrm>
-            <a:off x="609600" y="814649"/>
-            <a:ext cx="7917871" cy="486285"/>
-          </a:xfrm>
-          <a:prstGeom prst="rect">
-            <a:avLst/>
-          </a:prstGeom>
-          <a:noFill/>
-          <a:ln>
-            <a:noFill/>
-          </a:ln>
-        </p:spPr>
-        <p:txBody>
-          <a:bodyPr spcFirstLastPara="1" wrap="square" lIns="0" tIns="0" rIns="0" bIns="0" anchor="t" anchorCtr="0">
-            <a:noAutofit/>
-          </a:bodyPr>
-          <a:lstStyle/>
-          <a:p>
-            <a:pPr marL="0" marR="0" lvl="0" indent="0" algn="l" rtl="0">
-              <a:lnSpc>
-                <a:spcPct val="90000"/>
-              </a:lnSpc>
-              <a:spcBef>
-                <a:spcPts val="0"/>
-              </a:spcBef>
-              <a:spcAft>
-                <a:spcPts val="0"/>
-              </a:spcAft>
-              <a:buClr>
-                <a:schemeClr val="dk1"/>
-              </a:buClr>
-              <a:buSzPts val="3200"/>
-              <a:buFont typeface="Arial"/>
-              <a:buNone/>
-            </a:pPr>
-            <a:r>
-              <a:rPr lang="en-US" sz="4000" b="1" i="0" u="none" strike="noStrike" cap="none">
-                <a:solidFill>
-                  <a:srgbClr val="161614"/>
-                </a:solidFill>
-                <a:latin typeface="Arial"/>
-                <a:ea typeface="Arial"/>
-                <a:cs typeface="Arial"/>
-                <a:sym typeface="Arial"/>
-              </a:rPr>
-              <a:t>CLICK TO ADD TITLE</a:t>
-            </a:r>
-            <a:endParaRPr sz="4000" b="1" i="0" u="none" strike="noStrike" cap="none">
-              <a:solidFill>
-                <a:srgbClr val="161614"/>
-              </a:solidFill>
-              <a:latin typeface="Arial"/>
-              <a:ea typeface="Arial"/>
-              <a:cs typeface="Arial"/>
-              <a:sym typeface="Arial"/>
-            </a:endParaRPr>
-          </a:p>
-        </p:txBody>
-      </p:sp>
-    </p:spTree>
-  </p:cSld>
-  <p:clrMapOvr>
-    <a:masterClrMapping/>
-  </p:clrMapOvr>
-  <mc:AlternateContent xmlns:mc="http://schemas.openxmlformats.org/markup-compatibility/2006" xmlns:p14="http://schemas.microsoft.com/office/powerpoint/2010/main">
-    <mc:Choice Requires="p14">
-      <p:transition spd="med" p14:dur="700">
-        <p:fade/>
-      </p:transition>
-    </mc:Choice>
-    <mc:Fallback xmlns:p15="http://schemas.microsoft.com/office/powerpoint/2012/main" xmlns:com="http://schemas.openxmlformats.org/drawingml/2006/compatibility" xmlns:pvml="urn:schemas-microsoft-com:office:powerpoint" xmlns:v="urn:schemas-microsoft-com:vml" xmlns:o="urn:schemas-microsoft-com:office:office" xmlns:dgm="http://schemas.openxmlformats.org/drawingml/2006/diagram" xmlns:c="http://schemas.openxmlformats.org/drawingml/2006/chart" xmlns:mv="urn:schemas-microsoft-com:mac:vml" xmlns="">
-      <p:transition spd="slow">
-        <p:fade/>
-      </p:transition>
-    </mc:Fallback>
-  </mc:AlternateContent>
-</p:sld>
-</file>
-
-<file path=ppt/slides/slide13.xml><?xml version="1.0" encoding="utf-8"?>
-<p:sld xmlns:a="http://schemas.openxmlformats.org/drawingml/2006/main" xmlns:r="http://schemas.openxmlformats.org/officeDocument/2006/relationships" xmlns:p="http://schemas.openxmlformats.org/presentationml/2006/main">
-  <p:cSld>
-    <p:spTree>
-      <p:nvGrpSpPr>
-        <p:cNvPr id="1" name="Shape 158"/>
-        <p:cNvGrpSpPr/>
-        <p:nvPr/>
-      </p:nvGrpSpPr>
-      <p:grpSpPr>
-        <a:xfrm>
-          <a:off x="0" y="0"/>
-          <a:ext cx="0" cy="0"/>
-          <a:chOff x="0" y="0"/>
-          <a:chExt cx="0" cy="0"/>
-        </a:xfrm>
-      </p:grpSpPr>
-    </p:spTree>
-  </p:cSld>
-  <p:clrMapOvr>
-    <a:masterClrMapping/>
-  </p:clrMapOvr>
-  <mc:AlternateContent xmlns:mc="http://schemas.openxmlformats.org/markup-compatibility/2006" xmlns:p14="http://schemas.microsoft.com/office/powerpoint/2010/main">
-    <mc:Choice Requires="p14">
-      <p:transition spd="med" p14:dur="700">
-        <p:fade/>
-      </p:transition>
-    </mc:Choice>
-    <mc:Fallback xmlns:p15="http://schemas.microsoft.com/office/powerpoint/2012/main" xmlns:com="http://schemas.openxmlformats.org/drawingml/2006/compatibility" xmlns:pvml="urn:schemas-microsoft-com:office:powerpoint" xmlns:v="urn:schemas-microsoft-com:vml" xmlns:o="urn:schemas-microsoft-com:office:office" xmlns:dgm="http://schemas.openxmlformats.org/drawingml/2006/diagram" xmlns:c="http://schemas.openxmlformats.org/drawingml/2006/chart" xmlns:mv="urn:schemas-microsoft-com:mac:vml" xmlns="">
-      <p:transition spd="slow">
-        <p:fade/>
-      </p:transition>
-    </mc:Fallback>
-  </mc:AlternateContent>
-</p:sld>
-</file>
-
-<file path=ppt/slides/slide2.xml><?xml version="1.0" encoding="utf-8"?>
-<p:sld xmlns:a="http://schemas.openxmlformats.org/drawingml/2006/main" xmlns:r="http://schemas.openxmlformats.org/officeDocument/2006/relationships" xmlns:p="http://schemas.openxmlformats.org/presentationml/2006/main">
-  <p:cSld>
-    <p:spTree>
-      <p:nvGrpSpPr>
-        <p:cNvPr id="1" name="Shape 83"/>
-        <p:cNvGrpSpPr/>
-        <p:nvPr/>
-      </p:nvGrpSpPr>
-      <p:grpSpPr>
-        <a:xfrm>
-          <a:off x="0" y="0"/>
-          <a:ext cx="0" cy="0"/>
-          <a:chOff x="0" y="0"/>
-          <a:chExt cx="0" cy="0"/>
-        </a:xfrm>
-      </p:grpSpPr>
-      <p:sp>
-        <p:nvSpPr>
-          <p:cNvPr id="84" name="Google Shape;84;p2"/>
-          <p:cNvSpPr txBox="1"/>
-          <p:nvPr/>
-        </p:nvSpPr>
-        <p:spPr>
-          <a:xfrm>
-            <a:off x="606423" y="1752600"/>
-            <a:ext cx="1818899" cy="830956"/>
-          </a:xfrm>
-          <a:prstGeom prst="rect">
-            <a:avLst/>
-          </a:prstGeom>
-          <a:solidFill>
-            <a:srgbClr val="FFFFFF"/>
-          </a:solidFill>
-          <a:ln>
-            <a:noFill/>
-          </a:ln>
-        </p:spPr>
-        <p:txBody>
-          <a:bodyPr spcFirstLastPara="1" wrap="square" lIns="91425" tIns="45700" rIns="91425" bIns="45700" anchor="t" anchorCtr="0">
-            <a:spAutoFit/>
-          </a:bodyPr>
-          <a:lstStyle/>
-          <a:p>
-            <a:pPr marL="0" marR="0" lvl="0" indent="0" algn="ctr" rtl="0">
-              <a:lnSpc>
-                <a:spcPct val="100000"/>
-              </a:lnSpc>
-              <a:spcBef>
-                <a:spcPts val="0"/>
-              </a:spcBef>
-              <a:spcAft>
-                <a:spcPts val="0"/>
-              </a:spcAft>
-              <a:buClr>
-                <a:srgbClr val="000000"/>
-              </a:buClr>
-              <a:buSzPts val="1200"/>
-              <a:buFont typeface="Arial"/>
-              <a:buNone/>
-            </a:pPr>
-            <a:endParaRPr sz="1200" b="0" i="0" u="none" strike="noStrike" cap="none">
-              <a:solidFill>
-                <a:srgbClr val="000000"/>
-              </a:solidFill>
-              <a:latin typeface="Arial"/>
-              <a:ea typeface="Arial"/>
-              <a:cs typeface="Arial"/>
-              <a:sym typeface="Arial"/>
-            </a:endParaRPr>
-          </a:p>
-          <a:p>
-            <a:pPr marL="0" marR="0" lvl="0" indent="0" algn="ctr" rtl="0">
-              <a:lnSpc>
-                <a:spcPct val="100000"/>
-              </a:lnSpc>
-              <a:spcBef>
-                <a:spcPts val="0"/>
-              </a:spcBef>
-              <a:spcAft>
-                <a:spcPts val="0"/>
-              </a:spcAft>
-              <a:buClr>
-                <a:srgbClr val="000000"/>
-              </a:buClr>
-              <a:buSzPts val="1200"/>
-              <a:buFont typeface="Arial"/>
-              <a:buNone/>
-            </a:pPr>
-            <a:r>
-              <a:rPr lang="en-US" sz="1200" b="0" i="0" u="none" strike="noStrike" cap="none">
-                <a:solidFill>
-                  <a:srgbClr val="000000"/>
-                </a:solidFill>
-                <a:latin typeface="Arial"/>
-                <a:ea typeface="Arial"/>
-                <a:cs typeface="Arial"/>
-                <a:sym typeface="Arial"/>
-              </a:rPr>
-              <a:t>YOUR LOGO</a:t>
-            </a:r>
-            <a:endParaRPr sz="1200" b="0" i="0" u="none" strike="noStrike" cap="none">
-              <a:solidFill>
-                <a:srgbClr val="000000"/>
-              </a:solidFill>
-              <a:latin typeface="Arial"/>
-              <a:ea typeface="Arial"/>
-              <a:cs typeface="Arial"/>
-              <a:sym typeface="Arial"/>
-            </a:endParaRPr>
-          </a:p>
-          <a:p>
-            <a:pPr marL="0" marR="0" lvl="0" indent="0" algn="ctr" rtl="0">
-              <a:lnSpc>
-                <a:spcPct val="100000"/>
-              </a:lnSpc>
-              <a:spcBef>
-                <a:spcPts val="0"/>
-              </a:spcBef>
-              <a:spcAft>
-                <a:spcPts val="0"/>
-              </a:spcAft>
-              <a:buClr>
-                <a:srgbClr val="000000"/>
-              </a:buClr>
-              <a:buSzPts val="1200"/>
-              <a:buFont typeface="Arial"/>
-              <a:buNone/>
-            </a:pPr>
-            <a:r>
-              <a:rPr lang="en-US" sz="1200" b="0" i="0" u="none" strike="noStrike" cap="none">
-                <a:solidFill>
-                  <a:srgbClr val="000000"/>
-                </a:solidFill>
-                <a:latin typeface="Arial"/>
-                <a:ea typeface="Arial"/>
-                <a:cs typeface="Arial"/>
-                <a:sym typeface="Arial"/>
-              </a:rPr>
-              <a:t>DELETE BOX</a:t>
-            </a:r>
-            <a:endParaRPr sz="1200" b="0" i="0" u="none" strike="noStrike" cap="none">
-              <a:solidFill>
-                <a:srgbClr val="000000"/>
-              </a:solidFill>
-              <a:latin typeface="Arial"/>
-              <a:ea typeface="Arial"/>
-              <a:cs typeface="Arial"/>
-              <a:sym typeface="Arial"/>
-            </a:endParaRPr>
-          </a:p>
-          <a:p>
-            <a:pPr marL="0" marR="0" lvl="0" indent="0" algn="ctr" rtl="0">
-              <a:lnSpc>
-                <a:spcPct val="100000"/>
-              </a:lnSpc>
-              <a:spcBef>
-                <a:spcPts val="0"/>
-              </a:spcBef>
-              <a:spcAft>
-                <a:spcPts val="0"/>
-              </a:spcAft>
-              <a:buClr>
-                <a:srgbClr val="000000"/>
-              </a:buClr>
-              <a:buSzPts val="1200"/>
-              <a:buFont typeface="Arial"/>
-              <a:buNone/>
-            </a:pPr>
-            <a:endParaRPr sz="1200" b="0" i="0" u="none" strike="noStrike" cap="none">
-              <a:solidFill>
-                <a:srgbClr val="000000"/>
-              </a:solidFill>
-              <a:latin typeface="Arial"/>
-              <a:ea typeface="Arial"/>
-              <a:cs typeface="Arial"/>
-              <a:sym typeface="Arial"/>
-            </a:endParaRPr>
-          </a:p>
-        </p:txBody>
-      </p:sp>
-      <p:sp>
-        <p:nvSpPr>
-          <p:cNvPr id="85" name="Google Shape;85;p2"/>
-          <p:cNvSpPr txBox="1">
-            <a:spLocks noGrp="1"/>
-          </p:cNvSpPr>
-          <p:nvPr>
-            <p:ph type="title"/>
-          </p:nvPr>
-        </p:nvSpPr>
-        <p:spPr>
-          <a:xfrm>
-            <a:off x="606423" y="2762974"/>
-            <a:ext cx="5858172" cy="1611715"/>
-          </a:xfrm>
-          <a:prstGeom prst="rect">
-            <a:avLst/>
-          </a:prstGeom>
-          <a:noFill/>
-          <a:ln>
-            <a:noFill/>
-          </a:ln>
-        </p:spPr>
-        <p:txBody>
-          <a:bodyPr spcFirstLastPara="1" wrap="square" lIns="0" tIns="0" rIns="0" bIns="0" anchor="b" anchorCtr="0">
-            <a:noAutofit/>
-          </a:bodyPr>
-          <a:lstStyle/>
-          <a:p>
-            <a:pPr marL="0" lvl="0" indent="0" algn="l" rtl="0">
-              <a:lnSpc>
-                <a:spcPct val="80000"/>
-              </a:lnSpc>
-              <a:spcBef>
-                <a:spcPts val="0"/>
-              </a:spcBef>
-              <a:spcAft>
-                <a:spcPts val="0"/>
-              </a:spcAft>
-              <a:buClr>
-                <a:srgbClr val="FFFFFF"/>
-              </a:buClr>
-              <a:buSzPts val="5400"/>
-              <a:buFont typeface="Arial"/>
-              <a:buNone/>
-            </a:pPr>
-            <a:r>
-              <a:rPr lang="en-US" sz="6000" cap="none"/>
-              <a:t>CLICK TO ADD TITLE</a:t>
-            </a:r>
-            <a:endParaRPr sz="6000" cap="none"/>
-          </a:p>
-        </p:txBody>
-      </p:sp>
-      <p:sp>
-        <p:nvSpPr>
-          <p:cNvPr id="86" name="Google Shape;86;p2"/>
-          <p:cNvSpPr txBox="1">
-            <a:spLocks noGrp="1"/>
-          </p:cNvSpPr>
-          <p:nvPr>
-            <p:ph type="subTitle" idx="1"/>
-          </p:nvPr>
-        </p:nvSpPr>
-        <p:spPr>
-          <a:xfrm>
-            <a:off x="608013" y="4438878"/>
-            <a:ext cx="8229600" cy="531254"/>
-          </a:xfrm>
-          <a:prstGeom prst="rect">
-            <a:avLst/>
-          </a:prstGeom>
-          <a:noFill/>
-          <a:ln>
-            <a:noFill/>
-          </a:ln>
-        </p:spPr>
-        <p:txBody>
-          <a:bodyPr spcFirstLastPara="1" wrap="square" lIns="0" tIns="0" rIns="0" bIns="0" anchor="t" anchorCtr="0">
-            <a:noAutofit/>
-          </a:bodyPr>
-          <a:lstStyle/>
-          <a:p>
-            <a:pPr marL="0" lvl="0" indent="0" algn="l" rtl="0">
-              <a:lnSpc>
-                <a:spcPct val="90000"/>
-              </a:lnSpc>
-              <a:spcBef>
-                <a:spcPts val="0"/>
-              </a:spcBef>
-              <a:spcAft>
-                <a:spcPts val="0"/>
-              </a:spcAft>
-              <a:buClr>
-                <a:srgbClr val="FFFFFF"/>
-              </a:buClr>
-              <a:buSzPts val="2800"/>
-              <a:buNone/>
-            </a:pPr>
-            <a:r>
-              <a:rPr lang="en-US"/>
-              <a:t>Click to add subtitle</a:t>
-            </a:r>
-            <a:endParaRPr/>
-          </a:p>
-        </p:txBody>
-      </p:sp>
-      <p:sp>
-        <p:nvSpPr>
-          <p:cNvPr id="87" name="Google Shape;87;p2"/>
-          <p:cNvSpPr txBox="1">
-            <a:spLocks noGrp="1"/>
-          </p:cNvSpPr>
-          <p:nvPr>
-            <p:ph type="body" idx="2"/>
-          </p:nvPr>
-        </p:nvSpPr>
-        <p:spPr>
-          <a:xfrm>
-            <a:off x="606423" y="4970132"/>
-            <a:ext cx="5489578" cy="339214"/>
-          </a:xfrm>
-          <a:prstGeom prst="rect">
-            <a:avLst/>
-          </a:prstGeom>
-          <a:noFill/>
-          <a:ln>
-            <a:noFill/>
-          </a:ln>
-        </p:spPr>
-        <p:txBody>
-          <a:bodyPr spcFirstLastPara="1" wrap="square" lIns="0" tIns="0" rIns="0" bIns="0" anchor="t" anchorCtr="0">
-            <a:noAutofit/>
-          </a:bodyPr>
-          <a:lstStyle/>
-          <a:p>
-            <a:pPr marL="0" lvl="0" indent="0" algn="l" rtl="0">
-              <a:lnSpc>
-                <a:spcPct val="90000"/>
-              </a:lnSpc>
-              <a:spcBef>
-                <a:spcPts val="0"/>
-              </a:spcBef>
-              <a:spcAft>
-                <a:spcPts val="0"/>
-              </a:spcAft>
-              <a:buClr>
-                <a:srgbClr val="FFFFFF"/>
-              </a:buClr>
-              <a:buSzPts val="2000"/>
-              <a:buNone/>
-            </a:pPr>
-            <a:r>
-              <a:rPr lang="en-US"/>
-              <a:t>Name | Title | Email</a:t>
-            </a:r>
-            <a:endParaRPr/>
-          </a:p>
-        </p:txBody>
-      </p:sp>
-    </p:spTree>
-  </p:cSld>
-  <p:clrMapOvr>
-    <a:masterClrMapping/>
-  </p:clrMapOvr>
-  <mc:AlternateContent xmlns:mc="http://schemas.openxmlformats.org/markup-compatibility/2006" xmlns:p14="http://schemas.microsoft.com/office/powerpoint/2010/main">
-    <mc:Choice Requires="p14">
-      <p:transition spd="med" p14:dur="700">
-        <p:fade/>
-      </p:transition>
-    </mc:Choice>
-    <mc:Fallback xmlns:p15="http://schemas.microsoft.com/office/powerpoint/2012/main" xmlns:com="http://schemas.openxmlformats.org/drawingml/2006/compatibility" xmlns:pvml="urn:schemas-microsoft-com:office:powerpoint" xmlns:v="urn:schemas-microsoft-com:vml" xmlns:o="urn:schemas-microsoft-com:office:office" xmlns:dgm="http://schemas.openxmlformats.org/drawingml/2006/diagram" xmlns:c="http://schemas.openxmlformats.org/drawingml/2006/chart" xmlns:mv="urn:schemas-microsoft-com:mac:vml" xmlns="">
-      <p:transition spd="slow">
-        <p:fade/>
-      </p:transition>
-    </mc:Fallback>
-  </mc:AlternateContent>
-</p:sld>
-</file>
-
-<file path=ppt/slides/slide3.xml><?xml version="1.0" encoding="utf-8"?>
-<p:sld xmlns:a="http://schemas.openxmlformats.org/drawingml/2006/main" xmlns:r="http://schemas.openxmlformats.org/officeDocument/2006/relationships" xmlns:p="http://schemas.openxmlformats.org/presentationml/2006/main">
-  <p:cSld>
-    <p:spTree>
-      <p:nvGrpSpPr>
-        <p:cNvPr id="1" name="Shape 92"/>
-        <p:cNvGrpSpPr/>
-        <p:nvPr/>
-      </p:nvGrpSpPr>
-      <p:grpSpPr>
-        <a:xfrm>
-          <a:off x="0" y="0"/>
-          <a:ext cx="0" cy="0"/>
-          <a:chOff x="0" y="0"/>
-          <a:chExt cx="0" cy="0"/>
-        </a:xfrm>
-      </p:grpSpPr>
-      <p:sp>
-        <p:nvSpPr>
-          <p:cNvPr id="93" name="Google Shape;93;g7d8170130a_0_0"/>
-          <p:cNvSpPr txBox="1">
-            <a:spLocks noGrp="1"/>
-          </p:cNvSpPr>
-          <p:nvPr>
-            <p:ph type="title"/>
-          </p:nvPr>
-        </p:nvSpPr>
-        <p:spPr>
-          <a:xfrm>
-            <a:off x="609441" y="671636"/>
-            <a:ext cx="10969943" cy="852364"/>
-          </a:xfrm>
-          <a:prstGeom prst="rect">
-            <a:avLst/>
-          </a:prstGeom>
-          <a:noFill/>
-          <a:ln>
-            <a:noFill/>
-          </a:ln>
-        </p:spPr>
-        <p:txBody>
-          <a:bodyPr spcFirstLastPara="1" wrap="square" lIns="0" tIns="0" rIns="0" bIns="0" anchor="t" anchorCtr="0">
-            <a:noAutofit/>
-          </a:bodyPr>
-          <a:lstStyle/>
-          <a:p>
-            <a:pPr marL="0" lvl="0" indent="0" algn="l" rtl="0">
-              <a:lnSpc>
-                <a:spcPct val="90000"/>
-              </a:lnSpc>
-              <a:spcBef>
-                <a:spcPts val="0"/>
-              </a:spcBef>
-              <a:spcAft>
-                <a:spcPts val="0"/>
-              </a:spcAft>
-              <a:buSzPts val="3200"/>
-              <a:buNone/>
-            </a:pPr>
-            <a:r>
-              <a:rPr lang="en-US" sz="4000"/>
-              <a:t>AGENDA</a:t>
-            </a:r>
-            <a:endParaRPr sz="4000"/>
-          </a:p>
-        </p:txBody>
-      </p:sp>
-      <p:sp>
-        <p:nvSpPr>
-          <p:cNvPr id="94" name="Google Shape;94;g7d8170130a_0_0"/>
-          <p:cNvSpPr txBox="1">
-            <a:spLocks noGrp="1"/>
-          </p:cNvSpPr>
-          <p:nvPr>
-            <p:ph type="body" idx="1"/>
-          </p:nvPr>
-        </p:nvSpPr>
-        <p:spPr>
-          <a:xfrm>
-            <a:off x="619125" y="1703387"/>
-            <a:ext cx="10963275" cy="3617912"/>
-          </a:xfrm>
-          <a:prstGeom prst="rect">
-            <a:avLst/>
-          </a:prstGeom>
-          <a:noFill/>
-          <a:ln>
-            <a:noFill/>
-          </a:ln>
-        </p:spPr>
-        <p:txBody>
-          <a:bodyPr spcFirstLastPara="1" wrap="square" lIns="0" tIns="0" rIns="0" bIns="0" anchor="t" anchorCtr="0">
-            <a:noAutofit/>
-          </a:bodyPr>
-          <a:lstStyle/>
-          <a:p>
-            <a:pPr marL="457200" lvl="0" indent="-381000" algn="l" rtl="0">
-              <a:lnSpc>
-                <a:spcPct val="90000"/>
-              </a:lnSpc>
-              <a:spcBef>
-                <a:spcPts val="1200"/>
-              </a:spcBef>
-              <a:spcAft>
-                <a:spcPts val="0"/>
-              </a:spcAft>
-              <a:buSzPts val="2400"/>
-              <a:buAutoNum type="arabicPeriod"/>
-            </a:pPr>
-            <a:r>
-              <a:rPr lang="en-US"/>
-              <a:t>Topic</a:t>
-            </a:r>
-            <a:endParaRPr/>
-          </a:p>
-          <a:p>
-            <a:pPr marL="457200" lvl="0" indent="-381000" algn="l" rtl="0">
-              <a:lnSpc>
-                <a:spcPct val="90000"/>
-              </a:lnSpc>
-              <a:spcBef>
-                <a:spcPts val="0"/>
-              </a:spcBef>
-              <a:spcAft>
-                <a:spcPts val="0"/>
-              </a:spcAft>
-              <a:buSzPts val="2400"/>
-              <a:buAutoNum type="arabicPeriod"/>
-            </a:pPr>
-            <a:r>
-              <a:rPr lang="en-US"/>
-              <a:t>Topic</a:t>
-            </a:r>
-            <a:endParaRPr/>
-          </a:p>
-          <a:p>
-            <a:pPr marL="457200" lvl="0" indent="-381000" algn="l" rtl="0">
-              <a:lnSpc>
-                <a:spcPct val="90000"/>
-              </a:lnSpc>
-              <a:spcBef>
-                <a:spcPts val="0"/>
-              </a:spcBef>
-              <a:spcAft>
-                <a:spcPts val="0"/>
-              </a:spcAft>
-              <a:buSzPts val="2400"/>
-              <a:buAutoNum type="arabicPeriod"/>
-            </a:pPr>
-            <a:r>
-              <a:rPr lang="en-US"/>
-              <a:t>Topic</a:t>
-            </a:r>
-            <a:endParaRPr/>
-          </a:p>
-          <a:p>
-            <a:pPr marL="457200" lvl="0" indent="-381000" algn="l" rtl="0">
-              <a:lnSpc>
-                <a:spcPct val="90000"/>
-              </a:lnSpc>
-              <a:spcBef>
-                <a:spcPts val="0"/>
-              </a:spcBef>
-              <a:spcAft>
-                <a:spcPts val="0"/>
-              </a:spcAft>
-              <a:buSzPts val="2400"/>
-              <a:buAutoNum type="arabicPeriod"/>
-            </a:pPr>
-            <a:r>
-              <a:rPr lang="en-US"/>
-              <a:t>Topic</a:t>
-            </a:r>
-            <a:endParaRPr/>
-          </a:p>
-        </p:txBody>
-      </p:sp>
-    </p:spTree>
-  </p:cSld>
-  <p:clrMapOvr>
-    <a:masterClrMapping/>
-  </p:clrMapOvr>
-</p:sld>
-</file>
-
-<file path=ppt/slides/slide4.xml><?xml version="1.0" encoding="utf-8"?>
-<p:sld xmlns:a="http://schemas.openxmlformats.org/drawingml/2006/main" xmlns:r="http://schemas.openxmlformats.org/officeDocument/2006/relationships" xmlns:p="http://schemas.openxmlformats.org/presentationml/2006/main">
-  <p:cSld>
-    <p:spTree>
-      <p:nvGrpSpPr>
-        <p:cNvPr id="1" name="Shape 98"/>
-        <p:cNvGrpSpPr/>
-        <p:nvPr/>
-      </p:nvGrpSpPr>
-      <p:grpSpPr>
-        <a:xfrm>
-          <a:off x="0" y="0"/>
-          <a:ext cx="0" cy="0"/>
-          <a:chOff x="0" y="0"/>
-          <a:chExt cx="0" cy="0"/>
-        </a:xfrm>
-      </p:grpSpPr>
-      <p:sp>
-        <p:nvSpPr>
-          <p:cNvPr id="99" name="Google Shape;99;p3"/>
-          <p:cNvSpPr txBox="1">
-            <a:spLocks noGrp="1"/>
-          </p:cNvSpPr>
-          <p:nvPr>
-            <p:ph type="title"/>
-          </p:nvPr>
-        </p:nvSpPr>
-        <p:spPr>
-          <a:xfrm>
-            <a:off x="609600" y="1668286"/>
-            <a:ext cx="8451113" cy="1333903"/>
-          </a:xfrm>
-          <a:prstGeom prst="rect">
-            <a:avLst/>
-          </a:prstGeom>
-          <a:noFill/>
-          <a:ln>
-            <a:noFill/>
-          </a:ln>
-        </p:spPr>
-        <p:txBody>
-          <a:bodyPr spcFirstLastPara="1" wrap="square" lIns="0" tIns="0" rIns="0" bIns="0" anchor="t" anchorCtr="0">
-            <a:noAutofit/>
-          </a:bodyPr>
-          <a:lstStyle/>
-          <a:p>
-            <a:pPr marL="0" lvl="0" indent="0" algn="l" rtl="0">
-              <a:lnSpc>
-                <a:spcPct val="90000"/>
-              </a:lnSpc>
-              <a:spcBef>
-                <a:spcPts val="0"/>
-              </a:spcBef>
-              <a:spcAft>
-                <a:spcPts val="0"/>
-              </a:spcAft>
-              <a:buClr>
-                <a:schemeClr val="dk1"/>
-              </a:buClr>
-              <a:buSzPts val="3200"/>
-              <a:buFont typeface="Arial"/>
-              <a:buNone/>
-            </a:pPr>
-            <a:r>
-              <a:rPr lang="en-US" sz="6000"/>
-              <a:t>CLICK TO ADD SECTION TITLE</a:t>
-            </a:r>
-            <a:endParaRPr sz="6000"/>
-          </a:p>
-        </p:txBody>
-      </p:sp>
-      <p:sp>
-        <p:nvSpPr>
-          <p:cNvPr id="100" name="Google Shape;100;p3"/>
-          <p:cNvSpPr txBox="1">
-            <a:spLocks noGrp="1"/>
-          </p:cNvSpPr>
-          <p:nvPr>
-            <p:ph type="body" idx="1"/>
-          </p:nvPr>
-        </p:nvSpPr>
-        <p:spPr>
-          <a:xfrm>
-            <a:off x="609600" y="3586881"/>
-            <a:ext cx="7279341" cy="711912"/>
-          </a:xfrm>
-          <a:prstGeom prst="rect">
-            <a:avLst/>
-          </a:prstGeom>
-          <a:noFill/>
-          <a:ln>
-            <a:noFill/>
-          </a:ln>
-        </p:spPr>
-        <p:txBody>
-          <a:bodyPr spcFirstLastPara="1" wrap="square" lIns="0" tIns="0" rIns="0" bIns="0" anchor="t" anchorCtr="0">
-            <a:noAutofit/>
-          </a:bodyPr>
-          <a:lstStyle/>
-          <a:p>
-            <a:pPr marL="4763" lvl="0" indent="0" algn="l" rtl="0">
-              <a:lnSpc>
-                <a:spcPct val="90000"/>
-              </a:lnSpc>
-              <a:spcBef>
-                <a:spcPts val="0"/>
-              </a:spcBef>
-              <a:spcAft>
-                <a:spcPts val="0"/>
-              </a:spcAft>
-              <a:buSzPts val="2400"/>
-              <a:buNone/>
-            </a:pPr>
-            <a:r>
-              <a:rPr lang="en-US"/>
-              <a:t>Click to add supporting copy here</a:t>
-            </a:r>
-            <a:endParaRPr/>
-          </a:p>
-          <a:p>
-            <a:pPr marL="457200" lvl="0" indent="-228600" algn="l" rtl="0">
-              <a:lnSpc>
-                <a:spcPct val="90000"/>
-              </a:lnSpc>
-              <a:spcBef>
-                <a:spcPts val="0"/>
-              </a:spcBef>
-              <a:spcAft>
-                <a:spcPts val="0"/>
-              </a:spcAft>
-              <a:buClr>
-                <a:schemeClr val="dk1"/>
-              </a:buClr>
-              <a:buSzPts val="2400"/>
-              <a:buFont typeface="Arial"/>
-              <a:buNone/>
-            </a:pPr>
-            <a:endParaRPr/>
-          </a:p>
-        </p:txBody>
-      </p:sp>
-    </p:spTree>
-  </p:cSld>
-  <p:clrMapOvr>
-    <a:masterClrMapping/>
-  </p:clrMapOvr>
-  <mc:AlternateContent xmlns:mc="http://schemas.openxmlformats.org/markup-compatibility/2006" xmlns:p14="http://schemas.microsoft.com/office/powerpoint/2010/main">
-    <mc:Choice Requires="p14">
-      <p:transition spd="med" p14:dur="700">
-        <p:fade/>
-      </p:transition>
-    </mc:Choice>
-    <mc:Fallback xmlns:p15="http://schemas.microsoft.com/office/powerpoint/2012/main" xmlns:com="http://schemas.openxmlformats.org/drawingml/2006/compatibility" xmlns:pvml="urn:schemas-microsoft-com:office:powerpoint" xmlns:v="urn:schemas-microsoft-com:vml" xmlns:o="urn:schemas-microsoft-com:office:office" xmlns:dgm="http://schemas.openxmlformats.org/drawingml/2006/diagram" xmlns:c="http://schemas.openxmlformats.org/drawingml/2006/chart" xmlns:mv="urn:schemas-microsoft-com:mac:vml" xmlns="">
-      <p:transition spd="slow">
-        <p:fade/>
-      </p:transition>
-    </mc:Fallback>
-  </mc:AlternateContent>
-</p:sld>
-</file>
-
-<file path=ppt/slides/slide5.xml><?xml version="1.0" encoding="utf-8"?>
-<p:sld xmlns:a="http://schemas.openxmlformats.org/drawingml/2006/main" xmlns:r="http://schemas.openxmlformats.org/officeDocument/2006/relationships" xmlns:p="http://schemas.openxmlformats.org/presentationml/2006/main">
-  <p:cSld>
-    <p:bg>
-      <p:bgPr>
-        <a:solidFill>
-          <a:srgbClr val="FFFFFF"/>
-        </a:solidFill>
-        <a:effectLst/>
-      </p:bgPr>
-    </p:bg>
-    <p:spTree>
-      <p:nvGrpSpPr>
-        <p:cNvPr id="1" name="Shape 104"/>
-        <p:cNvGrpSpPr/>
-        <p:nvPr/>
-      </p:nvGrpSpPr>
-      <p:grpSpPr>
-        <a:xfrm>
-          <a:off x="0" y="0"/>
-          <a:ext cx="0" cy="0"/>
-          <a:chOff x="0" y="0"/>
-          <a:chExt cx="0" cy="0"/>
-        </a:xfrm>
-      </p:grpSpPr>
-      <p:sp>
-        <p:nvSpPr>
-          <p:cNvPr id="105" name="Google Shape;105;p6"/>
-          <p:cNvSpPr txBox="1">
-            <a:spLocks noGrp="1"/>
-          </p:cNvSpPr>
-          <p:nvPr>
-            <p:ph type="title"/>
-          </p:nvPr>
-        </p:nvSpPr>
-        <p:spPr>
-          <a:xfrm>
-            <a:off x="609600" y="814649"/>
-            <a:ext cx="7917871" cy="486285"/>
-          </a:xfrm>
-          <a:prstGeom prst="rect">
-            <a:avLst/>
-          </a:prstGeom>
-          <a:noFill/>
-          <a:ln>
-            <a:noFill/>
-          </a:ln>
-        </p:spPr>
-        <p:txBody>
-          <a:bodyPr spcFirstLastPara="1" wrap="square" lIns="0" tIns="0" rIns="0" bIns="0" anchor="t" anchorCtr="0">
-            <a:noAutofit/>
-          </a:bodyPr>
-          <a:lstStyle/>
-          <a:p>
-            <a:pPr marL="0" lvl="0" indent="0" algn="l" rtl="0">
-              <a:lnSpc>
-                <a:spcPct val="90000"/>
-              </a:lnSpc>
-              <a:spcBef>
-                <a:spcPts val="0"/>
-              </a:spcBef>
-              <a:spcAft>
-                <a:spcPts val="0"/>
-              </a:spcAft>
-              <a:buClr>
-                <a:schemeClr val="dk1"/>
-              </a:buClr>
-              <a:buSzPts val="3200"/>
-              <a:buFont typeface="Arial"/>
-              <a:buNone/>
-            </a:pPr>
-            <a:r>
-              <a:rPr lang="en-US" sz="4000"/>
-              <a:t>CLICK TO ADD TITLE</a:t>
-            </a:r>
-            <a:br>
-              <a:rPr lang="en-US"/>
-            </a:br>
-            <a:endParaRPr/>
-          </a:p>
-        </p:txBody>
-      </p:sp>
-      <p:sp>
-        <p:nvSpPr>
-          <p:cNvPr id="106" name="Google Shape;106;p6"/>
-          <p:cNvSpPr txBox="1">
-            <a:spLocks noGrp="1"/>
-          </p:cNvSpPr>
-          <p:nvPr>
-            <p:ph type="body" idx="1"/>
-          </p:nvPr>
-        </p:nvSpPr>
-        <p:spPr>
-          <a:xfrm>
-            <a:off x="609600" y="1584103"/>
-            <a:ext cx="10969784" cy="4571999"/>
-          </a:xfrm>
-          <a:prstGeom prst="rect">
-            <a:avLst/>
-          </a:prstGeom>
-          <a:noFill/>
-          <a:ln>
-            <a:noFill/>
-          </a:ln>
-        </p:spPr>
-        <p:txBody>
-          <a:bodyPr spcFirstLastPara="1" wrap="square" lIns="0" tIns="0" rIns="0" bIns="0" anchor="t" anchorCtr="0">
-            <a:noAutofit/>
-          </a:bodyPr>
-          <a:lstStyle/>
-          <a:p>
-            <a:pPr marL="182563" lvl="0" indent="-177800" algn="l" rtl="0">
-              <a:lnSpc>
-                <a:spcPct val="90000"/>
-              </a:lnSpc>
-              <a:spcBef>
-                <a:spcPts val="0"/>
-              </a:spcBef>
-              <a:spcAft>
-                <a:spcPts val="0"/>
-              </a:spcAft>
-              <a:buClr>
-                <a:schemeClr val="dk1"/>
-              </a:buClr>
-              <a:buSzPts val="2400"/>
-              <a:buNone/>
-            </a:pPr>
-            <a:r>
-              <a:rPr lang="en-US"/>
-              <a:t>Supporting copy here</a:t>
-            </a:r>
-            <a:endParaRPr/>
-          </a:p>
-        </p:txBody>
-      </p:sp>
-    </p:spTree>
-  </p:cSld>
-  <p:clrMapOvr>
-    <a:masterClrMapping/>
-  </p:clrMapOvr>
-  <mc:AlternateContent xmlns:mc="http://schemas.openxmlformats.org/markup-compatibility/2006" xmlns:p14="http://schemas.microsoft.com/office/powerpoint/2010/main">
-    <mc:Choice Requires="p14">
-      <p:transition spd="med" p14:dur="700">
-        <p:fade/>
-      </p:transition>
-    </mc:Choice>
-    <mc:Fallback xmlns:p15="http://schemas.microsoft.com/office/powerpoint/2012/main" xmlns:com="http://schemas.openxmlformats.org/drawingml/2006/compatibility" xmlns:pvml="urn:schemas-microsoft-com:office:powerpoint" xmlns:v="urn:schemas-microsoft-com:vml" xmlns:o="urn:schemas-microsoft-com:office:office" xmlns:dgm="http://schemas.openxmlformats.org/drawingml/2006/diagram" xmlns:c="http://schemas.openxmlformats.org/drawingml/2006/chart" xmlns:mv="urn:schemas-microsoft-com:mac:vml" xmlns="">
-      <p:transition spd="slow">
-        <p:fade/>
-      </p:transition>
-    </mc:Fallback>
-  </mc:AlternateContent>
-</p:sld>
-</file>
-
-<file path=ppt/slides/slide6.xml><?xml version="1.0" encoding="utf-8"?>
 <p:sld xmlns:a="http://schemas.openxmlformats.org/drawingml/2006/main" xmlns:r="http://schemas.openxmlformats.org/officeDocument/2006/relationships" xmlns:p="http://schemas.openxmlformats.org/presentationml/2006/main">
   <p:cSld>
     <p:bg>
@@ -15339,7 +14240,7 @@
         <p:fade/>
       </p:transition>
     </mc:Choice>
-    <mc:Fallback xmlns:p15="http://schemas.microsoft.com/office/powerpoint/2012/main" xmlns:com="http://schemas.openxmlformats.org/drawingml/2006/compatibility" xmlns:pvml="urn:schemas-microsoft-com:office:powerpoint" xmlns:v="urn:schemas-microsoft-com:vml" xmlns:o="urn:schemas-microsoft-com:office:office" xmlns:dgm="http://schemas.openxmlformats.org/drawingml/2006/diagram" xmlns:c="http://schemas.openxmlformats.org/drawingml/2006/chart" xmlns:mv="urn:schemas-microsoft-com:mac:vml" xmlns="">
+    <mc:Fallback xmlns="" xmlns:mv="urn:schemas-microsoft-com:mac:vml" xmlns:c="http://schemas.openxmlformats.org/drawingml/2006/chart" xmlns:dgm="http://schemas.openxmlformats.org/drawingml/2006/diagram" xmlns:o="urn:schemas-microsoft-com:office:office" xmlns:v="urn:schemas-microsoft-com:vml" xmlns:pvml="urn:schemas-microsoft-com:office:powerpoint" xmlns:com="http://schemas.openxmlformats.org/drawingml/2006/compatibility" xmlns:p15="http://schemas.microsoft.com/office/powerpoint/2012/main">
       <p:transition spd="slow">
         <p:fade/>
       </p:transition>
@@ -15348,7 +14249,7 @@
 </p:sld>
 </file>
 
-<file path=ppt/slides/slide7.xml><?xml version="1.0" encoding="utf-8"?>
+<file path=ppt/slides/slide13.xml><?xml version="1.0" encoding="utf-8"?>
 <p:sld xmlns:a="http://schemas.openxmlformats.org/drawingml/2006/main" xmlns:r="http://schemas.openxmlformats.org/officeDocument/2006/relationships" xmlns:p="http://schemas.openxmlformats.org/presentationml/2006/main">
   <p:cSld>
     <p:bg>
@@ -15821,7 +14722,7 @@
         <p:fade/>
       </p:transition>
     </mc:Choice>
-    <mc:Fallback xmlns:p15="http://schemas.microsoft.com/office/powerpoint/2012/main" xmlns:com="http://schemas.openxmlformats.org/drawingml/2006/compatibility" xmlns:pvml="urn:schemas-microsoft-com:office:powerpoint" xmlns:v="urn:schemas-microsoft-com:vml" xmlns:o="urn:schemas-microsoft-com:office:office" xmlns:dgm="http://schemas.openxmlformats.org/drawingml/2006/diagram" xmlns:c="http://schemas.openxmlformats.org/drawingml/2006/chart" xmlns:mv="urn:schemas-microsoft-com:mac:vml" xmlns="">
+    <mc:Fallback xmlns="" xmlns:mv="urn:schemas-microsoft-com:mac:vml" xmlns:c="http://schemas.openxmlformats.org/drawingml/2006/chart" xmlns:dgm="http://schemas.openxmlformats.org/drawingml/2006/diagram" xmlns:o="urn:schemas-microsoft-com:office:office" xmlns:v="urn:schemas-microsoft-com:vml" xmlns:pvml="urn:schemas-microsoft-com:office:powerpoint" xmlns:com="http://schemas.openxmlformats.org/drawingml/2006/compatibility" xmlns:p15="http://schemas.microsoft.com/office/powerpoint/2012/main">
       <p:transition spd="slow">
         <p:fade/>
       </p:transition>
@@ -15830,7 +14731,7 @@
 </p:sld>
 </file>
 
-<file path=ppt/slides/slide8.xml><?xml version="1.0" encoding="utf-8"?>
+<file path=ppt/slides/slide14.xml><?xml version="1.0" encoding="utf-8"?>
 <p:sld xmlns:a="http://schemas.openxmlformats.org/drawingml/2006/main" xmlns:r="http://schemas.openxmlformats.org/officeDocument/2006/relationships" xmlns:p="http://schemas.openxmlformats.org/presentationml/2006/main">
   <p:cSld>
     <p:bg>
@@ -16041,7 +14942,7 @@
         <p:fade/>
       </p:transition>
     </mc:Choice>
-    <mc:Fallback xmlns:p15="http://schemas.microsoft.com/office/powerpoint/2012/main" xmlns:com="http://schemas.openxmlformats.org/drawingml/2006/compatibility" xmlns:pvml="urn:schemas-microsoft-com:office:powerpoint" xmlns:v="urn:schemas-microsoft-com:vml" xmlns:o="urn:schemas-microsoft-com:office:office" xmlns:dgm="http://schemas.openxmlformats.org/drawingml/2006/diagram" xmlns:c="http://schemas.openxmlformats.org/drawingml/2006/chart" xmlns:mv="urn:schemas-microsoft-com:mac:vml" xmlns="">
+    <mc:Fallback xmlns="" xmlns:mv="urn:schemas-microsoft-com:mac:vml" xmlns:c="http://schemas.openxmlformats.org/drawingml/2006/chart" xmlns:dgm="http://schemas.openxmlformats.org/drawingml/2006/diagram" xmlns:o="urn:schemas-microsoft-com:office:office" xmlns:v="urn:schemas-microsoft-com:vml" xmlns:pvml="urn:schemas-microsoft-com:office:powerpoint" xmlns:com="http://schemas.openxmlformats.org/drawingml/2006/compatibility" xmlns:p15="http://schemas.microsoft.com/office/powerpoint/2012/main">
       <p:transition spd="slow">
         <p:fade/>
       </p:transition>
@@ -16050,7 +14951,7 @@
 </p:sld>
 </file>
 
-<file path=ppt/slides/slide9.xml><?xml version="1.0" encoding="utf-8"?>
+<file path=ppt/slides/slide15.xml><?xml version="1.0" encoding="utf-8"?>
 <p:sld xmlns:a="http://schemas.openxmlformats.org/drawingml/2006/main" xmlns:r="http://schemas.openxmlformats.org/officeDocument/2006/relationships" xmlns:p="http://schemas.openxmlformats.org/presentationml/2006/main">
   <p:cSld>
     <p:bg>
@@ -16277,7 +15178,2443 @@
         <p:fade/>
       </p:transition>
     </mc:Choice>
-    <mc:Fallback xmlns:p15="http://schemas.microsoft.com/office/powerpoint/2012/main" xmlns:com="http://schemas.openxmlformats.org/drawingml/2006/compatibility" xmlns:pvml="urn:schemas-microsoft-com:office:powerpoint" xmlns:v="urn:schemas-microsoft-com:vml" xmlns:o="urn:schemas-microsoft-com:office:office" xmlns:dgm="http://schemas.openxmlformats.org/drawingml/2006/diagram" xmlns:c="http://schemas.openxmlformats.org/drawingml/2006/chart" xmlns:mv="urn:schemas-microsoft-com:mac:vml" xmlns="">
+    <mc:Fallback xmlns="" xmlns:mv="urn:schemas-microsoft-com:mac:vml" xmlns:c="http://schemas.openxmlformats.org/drawingml/2006/chart" xmlns:dgm="http://schemas.openxmlformats.org/drawingml/2006/diagram" xmlns:o="urn:schemas-microsoft-com:office:office" xmlns:v="urn:schemas-microsoft-com:vml" xmlns:pvml="urn:schemas-microsoft-com:office:powerpoint" xmlns:com="http://schemas.openxmlformats.org/drawingml/2006/compatibility" xmlns:p15="http://schemas.microsoft.com/office/powerpoint/2012/main">
+      <p:transition spd="slow">
+        <p:fade/>
+      </p:transition>
+    </mc:Fallback>
+  </mc:AlternateContent>
+</p:sld>
+</file>
+
+<file path=ppt/slides/slide16.xml><?xml version="1.0" encoding="utf-8"?>
+<p:sld xmlns:a="http://schemas.openxmlformats.org/drawingml/2006/main" xmlns:r="http://schemas.openxmlformats.org/officeDocument/2006/relationships" xmlns:p="http://schemas.openxmlformats.org/presentationml/2006/main" showMasterSp="0">
+  <p:cSld>
+    <p:bg>
+      <p:bgPr>
+        <a:solidFill>
+          <a:srgbClr val="FFFFFF"/>
+        </a:solidFill>
+        <a:effectLst/>
+      </p:bgPr>
+    </p:bg>
+    <p:spTree>
+      <p:nvGrpSpPr>
+        <p:cNvPr id="1" name="Shape 140"/>
+        <p:cNvGrpSpPr/>
+        <p:nvPr/>
+      </p:nvGrpSpPr>
+      <p:grpSpPr>
+        <a:xfrm>
+          <a:off x="0" y="0"/>
+          <a:ext cx="0" cy="0"/>
+          <a:chOff x="0" y="0"/>
+          <a:chExt cx="0" cy="0"/>
+        </a:xfrm>
+      </p:grpSpPr>
+      <p:sp>
+        <p:nvSpPr>
+          <p:cNvPr id="141" name="Google Shape;141;p11"/>
+          <p:cNvSpPr txBox="1"/>
+          <p:nvPr/>
+        </p:nvSpPr>
+        <p:spPr>
+          <a:xfrm>
+            <a:off x="2451652" y="3193775"/>
+            <a:ext cx="6864626" cy="338554"/>
+          </a:xfrm>
+          <a:prstGeom prst="rect">
+            <a:avLst/>
+          </a:prstGeom>
+          <a:noFill/>
+          <a:ln>
+            <a:noFill/>
+          </a:ln>
+        </p:spPr>
+        <p:txBody>
+          <a:bodyPr spcFirstLastPara="1" wrap="square" lIns="91425" tIns="45700" rIns="91425" bIns="45700" anchor="t" anchorCtr="0">
+            <a:spAutoFit/>
+          </a:bodyPr>
+          <a:lstStyle/>
+          <a:p>
+            <a:pPr marL="0" marR="0" lvl="0" indent="0" algn="ctr" rtl="0">
+              <a:lnSpc>
+                <a:spcPct val="100000"/>
+              </a:lnSpc>
+              <a:spcBef>
+                <a:spcPts val="0"/>
+              </a:spcBef>
+              <a:spcAft>
+                <a:spcPts val="0"/>
+              </a:spcAft>
+              <a:buClr>
+                <a:srgbClr val="000000"/>
+              </a:buClr>
+              <a:buSzPts val="1600"/>
+              <a:buFont typeface="Arial"/>
+              <a:buNone/>
+            </a:pPr>
+            <a:r>
+              <a:rPr lang="en-US" sz="1600" b="0" i="0" u="none" strike="noStrike" cap="none">
+                <a:solidFill>
+                  <a:srgbClr val="000000"/>
+                </a:solidFill>
+                <a:latin typeface="Arial"/>
+                <a:ea typeface="Arial"/>
+                <a:cs typeface="Arial"/>
+                <a:sym typeface="Arial"/>
+              </a:rPr>
+              <a:t>THIS IS YOUR SLIDE FOR FULL SCREEN VIDEO DELETE THIS BOX</a:t>
+            </a:r>
+            <a:endParaRPr sz="1600" b="0" i="0" u="none" strike="noStrike" cap="none">
+              <a:solidFill>
+                <a:srgbClr val="000000"/>
+              </a:solidFill>
+              <a:latin typeface="Arial"/>
+              <a:ea typeface="Arial"/>
+              <a:cs typeface="Arial"/>
+              <a:sym typeface="Arial"/>
+            </a:endParaRPr>
+          </a:p>
+        </p:txBody>
+      </p:sp>
+    </p:spTree>
+  </p:cSld>
+  <p:clrMapOvr>
+    <a:masterClrMapping/>
+  </p:clrMapOvr>
+  <mc:AlternateContent xmlns:mc="http://schemas.openxmlformats.org/markup-compatibility/2006" xmlns:p14="http://schemas.microsoft.com/office/powerpoint/2010/main">
+    <mc:Choice Requires="p14">
+      <p:transition spd="med" p14:dur="700">
+        <p:fade/>
+      </p:transition>
+    </mc:Choice>
+    <mc:Fallback xmlns="" xmlns:mv="urn:schemas-microsoft-com:mac:vml" xmlns:c="http://schemas.openxmlformats.org/drawingml/2006/chart" xmlns:dgm="http://schemas.openxmlformats.org/drawingml/2006/diagram" xmlns:o="urn:schemas-microsoft-com:office:office" xmlns:v="urn:schemas-microsoft-com:vml" xmlns:pvml="urn:schemas-microsoft-com:office:powerpoint" xmlns:com="http://schemas.openxmlformats.org/drawingml/2006/compatibility" xmlns:p15="http://schemas.microsoft.com/office/powerpoint/2012/main">
+      <p:transition spd="slow">
+        <p:fade/>
+      </p:transition>
+    </mc:Fallback>
+  </mc:AlternateContent>
+</p:sld>
+</file>
+
+<file path=ppt/slides/slide17.xml><?xml version="1.0" encoding="utf-8"?>
+<p:sld xmlns:a="http://schemas.openxmlformats.org/drawingml/2006/main" xmlns:r="http://schemas.openxmlformats.org/officeDocument/2006/relationships" xmlns:p="http://schemas.openxmlformats.org/presentationml/2006/main">
+  <p:cSld>
+    <p:spTree>
+      <p:nvGrpSpPr>
+        <p:cNvPr id="1" name="Shape 151"/>
+        <p:cNvGrpSpPr/>
+        <p:nvPr/>
+      </p:nvGrpSpPr>
+      <p:grpSpPr>
+        <a:xfrm>
+          <a:off x="0" y="0"/>
+          <a:ext cx="0" cy="0"/>
+          <a:chOff x="0" y="0"/>
+          <a:chExt cx="0" cy="0"/>
+        </a:xfrm>
+      </p:grpSpPr>
+      <p:sp>
+        <p:nvSpPr>
+          <p:cNvPr id="152" name="Google Shape;152;p14"/>
+          <p:cNvSpPr txBox="1">
+            <a:spLocks noGrp="1"/>
+          </p:cNvSpPr>
+          <p:nvPr>
+            <p:ph type="body" idx="1"/>
+          </p:nvPr>
+        </p:nvSpPr>
+        <p:spPr>
+          <a:xfrm>
+            <a:off x="609600" y="1839716"/>
+            <a:ext cx="10969800" cy="4572000"/>
+          </a:xfrm>
+          <a:prstGeom prst="rect">
+            <a:avLst/>
+          </a:prstGeom>
+          <a:noFill/>
+          <a:ln>
+            <a:noFill/>
+          </a:ln>
+        </p:spPr>
+        <p:txBody>
+          <a:bodyPr spcFirstLastPara="1" wrap="square" lIns="0" tIns="0" rIns="0" bIns="0" anchor="t" anchorCtr="0">
+            <a:noAutofit/>
+          </a:bodyPr>
+          <a:lstStyle/>
+          <a:p>
+            <a:pPr marL="4763" lvl="0" indent="0" algn="l" rtl="0">
+              <a:lnSpc>
+                <a:spcPct val="90000"/>
+              </a:lnSpc>
+              <a:spcBef>
+                <a:spcPts val="0"/>
+              </a:spcBef>
+              <a:spcAft>
+                <a:spcPts val="0"/>
+              </a:spcAft>
+              <a:buClr>
+                <a:schemeClr val="dk1"/>
+              </a:buClr>
+              <a:buSzPts val="2400"/>
+              <a:buNone/>
+            </a:pPr>
+            <a:r>
+              <a:rPr lang="en-US"/>
+              <a:t>Supporting copy here</a:t>
+            </a:r>
+            <a:endParaRPr/>
+          </a:p>
+        </p:txBody>
+      </p:sp>
+      <p:sp>
+        <p:nvSpPr>
+          <p:cNvPr id="153" name="Google Shape;153;p14"/>
+          <p:cNvSpPr txBox="1">
+            <a:spLocks noGrp="1"/>
+          </p:cNvSpPr>
+          <p:nvPr>
+            <p:ph type="body" idx="2"/>
+          </p:nvPr>
+        </p:nvSpPr>
+        <p:spPr>
+          <a:xfrm>
+            <a:off x="609441" y="1394532"/>
+            <a:ext cx="10969800" cy="320700"/>
+          </a:xfrm>
+          <a:prstGeom prst="rect">
+            <a:avLst/>
+          </a:prstGeom>
+          <a:noFill/>
+          <a:ln>
+            <a:noFill/>
+          </a:ln>
+        </p:spPr>
+        <p:txBody>
+          <a:bodyPr spcFirstLastPara="1" wrap="square" lIns="0" tIns="0" rIns="0" bIns="0" anchor="t" anchorCtr="0">
+            <a:noAutofit/>
+          </a:bodyPr>
+          <a:lstStyle/>
+          <a:p>
+            <a:pPr marL="0" lvl="0" indent="0" algn="l" rtl="0">
+              <a:lnSpc>
+                <a:spcPct val="90000"/>
+              </a:lnSpc>
+              <a:spcBef>
+                <a:spcPts val="0"/>
+              </a:spcBef>
+              <a:spcAft>
+                <a:spcPts val="0"/>
+              </a:spcAft>
+              <a:buSzPts val="2400"/>
+              <a:buNone/>
+            </a:pPr>
+            <a:r>
+              <a:rPr lang="en-US" b="0"/>
+              <a:t>Click to add category</a:t>
+            </a:r>
+            <a:endParaRPr/>
+          </a:p>
+        </p:txBody>
+      </p:sp>
+      <p:sp>
+        <p:nvSpPr>
+          <p:cNvPr id="154" name="Google Shape;154;p14"/>
+          <p:cNvSpPr txBox="1"/>
+          <p:nvPr/>
+        </p:nvSpPr>
+        <p:spPr>
+          <a:xfrm>
+            <a:off x="609600" y="814649"/>
+            <a:ext cx="7917871" cy="486285"/>
+          </a:xfrm>
+          <a:prstGeom prst="rect">
+            <a:avLst/>
+          </a:prstGeom>
+          <a:noFill/>
+          <a:ln>
+            <a:noFill/>
+          </a:ln>
+        </p:spPr>
+        <p:txBody>
+          <a:bodyPr spcFirstLastPara="1" wrap="square" lIns="0" tIns="0" rIns="0" bIns="0" anchor="t" anchorCtr="0">
+            <a:noAutofit/>
+          </a:bodyPr>
+          <a:lstStyle/>
+          <a:p>
+            <a:pPr marL="0" marR="0" lvl="0" indent="0" algn="l" rtl="0">
+              <a:lnSpc>
+                <a:spcPct val="90000"/>
+              </a:lnSpc>
+              <a:spcBef>
+                <a:spcPts val="0"/>
+              </a:spcBef>
+              <a:spcAft>
+                <a:spcPts val="0"/>
+              </a:spcAft>
+              <a:buClr>
+                <a:schemeClr val="dk1"/>
+              </a:buClr>
+              <a:buSzPts val="3200"/>
+              <a:buFont typeface="Arial"/>
+              <a:buNone/>
+            </a:pPr>
+            <a:r>
+              <a:rPr lang="en-US" sz="4000" b="1" i="0" u="none" strike="noStrike" cap="none">
+                <a:solidFill>
+                  <a:srgbClr val="161614"/>
+                </a:solidFill>
+                <a:latin typeface="Arial"/>
+                <a:ea typeface="Arial"/>
+                <a:cs typeface="Arial"/>
+                <a:sym typeface="Arial"/>
+              </a:rPr>
+              <a:t>CLICK TO ADD TITLE</a:t>
+            </a:r>
+            <a:endParaRPr sz="4000" b="1" i="0" u="none" strike="noStrike" cap="none">
+              <a:solidFill>
+                <a:srgbClr val="161614"/>
+              </a:solidFill>
+              <a:latin typeface="Arial"/>
+              <a:ea typeface="Arial"/>
+              <a:cs typeface="Arial"/>
+              <a:sym typeface="Arial"/>
+            </a:endParaRPr>
+          </a:p>
+        </p:txBody>
+      </p:sp>
+    </p:spTree>
+  </p:cSld>
+  <p:clrMapOvr>
+    <a:masterClrMapping/>
+  </p:clrMapOvr>
+  <mc:AlternateContent xmlns:mc="http://schemas.openxmlformats.org/markup-compatibility/2006" xmlns:p14="http://schemas.microsoft.com/office/powerpoint/2010/main">
+    <mc:Choice Requires="p14">
+      <p:transition spd="med" p14:dur="700">
+        <p:fade/>
+      </p:transition>
+    </mc:Choice>
+    <mc:Fallback xmlns="" xmlns:mv="urn:schemas-microsoft-com:mac:vml" xmlns:c="http://schemas.openxmlformats.org/drawingml/2006/chart" xmlns:dgm="http://schemas.openxmlformats.org/drawingml/2006/diagram" xmlns:o="urn:schemas-microsoft-com:office:office" xmlns:v="urn:schemas-microsoft-com:vml" xmlns:pvml="urn:schemas-microsoft-com:office:powerpoint" xmlns:com="http://schemas.openxmlformats.org/drawingml/2006/compatibility" xmlns:p15="http://schemas.microsoft.com/office/powerpoint/2012/main">
+      <p:transition spd="slow">
+        <p:fade/>
+      </p:transition>
+    </mc:Fallback>
+  </mc:AlternateContent>
+</p:sld>
+</file>
+
+<file path=ppt/slides/slide18.xml><?xml version="1.0" encoding="utf-8"?>
+<p:sld xmlns:a="http://schemas.openxmlformats.org/drawingml/2006/main" xmlns:r="http://schemas.openxmlformats.org/officeDocument/2006/relationships" xmlns:p="http://schemas.openxmlformats.org/presentationml/2006/main">
+  <p:cSld>
+    <p:spTree>
+      <p:nvGrpSpPr>
+        <p:cNvPr id="1" name="Shape 158"/>
+        <p:cNvGrpSpPr/>
+        <p:nvPr/>
+      </p:nvGrpSpPr>
+      <p:grpSpPr>
+        <a:xfrm>
+          <a:off x="0" y="0"/>
+          <a:ext cx="0" cy="0"/>
+          <a:chOff x="0" y="0"/>
+          <a:chExt cx="0" cy="0"/>
+        </a:xfrm>
+      </p:grpSpPr>
+    </p:spTree>
+  </p:cSld>
+  <p:clrMapOvr>
+    <a:masterClrMapping/>
+  </p:clrMapOvr>
+  <mc:AlternateContent xmlns:mc="http://schemas.openxmlformats.org/markup-compatibility/2006" xmlns:p14="http://schemas.microsoft.com/office/powerpoint/2010/main">
+    <mc:Choice Requires="p14">
+      <p:transition spd="med" p14:dur="700">
+        <p:fade/>
+      </p:transition>
+    </mc:Choice>
+    <mc:Fallback xmlns="" xmlns:mv="urn:schemas-microsoft-com:mac:vml" xmlns:c="http://schemas.openxmlformats.org/drawingml/2006/chart" xmlns:dgm="http://schemas.openxmlformats.org/drawingml/2006/diagram" xmlns:o="urn:schemas-microsoft-com:office:office" xmlns:v="urn:schemas-microsoft-com:vml" xmlns:pvml="urn:schemas-microsoft-com:office:powerpoint" xmlns:com="http://schemas.openxmlformats.org/drawingml/2006/compatibility" xmlns:p15="http://schemas.microsoft.com/office/powerpoint/2012/main">
+      <p:transition spd="slow">
+        <p:fade/>
+      </p:transition>
+    </mc:Fallback>
+  </mc:AlternateContent>
+</p:sld>
+</file>
+
+<file path=ppt/slides/slide2.xml><?xml version="1.0" encoding="utf-8"?>
+<p:sld xmlns:a="http://schemas.openxmlformats.org/drawingml/2006/main" xmlns:r="http://schemas.openxmlformats.org/officeDocument/2006/relationships" xmlns:p="http://schemas.openxmlformats.org/presentationml/2006/main">
+  <p:cSld>
+    <p:spTree>
+      <p:nvGrpSpPr>
+        <p:cNvPr id="1" name="Shape 92"/>
+        <p:cNvGrpSpPr/>
+        <p:nvPr/>
+      </p:nvGrpSpPr>
+      <p:grpSpPr>
+        <a:xfrm>
+          <a:off x="0" y="0"/>
+          <a:ext cx="0" cy="0"/>
+          <a:chOff x="0" y="0"/>
+          <a:chExt cx="0" cy="0"/>
+        </a:xfrm>
+      </p:grpSpPr>
+      <p:sp>
+        <p:nvSpPr>
+          <p:cNvPr id="93" name="Google Shape;93;g7d8170130a_0_0"/>
+          <p:cNvSpPr txBox="1">
+            <a:spLocks noGrp="1"/>
+          </p:cNvSpPr>
+          <p:nvPr>
+            <p:ph type="title"/>
+          </p:nvPr>
+        </p:nvSpPr>
+        <p:spPr>
+          <a:xfrm>
+            <a:off x="609441" y="671636"/>
+            <a:ext cx="10969943" cy="852364"/>
+          </a:xfrm>
+          <a:prstGeom prst="rect">
+            <a:avLst/>
+          </a:prstGeom>
+          <a:noFill/>
+          <a:ln>
+            <a:noFill/>
+          </a:ln>
+        </p:spPr>
+        <p:txBody>
+          <a:bodyPr spcFirstLastPara="1" wrap="square" lIns="0" tIns="0" rIns="0" bIns="0" anchor="t" anchorCtr="0">
+            <a:noAutofit/>
+          </a:bodyPr>
+          <a:lstStyle/>
+          <a:p>
+            <a:pPr marL="0" lvl="0" indent="0" algn="l" rtl="0">
+              <a:lnSpc>
+                <a:spcPct val="90000"/>
+              </a:lnSpc>
+              <a:spcBef>
+                <a:spcPts val="0"/>
+              </a:spcBef>
+              <a:spcAft>
+                <a:spcPts val="0"/>
+              </a:spcAft>
+              <a:buSzPts val="3200"/>
+              <a:buNone/>
+            </a:pPr>
+            <a:r>
+              <a:rPr lang="en-US" sz="4000"/>
+              <a:t>AGENDA</a:t>
+            </a:r>
+            <a:endParaRPr sz="4000"/>
+          </a:p>
+        </p:txBody>
+      </p:sp>
+      <p:sp>
+        <p:nvSpPr>
+          <p:cNvPr id="94" name="Google Shape;94;g7d8170130a_0_0"/>
+          <p:cNvSpPr txBox="1">
+            <a:spLocks noGrp="1"/>
+          </p:cNvSpPr>
+          <p:nvPr>
+            <p:ph type="body" idx="1"/>
+          </p:nvPr>
+        </p:nvSpPr>
+        <p:spPr>
+          <a:xfrm>
+            <a:off x="619125" y="1703387"/>
+            <a:ext cx="10963275" cy="3617912"/>
+          </a:xfrm>
+          <a:prstGeom prst="rect">
+            <a:avLst/>
+          </a:prstGeom>
+          <a:noFill/>
+          <a:ln>
+            <a:noFill/>
+          </a:ln>
+        </p:spPr>
+        <p:txBody>
+          <a:bodyPr spcFirstLastPara="1" wrap="square" lIns="0" tIns="0" rIns="0" bIns="0" anchor="t" anchorCtr="0">
+            <a:noAutofit/>
+          </a:bodyPr>
+          <a:lstStyle/>
+          <a:p>
+            <a:pPr lvl="0"/>
+            <a:r>
+              <a:rPr lang="en-US" dirty="0"/>
+              <a:t>What Are REST APIs?</a:t>
+            </a:r>
+          </a:p>
+          <a:p>
+            <a:pPr lvl="0"/>
+            <a:r>
+              <a:rPr lang="en-US" dirty="0"/>
+              <a:t>Why Use the Brightcove REST APIs?</a:t>
+            </a:r>
+          </a:p>
+          <a:p>
+            <a:pPr lvl="0"/>
+            <a:r>
+              <a:rPr lang="en-US" dirty="0"/>
+              <a:t>High Level Implementation View</a:t>
+            </a:r>
+          </a:p>
+          <a:p>
+            <a:pPr lvl="0"/>
+            <a:r>
+              <a:rPr lang="en-US" dirty="0"/>
+              <a:t>Understanding the Client Side Code</a:t>
+            </a:r>
+          </a:p>
+          <a:p>
+            <a:pPr lvl="0"/>
+            <a:r>
+              <a:rPr lang="en-US" dirty="0"/>
+              <a:t>Example Code Deep Dive</a:t>
+            </a:r>
+          </a:p>
+          <a:p>
+            <a:pPr lvl="0"/>
+            <a:r>
+              <a:rPr lang="en-US" dirty="0"/>
+              <a:t>Wrap It Up!</a:t>
+            </a:r>
+          </a:p>
+        </p:txBody>
+      </p:sp>
+    </p:spTree>
+  </p:cSld>
+  <p:clrMapOvr>
+    <a:masterClrMapping/>
+  </p:clrMapOvr>
+</p:sld>
+</file>
+
+<file path=ppt/slides/slide3.xml><?xml version="1.0" encoding="utf-8"?>
+<p:sld xmlns:a="http://schemas.openxmlformats.org/drawingml/2006/main" xmlns:r="http://schemas.openxmlformats.org/officeDocument/2006/relationships" xmlns:p="http://schemas.openxmlformats.org/presentationml/2006/main">
+  <p:cSld>
+    <p:spTree>
+      <p:nvGrpSpPr>
+        <p:cNvPr id="1" name="Shape 98"/>
+        <p:cNvGrpSpPr/>
+        <p:nvPr/>
+      </p:nvGrpSpPr>
+      <p:grpSpPr>
+        <a:xfrm>
+          <a:off x="0" y="0"/>
+          <a:ext cx="0" cy="0"/>
+          <a:chOff x="0" y="0"/>
+          <a:chExt cx="0" cy="0"/>
+        </a:xfrm>
+      </p:grpSpPr>
+      <p:sp>
+        <p:nvSpPr>
+          <p:cNvPr id="99" name="Google Shape;99;p3"/>
+          <p:cNvSpPr txBox="1">
+            <a:spLocks noGrp="1"/>
+          </p:cNvSpPr>
+          <p:nvPr>
+            <p:ph type="title"/>
+          </p:nvPr>
+        </p:nvSpPr>
+        <p:spPr>
+          <a:xfrm>
+            <a:off x="609600" y="1668286"/>
+            <a:ext cx="8451113" cy="1333903"/>
+          </a:xfrm>
+          <a:prstGeom prst="rect">
+            <a:avLst/>
+          </a:prstGeom>
+          <a:noFill/>
+          <a:ln>
+            <a:noFill/>
+          </a:ln>
+        </p:spPr>
+        <p:txBody>
+          <a:bodyPr spcFirstLastPara="1" wrap="square" lIns="0" tIns="0" rIns="0" bIns="0" anchor="t" anchorCtr="0">
+            <a:noAutofit/>
+          </a:bodyPr>
+          <a:lstStyle/>
+          <a:p>
+            <a:pPr marL="0" lvl="0" indent="0" algn="l" rtl="0">
+              <a:lnSpc>
+                <a:spcPct val="90000"/>
+              </a:lnSpc>
+              <a:spcBef>
+                <a:spcPts val="0"/>
+              </a:spcBef>
+              <a:spcAft>
+                <a:spcPts val="0"/>
+              </a:spcAft>
+              <a:buClr>
+                <a:schemeClr val="dk1"/>
+              </a:buClr>
+              <a:buSzPts val="3200"/>
+              <a:buFont typeface="Arial"/>
+              <a:buNone/>
+            </a:pPr>
+            <a:r>
+              <a:rPr lang="en-US" sz="6000" dirty="0"/>
+              <a:t>WHAT ARE REST APIs?</a:t>
+            </a:r>
+            <a:endParaRPr sz="6000" dirty="0"/>
+          </a:p>
+        </p:txBody>
+      </p:sp>
+      <p:sp>
+        <p:nvSpPr>
+          <p:cNvPr id="6" name="Google Shape;100;p3">
+            <a:extLst>
+              <a:ext uri="{FF2B5EF4-FFF2-40B4-BE49-F238E27FC236}">
+                <a16:creationId xmlns:a16="http://schemas.microsoft.com/office/drawing/2014/main" id="{673FDE1B-593D-3040-93DC-8309CC849527}"/>
+              </a:ext>
+            </a:extLst>
+          </p:cNvPr>
+          <p:cNvSpPr txBox="1">
+            <a:spLocks noGrp="1"/>
+          </p:cNvSpPr>
+          <p:nvPr>
+            <p:ph type="body" idx="1"/>
+          </p:nvPr>
+        </p:nvSpPr>
+        <p:spPr>
+          <a:xfrm>
+            <a:off x="609600" y="3586881"/>
+            <a:ext cx="7279341" cy="711912"/>
+          </a:xfrm>
+          <a:prstGeom prst="rect">
+            <a:avLst/>
+          </a:prstGeom>
+          <a:noFill/>
+          <a:ln>
+            <a:noFill/>
+          </a:ln>
+        </p:spPr>
+        <p:txBody>
+          <a:bodyPr spcFirstLastPara="1" wrap="square" lIns="0" tIns="0" rIns="0" bIns="0" anchor="t" anchorCtr="0">
+            <a:noAutofit/>
+          </a:bodyPr>
+          <a:lstStyle/>
+          <a:p>
+            <a:pPr marL="347663" lvl="0" indent="-342900" algn="l" rtl="0">
+              <a:lnSpc>
+                <a:spcPct val="90000"/>
+              </a:lnSpc>
+              <a:spcBef>
+                <a:spcPts val="0"/>
+              </a:spcBef>
+              <a:spcAft>
+                <a:spcPts val="0"/>
+              </a:spcAft>
+              <a:buSzPts val="2400"/>
+              <a:buFont typeface="Arial" panose="020B0604020202020204" pitchFamily="34" charset="0"/>
+              <a:buChar char="•"/>
+            </a:pPr>
+            <a:r>
+              <a:rPr lang="en-US" dirty="0"/>
+              <a:t>Simple definition</a:t>
+            </a:r>
+            <a:endParaRPr dirty="0"/>
+          </a:p>
+          <a:p>
+            <a:pPr marL="457200" lvl="0" indent="-228600" algn="l" rtl="0">
+              <a:lnSpc>
+                <a:spcPct val="90000"/>
+              </a:lnSpc>
+              <a:spcBef>
+                <a:spcPts val="0"/>
+              </a:spcBef>
+              <a:spcAft>
+                <a:spcPts val="0"/>
+              </a:spcAft>
+              <a:buClr>
+                <a:schemeClr val="dk1"/>
+              </a:buClr>
+              <a:buSzPts val="2400"/>
+              <a:buFont typeface="Arial"/>
+              <a:buNone/>
+            </a:pPr>
+            <a:endParaRPr dirty="0"/>
+          </a:p>
+        </p:txBody>
+      </p:sp>
+    </p:spTree>
+  </p:cSld>
+  <p:clrMapOvr>
+    <a:masterClrMapping/>
+  </p:clrMapOvr>
+  <mc:AlternateContent xmlns:mc="http://schemas.openxmlformats.org/markup-compatibility/2006" xmlns:p14="http://schemas.microsoft.com/office/powerpoint/2010/main">
+    <mc:Choice Requires="p14">
+      <p:transition spd="med" p14:dur="700">
+        <p:fade/>
+      </p:transition>
+    </mc:Choice>
+    <mc:Fallback xmlns="" xmlns:mv="urn:schemas-microsoft-com:mac:vml" xmlns:c="http://schemas.openxmlformats.org/drawingml/2006/chart" xmlns:dgm="http://schemas.openxmlformats.org/drawingml/2006/diagram" xmlns:o="urn:schemas-microsoft-com:office:office" xmlns:v="urn:schemas-microsoft-com:vml" xmlns:pvml="urn:schemas-microsoft-com:office:powerpoint" xmlns:com="http://schemas.openxmlformats.org/drawingml/2006/compatibility" xmlns:p15="http://schemas.microsoft.com/office/powerpoint/2012/main">
+      <p:transition spd="slow">
+        <p:fade/>
+      </p:transition>
+    </mc:Fallback>
+  </mc:AlternateContent>
+</p:sld>
+</file>
+
+<file path=ppt/slides/slide4.xml><?xml version="1.0" encoding="utf-8"?>
+<p:sld xmlns:a="http://schemas.openxmlformats.org/drawingml/2006/main" xmlns:r="http://schemas.openxmlformats.org/officeDocument/2006/relationships" xmlns:p="http://schemas.openxmlformats.org/presentationml/2006/main">
+  <p:cSld>
+    <p:spTree>
+      <p:nvGrpSpPr>
+        <p:cNvPr id="1" name="Shape 145"/>
+        <p:cNvGrpSpPr/>
+        <p:nvPr/>
+      </p:nvGrpSpPr>
+      <p:grpSpPr>
+        <a:xfrm>
+          <a:off x="0" y="0"/>
+          <a:ext cx="0" cy="0"/>
+          <a:chOff x="0" y="0"/>
+          <a:chExt cx="0" cy="0"/>
+        </a:xfrm>
+      </p:grpSpPr>
+      <p:sp>
+        <p:nvSpPr>
+          <p:cNvPr id="146" name="Google Shape;146;p12"/>
+          <p:cNvSpPr txBox="1">
+            <a:spLocks noGrp="1"/>
+          </p:cNvSpPr>
+          <p:nvPr>
+            <p:ph type="body" idx="1"/>
+          </p:nvPr>
+        </p:nvSpPr>
+        <p:spPr>
+          <a:xfrm>
+            <a:off x="619125" y="2017713"/>
+            <a:ext cx="9532938" cy="3294062"/>
+          </a:xfrm>
+          <a:prstGeom prst="rect">
+            <a:avLst/>
+          </a:prstGeom>
+          <a:noFill/>
+          <a:ln>
+            <a:noFill/>
+          </a:ln>
+        </p:spPr>
+        <p:txBody>
+          <a:bodyPr spcFirstLastPara="1" wrap="square" lIns="0" tIns="0" rIns="0" bIns="0" anchor="t" anchorCtr="0">
+            <a:noAutofit/>
+          </a:bodyPr>
+          <a:lstStyle/>
+          <a:p>
+            <a:pPr marL="514350" lvl="0" indent="-285750">
+              <a:buSzPts val="2000"/>
+            </a:pPr>
+            <a:r>
+              <a:rPr lang="en-US" sz="2000" b="1" dirty="0" err="1">
+                <a:solidFill>
+                  <a:srgbClr val="FF0000"/>
+                </a:solidFill>
+              </a:rPr>
+              <a:t>RE</a:t>
+            </a:r>
+            <a:r>
+              <a:rPr lang="en-US" sz="2000" dirty="0" err="1"/>
+              <a:t>presentational</a:t>
+            </a:r>
+            <a:r>
+              <a:rPr lang="en-US" sz="2000" dirty="0"/>
+              <a:t> </a:t>
+            </a:r>
+            <a:r>
+              <a:rPr lang="en-US" sz="2000" b="1" dirty="0">
+                <a:solidFill>
+                  <a:srgbClr val="FF0000"/>
+                </a:solidFill>
+              </a:rPr>
+              <a:t>S</a:t>
+            </a:r>
+            <a:r>
+              <a:rPr lang="en-US" sz="2000" dirty="0"/>
+              <a:t>tate </a:t>
+            </a:r>
+            <a:r>
+              <a:rPr lang="en-US" sz="2000" b="1" dirty="0">
+                <a:solidFill>
+                  <a:srgbClr val="FF0000"/>
+                </a:solidFill>
+              </a:rPr>
+              <a:t>T</a:t>
+            </a:r>
+            <a:r>
+              <a:rPr lang="en-US" sz="2000" dirty="0"/>
+              <a:t>ransfer </a:t>
+            </a:r>
+            <a:r>
+              <a:rPr lang="en-US" sz="2000" b="1" dirty="0">
+                <a:solidFill>
+                  <a:srgbClr val="FF0000"/>
+                </a:solidFill>
+              </a:rPr>
+              <a:t>A</a:t>
+            </a:r>
+            <a:r>
+              <a:rPr lang="en-US" sz="2000" dirty="0"/>
+              <a:t>pplication </a:t>
+            </a:r>
+            <a:r>
+              <a:rPr lang="en-US" sz="2000" b="1" dirty="0">
+                <a:solidFill>
+                  <a:srgbClr val="FF0000"/>
+                </a:solidFill>
+              </a:rPr>
+              <a:t>P</a:t>
+            </a:r>
+            <a:r>
+              <a:rPr lang="en-US" sz="2000" dirty="0"/>
+              <a:t>rogramming </a:t>
+            </a:r>
+            <a:r>
+              <a:rPr lang="en-US" sz="2000" b="1" dirty="0">
+                <a:solidFill>
+                  <a:srgbClr val="FF0000"/>
+                </a:solidFill>
+              </a:rPr>
+              <a:t>I</a:t>
+            </a:r>
+            <a:r>
+              <a:rPr lang="en-US" sz="2000" dirty="0"/>
+              <a:t>nterface</a:t>
+            </a:r>
+          </a:p>
+          <a:p>
+            <a:pPr marL="971550" lvl="1" indent="-285750"/>
+            <a:r>
+              <a:rPr lang="en-US" sz="1600" dirty="0"/>
+              <a:t>Probably not helpful</a:t>
+            </a:r>
+          </a:p>
+          <a:p>
+            <a:pPr marL="514350" lvl="0" indent="-285750">
+              <a:buSzPts val="2000"/>
+            </a:pPr>
+            <a:r>
+              <a:rPr lang="en-US" sz="2000" dirty="0"/>
+              <a:t>A design pattern that:</a:t>
+            </a:r>
+          </a:p>
+          <a:p>
+            <a:pPr marL="971550" lvl="1" indent="-285750"/>
+            <a:r>
+              <a:rPr lang="en-US" sz="1600" dirty="0"/>
+              <a:t>Defines web services</a:t>
+            </a:r>
+          </a:p>
+          <a:p>
+            <a:pPr marL="971550" lvl="1" indent="-285750"/>
+            <a:r>
+              <a:rPr lang="en-US" sz="1600" dirty="0"/>
+              <a:t>Uses HTTP requests to GET, PUT, POST and DELETE data</a:t>
+            </a:r>
+          </a:p>
+          <a:p>
+            <a:pPr marL="971550" lvl="1" indent="-285750"/>
+            <a:r>
+              <a:rPr lang="en-US" sz="1600" dirty="0"/>
+              <a:t>Consists of client and the web service resource</a:t>
+            </a:r>
+          </a:p>
+          <a:p>
+            <a:pPr marL="0" lvl="0" indent="0" algn="l" rtl="0">
+              <a:lnSpc>
+                <a:spcPct val="90000"/>
+              </a:lnSpc>
+              <a:spcBef>
+                <a:spcPts val="0"/>
+              </a:spcBef>
+              <a:spcAft>
+                <a:spcPts val="0"/>
+              </a:spcAft>
+              <a:buClr>
+                <a:schemeClr val="dk1"/>
+              </a:buClr>
+              <a:buSzPts val="1800"/>
+              <a:buFont typeface="Arial"/>
+              <a:buNone/>
+            </a:pPr>
+            <a:endParaRPr dirty="0"/>
+          </a:p>
+        </p:txBody>
+      </p:sp>
+      <p:sp>
+        <p:nvSpPr>
+          <p:cNvPr id="147" name="Google Shape;147;p12"/>
+          <p:cNvSpPr txBox="1"/>
+          <p:nvPr/>
+        </p:nvSpPr>
+        <p:spPr>
+          <a:xfrm>
+            <a:off x="615192" y="856891"/>
+            <a:ext cx="10969943" cy="411480"/>
+          </a:xfrm>
+          <a:prstGeom prst="rect">
+            <a:avLst/>
+          </a:prstGeom>
+          <a:noFill/>
+          <a:ln>
+            <a:noFill/>
+          </a:ln>
+        </p:spPr>
+        <p:txBody>
+          <a:bodyPr spcFirstLastPara="1" wrap="square" lIns="0" tIns="0" rIns="0" bIns="0" anchor="t" anchorCtr="0">
+            <a:noAutofit/>
+          </a:bodyPr>
+          <a:lstStyle/>
+          <a:p>
+            <a:pPr marL="0" marR="0" lvl="0" indent="0" algn="l" rtl="0">
+              <a:lnSpc>
+                <a:spcPct val="90000"/>
+              </a:lnSpc>
+              <a:spcBef>
+                <a:spcPts val="0"/>
+              </a:spcBef>
+              <a:spcAft>
+                <a:spcPts val="0"/>
+              </a:spcAft>
+              <a:buClr>
+                <a:schemeClr val="dk1"/>
+              </a:buClr>
+              <a:buSzPts val="3200"/>
+              <a:buFont typeface="Arial"/>
+              <a:buNone/>
+            </a:pPr>
+            <a:r>
+              <a:rPr lang="en-US" sz="4000" b="1" i="0" u="none" strike="noStrike" cap="none" dirty="0">
+                <a:solidFill>
+                  <a:srgbClr val="161614"/>
+                </a:solidFill>
+                <a:latin typeface="Arial"/>
+                <a:ea typeface="Arial"/>
+                <a:cs typeface="Arial"/>
+                <a:sym typeface="Arial"/>
+              </a:rPr>
+              <a:t>REST APIs DEFINITION</a:t>
+            </a:r>
+            <a:endParaRPr sz="4000" b="1" i="0" u="none" strike="noStrike" cap="none" dirty="0">
+              <a:solidFill>
+                <a:srgbClr val="161614"/>
+              </a:solidFill>
+              <a:latin typeface="Arial"/>
+              <a:ea typeface="Arial"/>
+              <a:cs typeface="Arial"/>
+              <a:sym typeface="Arial"/>
+            </a:endParaRPr>
+          </a:p>
+        </p:txBody>
+      </p:sp>
+    </p:spTree>
+    <p:extLst>
+      <p:ext uri="{BB962C8B-B14F-4D97-AF65-F5344CB8AC3E}">
+        <p14:creationId xmlns:p14="http://schemas.microsoft.com/office/powerpoint/2010/main" val="1291580354"/>
+      </p:ext>
+    </p:extLst>
+  </p:cSld>
+  <p:clrMapOvr>
+    <a:masterClrMapping/>
+  </p:clrMapOvr>
+  <mc:AlternateContent xmlns:mc="http://schemas.openxmlformats.org/markup-compatibility/2006" xmlns:p14="http://schemas.microsoft.com/office/powerpoint/2010/main">
+    <mc:Choice Requires="p14">
+      <p:transition spd="med" p14:dur="700">
+        <p:fade/>
+      </p:transition>
+    </mc:Choice>
+    <mc:Fallback xmlns="" xmlns:mv="urn:schemas-microsoft-com:mac:vml" xmlns:c="http://schemas.openxmlformats.org/drawingml/2006/chart" xmlns:dgm="http://schemas.openxmlformats.org/drawingml/2006/diagram" xmlns:o="urn:schemas-microsoft-com:office:office" xmlns:v="urn:schemas-microsoft-com:vml" xmlns:pvml="urn:schemas-microsoft-com:office:powerpoint" xmlns:com="http://schemas.openxmlformats.org/drawingml/2006/compatibility" xmlns:p15="http://schemas.microsoft.com/office/powerpoint/2012/main">
+      <p:transition spd="slow">
+        <p:fade/>
+      </p:transition>
+    </mc:Fallback>
+  </mc:AlternateContent>
+</p:sld>
+</file>
+
+<file path=ppt/slides/slide5.xml><?xml version="1.0" encoding="utf-8"?>
+<p:sld xmlns:a="http://schemas.openxmlformats.org/drawingml/2006/main" xmlns:r="http://schemas.openxmlformats.org/officeDocument/2006/relationships" xmlns:p="http://schemas.openxmlformats.org/presentationml/2006/main">
+  <p:cSld>
+    <p:spTree>
+      <p:nvGrpSpPr>
+        <p:cNvPr id="1" name="Shape 98"/>
+        <p:cNvGrpSpPr/>
+        <p:nvPr/>
+      </p:nvGrpSpPr>
+      <p:grpSpPr>
+        <a:xfrm>
+          <a:off x="0" y="0"/>
+          <a:ext cx="0" cy="0"/>
+          <a:chOff x="0" y="0"/>
+          <a:chExt cx="0" cy="0"/>
+        </a:xfrm>
+      </p:grpSpPr>
+      <p:sp>
+        <p:nvSpPr>
+          <p:cNvPr id="99" name="Google Shape;99;p3"/>
+          <p:cNvSpPr txBox="1">
+            <a:spLocks noGrp="1"/>
+          </p:cNvSpPr>
+          <p:nvPr>
+            <p:ph type="title"/>
+          </p:nvPr>
+        </p:nvSpPr>
+        <p:spPr>
+          <a:xfrm>
+            <a:off x="609600" y="1668286"/>
+            <a:ext cx="8451113" cy="1333903"/>
+          </a:xfrm>
+          <a:prstGeom prst="rect">
+            <a:avLst/>
+          </a:prstGeom>
+          <a:noFill/>
+          <a:ln>
+            <a:noFill/>
+          </a:ln>
+        </p:spPr>
+        <p:txBody>
+          <a:bodyPr spcFirstLastPara="1" wrap="square" lIns="0" tIns="0" rIns="0" bIns="0" anchor="t" anchorCtr="0">
+            <a:noAutofit/>
+          </a:bodyPr>
+          <a:lstStyle/>
+          <a:p>
+            <a:pPr marL="0" lvl="0" indent="0" algn="l" rtl="0">
+              <a:lnSpc>
+                <a:spcPct val="90000"/>
+              </a:lnSpc>
+              <a:spcBef>
+                <a:spcPts val="0"/>
+              </a:spcBef>
+              <a:spcAft>
+                <a:spcPts val="0"/>
+              </a:spcAft>
+              <a:buClr>
+                <a:schemeClr val="dk1"/>
+              </a:buClr>
+              <a:buSzPts val="3200"/>
+              <a:buFont typeface="Arial"/>
+              <a:buNone/>
+            </a:pPr>
+            <a:r>
+              <a:rPr lang="en-US" sz="6000" dirty="0"/>
+              <a:t>WHY USE REST APIs?</a:t>
+            </a:r>
+            <a:endParaRPr sz="6000" dirty="0"/>
+          </a:p>
+        </p:txBody>
+      </p:sp>
+      <p:sp>
+        <p:nvSpPr>
+          <p:cNvPr id="4" name="Google Shape;100;p3">
+            <a:extLst>
+              <a:ext uri="{FF2B5EF4-FFF2-40B4-BE49-F238E27FC236}">
+                <a16:creationId xmlns:a16="http://schemas.microsoft.com/office/drawing/2014/main" id="{5F29453B-CE75-FD40-B24E-2BB5DAC32986}"/>
+              </a:ext>
+            </a:extLst>
+          </p:cNvPr>
+          <p:cNvSpPr txBox="1">
+            <a:spLocks noGrp="1"/>
+          </p:cNvSpPr>
+          <p:nvPr>
+            <p:ph type="body" idx="1"/>
+          </p:nvPr>
+        </p:nvSpPr>
+        <p:spPr>
+          <a:xfrm>
+            <a:off x="609600" y="3586881"/>
+            <a:ext cx="7279341" cy="711912"/>
+          </a:xfrm>
+          <a:prstGeom prst="rect">
+            <a:avLst/>
+          </a:prstGeom>
+          <a:noFill/>
+          <a:ln>
+            <a:noFill/>
+          </a:ln>
+        </p:spPr>
+        <p:txBody>
+          <a:bodyPr spcFirstLastPara="1" wrap="square" lIns="0" tIns="0" rIns="0" bIns="0" anchor="t" anchorCtr="0">
+            <a:noAutofit/>
+          </a:bodyPr>
+          <a:lstStyle/>
+          <a:p>
+            <a:pPr marL="347663" lvl="0" indent="-342900" algn="l" rtl="0">
+              <a:lnSpc>
+                <a:spcPct val="90000"/>
+              </a:lnSpc>
+              <a:spcBef>
+                <a:spcPts val="0"/>
+              </a:spcBef>
+              <a:spcAft>
+                <a:spcPts val="0"/>
+              </a:spcAft>
+              <a:buSzPts val="2400"/>
+              <a:buFont typeface="Arial" panose="020B0604020202020204" pitchFamily="34" charset="0"/>
+              <a:buChar char="•"/>
+            </a:pPr>
+            <a:r>
+              <a:rPr lang="en-US" dirty="0"/>
+              <a:t>Add functionality</a:t>
+            </a:r>
+          </a:p>
+          <a:p>
+            <a:pPr marL="347663" lvl="0" indent="-342900" algn="l" rtl="0">
+              <a:lnSpc>
+                <a:spcPct val="90000"/>
+              </a:lnSpc>
+              <a:spcBef>
+                <a:spcPts val="0"/>
+              </a:spcBef>
+              <a:spcAft>
+                <a:spcPts val="0"/>
+              </a:spcAft>
+              <a:buSzPts val="2400"/>
+              <a:buFont typeface="Arial" panose="020B0604020202020204" pitchFamily="34" charset="0"/>
+              <a:buChar char="•"/>
+            </a:pPr>
+            <a:r>
+              <a:rPr lang="en-US" dirty="0"/>
+              <a:t>Demonstration of samples</a:t>
+            </a:r>
+            <a:endParaRPr dirty="0"/>
+          </a:p>
+          <a:p>
+            <a:pPr marL="457200" lvl="0" indent="-228600" algn="l" rtl="0">
+              <a:lnSpc>
+                <a:spcPct val="90000"/>
+              </a:lnSpc>
+              <a:spcBef>
+                <a:spcPts val="0"/>
+              </a:spcBef>
+              <a:spcAft>
+                <a:spcPts val="0"/>
+              </a:spcAft>
+              <a:buClr>
+                <a:schemeClr val="dk1"/>
+              </a:buClr>
+              <a:buSzPts val="2400"/>
+              <a:buFont typeface="Arial"/>
+              <a:buNone/>
+            </a:pPr>
+            <a:endParaRPr dirty="0"/>
+          </a:p>
+        </p:txBody>
+      </p:sp>
+    </p:spTree>
+    <p:extLst>
+      <p:ext uri="{BB962C8B-B14F-4D97-AF65-F5344CB8AC3E}">
+        <p14:creationId xmlns:p14="http://schemas.microsoft.com/office/powerpoint/2010/main" val="310381305"/>
+      </p:ext>
+    </p:extLst>
+  </p:cSld>
+  <p:clrMapOvr>
+    <a:masterClrMapping/>
+  </p:clrMapOvr>
+  <mc:AlternateContent xmlns:mc="http://schemas.openxmlformats.org/markup-compatibility/2006" xmlns:p14="http://schemas.microsoft.com/office/powerpoint/2010/main">
+    <mc:Choice Requires="p14">
+      <p:transition spd="med" p14:dur="700">
+        <p:fade/>
+      </p:transition>
+    </mc:Choice>
+    <mc:Fallback xmlns="" xmlns:mv="urn:schemas-microsoft-com:mac:vml" xmlns:c="http://schemas.openxmlformats.org/drawingml/2006/chart" xmlns:dgm="http://schemas.openxmlformats.org/drawingml/2006/diagram" xmlns:o="urn:schemas-microsoft-com:office:office" xmlns:v="urn:schemas-microsoft-com:vml" xmlns:pvml="urn:schemas-microsoft-com:office:powerpoint" xmlns:com="http://schemas.openxmlformats.org/drawingml/2006/compatibility" xmlns:p15="http://schemas.microsoft.com/office/powerpoint/2012/main">
+      <p:transition spd="slow">
+        <p:fade/>
+      </p:transition>
+    </mc:Fallback>
+  </mc:AlternateContent>
+</p:sld>
+</file>
+
+<file path=ppt/slides/slide6.xml><?xml version="1.0" encoding="utf-8"?>
+<p:sld xmlns:a="http://schemas.openxmlformats.org/drawingml/2006/main" xmlns:r="http://schemas.openxmlformats.org/officeDocument/2006/relationships" xmlns:p="http://schemas.openxmlformats.org/presentationml/2006/main">
+  <p:cSld>
+    <p:spTree>
+      <p:nvGrpSpPr>
+        <p:cNvPr id="1" name="Shape 145"/>
+        <p:cNvGrpSpPr/>
+        <p:nvPr/>
+      </p:nvGrpSpPr>
+      <p:grpSpPr>
+        <a:xfrm>
+          <a:off x="0" y="0"/>
+          <a:ext cx="0" cy="0"/>
+          <a:chOff x="0" y="0"/>
+          <a:chExt cx="0" cy="0"/>
+        </a:xfrm>
+      </p:grpSpPr>
+      <p:sp>
+        <p:nvSpPr>
+          <p:cNvPr id="146" name="Google Shape;146;p12"/>
+          <p:cNvSpPr txBox="1">
+            <a:spLocks noGrp="1"/>
+          </p:cNvSpPr>
+          <p:nvPr>
+            <p:ph type="body" idx="1"/>
+          </p:nvPr>
+        </p:nvSpPr>
+        <p:spPr>
+          <a:xfrm>
+            <a:off x="619125" y="2017713"/>
+            <a:ext cx="9532938" cy="3294062"/>
+          </a:xfrm>
+          <a:prstGeom prst="rect">
+            <a:avLst/>
+          </a:prstGeom>
+          <a:noFill/>
+          <a:ln>
+            <a:noFill/>
+          </a:ln>
+        </p:spPr>
+        <p:txBody>
+          <a:bodyPr spcFirstLastPara="1" wrap="square" lIns="0" tIns="0" rIns="0" bIns="0" anchor="t" anchorCtr="0">
+            <a:noAutofit/>
+          </a:bodyPr>
+          <a:lstStyle/>
+          <a:p>
+            <a:pPr marL="514350" lvl="0" indent="-285750">
+              <a:buSzPts val="2000"/>
+            </a:pPr>
+            <a:r>
+              <a:rPr lang="en-US" sz="2000" dirty="0"/>
+              <a:t>Use cases</a:t>
+            </a:r>
+          </a:p>
+          <a:p>
+            <a:pPr marL="971550" lvl="1" indent="-285750"/>
+            <a:r>
+              <a:rPr lang="en-US" sz="1600" dirty="0"/>
+              <a:t>General: Searching to build custom reports/playlists</a:t>
+            </a:r>
+          </a:p>
+          <a:p>
+            <a:pPr marL="971550" lvl="1" indent="-285750"/>
+            <a:r>
+              <a:rPr lang="en-US" sz="1600" dirty="0"/>
+              <a:t>General: Combine functionality from multiple REST APIs</a:t>
+            </a:r>
+          </a:p>
+          <a:p>
+            <a:pPr marL="971550" lvl="1" indent="-285750"/>
+            <a:r>
+              <a:rPr lang="en-US" sz="1600" dirty="0"/>
+              <a:t>Specific: Build a playlist from the newest videos </a:t>
+            </a:r>
+          </a:p>
+          <a:p>
+            <a:pPr marL="971550" lvl="1" indent="-285750"/>
+            <a:r>
+              <a:rPr lang="en-US" sz="1600" dirty="0"/>
+              <a:t>Specific: Get analytics by playlist</a:t>
+            </a:r>
+          </a:p>
+          <a:p>
+            <a:pPr marL="971550" lvl="1" indent="-285750"/>
+            <a:r>
+              <a:rPr lang="en-US" sz="1600" dirty="0"/>
+              <a:t>Specific: Retrieve data and display in player</a:t>
+            </a:r>
+          </a:p>
+        </p:txBody>
+      </p:sp>
+      <p:sp>
+        <p:nvSpPr>
+          <p:cNvPr id="147" name="Google Shape;147;p12"/>
+          <p:cNvSpPr txBox="1"/>
+          <p:nvPr/>
+        </p:nvSpPr>
+        <p:spPr>
+          <a:xfrm>
+            <a:off x="615192" y="856891"/>
+            <a:ext cx="10969943" cy="411480"/>
+          </a:xfrm>
+          <a:prstGeom prst="rect">
+            <a:avLst/>
+          </a:prstGeom>
+          <a:noFill/>
+          <a:ln>
+            <a:noFill/>
+          </a:ln>
+        </p:spPr>
+        <p:txBody>
+          <a:bodyPr spcFirstLastPara="1" wrap="square" lIns="0" tIns="0" rIns="0" bIns="0" anchor="t" anchorCtr="0">
+            <a:noAutofit/>
+          </a:bodyPr>
+          <a:lstStyle/>
+          <a:p>
+            <a:pPr marL="0" marR="0" lvl="0" indent="0" algn="l" rtl="0">
+              <a:lnSpc>
+                <a:spcPct val="90000"/>
+              </a:lnSpc>
+              <a:spcBef>
+                <a:spcPts val="0"/>
+              </a:spcBef>
+              <a:spcAft>
+                <a:spcPts val="0"/>
+              </a:spcAft>
+              <a:buClr>
+                <a:schemeClr val="dk1"/>
+              </a:buClr>
+              <a:buSzPts val="3200"/>
+              <a:buFont typeface="Arial"/>
+              <a:buNone/>
+            </a:pPr>
+            <a:r>
+              <a:rPr lang="en-US" sz="4000" b="1" i="0" u="none" strike="noStrike" cap="none" dirty="0">
+                <a:solidFill>
+                  <a:srgbClr val="161614"/>
+                </a:solidFill>
+                <a:latin typeface="Arial"/>
+                <a:ea typeface="Arial"/>
+                <a:cs typeface="Arial"/>
+                <a:sym typeface="Arial"/>
+              </a:rPr>
+              <a:t>ADD FUNCTIONALITY NOT AVAILABLE BY DEFAULT</a:t>
+            </a:r>
+            <a:endParaRPr sz="4000" b="1" i="0" u="none" strike="noStrike" cap="none" dirty="0">
+              <a:solidFill>
+                <a:srgbClr val="161614"/>
+              </a:solidFill>
+              <a:latin typeface="Arial"/>
+              <a:ea typeface="Arial"/>
+              <a:cs typeface="Arial"/>
+              <a:sym typeface="Arial"/>
+            </a:endParaRPr>
+          </a:p>
+        </p:txBody>
+      </p:sp>
+    </p:spTree>
+    <p:extLst>
+      <p:ext uri="{BB962C8B-B14F-4D97-AF65-F5344CB8AC3E}">
+        <p14:creationId xmlns:p14="http://schemas.microsoft.com/office/powerpoint/2010/main" val="4043659585"/>
+      </p:ext>
+    </p:extLst>
+  </p:cSld>
+  <p:clrMapOvr>
+    <a:masterClrMapping/>
+  </p:clrMapOvr>
+  <mc:AlternateContent xmlns:mc="http://schemas.openxmlformats.org/markup-compatibility/2006" xmlns:p14="http://schemas.microsoft.com/office/powerpoint/2010/main">
+    <mc:Choice Requires="p14">
+      <p:transition spd="med" p14:dur="700">
+        <p:fade/>
+      </p:transition>
+    </mc:Choice>
+    <mc:Fallback xmlns="" xmlns:mv="urn:schemas-microsoft-com:mac:vml" xmlns:c="http://schemas.openxmlformats.org/drawingml/2006/chart" xmlns:dgm="http://schemas.openxmlformats.org/drawingml/2006/diagram" xmlns:o="urn:schemas-microsoft-com:office:office" xmlns:v="urn:schemas-microsoft-com:vml" xmlns:pvml="urn:schemas-microsoft-com:office:powerpoint" xmlns:com="http://schemas.openxmlformats.org/drawingml/2006/compatibility" xmlns:p15="http://schemas.microsoft.com/office/powerpoint/2012/main">
+      <p:transition spd="slow">
+        <p:fade/>
+      </p:transition>
+    </mc:Fallback>
+  </mc:AlternateContent>
+</p:sld>
+</file>
+
+<file path=ppt/slides/slide7.xml><?xml version="1.0" encoding="utf-8"?>
+<p:sld xmlns:a="http://schemas.openxmlformats.org/drawingml/2006/main" xmlns:r="http://schemas.openxmlformats.org/officeDocument/2006/relationships" xmlns:p="http://schemas.openxmlformats.org/presentationml/2006/main">
+  <p:cSld>
+    <p:spTree>
+      <p:nvGrpSpPr>
+        <p:cNvPr id="1" name="Shape 145"/>
+        <p:cNvGrpSpPr/>
+        <p:nvPr/>
+      </p:nvGrpSpPr>
+      <p:grpSpPr>
+        <a:xfrm>
+          <a:off x="0" y="0"/>
+          <a:ext cx="0" cy="0"/>
+          <a:chOff x="0" y="0"/>
+          <a:chExt cx="0" cy="0"/>
+        </a:xfrm>
+      </p:grpSpPr>
+      <p:sp>
+        <p:nvSpPr>
+          <p:cNvPr id="146" name="Google Shape;146;p12"/>
+          <p:cNvSpPr txBox="1">
+            <a:spLocks noGrp="1"/>
+          </p:cNvSpPr>
+          <p:nvPr>
+            <p:ph type="body" idx="1"/>
+          </p:nvPr>
+        </p:nvSpPr>
+        <p:spPr>
+          <a:xfrm>
+            <a:off x="619125" y="2017713"/>
+            <a:ext cx="9532938" cy="3294062"/>
+          </a:xfrm>
+          <a:prstGeom prst="rect">
+            <a:avLst/>
+          </a:prstGeom>
+          <a:noFill/>
+          <a:ln>
+            <a:noFill/>
+          </a:ln>
+        </p:spPr>
+        <p:txBody>
+          <a:bodyPr spcFirstLastPara="1" wrap="square" lIns="0" tIns="0" rIns="0" bIns="0" anchor="t" anchorCtr="0">
+            <a:noAutofit/>
+          </a:bodyPr>
+          <a:lstStyle/>
+          <a:p>
+            <a:pPr marL="514350" lvl="0" indent="-285750" algn="l" rtl="0">
+              <a:lnSpc>
+                <a:spcPct val="90000"/>
+              </a:lnSpc>
+              <a:spcBef>
+                <a:spcPts val="1200"/>
+              </a:spcBef>
+              <a:spcAft>
+                <a:spcPts val="0"/>
+              </a:spcAft>
+              <a:buClr>
+                <a:srgbClr val="000000"/>
+              </a:buClr>
+              <a:buSzPts val="2000"/>
+              <a:buFont typeface="Arial"/>
+              <a:buChar char="•"/>
+            </a:pPr>
+            <a:r>
+              <a:rPr lang="en-US" sz="2000" dirty="0">
+                <a:solidFill>
+                  <a:srgbClr val="000000"/>
+                </a:solidFill>
+              </a:rPr>
+              <a:t>Supporting copy here.</a:t>
+            </a:r>
+            <a:endParaRPr dirty="0"/>
+          </a:p>
+          <a:p>
+            <a:pPr marL="971550" lvl="1" indent="-285750" algn="l" rtl="0">
+              <a:lnSpc>
+                <a:spcPct val="90000"/>
+              </a:lnSpc>
+              <a:spcBef>
+                <a:spcPts val="600"/>
+              </a:spcBef>
+              <a:spcAft>
+                <a:spcPts val="0"/>
+              </a:spcAft>
+              <a:buClr>
+                <a:srgbClr val="000000"/>
+              </a:buClr>
+              <a:buSzPts val="1620"/>
+              <a:buFont typeface="Courier New"/>
+              <a:buChar char="o"/>
+            </a:pPr>
+            <a:r>
+              <a:rPr lang="en-US" sz="1800" dirty="0">
+                <a:solidFill>
+                  <a:srgbClr val="000000"/>
+                </a:solidFill>
+              </a:rPr>
+              <a:t>Secondary copy goes here.</a:t>
+            </a:r>
+            <a:br>
+              <a:rPr lang="en-US" sz="1800" dirty="0">
+                <a:solidFill>
+                  <a:srgbClr val="000000"/>
+                </a:solidFill>
+              </a:rPr>
+            </a:br>
+            <a:endParaRPr sz="1800" dirty="0">
+              <a:solidFill>
+                <a:srgbClr val="000000"/>
+              </a:solidFill>
+            </a:endParaRPr>
+          </a:p>
+          <a:p>
+            <a:pPr marL="514350" lvl="0" indent="-285750" algn="l" rtl="0">
+              <a:lnSpc>
+                <a:spcPct val="90000"/>
+              </a:lnSpc>
+              <a:spcBef>
+                <a:spcPts val="1200"/>
+              </a:spcBef>
+              <a:spcAft>
+                <a:spcPts val="0"/>
+              </a:spcAft>
+              <a:buClr>
+                <a:srgbClr val="000000"/>
+              </a:buClr>
+              <a:buSzPts val="2000"/>
+              <a:buFont typeface="Arial"/>
+              <a:buChar char="•"/>
+            </a:pPr>
+            <a:r>
+              <a:rPr lang="en-US" sz="2000" dirty="0">
+                <a:solidFill>
+                  <a:srgbClr val="000000"/>
+                </a:solidFill>
+              </a:rPr>
+              <a:t>Supporting copy here.</a:t>
+            </a:r>
+            <a:endParaRPr dirty="0"/>
+          </a:p>
+          <a:p>
+            <a:pPr marL="971550" lvl="1" indent="-285750" algn="l" rtl="0">
+              <a:lnSpc>
+                <a:spcPct val="90000"/>
+              </a:lnSpc>
+              <a:spcBef>
+                <a:spcPts val="600"/>
+              </a:spcBef>
+              <a:spcAft>
+                <a:spcPts val="0"/>
+              </a:spcAft>
+              <a:buClr>
+                <a:srgbClr val="000000"/>
+              </a:buClr>
+              <a:buSzPts val="1620"/>
+              <a:buFont typeface="Courier New"/>
+              <a:buChar char="o"/>
+            </a:pPr>
+            <a:r>
+              <a:rPr lang="en-US" sz="1800" dirty="0">
+                <a:solidFill>
+                  <a:srgbClr val="000000"/>
+                </a:solidFill>
+              </a:rPr>
+              <a:t>Secondary copy goes here.</a:t>
+            </a:r>
+            <a:br>
+              <a:rPr lang="en-US" sz="1800" dirty="0">
+                <a:solidFill>
+                  <a:srgbClr val="000000"/>
+                </a:solidFill>
+              </a:rPr>
+            </a:br>
+            <a:endParaRPr sz="1800" dirty="0">
+              <a:solidFill>
+                <a:srgbClr val="000000"/>
+              </a:solidFill>
+            </a:endParaRPr>
+          </a:p>
+          <a:p>
+            <a:pPr marL="514350" lvl="0" indent="-285750" algn="l" rtl="0">
+              <a:lnSpc>
+                <a:spcPct val="90000"/>
+              </a:lnSpc>
+              <a:spcBef>
+                <a:spcPts val="1200"/>
+              </a:spcBef>
+              <a:spcAft>
+                <a:spcPts val="0"/>
+              </a:spcAft>
+              <a:buClr>
+                <a:srgbClr val="000000"/>
+              </a:buClr>
+              <a:buSzPts val="2000"/>
+              <a:buFont typeface="Arial"/>
+              <a:buChar char="•"/>
+            </a:pPr>
+            <a:r>
+              <a:rPr lang="en-US" sz="2000" dirty="0">
+                <a:solidFill>
+                  <a:srgbClr val="000000"/>
+                </a:solidFill>
+              </a:rPr>
+              <a:t>Supporting copy here.</a:t>
+            </a:r>
+            <a:endParaRPr dirty="0"/>
+          </a:p>
+          <a:p>
+            <a:pPr marL="971550" lvl="1" indent="-285750" algn="l" rtl="0">
+              <a:lnSpc>
+                <a:spcPct val="90000"/>
+              </a:lnSpc>
+              <a:spcBef>
+                <a:spcPts val="600"/>
+              </a:spcBef>
+              <a:spcAft>
+                <a:spcPts val="0"/>
+              </a:spcAft>
+              <a:buClr>
+                <a:srgbClr val="000000"/>
+              </a:buClr>
+              <a:buSzPts val="1620"/>
+              <a:buFont typeface="Courier New"/>
+              <a:buChar char="o"/>
+            </a:pPr>
+            <a:r>
+              <a:rPr lang="en-US" sz="1800" dirty="0">
+                <a:solidFill>
+                  <a:srgbClr val="000000"/>
+                </a:solidFill>
+              </a:rPr>
+              <a:t>Secondary copy goes here.</a:t>
+            </a:r>
+            <a:endParaRPr dirty="0"/>
+          </a:p>
+          <a:p>
+            <a:pPr marL="971550" lvl="1" indent="-182880" algn="l" rtl="0">
+              <a:lnSpc>
+                <a:spcPct val="90000"/>
+              </a:lnSpc>
+              <a:spcBef>
+                <a:spcPts val="600"/>
+              </a:spcBef>
+              <a:spcAft>
+                <a:spcPts val="0"/>
+              </a:spcAft>
+              <a:buClr>
+                <a:srgbClr val="000000"/>
+              </a:buClr>
+              <a:buSzPts val="1620"/>
+              <a:buFont typeface="Courier New"/>
+              <a:buNone/>
+            </a:pPr>
+            <a:endParaRPr sz="1800" dirty="0">
+              <a:solidFill>
+                <a:srgbClr val="000000"/>
+              </a:solidFill>
+            </a:endParaRPr>
+          </a:p>
+          <a:p>
+            <a:pPr marL="0" lvl="0" indent="0" algn="l" rtl="0">
+              <a:lnSpc>
+                <a:spcPct val="90000"/>
+              </a:lnSpc>
+              <a:spcBef>
+                <a:spcPts val="0"/>
+              </a:spcBef>
+              <a:spcAft>
+                <a:spcPts val="0"/>
+              </a:spcAft>
+              <a:buClr>
+                <a:schemeClr val="dk1"/>
+              </a:buClr>
+              <a:buSzPts val="1800"/>
+              <a:buFont typeface="Arial"/>
+              <a:buNone/>
+            </a:pPr>
+            <a:endParaRPr dirty="0"/>
+          </a:p>
+        </p:txBody>
+      </p:sp>
+      <p:sp>
+        <p:nvSpPr>
+          <p:cNvPr id="147" name="Google Shape;147;p12"/>
+          <p:cNvSpPr txBox="1"/>
+          <p:nvPr/>
+        </p:nvSpPr>
+        <p:spPr>
+          <a:xfrm>
+            <a:off x="615192" y="856891"/>
+            <a:ext cx="10969943" cy="411480"/>
+          </a:xfrm>
+          <a:prstGeom prst="rect">
+            <a:avLst/>
+          </a:prstGeom>
+          <a:noFill/>
+          <a:ln>
+            <a:noFill/>
+          </a:ln>
+        </p:spPr>
+        <p:txBody>
+          <a:bodyPr spcFirstLastPara="1" wrap="square" lIns="0" tIns="0" rIns="0" bIns="0" anchor="t" anchorCtr="0">
+            <a:noAutofit/>
+          </a:bodyPr>
+          <a:lstStyle/>
+          <a:p>
+            <a:pPr marL="0" marR="0" lvl="0" indent="0" algn="l" rtl="0">
+              <a:lnSpc>
+                <a:spcPct val="90000"/>
+              </a:lnSpc>
+              <a:spcBef>
+                <a:spcPts val="0"/>
+              </a:spcBef>
+              <a:spcAft>
+                <a:spcPts val="0"/>
+              </a:spcAft>
+              <a:buClr>
+                <a:schemeClr val="dk1"/>
+              </a:buClr>
+              <a:buSzPts val="3200"/>
+              <a:buFont typeface="Arial"/>
+              <a:buNone/>
+            </a:pPr>
+            <a:r>
+              <a:rPr lang="en-US" sz="4000" b="1" i="0" u="none" strike="noStrike" cap="none" dirty="0">
+                <a:solidFill>
+                  <a:srgbClr val="161614"/>
+                </a:solidFill>
+                <a:latin typeface="Arial"/>
+                <a:ea typeface="Arial"/>
+                <a:cs typeface="Arial"/>
+                <a:sym typeface="Arial"/>
+              </a:rPr>
+              <a:t>DEMONSTRATION OF SAMPLES</a:t>
+            </a:r>
+            <a:endParaRPr sz="4000" b="1" i="0" u="none" strike="noStrike" cap="none" dirty="0">
+              <a:solidFill>
+                <a:srgbClr val="161614"/>
+              </a:solidFill>
+              <a:latin typeface="Arial"/>
+              <a:ea typeface="Arial"/>
+              <a:cs typeface="Arial"/>
+              <a:sym typeface="Arial"/>
+            </a:endParaRPr>
+          </a:p>
+        </p:txBody>
+      </p:sp>
+    </p:spTree>
+    <p:extLst>
+      <p:ext uri="{BB962C8B-B14F-4D97-AF65-F5344CB8AC3E}">
+        <p14:creationId xmlns:p14="http://schemas.microsoft.com/office/powerpoint/2010/main" val="3173624792"/>
+      </p:ext>
+    </p:extLst>
+  </p:cSld>
+  <p:clrMapOvr>
+    <a:masterClrMapping/>
+  </p:clrMapOvr>
+  <mc:AlternateContent xmlns:mc="http://schemas.openxmlformats.org/markup-compatibility/2006" xmlns:p14="http://schemas.microsoft.com/office/powerpoint/2010/main">
+    <mc:Choice Requires="p14">
+      <p:transition spd="med" p14:dur="700">
+        <p:fade/>
+      </p:transition>
+    </mc:Choice>
+    <mc:Fallback xmlns="" xmlns:mv="urn:schemas-microsoft-com:mac:vml" xmlns:c="http://schemas.openxmlformats.org/drawingml/2006/chart" xmlns:dgm="http://schemas.openxmlformats.org/drawingml/2006/diagram" xmlns:o="urn:schemas-microsoft-com:office:office" xmlns:v="urn:schemas-microsoft-com:vml" xmlns:pvml="urn:schemas-microsoft-com:office:powerpoint" xmlns:com="http://schemas.openxmlformats.org/drawingml/2006/compatibility" xmlns:p15="http://schemas.microsoft.com/office/powerpoint/2012/main">
+      <p:transition spd="slow">
+        <p:fade/>
+      </p:transition>
+    </mc:Fallback>
+  </mc:AlternateContent>
+</p:sld>
+</file>
+
+<file path=ppt/slides/slide8.xml><?xml version="1.0" encoding="utf-8"?>
+<p:sld xmlns:a="http://schemas.openxmlformats.org/drawingml/2006/main" xmlns:r="http://schemas.openxmlformats.org/officeDocument/2006/relationships" xmlns:p="http://schemas.openxmlformats.org/presentationml/2006/main">
+  <p:cSld>
+    <p:spTree>
+      <p:nvGrpSpPr>
+        <p:cNvPr id="1" name="Shape 145"/>
+        <p:cNvGrpSpPr/>
+        <p:nvPr/>
+      </p:nvGrpSpPr>
+      <p:grpSpPr>
+        <a:xfrm>
+          <a:off x="0" y="0"/>
+          <a:ext cx="0" cy="0"/>
+          <a:chOff x="0" y="0"/>
+          <a:chExt cx="0" cy="0"/>
+        </a:xfrm>
+      </p:grpSpPr>
+      <p:sp>
+        <p:nvSpPr>
+          <p:cNvPr id="146" name="Google Shape;146;p12"/>
+          <p:cNvSpPr txBox="1">
+            <a:spLocks noGrp="1"/>
+          </p:cNvSpPr>
+          <p:nvPr>
+            <p:ph type="body" idx="1"/>
+          </p:nvPr>
+        </p:nvSpPr>
+        <p:spPr>
+          <a:xfrm>
+            <a:off x="619125" y="2017713"/>
+            <a:ext cx="9532938" cy="3294062"/>
+          </a:xfrm>
+          <a:prstGeom prst="rect">
+            <a:avLst/>
+          </a:prstGeom>
+          <a:noFill/>
+          <a:ln>
+            <a:noFill/>
+          </a:ln>
+        </p:spPr>
+        <p:txBody>
+          <a:bodyPr spcFirstLastPara="1" wrap="square" lIns="0" tIns="0" rIns="0" bIns="0" anchor="t" anchorCtr="0">
+            <a:noAutofit/>
+          </a:bodyPr>
+          <a:lstStyle/>
+          <a:p>
+            <a:pPr marL="514350" lvl="0" indent="-285750" algn="l" rtl="0">
+              <a:lnSpc>
+                <a:spcPct val="90000"/>
+              </a:lnSpc>
+              <a:spcBef>
+                <a:spcPts val="1200"/>
+              </a:spcBef>
+              <a:spcAft>
+                <a:spcPts val="0"/>
+              </a:spcAft>
+              <a:buClr>
+                <a:srgbClr val="000000"/>
+              </a:buClr>
+              <a:buSzPts val="2000"/>
+              <a:buFont typeface="Arial"/>
+              <a:buChar char="•"/>
+            </a:pPr>
+            <a:r>
+              <a:rPr lang="en-US" sz="2000">
+                <a:solidFill>
+                  <a:srgbClr val="000000"/>
+                </a:solidFill>
+              </a:rPr>
+              <a:t>Supporting copy here.</a:t>
+            </a:r>
+            <a:endParaRPr/>
+          </a:p>
+          <a:p>
+            <a:pPr marL="971550" lvl="1" indent="-285750" algn="l" rtl="0">
+              <a:lnSpc>
+                <a:spcPct val="90000"/>
+              </a:lnSpc>
+              <a:spcBef>
+                <a:spcPts val="600"/>
+              </a:spcBef>
+              <a:spcAft>
+                <a:spcPts val="0"/>
+              </a:spcAft>
+              <a:buClr>
+                <a:srgbClr val="000000"/>
+              </a:buClr>
+              <a:buSzPts val="1620"/>
+              <a:buFont typeface="Courier New"/>
+              <a:buChar char="o"/>
+            </a:pPr>
+            <a:r>
+              <a:rPr lang="en-US" sz="1800">
+                <a:solidFill>
+                  <a:srgbClr val="000000"/>
+                </a:solidFill>
+              </a:rPr>
+              <a:t>Secondary copy goes here.</a:t>
+            </a:r>
+            <a:br>
+              <a:rPr lang="en-US" sz="1800">
+                <a:solidFill>
+                  <a:srgbClr val="000000"/>
+                </a:solidFill>
+              </a:rPr>
+            </a:br>
+            <a:endParaRPr sz="1800">
+              <a:solidFill>
+                <a:srgbClr val="000000"/>
+              </a:solidFill>
+            </a:endParaRPr>
+          </a:p>
+          <a:p>
+            <a:pPr marL="514350" lvl="0" indent="-285750" algn="l" rtl="0">
+              <a:lnSpc>
+                <a:spcPct val="90000"/>
+              </a:lnSpc>
+              <a:spcBef>
+                <a:spcPts val="1200"/>
+              </a:spcBef>
+              <a:spcAft>
+                <a:spcPts val="0"/>
+              </a:spcAft>
+              <a:buClr>
+                <a:srgbClr val="000000"/>
+              </a:buClr>
+              <a:buSzPts val="2000"/>
+              <a:buFont typeface="Arial"/>
+              <a:buChar char="•"/>
+            </a:pPr>
+            <a:r>
+              <a:rPr lang="en-US" sz="2000">
+                <a:solidFill>
+                  <a:srgbClr val="000000"/>
+                </a:solidFill>
+              </a:rPr>
+              <a:t>Supporting copy here.</a:t>
+            </a:r>
+            <a:endParaRPr/>
+          </a:p>
+          <a:p>
+            <a:pPr marL="971550" lvl="1" indent="-285750" algn="l" rtl="0">
+              <a:lnSpc>
+                <a:spcPct val="90000"/>
+              </a:lnSpc>
+              <a:spcBef>
+                <a:spcPts val="600"/>
+              </a:spcBef>
+              <a:spcAft>
+                <a:spcPts val="0"/>
+              </a:spcAft>
+              <a:buClr>
+                <a:srgbClr val="000000"/>
+              </a:buClr>
+              <a:buSzPts val="1620"/>
+              <a:buFont typeface="Courier New"/>
+              <a:buChar char="o"/>
+            </a:pPr>
+            <a:r>
+              <a:rPr lang="en-US" sz="1800">
+                <a:solidFill>
+                  <a:srgbClr val="000000"/>
+                </a:solidFill>
+              </a:rPr>
+              <a:t>Secondary copy goes here.</a:t>
+            </a:r>
+            <a:br>
+              <a:rPr lang="en-US" sz="1800">
+                <a:solidFill>
+                  <a:srgbClr val="000000"/>
+                </a:solidFill>
+              </a:rPr>
+            </a:br>
+            <a:endParaRPr sz="1800">
+              <a:solidFill>
+                <a:srgbClr val="000000"/>
+              </a:solidFill>
+            </a:endParaRPr>
+          </a:p>
+          <a:p>
+            <a:pPr marL="514350" lvl="0" indent="-285750" algn="l" rtl="0">
+              <a:lnSpc>
+                <a:spcPct val="90000"/>
+              </a:lnSpc>
+              <a:spcBef>
+                <a:spcPts val="1200"/>
+              </a:spcBef>
+              <a:spcAft>
+                <a:spcPts val="0"/>
+              </a:spcAft>
+              <a:buClr>
+                <a:srgbClr val="000000"/>
+              </a:buClr>
+              <a:buSzPts val="2000"/>
+              <a:buFont typeface="Arial"/>
+              <a:buChar char="•"/>
+            </a:pPr>
+            <a:r>
+              <a:rPr lang="en-US" sz="2000">
+                <a:solidFill>
+                  <a:srgbClr val="000000"/>
+                </a:solidFill>
+              </a:rPr>
+              <a:t>Supporting copy here.</a:t>
+            </a:r>
+            <a:endParaRPr/>
+          </a:p>
+          <a:p>
+            <a:pPr marL="971550" lvl="1" indent="-285750" algn="l" rtl="0">
+              <a:lnSpc>
+                <a:spcPct val="90000"/>
+              </a:lnSpc>
+              <a:spcBef>
+                <a:spcPts val="600"/>
+              </a:spcBef>
+              <a:spcAft>
+                <a:spcPts val="0"/>
+              </a:spcAft>
+              <a:buClr>
+                <a:srgbClr val="000000"/>
+              </a:buClr>
+              <a:buSzPts val="1620"/>
+              <a:buFont typeface="Courier New"/>
+              <a:buChar char="o"/>
+            </a:pPr>
+            <a:r>
+              <a:rPr lang="en-US" sz="1800">
+                <a:solidFill>
+                  <a:srgbClr val="000000"/>
+                </a:solidFill>
+              </a:rPr>
+              <a:t>Secondary copy goes here.</a:t>
+            </a:r>
+            <a:endParaRPr/>
+          </a:p>
+          <a:p>
+            <a:pPr marL="971550" lvl="1" indent="-182880" algn="l" rtl="0">
+              <a:lnSpc>
+                <a:spcPct val="90000"/>
+              </a:lnSpc>
+              <a:spcBef>
+                <a:spcPts val="600"/>
+              </a:spcBef>
+              <a:spcAft>
+                <a:spcPts val="0"/>
+              </a:spcAft>
+              <a:buClr>
+                <a:srgbClr val="000000"/>
+              </a:buClr>
+              <a:buSzPts val="1620"/>
+              <a:buFont typeface="Courier New"/>
+              <a:buNone/>
+            </a:pPr>
+            <a:endParaRPr sz="1800">
+              <a:solidFill>
+                <a:srgbClr val="000000"/>
+              </a:solidFill>
+            </a:endParaRPr>
+          </a:p>
+          <a:p>
+            <a:pPr marL="0" lvl="0" indent="0" algn="l" rtl="0">
+              <a:lnSpc>
+                <a:spcPct val="90000"/>
+              </a:lnSpc>
+              <a:spcBef>
+                <a:spcPts val="0"/>
+              </a:spcBef>
+              <a:spcAft>
+                <a:spcPts val="0"/>
+              </a:spcAft>
+              <a:buClr>
+                <a:schemeClr val="dk1"/>
+              </a:buClr>
+              <a:buSzPts val="1800"/>
+              <a:buFont typeface="Arial"/>
+              <a:buNone/>
+            </a:pPr>
+            <a:endParaRPr/>
+          </a:p>
+        </p:txBody>
+      </p:sp>
+      <p:sp>
+        <p:nvSpPr>
+          <p:cNvPr id="147" name="Google Shape;147;p12"/>
+          <p:cNvSpPr txBox="1"/>
+          <p:nvPr/>
+        </p:nvSpPr>
+        <p:spPr>
+          <a:xfrm>
+            <a:off x="615192" y="856891"/>
+            <a:ext cx="10969943" cy="411480"/>
+          </a:xfrm>
+          <a:prstGeom prst="rect">
+            <a:avLst/>
+          </a:prstGeom>
+          <a:noFill/>
+          <a:ln>
+            <a:noFill/>
+          </a:ln>
+        </p:spPr>
+        <p:txBody>
+          <a:bodyPr spcFirstLastPara="1" wrap="square" lIns="0" tIns="0" rIns="0" bIns="0" anchor="t" anchorCtr="0">
+            <a:noAutofit/>
+          </a:bodyPr>
+          <a:lstStyle/>
+          <a:p>
+            <a:pPr marL="0" marR="0" lvl="0" indent="0" algn="l" rtl="0">
+              <a:lnSpc>
+                <a:spcPct val="90000"/>
+              </a:lnSpc>
+              <a:spcBef>
+                <a:spcPts val="0"/>
+              </a:spcBef>
+              <a:spcAft>
+                <a:spcPts val="0"/>
+              </a:spcAft>
+              <a:buClr>
+                <a:schemeClr val="dk1"/>
+              </a:buClr>
+              <a:buSzPts val="3200"/>
+              <a:buFont typeface="Arial"/>
+              <a:buNone/>
+            </a:pPr>
+            <a:r>
+              <a:rPr lang="en-US" sz="4000" b="1" i="0" u="none" strike="noStrike" cap="none">
+                <a:solidFill>
+                  <a:srgbClr val="161614"/>
+                </a:solidFill>
+                <a:latin typeface="Arial"/>
+                <a:ea typeface="Arial"/>
+                <a:cs typeface="Arial"/>
+                <a:sym typeface="Arial"/>
+              </a:rPr>
+              <a:t>CLICK TO ADD TITLE</a:t>
+            </a:r>
+            <a:endParaRPr sz="4000" b="1" i="0" u="none" strike="noStrike" cap="none">
+              <a:solidFill>
+                <a:srgbClr val="161614"/>
+              </a:solidFill>
+              <a:latin typeface="Arial"/>
+              <a:ea typeface="Arial"/>
+              <a:cs typeface="Arial"/>
+              <a:sym typeface="Arial"/>
+            </a:endParaRPr>
+          </a:p>
+        </p:txBody>
+      </p:sp>
+    </p:spTree>
+    <p:extLst>
+      <p:ext uri="{BB962C8B-B14F-4D97-AF65-F5344CB8AC3E}">
+        <p14:creationId xmlns:p14="http://schemas.microsoft.com/office/powerpoint/2010/main" val="1929960615"/>
+      </p:ext>
+    </p:extLst>
+  </p:cSld>
+  <p:clrMapOvr>
+    <a:masterClrMapping/>
+  </p:clrMapOvr>
+  <mc:AlternateContent xmlns:mc="http://schemas.openxmlformats.org/markup-compatibility/2006" xmlns:p14="http://schemas.microsoft.com/office/powerpoint/2010/main">
+    <mc:Choice Requires="p14">
+      <p:transition spd="med" p14:dur="700">
+        <p:fade/>
+      </p:transition>
+    </mc:Choice>
+    <mc:Fallback xmlns="" xmlns:mv="urn:schemas-microsoft-com:mac:vml" xmlns:c="http://schemas.openxmlformats.org/drawingml/2006/chart" xmlns:dgm="http://schemas.openxmlformats.org/drawingml/2006/diagram" xmlns:o="urn:schemas-microsoft-com:office:office" xmlns:v="urn:schemas-microsoft-com:vml" xmlns:pvml="urn:schemas-microsoft-com:office:powerpoint" xmlns:com="http://schemas.openxmlformats.org/drawingml/2006/compatibility" xmlns:p15="http://schemas.microsoft.com/office/powerpoint/2012/main">
+      <p:transition spd="slow">
+        <p:fade/>
+      </p:transition>
+    </mc:Fallback>
+  </mc:AlternateContent>
+</p:sld>
+</file>
+
+<file path=ppt/slides/slide9.xml><?xml version="1.0" encoding="utf-8"?>
+<p:sld xmlns:a="http://schemas.openxmlformats.org/drawingml/2006/main" xmlns:r="http://schemas.openxmlformats.org/officeDocument/2006/relationships" xmlns:p="http://schemas.openxmlformats.org/presentationml/2006/main">
+  <p:cSld>
+    <p:spTree>
+      <p:nvGrpSpPr>
+        <p:cNvPr id="1" name="Shape 145"/>
+        <p:cNvGrpSpPr/>
+        <p:nvPr/>
+      </p:nvGrpSpPr>
+      <p:grpSpPr>
+        <a:xfrm>
+          <a:off x="0" y="0"/>
+          <a:ext cx="0" cy="0"/>
+          <a:chOff x="0" y="0"/>
+          <a:chExt cx="0" cy="0"/>
+        </a:xfrm>
+      </p:grpSpPr>
+      <p:sp>
+        <p:nvSpPr>
+          <p:cNvPr id="146" name="Google Shape;146;p12"/>
+          <p:cNvSpPr txBox="1">
+            <a:spLocks noGrp="1"/>
+          </p:cNvSpPr>
+          <p:nvPr>
+            <p:ph type="body" idx="1"/>
+          </p:nvPr>
+        </p:nvSpPr>
+        <p:spPr>
+          <a:xfrm>
+            <a:off x="619125" y="2017713"/>
+            <a:ext cx="9532938" cy="3294062"/>
+          </a:xfrm>
+          <a:prstGeom prst="rect">
+            <a:avLst/>
+          </a:prstGeom>
+          <a:noFill/>
+          <a:ln>
+            <a:noFill/>
+          </a:ln>
+        </p:spPr>
+        <p:txBody>
+          <a:bodyPr spcFirstLastPara="1" wrap="square" lIns="0" tIns="0" rIns="0" bIns="0" anchor="t" anchorCtr="0">
+            <a:noAutofit/>
+          </a:bodyPr>
+          <a:lstStyle/>
+          <a:p>
+            <a:pPr marL="514350" lvl="0" indent="-285750" algn="l" rtl="0">
+              <a:lnSpc>
+                <a:spcPct val="90000"/>
+              </a:lnSpc>
+              <a:spcBef>
+                <a:spcPts val="1200"/>
+              </a:spcBef>
+              <a:spcAft>
+                <a:spcPts val="0"/>
+              </a:spcAft>
+              <a:buClr>
+                <a:srgbClr val="000000"/>
+              </a:buClr>
+              <a:buSzPts val="2000"/>
+              <a:buFont typeface="Arial"/>
+              <a:buChar char="•"/>
+            </a:pPr>
+            <a:r>
+              <a:rPr lang="en-US" sz="2000">
+                <a:solidFill>
+                  <a:srgbClr val="000000"/>
+                </a:solidFill>
+              </a:rPr>
+              <a:t>Supporting copy here.</a:t>
+            </a:r>
+            <a:endParaRPr/>
+          </a:p>
+          <a:p>
+            <a:pPr marL="971550" lvl="1" indent="-285750" algn="l" rtl="0">
+              <a:lnSpc>
+                <a:spcPct val="90000"/>
+              </a:lnSpc>
+              <a:spcBef>
+                <a:spcPts val="600"/>
+              </a:spcBef>
+              <a:spcAft>
+                <a:spcPts val="0"/>
+              </a:spcAft>
+              <a:buClr>
+                <a:srgbClr val="000000"/>
+              </a:buClr>
+              <a:buSzPts val="1620"/>
+              <a:buFont typeface="Courier New"/>
+              <a:buChar char="o"/>
+            </a:pPr>
+            <a:r>
+              <a:rPr lang="en-US" sz="1800">
+                <a:solidFill>
+                  <a:srgbClr val="000000"/>
+                </a:solidFill>
+              </a:rPr>
+              <a:t>Secondary copy goes here.</a:t>
+            </a:r>
+            <a:br>
+              <a:rPr lang="en-US" sz="1800">
+                <a:solidFill>
+                  <a:srgbClr val="000000"/>
+                </a:solidFill>
+              </a:rPr>
+            </a:br>
+            <a:endParaRPr sz="1800">
+              <a:solidFill>
+                <a:srgbClr val="000000"/>
+              </a:solidFill>
+            </a:endParaRPr>
+          </a:p>
+          <a:p>
+            <a:pPr marL="514350" lvl="0" indent="-285750" algn="l" rtl="0">
+              <a:lnSpc>
+                <a:spcPct val="90000"/>
+              </a:lnSpc>
+              <a:spcBef>
+                <a:spcPts val="1200"/>
+              </a:spcBef>
+              <a:spcAft>
+                <a:spcPts val="0"/>
+              </a:spcAft>
+              <a:buClr>
+                <a:srgbClr val="000000"/>
+              </a:buClr>
+              <a:buSzPts val="2000"/>
+              <a:buFont typeface="Arial"/>
+              <a:buChar char="•"/>
+            </a:pPr>
+            <a:r>
+              <a:rPr lang="en-US" sz="2000">
+                <a:solidFill>
+                  <a:srgbClr val="000000"/>
+                </a:solidFill>
+              </a:rPr>
+              <a:t>Supporting copy here.</a:t>
+            </a:r>
+            <a:endParaRPr/>
+          </a:p>
+          <a:p>
+            <a:pPr marL="971550" lvl="1" indent="-285750" algn="l" rtl="0">
+              <a:lnSpc>
+                <a:spcPct val="90000"/>
+              </a:lnSpc>
+              <a:spcBef>
+                <a:spcPts val="600"/>
+              </a:spcBef>
+              <a:spcAft>
+                <a:spcPts val="0"/>
+              </a:spcAft>
+              <a:buClr>
+                <a:srgbClr val="000000"/>
+              </a:buClr>
+              <a:buSzPts val="1620"/>
+              <a:buFont typeface="Courier New"/>
+              <a:buChar char="o"/>
+            </a:pPr>
+            <a:r>
+              <a:rPr lang="en-US" sz="1800">
+                <a:solidFill>
+                  <a:srgbClr val="000000"/>
+                </a:solidFill>
+              </a:rPr>
+              <a:t>Secondary copy goes here.</a:t>
+            </a:r>
+            <a:br>
+              <a:rPr lang="en-US" sz="1800">
+                <a:solidFill>
+                  <a:srgbClr val="000000"/>
+                </a:solidFill>
+              </a:rPr>
+            </a:br>
+            <a:endParaRPr sz="1800">
+              <a:solidFill>
+                <a:srgbClr val="000000"/>
+              </a:solidFill>
+            </a:endParaRPr>
+          </a:p>
+          <a:p>
+            <a:pPr marL="514350" lvl="0" indent="-285750" algn="l" rtl="0">
+              <a:lnSpc>
+                <a:spcPct val="90000"/>
+              </a:lnSpc>
+              <a:spcBef>
+                <a:spcPts val="1200"/>
+              </a:spcBef>
+              <a:spcAft>
+                <a:spcPts val="0"/>
+              </a:spcAft>
+              <a:buClr>
+                <a:srgbClr val="000000"/>
+              </a:buClr>
+              <a:buSzPts val="2000"/>
+              <a:buFont typeface="Arial"/>
+              <a:buChar char="•"/>
+            </a:pPr>
+            <a:r>
+              <a:rPr lang="en-US" sz="2000">
+                <a:solidFill>
+                  <a:srgbClr val="000000"/>
+                </a:solidFill>
+              </a:rPr>
+              <a:t>Supporting copy here.</a:t>
+            </a:r>
+            <a:endParaRPr/>
+          </a:p>
+          <a:p>
+            <a:pPr marL="971550" lvl="1" indent="-285750" algn="l" rtl="0">
+              <a:lnSpc>
+                <a:spcPct val="90000"/>
+              </a:lnSpc>
+              <a:spcBef>
+                <a:spcPts val="600"/>
+              </a:spcBef>
+              <a:spcAft>
+                <a:spcPts val="0"/>
+              </a:spcAft>
+              <a:buClr>
+                <a:srgbClr val="000000"/>
+              </a:buClr>
+              <a:buSzPts val="1620"/>
+              <a:buFont typeface="Courier New"/>
+              <a:buChar char="o"/>
+            </a:pPr>
+            <a:r>
+              <a:rPr lang="en-US" sz="1800">
+                <a:solidFill>
+                  <a:srgbClr val="000000"/>
+                </a:solidFill>
+              </a:rPr>
+              <a:t>Secondary copy goes here.</a:t>
+            </a:r>
+            <a:endParaRPr/>
+          </a:p>
+          <a:p>
+            <a:pPr marL="971550" lvl="1" indent="-182880" algn="l" rtl="0">
+              <a:lnSpc>
+                <a:spcPct val="90000"/>
+              </a:lnSpc>
+              <a:spcBef>
+                <a:spcPts val="600"/>
+              </a:spcBef>
+              <a:spcAft>
+                <a:spcPts val="0"/>
+              </a:spcAft>
+              <a:buClr>
+                <a:srgbClr val="000000"/>
+              </a:buClr>
+              <a:buSzPts val="1620"/>
+              <a:buFont typeface="Courier New"/>
+              <a:buNone/>
+            </a:pPr>
+            <a:endParaRPr sz="1800">
+              <a:solidFill>
+                <a:srgbClr val="000000"/>
+              </a:solidFill>
+            </a:endParaRPr>
+          </a:p>
+          <a:p>
+            <a:pPr marL="0" lvl="0" indent="0" algn="l" rtl="0">
+              <a:lnSpc>
+                <a:spcPct val="90000"/>
+              </a:lnSpc>
+              <a:spcBef>
+                <a:spcPts val="0"/>
+              </a:spcBef>
+              <a:spcAft>
+                <a:spcPts val="0"/>
+              </a:spcAft>
+              <a:buClr>
+                <a:schemeClr val="dk1"/>
+              </a:buClr>
+              <a:buSzPts val="1800"/>
+              <a:buFont typeface="Arial"/>
+              <a:buNone/>
+            </a:pPr>
+            <a:endParaRPr/>
+          </a:p>
+        </p:txBody>
+      </p:sp>
+      <p:sp>
+        <p:nvSpPr>
+          <p:cNvPr id="147" name="Google Shape;147;p12"/>
+          <p:cNvSpPr txBox="1"/>
+          <p:nvPr/>
+        </p:nvSpPr>
+        <p:spPr>
+          <a:xfrm>
+            <a:off x="615192" y="856891"/>
+            <a:ext cx="10969943" cy="411480"/>
+          </a:xfrm>
+          <a:prstGeom prst="rect">
+            <a:avLst/>
+          </a:prstGeom>
+          <a:noFill/>
+          <a:ln>
+            <a:noFill/>
+          </a:ln>
+        </p:spPr>
+        <p:txBody>
+          <a:bodyPr spcFirstLastPara="1" wrap="square" lIns="0" tIns="0" rIns="0" bIns="0" anchor="t" anchorCtr="0">
+            <a:noAutofit/>
+          </a:bodyPr>
+          <a:lstStyle/>
+          <a:p>
+            <a:pPr marL="0" marR="0" lvl="0" indent="0" algn="l" rtl="0">
+              <a:lnSpc>
+                <a:spcPct val="90000"/>
+              </a:lnSpc>
+              <a:spcBef>
+                <a:spcPts val="0"/>
+              </a:spcBef>
+              <a:spcAft>
+                <a:spcPts val="0"/>
+              </a:spcAft>
+              <a:buClr>
+                <a:schemeClr val="dk1"/>
+              </a:buClr>
+              <a:buSzPts val="3200"/>
+              <a:buFont typeface="Arial"/>
+              <a:buNone/>
+            </a:pPr>
+            <a:r>
+              <a:rPr lang="en-US" sz="4000" b="1" i="0" u="none" strike="noStrike" cap="none">
+                <a:solidFill>
+                  <a:srgbClr val="161614"/>
+                </a:solidFill>
+                <a:latin typeface="Arial"/>
+                <a:ea typeface="Arial"/>
+                <a:cs typeface="Arial"/>
+                <a:sym typeface="Arial"/>
+              </a:rPr>
+              <a:t>CLICK TO ADD TITLE</a:t>
+            </a:r>
+            <a:endParaRPr sz="4000" b="1" i="0" u="none" strike="noStrike" cap="none">
+              <a:solidFill>
+                <a:srgbClr val="161614"/>
+              </a:solidFill>
+              <a:latin typeface="Arial"/>
+              <a:ea typeface="Arial"/>
+              <a:cs typeface="Arial"/>
+              <a:sym typeface="Arial"/>
+            </a:endParaRPr>
+          </a:p>
+        </p:txBody>
+      </p:sp>
+    </p:spTree>
+    <p:extLst>
+      <p:ext uri="{BB962C8B-B14F-4D97-AF65-F5344CB8AC3E}">
+        <p14:creationId xmlns:p14="http://schemas.microsoft.com/office/powerpoint/2010/main" val="3567339343"/>
+      </p:ext>
+    </p:extLst>
+  </p:cSld>
+  <p:clrMapOvr>
+    <a:masterClrMapping/>
+  </p:clrMapOvr>
+  <mc:AlternateContent xmlns:mc="http://schemas.openxmlformats.org/markup-compatibility/2006" xmlns:p14="http://schemas.microsoft.com/office/powerpoint/2010/main">
+    <mc:Choice Requires="p14">
+      <p:transition spd="med" p14:dur="700">
+        <p:fade/>
+      </p:transition>
+    </mc:Choice>
+    <mc:Fallback xmlns="" xmlns:mv="urn:schemas-microsoft-com:mac:vml" xmlns:c="http://schemas.openxmlformats.org/drawingml/2006/chart" xmlns:dgm="http://schemas.openxmlformats.org/drawingml/2006/diagram" xmlns:o="urn:schemas-microsoft-com:office:office" xmlns:v="urn:schemas-microsoft-com:vml" xmlns:pvml="urn:schemas-microsoft-com:office:powerpoint" xmlns:com="http://schemas.openxmlformats.org/drawingml/2006/compatibility" xmlns:p15="http://schemas.microsoft.com/office/powerpoint/2012/main">
       <p:transition spd="slow">
         <p:fade/>
       </p:transition>

--- a/PLAYTV2020/matt-boles-video.pptx
+++ b/PLAYTV2020/matt-boles-video.pptx
@@ -6,7 +6,7 @@
     <p:sldMasterId id="2147483651" r:id="rId2"/>
   </p:sldMasterIdLst>
   <p:notesMasterIdLst>
-    <p:notesMasterId r:id="rId21"/>
+    <p:notesMasterId r:id="rId23"/>
   </p:notesMasterIdLst>
   <p:sldIdLst>
     <p:sldId id="257" r:id="rId3"/>
@@ -17,16 +17,18 @@
     <p:sldId id="271" r:id="rId8"/>
     <p:sldId id="272" r:id="rId9"/>
     <p:sldId id="273" r:id="rId10"/>
-    <p:sldId id="274" r:id="rId11"/>
-    <p:sldId id="260" r:id="rId12"/>
-    <p:sldId id="266" r:id="rId13"/>
-    <p:sldId id="261" r:id="rId14"/>
-    <p:sldId id="262" r:id="rId15"/>
-    <p:sldId id="263" r:id="rId16"/>
-    <p:sldId id="264" r:id="rId17"/>
-    <p:sldId id="265" r:id="rId18"/>
-    <p:sldId id="267" r:id="rId19"/>
-    <p:sldId id="268" r:id="rId20"/>
+    <p:sldId id="294" r:id="rId11"/>
+    <p:sldId id="274" r:id="rId12"/>
+    <p:sldId id="293" r:id="rId13"/>
+    <p:sldId id="260" r:id="rId14"/>
+    <p:sldId id="266" r:id="rId15"/>
+    <p:sldId id="261" r:id="rId16"/>
+    <p:sldId id="262" r:id="rId17"/>
+    <p:sldId id="263" r:id="rId18"/>
+    <p:sldId id="264" r:id="rId19"/>
+    <p:sldId id="265" r:id="rId20"/>
+    <p:sldId id="267" r:id="rId21"/>
+    <p:sldId id="268" r:id="rId22"/>
   </p:sldIdLst>
   <p:sldSz cx="12192000" cy="6858000"/>
   <p:notesSz cx="6858000" cy="9144000"/>
@@ -309,7 +311,7 @@
       </p15:notesGuideLst>
     </p:ext>
     <p:ext uri="http://customooxmlschemas.google.com/">
-      <go:slidesCustomData xmlns="" xmlns:mc="http://schemas.openxmlformats.org/markup-compatibility/2006" xmlns:mv="urn:schemas-microsoft-com:mac:vml" xmlns:c="http://schemas.openxmlformats.org/drawingml/2006/chart" xmlns:dgm="http://schemas.openxmlformats.org/drawingml/2006/diagram" xmlns:o="urn:schemas-microsoft-com:office:office" xmlns:v="urn:schemas-microsoft-com:vml" xmlns:pvml="urn:schemas-microsoft-com:office:powerpoint" xmlns:com="http://schemas.openxmlformats.org/drawingml/2006/compatibility" xmlns:p14="http://schemas.microsoft.com/office/powerpoint/2010/main" xmlns:p15="http://schemas.microsoft.com/office/powerpoint/2012/main" xmlns:go="http://customooxmlschemas.google.com/" r:id="rId22" roundtripDataSignature="AMtx7mhTXUsXJMZT1PuQXuqxCJc3N1Qu9w=="/>
+      <go:slidesCustomData xmlns:go="http://customooxmlschemas.google.com/" xmlns:p15="http://schemas.microsoft.com/office/powerpoint/2012/main" xmlns:p14="http://schemas.microsoft.com/office/powerpoint/2010/main" xmlns:com="http://schemas.openxmlformats.org/drawingml/2006/compatibility" xmlns:pvml="urn:schemas-microsoft-com:office:powerpoint" xmlns:v="urn:schemas-microsoft-com:vml" xmlns:o="urn:schemas-microsoft-com:office:office" xmlns:dgm="http://schemas.openxmlformats.org/drawingml/2006/diagram" xmlns:c="http://schemas.openxmlformats.org/drawingml/2006/chart" xmlns:mv="urn:schemas-microsoft-com:mac:vml" xmlns:mc="http://schemas.openxmlformats.org/markup-compatibility/2006" xmlns="" r:id="rId24" roundtripDataSignature="AMtx7mhTXUsXJMZT1PuQXuqxCJc3N1Qu9w=="/>
     </p:ext>
   </p:extLst>
 </p:presentation>
@@ -1359,6 +1361,242 @@
   <p:cSld>
     <p:spTree>
       <p:nvGrpSpPr>
+        <p:cNvPr id="1" name="Shape 142"/>
+        <p:cNvGrpSpPr/>
+        <p:nvPr/>
+      </p:nvGrpSpPr>
+      <p:grpSpPr>
+        <a:xfrm>
+          <a:off x="0" y="0"/>
+          <a:ext cx="0" cy="0"/>
+          <a:chOff x="0" y="0"/>
+          <a:chExt cx="0" cy="0"/>
+        </a:xfrm>
+      </p:grpSpPr>
+      <p:sp>
+        <p:nvSpPr>
+          <p:cNvPr id="143" name="Google Shape;143;p12:notes"/>
+          <p:cNvSpPr txBox="1">
+            <a:spLocks noGrp="1"/>
+          </p:cNvSpPr>
+          <p:nvPr>
+            <p:ph type="body" idx="1"/>
+          </p:nvPr>
+        </p:nvSpPr>
+        <p:spPr>
+          <a:xfrm>
+            <a:off x="381000" y="3124200"/>
+            <a:ext cx="6096000" cy="5334000"/>
+          </a:xfrm>
+          <a:prstGeom prst="rect">
+            <a:avLst/>
+          </a:prstGeom>
+          <a:noFill/>
+          <a:ln>
+            <a:noFill/>
+          </a:ln>
+        </p:spPr>
+        <p:txBody>
+          <a:bodyPr spcFirstLastPara="1" wrap="square" lIns="0" tIns="0" rIns="0" bIns="0" anchor="t" anchorCtr="0">
+            <a:noAutofit/>
+          </a:bodyPr>
+          <a:lstStyle/>
+          <a:p>
+            <a:pPr marL="0" lvl="0" indent="0" algn="l" rtl="0">
+              <a:lnSpc>
+                <a:spcPct val="100000"/>
+              </a:lnSpc>
+              <a:spcBef>
+                <a:spcPts val="600"/>
+              </a:spcBef>
+              <a:spcAft>
+                <a:spcPts val="0"/>
+              </a:spcAft>
+              <a:buSzPts val="275"/>
+              <a:buNone/>
+            </a:pPr>
+            <a:endParaRPr/>
+          </a:p>
+        </p:txBody>
+      </p:sp>
+      <p:sp>
+        <p:nvSpPr>
+          <p:cNvPr id="144" name="Google Shape;144;p12:notes"/>
+          <p:cNvSpPr>
+            <a:spLocks noGrp="1" noRot="1" noChangeAspect="1"/>
+          </p:cNvSpPr>
+          <p:nvPr>
+            <p:ph type="sldImg" idx="2"/>
+          </p:nvPr>
+        </p:nvSpPr>
+        <p:spPr>
+          <a:xfrm>
+            <a:off x="381000" y="381000"/>
+            <a:ext cx="4572000" cy="2573338"/>
+          </a:xfrm>
+          <a:custGeom>
+            <a:avLst/>
+            <a:gdLst/>
+            <a:ahLst/>
+            <a:cxnLst/>
+            <a:rect l="l" t="t" r="r" b="b"/>
+            <a:pathLst>
+              <a:path w="120000" h="120000" extrusionOk="0">
+                <a:moveTo>
+                  <a:pt x="0" y="0"/>
+                </a:moveTo>
+                <a:lnTo>
+                  <a:pt x="120000" y="0"/>
+                </a:lnTo>
+                <a:lnTo>
+                  <a:pt x="120000" y="120000"/>
+                </a:lnTo>
+                <a:lnTo>
+                  <a:pt x="0" y="120000"/>
+                </a:lnTo>
+                <a:close/>
+              </a:path>
+            </a:pathLst>
+          </a:custGeom>
+          <a:noFill/>
+          <a:ln w="12700" cap="flat" cmpd="sng">
+            <a:solidFill>
+              <a:srgbClr val="000000"/>
+            </a:solidFill>
+            <a:prstDash val="solid"/>
+            <a:round/>
+            <a:headEnd type="none" w="sm" len="sm"/>
+            <a:tailEnd type="none" w="sm" len="sm"/>
+          </a:ln>
+        </p:spPr>
+      </p:sp>
+    </p:spTree>
+    <p:extLst>
+      <p:ext uri="{BB962C8B-B14F-4D97-AF65-F5344CB8AC3E}">
+        <p14:creationId xmlns:p14="http://schemas.microsoft.com/office/powerpoint/2010/main" val="562289869"/>
+      </p:ext>
+    </p:extLst>
+  </p:cSld>
+  <p:clrMapOvr>
+    <a:masterClrMapping/>
+  </p:clrMapOvr>
+</p:notes>
+</file>
+
+<file path=ppt/notesSlides/notesSlide11.xml><?xml version="1.0" encoding="utf-8"?>
+<p:notes xmlns:a="http://schemas.openxmlformats.org/drawingml/2006/main" xmlns:r="http://schemas.openxmlformats.org/officeDocument/2006/relationships" xmlns:p="http://schemas.openxmlformats.org/presentationml/2006/main" showMasterSp="0" showMasterPhAnim="0">
+  <p:cSld>
+    <p:spTree>
+      <p:nvGrpSpPr>
+        <p:cNvPr id="1" name="Shape 207"/>
+        <p:cNvGrpSpPr/>
+        <p:nvPr/>
+      </p:nvGrpSpPr>
+      <p:grpSpPr>
+        <a:xfrm>
+          <a:off x="0" y="0"/>
+          <a:ext cx="0" cy="0"/>
+          <a:chOff x="0" y="0"/>
+          <a:chExt cx="0" cy="0"/>
+        </a:xfrm>
+      </p:grpSpPr>
+      <p:sp>
+        <p:nvSpPr>
+          <p:cNvPr id="208" name="Google Shape;208;p11:notes"/>
+          <p:cNvSpPr txBox="1">
+            <a:spLocks noGrp="1"/>
+          </p:cNvSpPr>
+          <p:nvPr>
+            <p:ph type="body" idx="1"/>
+          </p:nvPr>
+        </p:nvSpPr>
+        <p:spPr>
+          <a:xfrm>
+            <a:off x="685800" y="4400550"/>
+            <a:ext cx="5486400" cy="3600450"/>
+          </a:xfrm>
+          <a:prstGeom prst="rect">
+            <a:avLst/>
+          </a:prstGeom>
+        </p:spPr>
+        <p:txBody>
+          <a:bodyPr spcFirstLastPara="1" wrap="square" lIns="91425" tIns="45700" rIns="91425" bIns="45700" anchor="t" anchorCtr="0">
+            <a:noAutofit/>
+          </a:bodyPr>
+          <a:lstStyle/>
+          <a:p>
+            <a:pPr marL="0" lvl="0" indent="0" algn="l" rtl="0">
+              <a:spcBef>
+                <a:spcPts val="0"/>
+              </a:spcBef>
+              <a:spcAft>
+                <a:spcPts val="0"/>
+              </a:spcAft>
+              <a:buNone/>
+            </a:pPr>
+            <a:endParaRPr/>
+          </a:p>
+        </p:txBody>
+      </p:sp>
+      <p:sp>
+        <p:nvSpPr>
+          <p:cNvPr id="209" name="Google Shape;209;p11:notes"/>
+          <p:cNvSpPr>
+            <a:spLocks noGrp="1" noRot="1" noChangeAspect="1"/>
+          </p:cNvSpPr>
+          <p:nvPr>
+            <p:ph type="sldImg" idx="2"/>
+          </p:nvPr>
+        </p:nvSpPr>
+        <p:spPr>
+          <a:xfrm>
+            <a:off x="685800" y="1143000"/>
+            <a:ext cx="5486400" cy="3086100"/>
+          </a:xfrm>
+          <a:custGeom>
+            <a:avLst/>
+            <a:gdLst/>
+            <a:ahLst/>
+            <a:cxnLst/>
+            <a:rect l="l" t="t" r="r" b="b"/>
+            <a:pathLst>
+              <a:path w="120000" h="120000" extrusionOk="0">
+                <a:moveTo>
+                  <a:pt x="0" y="0"/>
+                </a:moveTo>
+                <a:lnTo>
+                  <a:pt x="120000" y="0"/>
+                </a:lnTo>
+                <a:lnTo>
+                  <a:pt x="120000" y="120000"/>
+                </a:lnTo>
+                <a:lnTo>
+                  <a:pt x="0" y="120000"/>
+                </a:lnTo>
+                <a:close/>
+              </a:path>
+            </a:pathLst>
+          </a:custGeom>
+        </p:spPr>
+      </p:sp>
+    </p:spTree>
+    <p:extLst>
+      <p:ext uri="{BB962C8B-B14F-4D97-AF65-F5344CB8AC3E}">
+        <p14:creationId xmlns:p14="http://schemas.microsoft.com/office/powerpoint/2010/main" val="465917021"/>
+      </p:ext>
+    </p:extLst>
+  </p:cSld>
+  <p:clrMapOvr>
+    <a:masterClrMapping/>
+  </p:clrMapOvr>
+</p:notes>
+</file>
+
+<file path=ppt/notesSlides/notesSlide12.xml><?xml version="1.0" encoding="utf-8"?>
+<p:notes xmlns:a="http://schemas.openxmlformats.org/drawingml/2006/main" xmlns:r="http://schemas.openxmlformats.org/officeDocument/2006/relationships" xmlns:p="http://schemas.openxmlformats.org/presentationml/2006/main" showMasterSp="0" showMasterPhAnim="0">
+  <p:cSld>
+    <p:spTree>
+      <p:nvGrpSpPr>
         <p:cNvPr id="1" name="Shape 101"/>
         <p:cNvGrpSpPr/>
         <p:nvPr/>
@@ -1476,7 +1714,7 @@
 </p:notes>
 </file>
 
-<file path=ppt/notesSlides/notesSlide11.xml><?xml version="1.0" encoding="utf-8"?>
+<file path=ppt/notesSlides/notesSlide13.xml><?xml version="1.0" encoding="utf-8"?>
 <p:notes xmlns:a="http://schemas.openxmlformats.org/drawingml/2006/main" xmlns:r="http://schemas.openxmlformats.org/officeDocument/2006/relationships" xmlns:p="http://schemas.openxmlformats.org/presentationml/2006/main" showMasterSp="0" showMasterPhAnim="0">
   <p:cSld>
     <p:spTree>
@@ -1598,7 +1836,7 @@
 </p:notes>
 </file>
 
-<file path=ppt/notesSlides/notesSlide12.xml><?xml version="1.0" encoding="utf-8"?>
+<file path=ppt/notesSlides/notesSlide14.xml><?xml version="1.0" encoding="utf-8"?>
 <p:notes xmlns:a="http://schemas.openxmlformats.org/drawingml/2006/main" xmlns:r="http://schemas.openxmlformats.org/officeDocument/2006/relationships" xmlns:p="http://schemas.openxmlformats.org/presentationml/2006/main" showMasterSp="0" showMasterPhAnim="0">
   <p:cSld>
     <p:spTree>
@@ -1720,7 +1958,7 @@
 </p:notes>
 </file>
 
-<file path=ppt/notesSlides/notesSlide13.xml><?xml version="1.0" encoding="utf-8"?>
+<file path=ppt/notesSlides/notesSlide15.xml><?xml version="1.0" encoding="utf-8"?>
 <p:notes xmlns:a="http://schemas.openxmlformats.org/drawingml/2006/main" xmlns:r="http://schemas.openxmlformats.org/officeDocument/2006/relationships" xmlns:p="http://schemas.openxmlformats.org/presentationml/2006/main" showMasterSp="0" showMasterPhAnim="0">
   <p:cSld>
     <p:spTree>
@@ -1842,7 +2080,7 @@
 </p:notes>
 </file>
 
-<file path=ppt/notesSlides/notesSlide14.xml><?xml version="1.0" encoding="utf-8"?>
+<file path=ppt/notesSlides/notesSlide16.xml><?xml version="1.0" encoding="utf-8"?>
 <p:notes xmlns:a="http://schemas.openxmlformats.org/drawingml/2006/main" xmlns:r="http://schemas.openxmlformats.org/officeDocument/2006/relationships" xmlns:p="http://schemas.openxmlformats.org/presentationml/2006/main" showMasterSp="0" showMasterPhAnim="0">
   <p:cSld>
     <p:spTree>
@@ -1964,7 +2202,7 @@
 </p:notes>
 </file>
 
-<file path=ppt/notesSlides/notesSlide15.xml><?xml version="1.0" encoding="utf-8"?>
+<file path=ppt/notesSlides/notesSlide17.xml><?xml version="1.0" encoding="utf-8"?>
 <p:notes xmlns:a="http://schemas.openxmlformats.org/drawingml/2006/main" xmlns:r="http://schemas.openxmlformats.org/officeDocument/2006/relationships" xmlns:p="http://schemas.openxmlformats.org/presentationml/2006/main" showMasterSp="0" showMasterPhAnim="0">
   <p:cSld>
     <p:spTree>
@@ -2086,7 +2324,7 @@
 </p:notes>
 </file>
 
-<file path=ppt/notesSlides/notesSlide16.xml><?xml version="1.0" encoding="utf-8"?>
+<file path=ppt/notesSlides/notesSlide18.xml><?xml version="1.0" encoding="utf-8"?>
 <p:notes xmlns:a="http://schemas.openxmlformats.org/drawingml/2006/main" xmlns:r="http://schemas.openxmlformats.org/officeDocument/2006/relationships" xmlns:p="http://schemas.openxmlformats.org/presentationml/2006/main" showMasterSp="0" showMasterPhAnim="0">
   <p:cSld>
     <p:spTree>
@@ -2208,7 +2446,7 @@
 </p:notes>
 </file>
 
-<file path=ppt/notesSlides/notesSlide17.xml><?xml version="1.0" encoding="utf-8"?>
+<file path=ppt/notesSlides/notesSlide19.xml><?xml version="1.0" encoding="utf-8"?>
 <p:notes xmlns:a="http://schemas.openxmlformats.org/drawingml/2006/main" xmlns:r="http://schemas.openxmlformats.org/officeDocument/2006/relationships" xmlns:p="http://schemas.openxmlformats.org/presentationml/2006/main" showMasterSp="0" showMasterPhAnim="0">
   <p:cSld>
     <p:spTree>
@@ -2274,128 +2512,6 @@
       <p:sp>
         <p:nvSpPr>
           <p:cNvPr id="150" name="Google Shape;150;p14:notes"/>
-          <p:cNvSpPr>
-            <a:spLocks noGrp="1" noRot="1" noChangeAspect="1"/>
-          </p:cNvSpPr>
-          <p:nvPr>
-            <p:ph type="sldImg" idx="2"/>
-          </p:nvPr>
-        </p:nvSpPr>
-        <p:spPr>
-          <a:xfrm>
-            <a:off x="381000" y="381000"/>
-            <a:ext cx="4572000" cy="2573338"/>
-          </a:xfrm>
-          <a:custGeom>
-            <a:avLst/>
-            <a:gdLst/>
-            <a:ahLst/>
-            <a:cxnLst/>
-            <a:rect l="l" t="t" r="r" b="b"/>
-            <a:pathLst>
-              <a:path w="120000" h="120000" extrusionOk="0">
-                <a:moveTo>
-                  <a:pt x="0" y="0"/>
-                </a:moveTo>
-                <a:lnTo>
-                  <a:pt x="120000" y="0"/>
-                </a:lnTo>
-                <a:lnTo>
-                  <a:pt x="120000" y="120000"/>
-                </a:lnTo>
-                <a:lnTo>
-                  <a:pt x="0" y="120000"/>
-                </a:lnTo>
-                <a:close/>
-              </a:path>
-            </a:pathLst>
-          </a:custGeom>
-          <a:noFill/>
-          <a:ln w="12700" cap="flat" cmpd="sng">
-            <a:solidFill>
-              <a:srgbClr val="000000"/>
-            </a:solidFill>
-            <a:prstDash val="solid"/>
-            <a:round/>
-            <a:headEnd type="none" w="sm" len="sm"/>
-            <a:tailEnd type="none" w="sm" len="sm"/>
-          </a:ln>
-        </p:spPr>
-      </p:sp>
-    </p:spTree>
-  </p:cSld>
-  <p:clrMapOvr>
-    <a:masterClrMapping/>
-  </p:clrMapOvr>
-</p:notes>
-</file>
-
-<file path=ppt/notesSlides/notesSlide18.xml><?xml version="1.0" encoding="utf-8"?>
-<p:notes xmlns:a="http://schemas.openxmlformats.org/drawingml/2006/main" xmlns:r="http://schemas.openxmlformats.org/officeDocument/2006/relationships" xmlns:p="http://schemas.openxmlformats.org/presentationml/2006/main" showMasterSp="0" showMasterPhAnim="0">
-  <p:cSld>
-    <p:spTree>
-      <p:nvGrpSpPr>
-        <p:cNvPr id="1" name="Shape 155"/>
-        <p:cNvGrpSpPr/>
-        <p:nvPr/>
-      </p:nvGrpSpPr>
-      <p:grpSpPr>
-        <a:xfrm>
-          <a:off x="0" y="0"/>
-          <a:ext cx="0" cy="0"/>
-          <a:chOff x="0" y="0"/>
-          <a:chExt cx="0" cy="0"/>
-        </a:xfrm>
-      </p:grpSpPr>
-      <p:sp>
-        <p:nvSpPr>
-          <p:cNvPr id="156" name="Google Shape;156;p16:notes"/>
-          <p:cNvSpPr txBox="1">
-            <a:spLocks noGrp="1"/>
-          </p:cNvSpPr>
-          <p:nvPr>
-            <p:ph type="body" idx="1"/>
-          </p:nvPr>
-        </p:nvSpPr>
-        <p:spPr>
-          <a:xfrm>
-            <a:off x="381000" y="3124200"/>
-            <a:ext cx="6096000" cy="5334000"/>
-          </a:xfrm>
-          <a:prstGeom prst="rect">
-            <a:avLst/>
-          </a:prstGeom>
-          <a:noFill/>
-          <a:ln>
-            <a:noFill/>
-          </a:ln>
-        </p:spPr>
-        <p:txBody>
-          <a:bodyPr spcFirstLastPara="1" wrap="square" lIns="0" tIns="0" rIns="0" bIns="0" anchor="t" anchorCtr="0">
-            <a:noAutofit/>
-          </a:bodyPr>
-          <a:lstStyle/>
-          <a:p>
-            <a:pPr marL="0" lvl="0" indent="0" algn="l" rtl="0">
-              <a:lnSpc>
-                <a:spcPct val="100000"/>
-              </a:lnSpc>
-              <a:spcBef>
-                <a:spcPts val="600"/>
-              </a:spcBef>
-              <a:spcAft>
-                <a:spcPts val="0"/>
-              </a:spcAft>
-              <a:buSzPts val="275"/>
-              <a:buNone/>
-            </a:pPr>
-            <a:endParaRPr/>
-          </a:p>
-        </p:txBody>
-      </p:sp>
-      <p:sp>
-        <p:nvSpPr>
-          <p:cNvPr id="157" name="Google Shape;157;p16:notes"/>
           <p:cNvSpPr>
             <a:spLocks noGrp="1" noRot="1" noChangeAspect="1"/>
           </p:cNvSpPr>
@@ -2628,6 +2744,128 @@
 </p:notes>
 </file>
 
+<file path=ppt/notesSlides/notesSlide20.xml><?xml version="1.0" encoding="utf-8"?>
+<p:notes xmlns:a="http://schemas.openxmlformats.org/drawingml/2006/main" xmlns:r="http://schemas.openxmlformats.org/officeDocument/2006/relationships" xmlns:p="http://schemas.openxmlformats.org/presentationml/2006/main" showMasterSp="0" showMasterPhAnim="0">
+  <p:cSld>
+    <p:spTree>
+      <p:nvGrpSpPr>
+        <p:cNvPr id="1" name="Shape 155"/>
+        <p:cNvGrpSpPr/>
+        <p:nvPr/>
+      </p:nvGrpSpPr>
+      <p:grpSpPr>
+        <a:xfrm>
+          <a:off x="0" y="0"/>
+          <a:ext cx="0" cy="0"/>
+          <a:chOff x="0" y="0"/>
+          <a:chExt cx="0" cy="0"/>
+        </a:xfrm>
+      </p:grpSpPr>
+      <p:sp>
+        <p:nvSpPr>
+          <p:cNvPr id="156" name="Google Shape;156;p16:notes"/>
+          <p:cNvSpPr txBox="1">
+            <a:spLocks noGrp="1"/>
+          </p:cNvSpPr>
+          <p:nvPr>
+            <p:ph type="body" idx="1"/>
+          </p:nvPr>
+        </p:nvSpPr>
+        <p:spPr>
+          <a:xfrm>
+            <a:off x="381000" y="3124200"/>
+            <a:ext cx="6096000" cy="5334000"/>
+          </a:xfrm>
+          <a:prstGeom prst="rect">
+            <a:avLst/>
+          </a:prstGeom>
+          <a:noFill/>
+          <a:ln>
+            <a:noFill/>
+          </a:ln>
+        </p:spPr>
+        <p:txBody>
+          <a:bodyPr spcFirstLastPara="1" wrap="square" lIns="0" tIns="0" rIns="0" bIns="0" anchor="t" anchorCtr="0">
+            <a:noAutofit/>
+          </a:bodyPr>
+          <a:lstStyle/>
+          <a:p>
+            <a:pPr marL="0" lvl="0" indent="0" algn="l" rtl="0">
+              <a:lnSpc>
+                <a:spcPct val="100000"/>
+              </a:lnSpc>
+              <a:spcBef>
+                <a:spcPts val="600"/>
+              </a:spcBef>
+              <a:spcAft>
+                <a:spcPts val="0"/>
+              </a:spcAft>
+              <a:buSzPts val="275"/>
+              <a:buNone/>
+            </a:pPr>
+            <a:endParaRPr/>
+          </a:p>
+        </p:txBody>
+      </p:sp>
+      <p:sp>
+        <p:nvSpPr>
+          <p:cNvPr id="157" name="Google Shape;157;p16:notes"/>
+          <p:cNvSpPr>
+            <a:spLocks noGrp="1" noRot="1" noChangeAspect="1"/>
+          </p:cNvSpPr>
+          <p:nvPr>
+            <p:ph type="sldImg" idx="2"/>
+          </p:nvPr>
+        </p:nvSpPr>
+        <p:spPr>
+          <a:xfrm>
+            <a:off x="381000" y="381000"/>
+            <a:ext cx="4572000" cy="2573338"/>
+          </a:xfrm>
+          <a:custGeom>
+            <a:avLst/>
+            <a:gdLst/>
+            <a:ahLst/>
+            <a:cxnLst/>
+            <a:rect l="l" t="t" r="r" b="b"/>
+            <a:pathLst>
+              <a:path w="120000" h="120000" extrusionOk="0">
+                <a:moveTo>
+                  <a:pt x="0" y="0"/>
+                </a:moveTo>
+                <a:lnTo>
+                  <a:pt x="120000" y="0"/>
+                </a:lnTo>
+                <a:lnTo>
+                  <a:pt x="120000" y="120000"/>
+                </a:lnTo>
+                <a:lnTo>
+                  <a:pt x="0" y="120000"/>
+                </a:lnTo>
+                <a:close/>
+              </a:path>
+            </a:pathLst>
+          </a:custGeom>
+          <a:noFill/>
+          <a:ln w="12700" cap="flat" cmpd="sng">
+            <a:solidFill>
+              <a:srgbClr val="000000"/>
+            </a:solidFill>
+            <a:prstDash val="solid"/>
+            <a:round/>
+            <a:headEnd type="none" w="sm" len="sm"/>
+            <a:tailEnd type="none" w="sm" len="sm"/>
+          </a:ln>
+        </p:spPr>
+      </p:sp>
+    </p:spTree>
+  </p:cSld>
+  <p:clrMapOvr>
+    <a:masterClrMapping/>
+  </p:clrMapOvr>
+</p:notes>
+</file>
+
 <file path=ppt/notesSlides/notesSlide3.xml><?xml version="1.0" encoding="utf-8"?>
 <p:notes xmlns:a="http://schemas.openxmlformats.org/drawingml/2006/main" xmlns:r="http://schemas.openxmlformats.org/officeDocument/2006/relationships" xmlns:p="http://schemas.openxmlformats.org/presentationml/2006/main" showMasterSp="0" showMasterPhAnim="0">
   <p:cSld>
@@ -3390,7 +3628,7 @@
   <p:cSld>
     <p:spTree>
       <p:nvGrpSpPr>
-        <p:cNvPr id="1" name="Shape 142"/>
+        <p:cNvPr id="1" name="Shape 95"/>
         <p:cNvGrpSpPr/>
         <p:nvPr/>
       </p:nvGrpSpPr>
@@ -3404,7 +3642,7 @@
       </p:grpSpPr>
       <p:sp>
         <p:nvSpPr>
-          <p:cNvPr id="143" name="Google Shape;143;p12:notes"/>
+          <p:cNvPr id="96" name="Google Shape;96;p3:notes"/>
           <p:cNvSpPr txBox="1">
             <a:spLocks noGrp="1"/>
           </p:cNvSpPr>
@@ -3450,7 +3688,7 @@
       </p:sp>
       <p:sp>
         <p:nvSpPr>
-          <p:cNvPr id="144" name="Google Shape;144;p12:notes"/>
+          <p:cNvPr id="97" name="Google Shape;97;p3:notes"/>
           <p:cNvSpPr>
             <a:spLocks noGrp="1" noRot="1" noChangeAspect="1"/>
           </p:cNvSpPr>
@@ -3502,7 +3740,7 @@
     </p:spTree>
     <p:extLst>
       <p:ext uri="{BB962C8B-B14F-4D97-AF65-F5344CB8AC3E}">
-        <p14:creationId xmlns:p14="http://schemas.microsoft.com/office/powerpoint/2010/main" val="562289869"/>
+        <p14:creationId xmlns:p14="http://schemas.microsoft.com/office/powerpoint/2010/main" val="1465713369"/>
       </p:ext>
     </p:extLst>
   </p:cSld>
@@ -4306,7 +4544,7 @@
         <p:fade/>
       </p:transition>
     </mc:Choice>
-    <mc:Fallback xmlns="" xmlns:mv="urn:schemas-microsoft-com:mac:vml" xmlns:c="http://schemas.openxmlformats.org/drawingml/2006/chart" xmlns:dgm="http://schemas.openxmlformats.org/drawingml/2006/diagram" xmlns:o="urn:schemas-microsoft-com:office:office" xmlns:v="urn:schemas-microsoft-com:vml" xmlns:pvml="urn:schemas-microsoft-com:office:powerpoint" xmlns:com="http://schemas.openxmlformats.org/drawingml/2006/compatibility" xmlns:p15="http://schemas.microsoft.com/office/powerpoint/2012/main">
+    <mc:Fallback xmlns:p15="http://schemas.microsoft.com/office/powerpoint/2012/main" xmlns:com="http://schemas.openxmlformats.org/drawingml/2006/compatibility" xmlns:pvml="urn:schemas-microsoft-com:office:powerpoint" xmlns:v="urn:schemas-microsoft-com:vml" xmlns:o="urn:schemas-microsoft-com:office:office" xmlns:dgm="http://schemas.openxmlformats.org/drawingml/2006/diagram" xmlns:c="http://schemas.openxmlformats.org/drawingml/2006/chart" xmlns:mv="urn:schemas-microsoft-com:mac:vml" xmlns="">
       <p:transition spd="slow">
         <p:fade/>
       </p:transition>
@@ -4714,7 +4952,7 @@
         <p:fade/>
       </p:transition>
     </mc:Choice>
-    <mc:Fallback xmlns="" xmlns:mv="urn:schemas-microsoft-com:mac:vml" xmlns:c="http://schemas.openxmlformats.org/drawingml/2006/chart" xmlns:dgm="http://schemas.openxmlformats.org/drawingml/2006/diagram" xmlns:o="urn:schemas-microsoft-com:office:office" xmlns:v="urn:schemas-microsoft-com:vml" xmlns:pvml="urn:schemas-microsoft-com:office:powerpoint" xmlns:com="http://schemas.openxmlformats.org/drawingml/2006/compatibility" xmlns:p15="http://schemas.microsoft.com/office/powerpoint/2012/main">
+    <mc:Fallback xmlns:p15="http://schemas.microsoft.com/office/powerpoint/2012/main" xmlns:com="http://schemas.openxmlformats.org/drawingml/2006/compatibility" xmlns:pvml="urn:schemas-microsoft-com:office:powerpoint" xmlns:v="urn:schemas-microsoft-com:vml" xmlns:o="urn:schemas-microsoft-com:office:office" xmlns:dgm="http://schemas.openxmlformats.org/drawingml/2006/diagram" xmlns:c="http://schemas.openxmlformats.org/drawingml/2006/chart" xmlns:mv="urn:schemas-microsoft-com:mac:vml" xmlns="">
       <p:transition spd="slow">
         <p:fade/>
       </p:transition>
@@ -4939,7 +5177,7 @@
         <p:fade/>
       </p:transition>
     </mc:Choice>
-    <mc:Fallback xmlns="" xmlns:mv="urn:schemas-microsoft-com:mac:vml" xmlns:c="http://schemas.openxmlformats.org/drawingml/2006/chart" xmlns:dgm="http://schemas.openxmlformats.org/drawingml/2006/diagram" xmlns:o="urn:schemas-microsoft-com:office:office" xmlns:v="urn:schemas-microsoft-com:vml" xmlns:pvml="urn:schemas-microsoft-com:office:powerpoint" xmlns:com="http://schemas.openxmlformats.org/drawingml/2006/compatibility" xmlns:p15="http://schemas.microsoft.com/office/powerpoint/2012/main">
+    <mc:Fallback xmlns:p15="http://schemas.microsoft.com/office/powerpoint/2012/main" xmlns:com="http://schemas.openxmlformats.org/drawingml/2006/compatibility" xmlns:pvml="urn:schemas-microsoft-com:office:powerpoint" xmlns:v="urn:schemas-microsoft-com:vml" xmlns:o="urn:schemas-microsoft-com:office:office" xmlns:dgm="http://schemas.openxmlformats.org/drawingml/2006/diagram" xmlns:c="http://schemas.openxmlformats.org/drawingml/2006/chart" xmlns:mv="urn:schemas-microsoft-com:mac:vml" xmlns="">
       <p:transition spd="slow">
         <p:fade/>
       </p:transition>
@@ -5324,12 +5562,422 @@
         <p:fade/>
       </p:transition>
     </mc:Choice>
-    <mc:Fallback xmlns="" xmlns:mv="urn:schemas-microsoft-com:mac:vml" xmlns:c="http://schemas.openxmlformats.org/drawingml/2006/chart" xmlns:dgm="http://schemas.openxmlformats.org/drawingml/2006/diagram" xmlns:o="urn:schemas-microsoft-com:office:office" xmlns:v="urn:schemas-microsoft-com:vml" xmlns:pvml="urn:schemas-microsoft-com:office:powerpoint" xmlns:com="http://schemas.openxmlformats.org/drawingml/2006/compatibility" xmlns:p15="http://schemas.microsoft.com/office/powerpoint/2012/main">
+    <mc:Fallback xmlns:p15="http://schemas.microsoft.com/office/powerpoint/2012/main" xmlns:com="http://schemas.openxmlformats.org/drawingml/2006/compatibility" xmlns:pvml="urn:schemas-microsoft-com:office:powerpoint" xmlns:v="urn:schemas-microsoft-com:vml" xmlns:o="urn:schemas-microsoft-com:office:office" xmlns:dgm="http://schemas.openxmlformats.org/drawingml/2006/diagram" xmlns:c="http://schemas.openxmlformats.org/drawingml/2006/chart" xmlns:mv="urn:schemas-microsoft-com:mac:vml" xmlns="">
       <p:transition spd="slow">
         <p:fade/>
       </p:transition>
     </mc:Fallback>
   </mc:AlternateContent>
+</p:sldLayout>
+</file>
+
+<file path=ppt/slideLayouts/slideLayout13.xml><?xml version="1.0" encoding="utf-8"?>
+<p:sldLayout xmlns:a="http://schemas.openxmlformats.org/drawingml/2006/main" xmlns:r="http://schemas.openxmlformats.org/officeDocument/2006/relationships" xmlns:p="http://schemas.openxmlformats.org/presentationml/2006/main" matchingName="Full-No Subtitle">
+  <p:cSld name="Full-No Subtitle">
+    <p:spTree>
+      <p:nvGrpSpPr>
+        <p:cNvPr id="1" name="Shape 60"/>
+        <p:cNvGrpSpPr/>
+        <p:nvPr/>
+      </p:nvGrpSpPr>
+      <p:grpSpPr>
+        <a:xfrm>
+          <a:off x="0" y="0"/>
+          <a:ext cx="0" cy="0"/>
+          <a:chOff x="0" y="0"/>
+          <a:chExt cx="0" cy="0"/>
+        </a:xfrm>
+      </p:grpSpPr>
+      <p:sp>
+        <p:nvSpPr>
+          <p:cNvPr id="61" name="Google Shape;61;p39"/>
+          <p:cNvSpPr txBox="1">
+            <a:spLocks noGrp="1"/>
+          </p:cNvSpPr>
+          <p:nvPr>
+            <p:ph type="title"/>
+          </p:nvPr>
+        </p:nvSpPr>
+        <p:spPr>
+          <a:xfrm>
+            <a:off x="390144" y="487681"/>
+            <a:ext cx="10939272" cy="456217"/>
+          </a:xfrm>
+          <a:prstGeom prst="rect">
+            <a:avLst/>
+          </a:prstGeom>
+          <a:noFill/>
+          <a:ln>
+            <a:noFill/>
+          </a:ln>
+        </p:spPr>
+        <p:txBody>
+          <a:bodyPr spcFirstLastPara="1" wrap="square" lIns="91425" tIns="45700" rIns="91425" bIns="45700" anchor="t" anchorCtr="0">
+            <a:noAutofit/>
+          </a:bodyPr>
+          <a:lstStyle>
+            <a:lvl1pPr lvl="0" algn="l">
+              <a:lnSpc>
+                <a:spcPct val="90000"/>
+              </a:lnSpc>
+              <a:spcBef>
+                <a:spcPts val="0"/>
+              </a:spcBef>
+              <a:spcAft>
+                <a:spcPts val="0"/>
+              </a:spcAft>
+              <a:buClr>
+                <a:srgbClr val="22C2EB"/>
+              </a:buClr>
+              <a:buSzPts val="2200"/>
+              <a:buFont typeface="Montserrat ExtraBold"/>
+              <a:buNone/>
+              <a:defRPr sz="2933"/>
+            </a:lvl1pPr>
+            <a:lvl2pPr lvl="1">
+              <a:spcBef>
+                <a:spcPts val="0"/>
+              </a:spcBef>
+              <a:spcAft>
+                <a:spcPts val="0"/>
+              </a:spcAft>
+              <a:buSzPts val="1400"/>
+              <a:buNone/>
+              <a:defRPr/>
+            </a:lvl2pPr>
+            <a:lvl3pPr lvl="2">
+              <a:spcBef>
+                <a:spcPts val="0"/>
+              </a:spcBef>
+              <a:spcAft>
+                <a:spcPts val="0"/>
+              </a:spcAft>
+              <a:buSzPts val="1400"/>
+              <a:buNone/>
+              <a:defRPr/>
+            </a:lvl3pPr>
+            <a:lvl4pPr lvl="3">
+              <a:spcBef>
+                <a:spcPts val="0"/>
+              </a:spcBef>
+              <a:spcAft>
+                <a:spcPts val="0"/>
+              </a:spcAft>
+              <a:buSzPts val="1400"/>
+              <a:buNone/>
+              <a:defRPr/>
+            </a:lvl4pPr>
+            <a:lvl5pPr lvl="4">
+              <a:spcBef>
+                <a:spcPts val="0"/>
+              </a:spcBef>
+              <a:spcAft>
+                <a:spcPts val="0"/>
+              </a:spcAft>
+              <a:buSzPts val="1400"/>
+              <a:buNone/>
+              <a:defRPr/>
+            </a:lvl5pPr>
+            <a:lvl6pPr lvl="5">
+              <a:spcBef>
+                <a:spcPts val="0"/>
+              </a:spcBef>
+              <a:spcAft>
+                <a:spcPts val="0"/>
+              </a:spcAft>
+              <a:buSzPts val="1400"/>
+              <a:buNone/>
+              <a:defRPr/>
+            </a:lvl6pPr>
+            <a:lvl7pPr lvl="6">
+              <a:spcBef>
+                <a:spcPts val="0"/>
+              </a:spcBef>
+              <a:spcAft>
+                <a:spcPts val="0"/>
+              </a:spcAft>
+              <a:buSzPts val="1400"/>
+              <a:buNone/>
+              <a:defRPr/>
+            </a:lvl7pPr>
+            <a:lvl8pPr lvl="7">
+              <a:spcBef>
+                <a:spcPts val="0"/>
+              </a:spcBef>
+              <a:spcAft>
+                <a:spcPts val="0"/>
+              </a:spcAft>
+              <a:buSzPts val="1400"/>
+              <a:buNone/>
+              <a:defRPr/>
+            </a:lvl8pPr>
+            <a:lvl9pPr lvl="8">
+              <a:spcBef>
+                <a:spcPts val="0"/>
+              </a:spcBef>
+              <a:spcAft>
+                <a:spcPts val="0"/>
+              </a:spcAft>
+              <a:buSzPts val="1400"/>
+              <a:buNone/>
+              <a:defRPr/>
+            </a:lvl9pPr>
+          </a:lstStyle>
+          <a:p>
+            <a:endParaRPr/>
+          </a:p>
+        </p:txBody>
+      </p:sp>
+      <p:sp>
+        <p:nvSpPr>
+          <p:cNvPr id="62" name="Google Shape;62;p39"/>
+          <p:cNvSpPr txBox="1">
+            <a:spLocks noGrp="1"/>
+          </p:cNvSpPr>
+          <p:nvPr>
+            <p:ph type="body" idx="1"/>
+          </p:nvPr>
+        </p:nvSpPr>
+        <p:spPr>
+          <a:xfrm>
+            <a:off x="414528" y="1112810"/>
+            <a:ext cx="10939272" cy="2579625"/>
+          </a:xfrm>
+          <a:prstGeom prst="rect">
+            <a:avLst/>
+          </a:prstGeom>
+          <a:noFill/>
+          <a:ln>
+            <a:noFill/>
+          </a:ln>
+        </p:spPr>
+        <p:txBody>
+          <a:bodyPr spcFirstLastPara="1" wrap="square" lIns="91425" tIns="45700" rIns="91425" bIns="45700" anchor="t" anchorCtr="0">
+            <a:noAutofit/>
+          </a:bodyPr>
+          <a:lstStyle>
+            <a:lvl1pPr marL="609585" lvl="0" indent="-423323" algn="l">
+              <a:lnSpc>
+                <a:spcPct val="90000"/>
+              </a:lnSpc>
+              <a:spcBef>
+                <a:spcPts val="500"/>
+              </a:spcBef>
+              <a:spcAft>
+                <a:spcPts val="0"/>
+              </a:spcAft>
+              <a:buClr>
+                <a:srgbClr val="949595"/>
+              </a:buClr>
+              <a:buSzPts val="1400"/>
+              <a:buFont typeface="Arial"/>
+              <a:buChar char="•"/>
+              <a:defRPr sz="1867" b="0" i="0" cap="none">
+                <a:solidFill>
+                  <a:srgbClr val="949595"/>
+                </a:solidFill>
+                <a:latin typeface="Montserrat"/>
+                <a:ea typeface="Montserrat"/>
+                <a:cs typeface="Montserrat"/>
+                <a:sym typeface="Montserrat"/>
+              </a:defRPr>
+            </a:lvl1pPr>
+            <a:lvl2pPr marL="1219170" lvl="1" indent="-387764" algn="l">
+              <a:lnSpc>
+                <a:spcPct val="90000"/>
+              </a:lnSpc>
+              <a:spcBef>
+                <a:spcPts val="500"/>
+              </a:spcBef>
+              <a:spcAft>
+                <a:spcPts val="0"/>
+              </a:spcAft>
+              <a:buClr>
+                <a:srgbClr val="949595"/>
+              </a:buClr>
+              <a:buSzPts val="980"/>
+              <a:buFont typeface="Merriweather Sans"/>
+              <a:buChar char="◦"/>
+              <a:defRPr sz="1867" b="0" i="0">
+                <a:solidFill>
+                  <a:srgbClr val="949595"/>
+                </a:solidFill>
+                <a:latin typeface="Montserrat"/>
+                <a:ea typeface="Montserrat"/>
+                <a:cs typeface="Montserrat"/>
+                <a:sym typeface="Montserrat"/>
+              </a:defRPr>
+            </a:lvl2pPr>
+            <a:lvl3pPr marL="1828754" lvl="2" indent="-423323" algn="l">
+              <a:lnSpc>
+                <a:spcPct val="90000"/>
+              </a:lnSpc>
+              <a:spcBef>
+                <a:spcPts val="500"/>
+              </a:spcBef>
+              <a:spcAft>
+                <a:spcPts val="0"/>
+              </a:spcAft>
+              <a:buClr>
+                <a:srgbClr val="949595"/>
+              </a:buClr>
+              <a:buSzPts val="1400"/>
+              <a:buFont typeface="Arial"/>
+              <a:buChar char="•"/>
+              <a:defRPr sz="1867" b="0" i="0">
+                <a:solidFill>
+                  <a:srgbClr val="949595"/>
+                </a:solidFill>
+                <a:latin typeface="Montserrat"/>
+                <a:ea typeface="Montserrat"/>
+                <a:cs typeface="Montserrat"/>
+                <a:sym typeface="Montserrat"/>
+              </a:defRPr>
+            </a:lvl3pPr>
+            <a:lvl4pPr marL="2438339" lvl="3" indent="-423323" algn="l">
+              <a:lnSpc>
+                <a:spcPct val="90000"/>
+              </a:lnSpc>
+              <a:spcBef>
+                <a:spcPts val="500"/>
+              </a:spcBef>
+              <a:spcAft>
+                <a:spcPts val="0"/>
+              </a:spcAft>
+              <a:buClr>
+                <a:srgbClr val="949595"/>
+              </a:buClr>
+              <a:buSzPts val="1400"/>
+              <a:buFont typeface="Arial"/>
+              <a:buChar char="•"/>
+              <a:defRPr sz="1867" b="0" i="0">
+                <a:solidFill>
+                  <a:srgbClr val="949595"/>
+                </a:solidFill>
+                <a:latin typeface="Montserrat"/>
+                <a:ea typeface="Montserrat"/>
+                <a:cs typeface="Montserrat"/>
+                <a:sym typeface="Montserrat"/>
+              </a:defRPr>
+            </a:lvl4pPr>
+            <a:lvl5pPr marL="3047924" lvl="4" indent="-423323" algn="l">
+              <a:lnSpc>
+                <a:spcPct val="90000"/>
+              </a:lnSpc>
+              <a:spcBef>
+                <a:spcPts val="500"/>
+              </a:spcBef>
+              <a:spcAft>
+                <a:spcPts val="0"/>
+              </a:spcAft>
+              <a:buClr>
+                <a:srgbClr val="949595"/>
+              </a:buClr>
+              <a:buSzPts val="1400"/>
+              <a:buFont typeface="Arial"/>
+              <a:buChar char="•"/>
+              <a:defRPr sz="1867" b="0" i="0">
+                <a:solidFill>
+                  <a:srgbClr val="949595"/>
+                </a:solidFill>
+                <a:latin typeface="Montserrat"/>
+                <a:ea typeface="Montserrat"/>
+                <a:cs typeface="Montserrat"/>
+                <a:sym typeface="Montserrat"/>
+              </a:defRPr>
+            </a:lvl5pPr>
+            <a:lvl6pPr marL="3657509" lvl="5" indent="-423323" algn="l">
+              <a:lnSpc>
+                <a:spcPct val="90000"/>
+              </a:lnSpc>
+              <a:spcBef>
+                <a:spcPts val="500"/>
+              </a:spcBef>
+              <a:spcAft>
+                <a:spcPts val="0"/>
+              </a:spcAft>
+              <a:buClr>
+                <a:srgbClr val="949595"/>
+              </a:buClr>
+              <a:buSzPts val="1400"/>
+              <a:buChar char="•"/>
+              <a:defRPr sz="1867" b="0" i="0">
+                <a:solidFill>
+                  <a:srgbClr val="949595"/>
+                </a:solidFill>
+                <a:latin typeface="Montserrat"/>
+                <a:ea typeface="Montserrat"/>
+                <a:cs typeface="Montserrat"/>
+                <a:sym typeface="Montserrat"/>
+              </a:defRPr>
+            </a:lvl6pPr>
+            <a:lvl7pPr marL="4267093" lvl="6" indent="-457189" algn="l">
+              <a:lnSpc>
+                <a:spcPct val="90000"/>
+              </a:lnSpc>
+              <a:spcBef>
+                <a:spcPts val="500"/>
+              </a:spcBef>
+              <a:spcAft>
+                <a:spcPts val="0"/>
+              </a:spcAft>
+              <a:buClr>
+                <a:schemeClr val="dk1"/>
+              </a:buClr>
+              <a:buSzPts val="1800"/>
+              <a:buChar char="•"/>
+              <a:defRPr/>
+            </a:lvl7pPr>
+            <a:lvl8pPr marL="4876678" lvl="7" indent="-457189" algn="l">
+              <a:lnSpc>
+                <a:spcPct val="90000"/>
+              </a:lnSpc>
+              <a:spcBef>
+                <a:spcPts val="500"/>
+              </a:spcBef>
+              <a:spcAft>
+                <a:spcPts val="0"/>
+              </a:spcAft>
+              <a:buClr>
+                <a:schemeClr val="dk1"/>
+              </a:buClr>
+              <a:buSzPts val="1800"/>
+              <a:buChar char="•"/>
+              <a:defRPr/>
+            </a:lvl8pPr>
+            <a:lvl9pPr marL="5486263" lvl="8" indent="-457189" algn="l">
+              <a:lnSpc>
+                <a:spcPct val="90000"/>
+              </a:lnSpc>
+              <a:spcBef>
+                <a:spcPts val="500"/>
+              </a:spcBef>
+              <a:spcAft>
+                <a:spcPts val="0"/>
+              </a:spcAft>
+              <a:buClr>
+                <a:schemeClr val="dk1"/>
+              </a:buClr>
+              <a:buSzPts val="1800"/>
+              <a:buChar char="•"/>
+              <a:defRPr/>
+            </a:lvl9pPr>
+          </a:lstStyle>
+          <a:p>
+            <a:endParaRPr/>
+          </a:p>
+        </p:txBody>
+      </p:sp>
+    </p:spTree>
+    <p:extLst>
+      <p:ext uri="{BB962C8B-B14F-4D97-AF65-F5344CB8AC3E}">
+        <p14:creationId xmlns:p14="http://schemas.microsoft.com/office/powerpoint/2010/main" val="2321126436"/>
+      </p:ext>
+    </p:extLst>
+  </p:cSld>
+  <p:clrMapOvr>
+    <a:masterClrMapping/>
+  </p:clrMapOvr>
 </p:sldLayout>
 </file>
 
@@ -5724,7 +6372,7 @@
         <p:fade/>
       </p:transition>
     </mc:Choice>
-    <mc:Fallback xmlns="" xmlns:mv="urn:schemas-microsoft-com:mac:vml" xmlns:c="http://schemas.openxmlformats.org/drawingml/2006/chart" xmlns:dgm="http://schemas.openxmlformats.org/drawingml/2006/diagram" xmlns:o="urn:schemas-microsoft-com:office:office" xmlns:v="urn:schemas-microsoft-com:vml" xmlns:pvml="urn:schemas-microsoft-com:office:powerpoint" xmlns:com="http://schemas.openxmlformats.org/drawingml/2006/compatibility" xmlns:p15="http://schemas.microsoft.com/office/powerpoint/2012/main">
+    <mc:Fallback xmlns:p15="http://schemas.microsoft.com/office/powerpoint/2012/main" xmlns:com="http://schemas.openxmlformats.org/drawingml/2006/compatibility" xmlns:pvml="urn:schemas-microsoft-com:office:powerpoint" xmlns:v="urn:schemas-microsoft-com:vml" xmlns:o="urn:schemas-microsoft-com:office:office" xmlns:dgm="http://schemas.openxmlformats.org/drawingml/2006/diagram" xmlns:c="http://schemas.openxmlformats.org/drawingml/2006/chart" xmlns:mv="urn:schemas-microsoft-com:mac:vml" xmlns="">
       <p:transition spd="slow">
         <p:fade/>
       </p:transition>
@@ -6215,7 +6863,7 @@
         <p:fade/>
       </p:transition>
     </mc:Choice>
-    <mc:Fallback xmlns="" xmlns:mv="urn:schemas-microsoft-com:mac:vml" xmlns:c="http://schemas.openxmlformats.org/drawingml/2006/chart" xmlns:dgm="http://schemas.openxmlformats.org/drawingml/2006/diagram" xmlns:o="urn:schemas-microsoft-com:office:office" xmlns:v="urn:schemas-microsoft-com:vml" xmlns:pvml="urn:schemas-microsoft-com:office:powerpoint" xmlns:com="http://schemas.openxmlformats.org/drawingml/2006/compatibility" xmlns:p15="http://schemas.microsoft.com/office/powerpoint/2012/main">
+    <mc:Fallback xmlns:p15="http://schemas.microsoft.com/office/powerpoint/2012/main" xmlns:com="http://schemas.openxmlformats.org/drawingml/2006/compatibility" xmlns:pvml="urn:schemas-microsoft-com:office:powerpoint" xmlns:v="urn:schemas-microsoft-com:vml" xmlns:o="urn:schemas-microsoft-com:office:office" xmlns:dgm="http://schemas.openxmlformats.org/drawingml/2006/diagram" xmlns:c="http://schemas.openxmlformats.org/drawingml/2006/chart" xmlns:mv="urn:schemas-microsoft-com:mac:vml" xmlns="">
       <p:transition spd="slow">
         <p:fade/>
       </p:transition>
@@ -6605,7 +7253,7 @@
         <p:fade/>
       </p:transition>
     </mc:Choice>
-    <mc:Fallback xmlns="" xmlns:mv="urn:schemas-microsoft-com:mac:vml" xmlns:c="http://schemas.openxmlformats.org/drawingml/2006/chart" xmlns:dgm="http://schemas.openxmlformats.org/drawingml/2006/diagram" xmlns:o="urn:schemas-microsoft-com:office:office" xmlns:v="urn:schemas-microsoft-com:vml" xmlns:pvml="urn:schemas-microsoft-com:office:powerpoint" xmlns:com="http://schemas.openxmlformats.org/drawingml/2006/compatibility" xmlns:p15="http://schemas.microsoft.com/office/powerpoint/2012/main">
+    <mc:Fallback xmlns:p15="http://schemas.microsoft.com/office/powerpoint/2012/main" xmlns:com="http://schemas.openxmlformats.org/drawingml/2006/compatibility" xmlns:pvml="urn:schemas-microsoft-com:office:powerpoint" xmlns:v="urn:schemas-microsoft-com:vml" xmlns:o="urn:schemas-microsoft-com:office:office" xmlns:dgm="http://schemas.openxmlformats.org/drawingml/2006/diagram" xmlns:c="http://schemas.openxmlformats.org/drawingml/2006/chart" xmlns:mv="urn:schemas-microsoft-com:mac:vml" xmlns="">
       <p:transition spd="slow">
         <p:fade/>
       </p:transition>
@@ -6810,7 +7458,7 @@
         <p:fade/>
       </p:transition>
     </mc:Choice>
-    <mc:Fallback xmlns="" xmlns:mv="urn:schemas-microsoft-com:mac:vml" xmlns:c="http://schemas.openxmlformats.org/drawingml/2006/chart" xmlns:dgm="http://schemas.openxmlformats.org/drawingml/2006/diagram" xmlns:o="urn:schemas-microsoft-com:office:office" xmlns:v="urn:schemas-microsoft-com:vml" xmlns:pvml="urn:schemas-microsoft-com:office:powerpoint" xmlns:com="http://schemas.openxmlformats.org/drawingml/2006/compatibility" xmlns:p15="http://schemas.microsoft.com/office/powerpoint/2012/main">
+    <mc:Fallback xmlns:p15="http://schemas.microsoft.com/office/powerpoint/2012/main" xmlns:com="http://schemas.openxmlformats.org/drawingml/2006/compatibility" xmlns:pvml="urn:schemas-microsoft-com:office:powerpoint" xmlns:v="urn:schemas-microsoft-com:vml" xmlns:o="urn:schemas-microsoft-com:office:office" xmlns:dgm="http://schemas.openxmlformats.org/drawingml/2006/diagram" xmlns:c="http://schemas.openxmlformats.org/drawingml/2006/chart" xmlns:mv="urn:schemas-microsoft-com:mac:vml" xmlns="">
       <p:transition spd="slow">
         <p:fade/>
       </p:transition>
@@ -7466,7 +8114,7 @@
         <p:fade/>
       </p:transition>
     </mc:Choice>
-    <mc:Fallback xmlns="" xmlns:mv="urn:schemas-microsoft-com:mac:vml" xmlns:c="http://schemas.openxmlformats.org/drawingml/2006/chart" xmlns:dgm="http://schemas.openxmlformats.org/drawingml/2006/diagram" xmlns:o="urn:schemas-microsoft-com:office:office" xmlns:v="urn:schemas-microsoft-com:vml" xmlns:pvml="urn:schemas-microsoft-com:office:powerpoint" xmlns:com="http://schemas.openxmlformats.org/drawingml/2006/compatibility" xmlns:p15="http://schemas.microsoft.com/office/powerpoint/2012/main">
+    <mc:Fallback xmlns:p15="http://schemas.microsoft.com/office/powerpoint/2012/main" xmlns:com="http://schemas.openxmlformats.org/drawingml/2006/compatibility" xmlns:pvml="urn:schemas-microsoft-com:office:powerpoint" xmlns:v="urn:schemas-microsoft-com:vml" xmlns:o="urn:schemas-microsoft-com:office:office" xmlns:dgm="http://schemas.openxmlformats.org/drawingml/2006/diagram" xmlns:c="http://schemas.openxmlformats.org/drawingml/2006/chart" xmlns:mv="urn:schemas-microsoft-com:mac:vml" xmlns="">
       <p:transition spd="slow">
         <p:fade/>
       </p:transition>
@@ -8037,7 +8685,7 @@
         <p:fade/>
       </p:transition>
     </mc:Choice>
-    <mc:Fallback xmlns="" xmlns:mv="urn:schemas-microsoft-com:mac:vml" xmlns:c="http://schemas.openxmlformats.org/drawingml/2006/chart" xmlns:dgm="http://schemas.openxmlformats.org/drawingml/2006/diagram" xmlns:o="urn:schemas-microsoft-com:office:office" xmlns:v="urn:schemas-microsoft-com:vml" xmlns:pvml="urn:schemas-microsoft-com:office:powerpoint" xmlns:com="http://schemas.openxmlformats.org/drawingml/2006/compatibility" xmlns:p15="http://schemas.microsoft.com/office/powerpoint/2012/main">
+    <mc:Fallback xmlns:p15="http://schemas.microsoft.com/office/powerpoint/2012/main" xmlns:com="http://schemas.openxmlformats.org/drawingml/2006/compatibility" xmlns:pvml="urn:schemas-microsoft-com:office:powerpoint" xmlns:v="urn:schemas-microsoft-com:vml" xmlns:o="urn:schemas-microsoft-com:office:office" xmlns:dgm="http://schemas.openxmlformats.org/drawingml/2006/diagram" xmlns:c="http://schemas.openxmlformats.org/drawingml/2006/chart" xmlns:mv="urn:schemas-microsoft-com:mac:vml" xmlns="">
       <p:transition spd="slow">
         <p:fade/>
       </p:transition>
@@ -8673,7 +9321,7 @@
         <p:fade/>
       </p:transition>
     </mc:Choice>
-    <mc:Fallback xmlns="" xmlns:mv="urn:schemas-microsoft-com:mac:vml" xmlns:c="http://schemas.openxmlformats.org/drawingml/2006/chart" xmlns:dgm="http://schemas.openxmlformats.org/drawingml/2006/diagram" xmlns:o="urn:schemas-microsoft-com:office:office" xmlns:v="urn:schemas-microsoft-com:vml" xmlns:pvml="urn:schemas-microsoft-com:office:powerpoint" xmlns:com="http://schemas.openxmlformats.org/drawingml/2006/compatibility" xmlns:p15="http://schemas.microsoft.com/office/powerpoint/2012/main">
+    <mc:Fallback xmlns:p15="http://schemas.microsoft.com/office/powerpoint/2012/main" xmlns:com="http://schemas.openxmlformats.org/drawingml/2006/compatibility" xmlns:pvml="urn:schemas-microsoft-com:office:powerpoint" xmlns:v="urn:schemas-microsoft-com:vml" xmlns:o="urn:schemas-microsoft-com:office:office" xmlns:dgm="http://schemas.openxmlformats.org/drawingml/2006/diagram" xmlns:c="http://schemas.openxmlformats.org/drawingml/2006/chart" xmlns:mv="urn:schemas-microsoft-com:mac:vml" xmlns="">
       <p:transition spd="slow">
         <p:fade/>
       </p:transition>
@@ -9242,7 +9890,7 @@
         <p:fade/>
       </p:transition>
     </mc:Choice>
-    <mc:Fallback xmlns="" xmlns:mv="urn:schemas-microsoft-com:mac:vml" xmlns:c="http://schemas.openxmlformats.org/drawingml/2006/chart" xmlns:dgm="http://schemas.openxmlformats.org/drawingml/2006/diagram" xmlns:o="urn:schemas-microsoft-com:office:office" xmlns:v="urn:schemas-microsoft-com:vml" xmlns:pvml="urn:schemas-microsoft-com:office:powerpoint" xmlns:com="http://schemas.openxmlformats.org/drawingml/2006/compatibility" xmlns:p15="http://schemas.microsoft.com/office/powerpoint/2012/main">
+    <mc:Fallback xmlns:p15="http://schemas.microsoft.com/office/powerpoint/2012/main" xmlns:com="http://schemas.openxmlformats.org/drawingml/2006/compatibility" xmlns:pvml="urn:schemas-microsoft-com:office:powerpoint" xmlns:v="urn:schemas-microsoft-com:vml" xmlns:o="urn:schemas-microsoft-com:office:office" xmlns:dgm="http://schemas.openxmlformats.org/drawingml/2006/diagram" xmlns:c="http://schemas.openxmlformats.org/drawingml/2006/chart" xmlns:mv="urn:schemas-microsoft-com:mac:vml" xmlns="">
       <p:transition spd="slow">
         <p:fade/>
       </p:transition>
@@ -10119,7 +10767,7 @@
         <p:fade/>
       </p:transition>
     </mc:Choice>
-    <mc:Fallback xmlns="" xmlns:mv="urn:schemas-microsoft-com:mac:vml" xmlns:c="http://schemas.openxmlformats.org/drawingml/2006/chart" xmlns:dgm="http://schemas.openxmlformats.org/drawingml/2006/diagram" xmlns:o="urn:schemas-microsoft-com:office:office" xmlns:v="urn:schemas-microsoft-com:vml" xmlns:pvml="urn:schemas-microsoft-com:office:powerpoint" xmlns:com="http://schemas.openxmlformats.org/drawingml/2006/compatibility" xmlns:p15="http://schemas.microsoft.com/office/powerpoint/2012/main">
+    <mc:Fallback xmlns:p15="http://schemas.microsoft.com/office/powerpoint/2012/main" xmlns:com="http://schemas.openxmlformats.org/drawingml/2006/compatibility" xmlns:pvml="urn:schemas-microsoft-com:office:powerpoint" xmlns:v="urn:schemas-microsoft-com:vml" xmlns:o="urn:schemas-microsoft-com:office:office" xmlns:dgm="http://schemas.openxmlformats.org/drawingml/2006/diagram" xmlns:c="http://schemas.openxmlformats.org/drawingml/2006/chart" xmlns:mv="urn:schemas-microsoft-com:mac:vml" xmlns="">
       <p:transition spd="slow">
         <p:fade/>
       </p:transition>
@@ -11427,7 +12075,7 @@
           <p:nvPr/>
         </p:nvPicPr>
         <p:blipFill rotWithShape="1">
-          <a:blip r:embed="rId13">
+          <a:blip r:embed="rId14">
             <a:alphaModFix/>
           </a:blip>
           <a:srcRect/>
@@ -11462,6 +12110,7 @@
     <p:sldLayoutId id="2147483660" r:id="rId9"/>
     <p:sldLayoutId id="2147483661" r:id="rId10"/>
     <p:sldLayoutId id="2147483662" r:id="rId11"/>
+    <p:sldLayoutId id="2147483663" r:id="rId12"/>
   </p:sldLayoutIdLst>
   <mc:AlternateContent xmlns:mc="http://schemas.openxmlformats.org/markup-compatibility/2006" xmlns:p14="http://schemas.microsoft.com/office/powerpoint/2010/main">
     <mc:Choice Requires="p14">
@@ -11469,7 +12118,7 @@
         <p:fade/>
       </p:transition>
     </mc:Choice>
-    <mc:Fallback xmlns="" xmlns:mv="urn:schemas-microsoft-com:mac:vml" xmlns:c="http://schemas.openxmlformats.org/drawingml/2006/chart" xmlns:dgm="http://schemas.openxmlformats.org/drawingml/2006/diagram" xmlns:o="urn:schemas-microsoft-com:office:office" xmlns:v="urn:schemas-microsoft-com:vml" xmlns:pvml="urn:schemas-microsoft-com:office:powerpoint" xmlns:com="http://schemas.openxmlformats.org/drawingml/2006/compatibility" xmlns:p15="http://schemas.microsoft.com/office/powerpoint/2012/main">
+    <mc:Fallback xmlns:p15="http://schemas.microsoft.com/office/powerpoint/2012/main" xmlns:com="http://schemas.openxmlformats.org/drawingml/2006/compatibility" xmlns:pvml="urn:schemas-microsoft-com:office:powerpoint" xmlns:v="urn:schemas-microsoft-com:vml" xmlns:o="urn:schemas-microsoft-com:office:office" xmlns:dgm="http://schemas.openxmlformats.org/drawingml/2006/diagram" xmlns:c="http://schemas.openxmlformats.org/drawingml/2006/chart" xmlns:mv="urn:schemas-microsoft-com:mac:vml" xmlns="">
       <p:transition spd="slow">
         <p:fade/>
       </p:transition>
@@ -12603,7 +13252,7 @@
         <p:fade/>
       </p:transition>
     </mc:Choice>
-    <mc:Fallback xmlns="" xmlns:mv="urn:schemas-microsoft-com:mac:vml" xmlns:c="http://schemas.openxmlformats.org/drawingml/2006/chart" xmlns:dgm="http://schemas.openxmlformats.org/drawingml/2006/diagram" xmlns:o="urn:schemas-microsoft-com:office:office" xmlns:v="urn:schemas-microsoft-com:vml" xmlns:pvml="urn:schemas-microsoft-com:office:powerpoint" xmlns:com="http://schemas.openxmlformats.org/drawingml/2006/compatibility" xmlns:p15="http://schemas.microsoft.com/office/powerpoint/2012/main">
+    <mc:Fallback xmlns:p15="http://schemas.microsoft.com/office/powerpoint/2012/main" xmlns:com="http://schemas.openxmlformats.org/drawingml/2006/compatibility" xmlns:pvml="urn:schemas-microsoft-com:office:powerpoint" xmlns:v="urn:schemas-microsoft-com:vml" xmlns:o="urn:schemas-microsoft-com:office:office" xmlns:dgm="http://schemas.openxmlformats.org/drawingml/2006/diagram" xmlns:c="http://schemas.openxmlformats.org/drawingml/2006/chart" xmlns:mv="urn:schemas-microsoft-com:mac:vml" xmlns="">
       <p:transition spd="slow">
         <p:fade/>
       </p:transition>
@@ -12613,6 +13262,468 @@
 </file>
 
 <file path=ppt/slides/slide10.xml><?xml version="1.0" encoding="utf-8"?>
+<p:sld xmlns:a="http://schemas.openxmlformats.org/drawingml/2006/main" xmlns:r="http://schemas.openxmlformats.org/officeDocument/2006/relationships" xmlns:p="http://schemas.openxmlformats.org/presentationml/2006/main">
+  <p:cSld>
+    <p:spTree>
+      <p:nvGrpSpPr>
+        <p:cNvPr id="1" name="Shape 145"/>
+        <p:cNvGrpSpPr/>
+        <p:nvPr/>
+      </p:nvGrpSpPr>
+      <p:grpSpPr>
+        <a:xfrm>
+          <a:off x="0" y="0"/>
+          <a:ext cx="0" cy="0"/>
+          <a:chOff x="0" y="0"/>
+          <a:chExt cx="0" cy="0"/>
+        </a:xfrm>
+      </p:grpSpPr>
+      <p:sp>
+        <p:nvSpPr>
+          <p:cNvPr id="146" name="Google Shape;146;p12"/>
+          <p:cNvSpPr txBox="1">
+            <a:spLocks noGrp="1"/>
+          </p:cNvSpPr>
+          <p:nvPr>
+            <p:ph type="body" idx="1"/>
+          </p:nvPr>
+        </p:nvSpPr>
+        <p:spPr>
+          <a:xfrm>
+            <a:off x="619125" y="2017713"/>
+            <a:ext cx="9532938" cy="3294062"/>
+          </a:xfrm>
+          <a:prstGeom prst="rect">
+            <a:avLst/>
+          </a:prstGeom>
+          <a:noFill/>
+          <a:ln>
+            <a:noFill/>
+          </a:ln>
+        </p:spPr>
+        <p:txBody>
+          <a:bodyPr spcFirstLastPara="1" wrap="square" lIns="0" tIns="0" rIns="0" bIns="0" anchor="t" anchorCtr="0">
+            <a:noAutofit/>
+          </a:bodyPr>
+          <a:lstStyle/>
+          <a:p>
+            <a:pPr marL="514350" lvl="0" indent="-285750">
+              <a:buSzPts val="2000"/>
+            </a:pPr>
+            <a:r>
+              <a:rPr lang="en-US" sz="2000" dirty="0"/>
+              <a:t>All Time Video Views</a:t>
+            </a:r>
+          </a:p>
+          <a:p>
+            <a:pPr marL="971550" lvl="1" indent="-285750"/>
+            <a:r>
+              <a:rPr lang="en-US" sz="1600" dirty="0">
+                <a:hlinkClick r:id="rId3"/>
+              </a:rPr>
+              <a:t>https://player.support.brightcove.com/code-samples/brightcove-player-sample-all-time-video-views.html</a:t>
+            </a:r>
+            <a:endParaRPr lang="en-US" sz="1600" dirty="0"/>
+          </a:p>
+          <a:p>
+            <a:pPr marL="971550" lvl="1" indent="-285750"/>
+            <a:endParaRPr lang="en-US" sz="1600" dirty="0">
+              <a:solidFill>
+                <a:srgbClr val="000000"/>
+              </a:solidFill>
+            </a:endParaRPr>
+          </a:p>
+          <a:p>
+            <a:pPr marL="514350" indent="-285750"/>
+            <a:endParaRPr lang="en-US" sz="2000" dirty="0">
+              <a:solidFill>
+                <a:srgbClr val="000000"/>
+              </a:solidFill>
+            </a:endParaRPr>
+          </a:p>
+          <a:p>
+            <a:pPr marL="514350" lvl="0" indent="-285750">
+              <a:buSzPts val="2000"/>
+            </a:pPr>
+            <a:r>
+              <a:rPr lang="en-US" sz="1800" dirty="0">
+                <a:solidFill>
+                  <a:srgbClr val="000000"/>
+                </a:solidFill>
+              </a:rPr>
+              <a:t>Secondary copy goes here.</a:t>
+            </a:r>
+            <a:br>
+              <a:rPr lang="en-US" sz="1800" dirty="0">
+                <a:solidFill>
+                  <a:srgbClr val="000000"/>
+                </a:solidFill>
+              </a:rPr>
+            </a:br>
+            <a:endParaRPr sz="1800" dirty="0">
+              <a:solidFill>
+                <a:srgbClr val="000000"/>
+              </a:solidFill>
+            </a:endParaRPr>
+          </a:p>
+          <a:p>
+            <a:pPr marL="514350" lvl="0" indent="-285750" algn="l" rtl="0">
+              <a:lnSpc>
+                <a:spcPct val="90000"/>
+              </a:lnSpc>
+              <a:spcBef>
+                <a:spcPts val="1200"/>
+              </a:spcBef>
+              <a:spcAft>
+                <a:spcPts val="0"/>
+              </a:spcAft>
+              <a:buClr>
+                <a:srgbClr val="000000"/>
+              </a:buClr>
+              <a:buSzPts val="2000"/>
+              <a:buFont typeface="Arial"/>
+              <a:buChar char="•"/>
+            </a:pPr>
+            <a:r>
+              <a:rPr lang="en-US" sz="2000" dirty="0">
+                <a:solidFill>
+                  <a:srgbClr val="000000"/>
+                </a:solidFill>
+              </a:rPr>
+              <a:t>Supporting copy here.</a:t>
+            </a:r>
+            <a:endParaRPr dirty="0"/>
+          </a:p>
+          <a:p>
+            <a:pPr marL="971550" lvl="1" indent="-285750" algn="l" rtl="0">
+              <a:lnSpc>
+                <a:spcPct val="90000"/>
+              </a:lnSpc>
+              <a:spcBef>
+                <a:spcPts val="600"/>
+              </a:spcBef>
+              <a:spcAft>
+                <a:spcPts val="0"/>
+              </a:spcAft>
+              <a:buClr>
+                <a:srgbClr val="000000"/>
+              </a:buClr>
+              <a:buSzPts val="1620"/>
+              <a:buFont typeface="Courier New"/>
+              <a:buChar char="o"/>
+            </a:pPr>
+            <a:r>
+              <a:rPr lang="en-US" sz="1800" dirty="0">
+                <a:solidFill>
+                  <a:srgbClr val="000000"/>
+                </a:solidFill>
+              </a:rPr>
+              <a:t>Secondary copy goes here.</a:t>
+            </a:r>
+            <a:br>
+              <a:rPr lang="en-US" sz="1800" dirty="0">
+                <a:solidFill>
+                  <a:srgbClr val="000000"/>
+                </a:solidFill>
+              </a:rPr>
+            </a:br>
+            <a:endParaRPr sz="1800" dirty="0">
+              <a:solidFill>
+                <a:srgbClr val="000000"/>
+              </a:solidFill>
+            </a:endParaRPr>
+          </a:p>
+          <a:p>
+            <a:pPr marL="514350" lvl="0" indent="-285750" algn="l" rtl="0">
+              <a:lnSpc>
+                <a:spcPct val="90000"/>
+              </a:lnSpc>
+              <a:spcBef>
+                <a:spcPts val="1200"/>
+              </a:spcBef>
+              <a:spcAft>
+                <a:spcPts val="0"/>
+              </a:spcAft>
+              <a:buClr>
+                <a:srgbClr val="000000"/>
+              </a:buClr>
+              <a:buSzPts val="2000"/>
+              <a:buFont typeface="Arial"/>
+              <a:buChar char="•"/>
+            </a:pPr>
+            <a:r>
+              <a:rPr lang="en-US" sz="2000" dirty="0">
+                <a:solidFill>
+                  <a:srgbClr val="000000"/>
+                </a:solidFill>
+              </a:rPr>
+              <a:t>Supporting copy here.</a:t>
+            </a:r>
+            <a:endParaRPr dirty="0"/>
+          </a:p>
+          <a:p>
+            <a:pPr marL="971550" lvl="1" indent="-285750" algn="l" rtl="0">
+              <a:lnSpc>
+                <a:spcPct val="90000"/>
+              </a:lnSpc>
+              <a:spcBef>
+                <a:spcPts val="600"/>
+              </a:spcBef>
+              <a:spcAft>
+                <a:spcPts val="0"/>
+              </a:spcAft>
+              <a:buClr>
+                <a:srgbClr val="000000"/>
+              </a:buClr>
+              <a:buSzPts val="1620"/>
+              <a:buFont typeface="Courier New"/>
+              <a:buChar char="o"/>
+            </a:pPr>
+            <a:r>
+              <a:rPr lang="en-US" sz="1800" dirty="0">
+                <a:solidFill>
+                  <a:srgbClr val="000000"/>
+                </a:solidFill>
+              </a:rPr>
+              <a:t>Secondary copy goes here.</a:t>
+            </a:r>
+            <a:endParaRPr dirty="0"/>
+          </a:p>
+          <a:p>
+            <a:pPr marL="971550" lvl="1" indent="-182880" algn="l" rtl="0">
+              <a:lnSpc>
+                <a:spcPct val="90000"/>
+              </a:lnSpc>
+              <a:spcBef>
+                <a:spcPts val="600"/>
+              </a:spcBef>
+              <a:spcAft>
+                <a:spcPts val="0"/>
+              </a:spcAft>
+              <a:buClr>
+                <a:srgbClr val="000000"/>
+              </a:buClr>
+              <a:buSzPts val="1620"/>
+              <a:buFont typeface="Courier New"/>
+              <a:buNone/>
+            </a:pPr>
+            <a:endParaRPr sz="1800" dirty="0">
+              <a:solidFill>
+                <a:srgbClr val="000000"/>
+              </a:solidFill>
+            </a:endParaRPr>
+          </a:p>
+          <a:p>
+            <a:pPr marL="0" lvl="0" indent="0" algn="l" rtl="0">
+              <a:lnSpc>
+                <a:spcPct val="90000"/>
+              </a:lnSpc>
+              <a:spcBef>
+                <a:spcPts val="0"/>
+              </a:spcBef>
+              <a:spcAft>
+                <a:spcPts val="0"/>
+              </a:spcAft>
+              <a:buClr>
+                <a:schemeClr val="dk1"/>
+              </a:buClr>
+              <a:buSzPts val="1800"/>
+              <a:buFont typeface="Arial"/>
+              <a:buNone/>
+            </a:pPr>
+            <a:endParaRPr dirty="0"/>
+          </a:p>
+        </p:txBody>
+      </p:sp>
+      <p:sp>
+        <p:nvSpPr>
+          <p:cNvPr id="147" name="Google Shape;147;p12"/>
+          <p:cNvSpPr txBox="1"/>
+          <p:nvPr/>
+        </p:nvSpPr>
+        <p:spPr>
+          <a:xfrm>
+            <a:off x="615192" y="856891"/>
+            <a:ext cx="10969943" cy="411480"/>
+          </a:xfrm>
+          <a:prstGeom prst="rect">
+            <a:avLst/>
+          </a:prstGeom>
+          <a:noFill/>
+          <a:ln>
+            <a:noFill/>
+          </a:ln>
+        </p:spPr>
+        <p:txBody>
+          <a:bodyPr spcFirstLastPara="1" wrap="square" lIns="0" tIns="0" rIns="0" bIns="0" anchor="t" anchorCtr="0">
+            <a:noAutofit/>
+          </a:bodyPr>
+          <a:lstStyle/>
+          <a:p>
+            <a:pPr marL="0" marR="0" lvl="0" indent="0" algn="l" rtl="0">
+              <a:lnSpc>
+                <a:spcPct val="90000"/>
+              </a:lnSpc>
+              <a:spcBef>
+                <a:spcPts val="0"/>
+              </a:spcBef>
+              <a:spcAft>
+                <a:spcPts val="0"/>
+              </a:spcAft>
+              <a:buClr>
+                <a:schemeClr val="dk1"/>
+              </a:buClr>
+              <a:buSzPts val="3200"/>
+              <a:buFont typeface="Arial"/>
+              <a:buNone/>
+            </a:pPr>
+            <a:r>
+              <a:rPr lang="en-US" sz="4000" b="1" i="0" u="none" strike="noStrike" cap="none">
+                <a:solidFill>
+                  <a:srgbClr val="161614"/>
+                </a:solidFill>
+                <a:latin typeface="Arial"/>
+                <a:ea typeface="Arial"/>
+                <a:cs typeface="Arial"/>
+                <a:sym typeface="Arial"/>
+              </a:rPr>
+              <a:t>CLICK TO ADD TITLE</a:t>
+            </a:r>
+            <a:endParaRPr sz="4000" b="1" i="0" u="none" strike="noStrike" cap="none">
+              <a:solidFill>
+                <a:srgbClr val="161614"/>
+              </a:solidFill>
+              <a:latin typeface="Arial"/>
+              <a:ea typeface="Arial"/>
+              <a:cs typeface="Arial"/>
+              <a:sym typeface="Arial"/>
+            </a:endParaRPr>
+          </a:p>
+        </p:txBody>
+      </p:sp>
+    </p:spTree>
+    <p:extLst>
+      <p:ext uri="{BB962C8B-B14F-4D97-AF65-F5344CB8AC3E}">
+        <p14:creationId xmlns:p14="http://schemas.microsoft.com/office/powerpoint/2010/main" val="3567339343"/>
+      </p:ext>
+    </p:extLst>
+  </p:cSld>
+  <p:clrMapOvr>
+    <a:masterClrMapping/>
+  </p:clrMapOvr>
+  <mc:AlternateContent xmlns:mc="http://schemas.openxmlformats.org/markup-compatibility/2006" xmlns:p14="http://schemas.microsoft.com/office/powerpoint/2010/main">
+    <mc:Choice Requires="p14">
+      <p:transition spd="med" p14:dur="700">
+        <p:fade/>
+      </p:transition>
+    </mc:Choice>
+    <mc:Fallback xmlns:p15="http://schemas.microsoft.com/office/powerpoint/2012/main" xmlns:com="http://schemas.openxmlformats.org/drawingml/2006/compatibility" xmlns:pvml="urn:schemas-microsoft-com:office:powerpoint" xmlns:v="urn:schemas-microsoft-com:vml" xmlns:o="urn:schemas-microsoft-com:office:office" xmlns:dgm="http://schemas.openxmlformats.org/drawingml/2006/diagram" xmlns:c="http://schemas.openxmlformats.org/drawingml/2006/chart" xmlns:mv="urn:schemas-microsoft-com:mac:vml" xmlns="">
+      <p:transition spd="slow">
+        <p:fade/>
+      </p:transition>
+    </mc:Fallback>
+  </mc:AlternateContent>
+</p:sld>
+</file>
+
+<file path=ppt/slides/slide11.xml><?xml version="1.0" encoding="utf-8"?>
+<p:sld xmlns:a="http://schemas.openxmlformats.org/drawingml/2006/main" xmlns:r="http://schemas.openxmlformats.org/officeDocument/2006/relationships" xmlns:p="http://schemas.openxmlformats.org/presentationml/2006/main">
+  <p:cSld>
+    <p:spTree>
+      <p:nvGrpSpPr>
+        <p:cNvPr id="1" name="Shape 210"/>
+        <p:cNvGrpSpPr/>
+        <p:nvPr/>
+      </p:nvGrpSpPr>
+      <p:grpSpPr>
+        <a:xfrm>
+          <a:off x="0" y="0"/>
+          <a:ext cx="0" cy="0"/>
+          <a:chOff x="0" y="0"/>
+          <a:chExt cx="0" cy="0"/>
+        </a:xfrm>
+      </p:grpSpPr>
+      <p:sp>
+        <p:nvSpPr>
+          <p:cNvPr id="211" name="Google Shape;211;p11"/>
+          <p:cNvSpPr txBox="1">
+            <a:spLocks noGrp="1"/>
+          </p:cNvSpPr>
+          <p:nvPr>
+            <p:ph type="title"/>
+          </p:nvPr>
+        </p:nvSpPr>
+        <p:spPr>
+          <a:xfrm>
+            <a:off x="390144" y="487681"/>
+            <a:ext cx="10939272" cy="456217"/>
+          </a:xfrm>
+          <a:prstGeom prst="rect">
+            <a:avLst/>
+          </a:prstGeom>
+          <a:noFill/>
+          <a:ln>
+            <a:noFill/>
+          </a:ln>
+        </p:spPr>
+        <p:txBody>
+          <a:bodyPr spcFirstLastPara="1" wrap="square" lIns="121900" tIns="60933" rIns="121900" bIns="60933" anchor="t" anchorCtr="0">
+            <a:noAutofit/>
+          </a:bodyPr>
+          <a:lstStyle/>
+          <a:p>
+            <a:r>
+              <a:rPr lang="en-US" dirty="0"/>
+              <a:t>Client Functionality Overview</a:t>
+            </a:r>
+            <a:endParaRPr dirty="0"/>
+          </a:p>
+        </p:txBody>
+      </p:sp>
+      <p:pic>
+        <p:nvPicPr>
+          <p:cNvPr id="2" name="Picture 1">
+            <a:extLst>
+              <a:ext uri="{FF2B5EF4-FFF2-40B4-BE49-F238E27FC236}">
+                <a16:creationId xmlns:a16="http://schemas.microsoft.com/office/drawing/2014/main" id="{4FBE9E84-AACA-004D-85DF-0CEB144C61CE}"/>
+              </a:ext>
+            </a:extLst>
+          </p:cNvPr>
+          <p:cNvPicPr>
+            <a:picLocks noChangeAspect="1"/>
+          </p:cNvPicPr>
+          <p:nvPr/>
+        </p:nvPicPr>
+        <p:blipFill>
+          <a:blip r:embed="rId3"/>
+          <a:stretch>
+            <a:fillRect/>
+          </a:stretch>
+        </p:blipFill>
+        <p:spPr>
+          <a:xfrm>
+            <a:off x="390145" y="986064"/>
+            <a:ext cx="7080039" cy="5871936"/>
+          </a:xfrm>
+          <a:prstGeom prst="rect">
+            <a:avLst/>
+          </a:prstGeom>
+        </p:spPr>
+      </p:pic>
+    </p:spTree>
+    <p:extLst>
+      <p:ext uri="{BB962C8B-B14F-4D97-AF65-F5344CB8AC3E}">
+        <p14:creationId xmlns:p14="http://schemas.microsoft.com/office/powerpoint/2010/main" val="3535419036"/>
+      </p:ext>
+    </p:extLst>
+  </p:cSld>
+  <p:clrMapOvr>
+    <a:masterClrMapping/>
+  </p:clrMapOvr>
+</p:sld>
+</file>
+
+<file path=ppt/slides/slide12.xml><?xml version="1.0" encoding="utf-8"?>
 <p:sld xmlns:a="http://schemas.openxmlformats.org/drawingml/2006/main" xmlns:r="http://schemas.openxmlformats.org/officeDocument/2006/relationships" xmlns:p="http://schemas.openxmlformats.org/presentationml/2006/main">
   <p:cSld>
     <p:bg>
@@ -12758,7 +13869,7 @@
         <p:fade/>
       </p:transition>
     </mc:Choice>
-    <mc:Fallback xmlns="" xmlns:mv="urn:schemas-microsoft-com:mac:vml" xmlns:c="http://schemas.openxmlformats.org/drawingml/2006/chart" xmlns:dgm="http://schemas.openxmlformats.org/drawingml/2006/diagram" xmlns:o="urn:schemas-microsoft-com:office:office" xmlns:v="urn:schemas-microsoft-com:vml" xmlns:pvml="urn:schemas-microsoft-com:office:powerpoint" xmlns:com="http://schemas.openxmlformats.org/drawingml/2006/compatibility" xmlns:p15="http://schemas.microsoft.com/office/powerpoint/2012/main">
+    <mc:Fallback xmlns:p15="http://schemas.microsoft.com/office/powerpoint/2012/main" xmlns:com="http://schemas.openxmlformats.org/drawingml/2006/compatibility" xmlns:pvml="urn:schemas-microsoft-com:office:powerpoint" xmlns:v="urn:schemas-microsoft-com:vml" xmlns:o="urn:schemas-microsoft-com:office:office" xmlns:dgm="http://schemas.openxmlformats.org/drawingml/2006/diagram" xmlns:c="http://schemas.openxmlformats.org/drawingml/2006/chart" xmlns:mv="urn:schemas-microsoft-com:mac:vml" xmlns="">
       <p:transition spd="slow">
         <p:fade/>
       </p:transition>
@@ -12767,7 +13878,7 @@
 </p:sld>
 </file>
 
-<file path=ppt/slides/slide11.xml><?xml version="1.0" encoding="utf-8"?>
+<file path=ppt/slides/slide13.xml><?xml version="1.0" encoding="utf-8"?>
 <p:sld xmlns:a="http://schemas.openxmlformats.org/drawingml/2006/main" xmlns:r="http://schemas.openxmlformats.org/officeDocument/2006/relationships" xmlns:p="http://schemas.openxmlformats.org/presentationml/2006/main">
   <p:cSld>
     <p:spTree>
@@ -13125,7 +14236,7 @@
         <p:fade/>
       </p:transition>
     </mc:Choice>
-    <mc:Fallback xmlns="" xmlns:mv="urn:schemas-microsoft-com:mac:vml" xmlns:c="http://schemas.openxmlformats.org/drawingml/2006/chart" xmlns:dgm="http://schemas.openxmlformats.org/drawingml/2006/diagram" xmlns:o="urn:schemas-microsoft-com:office:office" xmlns:v="urn:schemas-microsoft-com:vml" xmlns:pvml="urn:schemas-microsoft-com:office:powerpoint" xmlns:com="http://schemas.openxmlformats.org/drawingml/2006/compatibility" xmlns:p15="http://schemas.microsoft.com/office/powerpoint/2012/main">
+    <mc:Fallback xmlns:p15="http://schemas.microsoft.com/office/powerpoint/2012/main" xmlns:com="http://schemas.openxmlformats.org/drawingml/2006/compatibility" xmlns:pvml="urn:schemas-microsoft-com:office:powerpoint" xmlns:v="urn:schemas-microsoft-com:vml" xmlns:o="urn:schemas-microsoft-com:office:office" xmlns:dgm="http://schemas.openxmlformats.org/drawingml/2006/diagram" xmlns:c="http://schemas.openxmlformats.org/drawingml/2006/chart" xmlns:mv="urn:schemas-microsoft-com:mac:vml" xmlns="">
       <p:transition spd="slow">
         <p:fade/>
       </p:transition>
@@ -13134,7 +14245,7 @@
 </p:sld>
 </file>
 
-<file path=ppt/slides/slide12.xml><?xml version="1.0" encoding="utf-8"?>
+<file path=ppt/slides/slide14.xml><?xml version="1.0" encoding="utf-8"?>
 <p:sld xmlns:a="http://schemas.openxmlformats.org/drawingml/2006/main" xmlns:r="http://schemas.openxmlformats.org/officeDocument/2006/relationships" xmlns:p="http://schemas.openxmlformats.org/presentationml/2006/main">
   <p:cSld>
     <p:bg>
@@ -14240,7 +15351,7 @@
         <p:fade/>
       </p:transition>
     </mc:Choice>
-    <mc:Fallback xmlns="" xmlns:mv="urn:schemas-microsoft-com:mac:vml" xmlns:c="http://schemas.openxmlformats.org/drawingml/2006/chart" xmlns:dgm="http://schemas.openxmlformats.org/drawingml/2006/diagram" xmlns:o="urn:schemas-microsoft-com:office:office" xmlns:v="urn:schemas-microsoft-com:vml" xmlns:pvml="urn:schemas-microsoft-com:office:powerpoint" xmlns:com="http://schemas.openxmlformats.org/drawingml/2006/compatibility" xmlns:p15="http://schemas.microsoft.com/office/powerpoint/2012/main">
+    <mc:Fallback xmlns:p15="http://schemas.microsoft.com/office/powerpoint/2012/main" xmlns:com="http://schemas.openxmlformats.org/drawingml/2006/compatibility" xmlns:pvml="urn:schemas-microsoft-com:office:powerpoint" xmlns:v="urn:schemas-microsoft-com:vml" xmlns:o="urn:schemas-microsoft-com:office:office" xmlns:dgm="http://schemas.openxmlformats.org/drawingml/2006/diagram" xmlns:c="http://schemas.openxmlformats.org/drawingml/2006/chart" xmlns:mv="urn:schemas-microsoft-com:mac:vml" xmlns="">
       <p:transition spd="slow">
         <p:fade/>
       </p:transition>
@@ -14249,7 +15360,7 @@
 </p:sld>
 </file>
 
-<file path=ppt/slides/slide13.xml><?xml version="1.0" encoding="utf-8"?>
+<file path=ppt/slides/slide15.xml><?xml version="1.0" encoding="utf-8"?>
 <p:sld xmlns:a="http://schemas.openxmlformats.org/drawingml/2006/main" xmlns:r="http://schemas.openxmlformats.org/officeDocument/2006/relationships" xmlns:p="http://schemas.openxmlformats.org/presentationml/2006/main">
   <p:cSld>
     <p:bg>
@@ -14722,7 +15833,7 @@
         <p:fade/>
       </p:transition>
     </mc:Choice>
-    <mc:Fallback xmlns="" xmlns:mv="urn:schemas-microsoft-com:mac:vml" xmlns:c="http://schemas.openxmlformats.org/drawingml/2006/chart" xmlns:dgm="http://schemas.openxmlformats.org/drawingml/2006/diagram" xmlns:o="urn:schemas-microsoft-com:office:office" xmlns:v="urn:schemas-microsoft-com:vml" xmlns:pvml="urn:schemas-microsoft-com:office:powerpoint" xmlns:com="http://schemas.openxmlformats.org/drawingml/2006/compatibility" xmlns:p15="http://schemas.microsoft.com/office/powerpoint/2012/main">
+    <mc:Fallback xmlns:p15="http://schemas.microsoft.com/office/powerpoint/2012/main" xmlns:com="http://schemas.openxmlformats.org/drawingml/2006/compatibility" xmlns:pvml="urn:schemas-microsoft-com:office:powerpoint" xmlns:v="urn:schemas-microsoft-com:vml" xmlns:o="urn:schemas-microsoft-com:office:office" xmlns:dgm="http://schemas.openxmlformats.org/drawingml/2006/diagram" xmlns:c="http://schemas.openxmlformats.org/drawingml/2006/chart" xmlns:mv="urn:schemas-microsoft-com:mac:vml" xmlns="">
       <p:transition spd="slow">
         <p:fade/>
       </p:transition>
@@ -14731,7 +15842,7 @@
 </p:sld>
 </file>
 
-<file path=ppt/slides/slide14.xml><?xml version="1.0" encoding="utf-8"?>
+<file path=ppt/slides/slide16.xml><?xml version="1.0" encoding="utf-8"?>
 <p:sld xmlns:a="http://schemas.openxmlformats.org/drawingml/2006/main" xmlns:r="http://schemas.openxmlformats.org/officeDocument/2006/relationships" xmlns:p="http://schemas.openxmlformats.org/presentationml/2006/main">
   <p:cSld>
     <p:bg>
@@ -14942,7 +16053,7 @@
         <p:fade/>
       </p:transition>
     </mc:Choice>
-    <mc:Fallback xmlns="" xmlns:mv="urn:schemas-microsoft-com:mac:vml" xmlns:c="http://schemas.openxmlformats.org/drawingml/2006/chart" xmlns:dgm="http://schemas.openxmlformats.org/drawingml/2006/diagram" xmlns:o="urn:schemas-microsoft-com:office:office" xmlns:v="urn:schemas-microsoft-com:vml" xmlns:pvml="urn:schemas-microsoft-com:office:powerpoint" xmlns:com="http://schemas.openxmlformats.org/drawingml/2006/compatibility" xmlns:p15="http://schemas.microsoft.com/office/powerpoint/2012/main">
+    <mc:Fallback xmlns:p15="http://schemas.microsoft.com/office/powerpoint/2012/main" xmlns:com="http://schemas.openxmlformats.org/drawingml/2006/compatibility" xmlns:pvml="urn:schemas-microsoft-com:office:powerpoint" xmlns:v="urn:schemas-microsoft-com:vml" xmlns:o="urn:schemas-microsoft-com:office:office" xmlns:dgm="http://schemas.openxmlformats.org/drawingml/2006/diagram" xmlns:c="http://schemas.openxmlformats.org/drawingml/2006/chart" xmlns:mv="urn:schemas-microsoft-com:mac:vml" xmlns="">
       <p:transition spd="slow">
         <p:fade/>
       </p:transition>
@@ -14951,7 +16062,7 @@
 </p:sld>
 </file>
 
-<file path=ppt/slides/slide15.xml><?xml version="1.0" encoding="utf-8"?>
+<file path=ppt/slides/slide17.xml><?xml version="1.0" encoding="utf-8"?>
 <p:sld xmlns:a="http://schemas.openxmlformats.org/drawingml/2006/main" xmlns:r="http://schemas.openxmlformats.org/officeDocument/2006/relationships" xmlns:p="http://schemas.openxmlformats.org/presentationml/2006/main">
   <p:cSld>
     <p:bg>
@@ -15178,7 +16289,7 @@
         <p:fade/>
       </p:transition>
     </mc:Choice>
-    <mc:Fallback xmlns="" xmlns:mv="urn:schemas-microsoft-com:mac:vml" xmlns:c="http://schemas.openxmlformats.org/drawingml/2006/chart" xmlns:dgm="http://schemas.openxmlformats.org/drawingml/2006/diagram" xmlns:o="urn:schemas-microsoft-com:office:office" xmlns:v="urn:schemas-microsoft-com:vml" xmlns:pvml="urn:schemas-microsoft-com:office:powerpoint" xmlns:com="http://schemas.openxmlformats.org/drawingml/2006/compatibility" xmlns:p15="http://schemas.microsoft.com/office/powerpoint/2012/main">
+    <mc:Fallback xmlns:p15="http://schemas.microsoft.com/office/powerpoint/2012/main" xmlns:com="http://schemas.openxmlformats.org/drawingml/2006/compatibility" xmlns:pvml="urn:schemas-microsoft-com:office:powerpoint" xmlns:v="urn:schemas-microsoft-com:vml" xmlns:o="urn:schemas-microsoft-com:office:office" xmlns:dgm="http://schemas.openxmlformats.org/drawingml/2006/diagram" xmlns:c="http://schemas.openxmlformats.org/drawingml/2006/chart" xmlns:mv="urn:schemas-microsoft-com:mac:vml" xmlns="">
       <p:transition spd="slow">
         <p:fade/>
       </p:transition>
@@ -15187,7 +16298,7 @@
 </p:sld>
 </file>
 
-<file path=ppt/slides/slide16.xml><?xml version="1.0" encoding="utf-8"?>
+<file path=ppt/slides/slide18.xml><?xml version="1.0" encoding="utf-8"?>
 <p:sld xmlns:a="http://schemas.openxmlformats.org/drawingml/2006/main" xmlns:r="http://schemas.openxmlformats.org/officeDocument/2006/relationships" xmlns:p="http://schemas.openxmlformats.org/presentationml/2006/main" showMasterSp="0">
   <p:cSld>
     <p:bg>
@@ -15289,7 +16400,7 @@
         <p:fade/>
       </p:transition>
     </mc:Choice>
-    <mc:Fallback xmlns="" xmlns:mv="urn:schemas-microsoft-com:mac:vml" xmlns:c="http://schemas.openxmlformats.org/drawingml/2006/chart" xmlns:dgm="http://schemas.openxmlformats.org/drawingml/2006/diagram" xmlns:o="urn:schemas-microsoft-com:office:office" xmlns:v="urn:schemas-microsoft-com:vml" xmlns:pvml="urn:schemas-microsoft-com:office:powerpoint" xmlns:com="http://schemas.openxmlformats.org/drawingml/2006/compatibility" xmlns:p15="http://schemas.microsoft.com/office/powerpoint/2012/main">
+    <mc:Fallback xmlns:p15="http://schemas.microsoft.com/office/powerpoint/2012/main" xmlns:com="http://schemas.openxmlformats.org/drawingml/2006/compatibility" xmlns:pvml="urn:schemas-microsoft-com:office:powerpoint" xmlns:v="urn:schemas-microsoft-com:vml" xmlns:o="urn:schemas-microsoft-com:office:office" xmlns:dgm="http://schemas.openxmlformats.org/drawingml/2006/diagram" xmlns:c="http://schemas.openxmlformats.org/drawingml/2006/chart" xmlns:mv="urn:schemas-microsoft-com:mac:vml" xmlns="">
       <p:transition spd="slow">
         <p:fade/>
       </p:transition>
@@ -15298,7 +16409,7 @@
 </p:sld>
 </file>
 
-<file path=ppt/slides/slide17.xml><?xml version="1.0" encoding="utf-8"?>
+<file path=ppt/slides/slide19.xml><?xml version="1.0" encoding="utf-8"?>
 <p:sld xmlns:a="http://schemas.openxmlformats.org/drawingml/2006/main" xmlns:r="http://schemas.openxmlformats.org/officeDocument/2006/relationships" xmlns:p="http://schemas.openxmlformats.org/presentationml/2006/main">
   <p:cSld>
     <p:spTree>
@@ -15495,44 +16606,7 @@
         <p:fade/>
       </p:transition>
     </mc:Choice>
-    <mc:Fallback xmlns="" xmlns:mv="urn:schemas-microsoft-com:mac:vml" xmlns:c="http://schemas.openxmlformats.org/drawingml/2006/chart" xmlns:dgm="http://schemas.openxmlformats.org/drawingml/2006/diagram" xmlns:o="urn:schemas-microsoft-com:office:office" xmlns:v="urn:schemas-microsoft-com:vml" xmlns:pvml="urn:schemas-microsoft-com:office:powerpoint" xmlns:com="http://schemas.openxmlformats.org/drawingml/2006/compatibility" xmlns:p15="http://schemas.microsoft.com/office/powerpoint/2012/main">
-      <p:transition spd="slow">
-        <p:fade/>
-      </p:transition>
-    </mc:Fallback>
-  </mc:AlternateContent>
-</p:sld>
-</file>
-
-<file path=ppt/slides/slide18.xml><?xml version="1.0" encoding="utf-8"?>
-<p:sld xmlns:a="http://schemas.openxmlformats.org/drawingml/2006/main" xmlns:r="http://schemas.openxmlformats.org/officeDocument/2006/relationships" xmlns:p="http://schemas.openxmlformats.org/presentationml/2006/main">
-  <p:cSld>
-    <p:spTree>
-      <p:nvGrpSpPr>
-        <p:cNvPr id="1" name="Shape 158"/>
-        <p:cNvGrpSpPr/>
-        <p:nvPr/>
-      </p:nvGrpSpPr>
-      <p:grpSpPr>
-        <a:xfrm>
-          <a:off x="0" y="0"/>
-          <a:ext cx="0" cy="0"/>
-          <a:chOff x="0" y="0"/>
-          <a:chExt cx="0" cy="0"/>
-        </a:xfrm>
-      </p:grpSpPr>
-    </p:spTree>
-  </p:cSld>
-  <p:clrMapOvr>
-    <a:masterClrMapping/>
-  </p:clrMapOvr>
-  <mc:AlternateContent xmlns:mc="http://schemas.openxmlformats.org/markup-compatibility/2006" xmlns:p14="http://schemas.microsoft.com/office/powerpoint/2010/main">
-    <mc:Choice Requires="p14">
-      <p:transition spd="med" p14:dur="700">
-        <p:fade/>
-      </p:transition>
-    </mc:Choice>
-    <mc:Fallback xmlns="" xmlns:mv="urn:schemas-microsoft-com:mac:vml" xmlns:c="http://schemas.openxmlformats.org/drawingml/2006/chart" xmlns:dgm="http://schemas.openxmlformats.org/drawingml/2006/diagram" xmlns:o="urn:schemas-microsoft-com:office:office" xmlns:v="urn:schemas-microsoft-com:vml" xmlns:pvml="urn:schemas-microsoft-com:office:powerpoint" xmlns:com="http://schemas.openxmlformats.org/drawingml/2006/compatibility" xmlns:p15="http://schemas.microsoft.com/office/powerpoint/2012/main">
+    <mc:Fallback xmlns:p15="http://schemas.microsoft.com/office/powerpoint/2012/main" xmlns:com="http://schemas.openxmlformats.org/drawingml/2006/compatibility" xmlns:pvml="urn:schemas-microsoft-com:office:powerpoint" xmlns:v="urn:schemas-microsoft-com:vml" xmlns:o="urn:schemas-microsoft-com:office:office" xmlns:dgm="http://schemas.openxmlformats.org/drawingml/2006/diagram" xmlns:c="http://schemas.openxmlformats.org/drawingml/2006/chart" xmlns:mv="urn:schemas-microsoft-com:mac:vml" xmlns="">
       <p:transition spd="slow">
         <p:fade/>
       </p:transition>
@@ -15688,6 +16762,43 @@
 </p:sld>
 </file>
 
+<file path=ppt/slides/slide20.xml><?xml version="1.0" encoding="utf-8"?>
+<p:sld xmlns:a="http://schemas.openxmlformats.org/drawingml/2006/main" xmlns:r="http://schemas.openxmlformats.org/officeDocument/2006/relationships" xmlns:p="http://schemas.openxmlformats.org/presentationml/2006/main">
+  <p:cSld>
+    <p:spTree>
+      <p:nvGrpSpPr>
+        <p:cNvPr id="1" name="Shape 158"/>
+        <p:cNvGrpSpPr/>
+        <p:nvPr/>
+      </p:nvGrpSpPr>
+      <p:grpSpPr>
+        <a:xfrm>
+          <a:off x="0" y="0"/>
+          <a:ext cx="0" cy="0"/>
+          <a:chOff x="0" y="0"/>
+          <a:chExt cx="0" cy="0"/>
+        </a:xfrm>
+      </p:grpSpPr>
+    </p:spTree>
+  </p:cSld>
+  <p:clrMapOvr>
+    <a:masterClrMapping/>
+  </p:clrMapOvr>
+  <mc:AlternateContent xmlns:mc="http://schemas.openxmlformats.org/markup-compatibility/2006" xmlns:p14="http://schemas.microsoft.com/office/powerpoint/2010/main">
+    <mc:Choice Requires="p14">
+      <p:transition spd="med" p14:dur="700">
+        <p:fade/>
+      </p:transition>
+    </mc:Choice>
+    <mc:Fallback xmlns:p15="http://schemas.microsoft.com/office/powerpoint/2012/main" xmlns:com="http://schemas.openxmlformats.org/drawingml/2006/compatibility" xmlns:pvml="urn:schemas-microsoft-com:office:powerpoint" xmlns:v="urn:schemas-microsoft-com:vml" xmlns:o="urn:schemas-microsoft-com:office:office" xmlns:dgm="http://schemas.openxmlformats.org/drawingml/2006/diagram" xmlns:c="http://schemas.openxmlformats.org/drawingml/2006/chart" xmlns:mv="urn:schemas-microsoft-com:mac:vml" xmlns="">
+      <p:transition spd="slow">
+        <p:fade/>
+      </p:transition>
+    </mc:Fallback>
+  </mc:AlternateContent>
+</p:sld>
+</file>
+
 <file path=ppt/slides/slide3.xml><?xml version="1.0" encoding="utf-8"?>
 <p:sld xmlns:a="http://schemas.openxmlformats.org/drawingml/2006/main" xmlns:r="http://schemas.openxmlformats.org/officeDocument/2006/relationships" xmlns:p="http://schemas.openxmlformats.org/presentationml/2006/main">
   <p:cSld>
@@ -15847,7 +16958,7 @@
         <p:fade/>
       </p:transition>
     </mc:Choice>
-    <mc:Fallback xmlns="" xmlns:mv="urn:schemas-microsoft-com:mac:vml" xmlns:c="http://schemas.openxmlformats.org/drawingml/2006/chart" xmlns:dgm="http://schemas.openxmlformats.org/drawingml/2006/diagram" xmlns:o="urn:schemas-microsoft-com:office:office" xmlns:v="urn:schemas-microsoft-com:vml" xmlns:pvml="urn:schemas-microsoft-com:office:powerpoint" xmlns:com="http://schemas.openxmlformats.org/drawingml/2006/compatibility" xmlns:p15="http://schemas.microsoft.com/office/powerpoint/2012/main">
+    <mc:Fallback xmlns:p15="http://schemas.microsoft.com/office/powerpoint/2012/main" xmlns:com="http://schemas.openxmlformats.org/drawingml/2006/compatibility" xmlns:pvml="urn:schemas-microsoft-com:office:powerpoint" xmlns:v="urn:schemas-microsoft-com:vml" xmlns:o="urn:schemas-microsoft-com:office:office" xmlns:dgm="http://schemas.openxmlformats.org/drawingml/2006/diagram" xmlns:c="http://schemas.openxmlformats.org/drawingml/2006/chart" xmlns:mv="urn:schemas-microsoft-com:mac:vml" xmlns="">
       <p:transition spd="slow">
         <p:fade/>
       </p:transition>
@@ -16123,7 +17234,7 @@
         <p:fade/>
       </p:transition>
     </mc:Choice>
-    <mc:Fallback xmlns="" xmlns:mv="urn:schemas-microsoft-com:mac:vml" xmlns:c="http://schemas.openxmlformats.org/drawingml/2006/chart" xmlns:dgm="http://schemas.openxmlformats.org/drawingml/2006/diagram" xmlns:o="urn:schemas-microsoft-com:office:office" xmlns:v="urn:schemas-microsoft-com:vml" xmlns:pvml="urn:schemas-microsoft-com:office:powerpoint" xmlns:com="http://schemas.openxmlformats.org/drawingml/2006/compatibility" xmlns:p15="http://schemas.microsoft.com/office/powerpoint/2012/main">
+    <mc:Fallback xmlns:p15="http://schemas.microsoft.com/office/powerpoint/2012/main" xmlns:com="http://schemas.openxmlformats.org/drawingml/2006/compatibility" xmlns:pvml="urn:schemas-microsoft-com:office:powerpoint" xmlns:v="urn:schemas-microsoft-com:vml" xmlns:o="urn:schemas-microsoft-com:office:office" xmlns:dgm="http://schemas.openxmlformats.org/drawingml/2006/diagram" xmlns:c="http://schemas.openxmlformats.org/drawingml/2006/chart" xmlns:mv="urn:schemas-microsoft-com:mac:vml" xmlns="">
       <p:transition spd="slow">
         <p:fade/>
       </p:transition>
@@ -16274,7 +17385,27 @@
             </a:pPr>
             <a:r>
               <a:rPr lang="en-US" dirty="0"/>
-              <a:t>Demonstration of samples</a:t>
+              <a:t>Location of samples</a:t>
+            </a:r>
+          </a:p>
+          <a:p>
+            <a:pPr marL="347663" lvl="0" indent="-342900" algn="l" rtl="0">
+              <a:lnSpc>
+                <a:spcPct val="90000"/>
+              </a:lnSpc>
+              <a:spcBef>
+                <a:spcPts val="0"/>
+              </a:spcBef>
+              <a:spcAft>
+                <a:spcPts val="0"/>
+              </a:spcAft>
+              <a:buSzPts val="2400"/>
+              <a:buFont typeface="Arial" panose="020B0604020202020204" pitchFamily="34" charset="0"/>
+              <a:buChar char="•"/>
+            </a:pPr>
+            <a:r>
+              <a:rPr lang="en-US" dirty="0"/>
+              <a:t>Demonstration of a few samples</a:t>
             </a:r>
             <a:endParaRPr dirty="0"/>
           </a:p>
@@ -16316,7 +17447,7 @@
         <p:fade/>
       </p:transition>
     </mc:Choice>
-    <mc:Fallback xmlns="" xmlns:mv="urn:schemas-microsoft-com:mac:vml" xmlns:c="http://schemas.openxmlformats.org/drawingml/2006/chart" xmlns:dgm="http://schemas.openxmlformats.org/drawingml/2006/diagram" xmlns:o="urn:schemas-microsoft-com:office:office" xmlns:v="urn:schemas-microsoft-com:vml" xmlns:pvml="urn:schemas-microsoft-com:office:powerpoint" xmlns:com="http://schemas.openxmlformats.org/drawingml/2006/compatibility" xmlns:p15="http://schemas.microsoft.com/office/powerpoint/2012/main">
+    <mc:Fallback xmlns:p15="http://schemas.microsoft.com/office/powerpoint/2012/main" xmlns:com="http://schemas.openxmlformats.org/drawingml/2006/compatibility" xmlns:pvml="urn:schemas-microsoft-com:office:powerpoint" xmlns:v="urn:schemas-microsoft-com:vml" xmlns:o="urn:schemas-microsoft-com:office:office" xmlns:dgm="http://schemas.openxmlformats.org/drawingml/2006/diagram" xmlns:c="http://schemas.openxmlformats.org/drawingml/2006/chart" xmlns:mv="urn:schemas-microsoft-com:mac:vml" xmlns="">
       <p:transition spd="slow">
         <p:fade/>
       </p:transition>
@@ -16498,7 +17629,7 @@
         <p:fade/>
       </p:transition>
     </mc:Choice>
-    <mc:Fallback xmlns="" xmlns:mv="urn:schemas-microsoft-com:mac:vml" xmlns:c="http://schemas.openxmlformats.org/drawingml/2006/chart" xmlns:dgm="http://schemas.openxmlformats.org/drawingml/2006/diagram" xmlns:o="urn:schemas-microsoft-com:office:office" xmlns:v="urn:schemas-microsoft-com:vml" xmlns:pvml="urn:schemas-microsoft-com:office:powerpoint" xmlns:com="http://schemas.openxmlformats.org/drawingml/2006/compatibility" xmlns:p15="http://schemas.microsoft.com/office/powerpoint/2012/main">
+    <mc:Fallback xmlns:p15="http://schemas.microsoft.com/office/powerpoint/2012/main" xmlns:com="http://schemas.openxmlformats.org/drawingml/2006/compatibility" xmlns:pvml="urn:schemas-microsoft-com:office:powerpoint" xmlns:v="urn:schemas-microsoft-com:vml" xmlns:o="urn:schemas-microsoft-com:office:office" xmlns:dgm="http://schemas.openxmlformats.org/drawingml/2006/diagram" xmlns:c="http://schemas.openxmlformats.org/drawingml/2006/chart" xmlns:mv="urn:schemas-microsoft-com:mac:vml" xmlns="">
       <p:transition spd="slow">
         <p:fade/>
       </p:transition>
@@ -16536,8 +17667,8 @@
         </p:nvSpPr>
         <p:spPr>
           <a:xfrm>
-            <a:off x="619125" y="2017713"/>
-            <a:ext cx="9532938" cy="3294062"/>
+            <a:off x="619125" y="1502228"/>
+            <a:ext cx="9532938" cy="5050971"/>
           </a:xfrm>
           <a:prstGeom prst="rect">
             <a:avLst/>
@@ -16576,195 +17707,92 @@
                   <a:srgbClr val="000000"/>
                 </a:solidFill>
               </a:rPr>
-              <a:t>Supporting copy here.</a:t>
+              <a:t>Check REST APIs inde</a:t>
             </a:r>
-            <a:endParaRPr dirty="0"/>
+            <a:r>
+              <a:rPr lang="en-US" sz="2000" dirty="0"/>
+              <a:t>x page for samples per API</a:t>
+            </a:r>
           </a:p>
           <a:p>
-            <a:pPr marL="971550" lvl="1" indent="-285750" algn="l" rtl="0">
-              <a:lnSpc>
-                <a:spcPct val="90000"/>
-              </a:lnSpc>
-              <a:spcBef>
-                <a:spcPts val="600"/>
-              </a:spcBef>
-              <a:spcAft>
-                <a:spcPts val="0"/>
-              </a:spcAft>
-              <a:buClr>
-                <a:srgbClr val="000000"/>
-              </a:buClr>
-              <a:buSzPts val="1620"/>
-              <a:buFont typeface="Courier New"/>
-              <a:buChar char="o"/>
-            </a:pPr>
-            <a:r>
-              <a:rPr lang="en-US" sz="1800" dirty="0">
-                <a:solidFill>
-                  <a:srgbClr val="000000"/>
-                </a:solidFill>
-              </a:rPr>
-              <a:t>Secondary copy goes here.</a:t>
-            </a:r>
-            <a:br>
-              <a:rPr lang="en-US" sz="1800" dirty="0">
-                <a:solidFill>
-                  <a:srgbClr val="000000"/>
-                </a:solidFill>
-              </a:rPr>
-            </a:br>
-            <a:endParaRPr sz="1800" dirty="0">
-              <a:solidFill>
-                <a:srgbClr val="000000"/>
-              </a:solidFill>
-            </a:endParaRPr>
-          </a:p>
-          <a:p>
-            <a:pPr marL="514350" lvl="0" indent="-285750" algn="l" rtl="0">
-              <a:lnSpc>
-                <a:spcPct val="90000"/>
-              </a:lnSpc>
+            <a:pPr marL="971550" lvl="1" indent="-285750">
               <a:spcBef>
                 <a:spcPts val="1200"/>
               </a:spcBef>
-              <a:spcAft>
-                <a:spcPts val="0"/>
-              </a:spcAft>
-              <a:buClr>
-                <a:srgbClr val="000000"/>
-              </a:buClr>
-              <a:buSzPts val="2000"/>
               <a:buFont typeface="Arial"/>
               <a:buChar char="•"/>
             </a:pPr>
             <a:r>
-              <a:rPr lang="en-US" sz="2000" dirty="0">
-                <a:solidFill>
-                  <a:srgbClr val="000000"/>
-                </a:solidFill>
-              </a:rPr>
-              <a:t>Supporting copy here.</a:t>
+              <a:rPr lang="en-US" sz="1600" dirty="0"/>
+              <a:t>https://</a:t>
             </a:r>
-            <a:endParaRPr dirty="0"/>
+            <a:r>
+              <a:rPr lang="en-US" sz="1600" dirty="0" err="1"/>
+              <a:t>apis.support.brightcove.com</a:t>
+            </a:r>
+            <a:r>
+              <a:rPr lang="en-US" sz="1600" dirty="0"/>
+              <a:t>/</a:t>
+            </a:r>
           </a:p>
           <a:p>
-            <a:pPr marL="971550" lvl="1" indent="-285750" algn="l" rtl="0">
-              <a:lnSpc>
-                <a:spcPct val="90000"/>
-              </a:lnSpc>
-              <a:spcBef>
-                <a:spcPts val="600"/>
-              </a:spcBef>
-              <a:spcAft>
-                <a:spcPts val="0"/>
-              </a:spcAft>
-              <a:buClr>
-                <a:srgbClr val="000000"/>
-              </a:buClr>
-              <a:buSzPts val="1620"/>
-              <a:buFont typeface="Courier New"/>
-              <a:buChar char="o"/>
+            <a:pPr marL="514350" lvl="0" indent="-285750">
+              <a:buSzPts val="2000"/>
+            </a:pPr>
+            <a:endParaRPr lang="en-US" sz="2000" dirty="0"/>
+          </a:p>
+          <a:p>
+            <a:pPr marL="514350" lvl="0" indent="-285750">
+              <a:buSzPts val="2000"/>
+            </a:pPr>
+            <a:endParaRPr lang="en-US" sz="2000" dirty="0"/>
+          </a:p>
+          <a:p>
+            <a:pPr marL="514350" lvl="0" indent="-285750">
+              <a:buSzPts val="2000"/>
+            </a:pPr>
+            <a:endParaRPr lang="en-US" sz="2000" dirty="0"/>
+          </a:p>
+          <a:p>
+            <a:pPr marL="514350" lvl="0" indent="-285750">
+              <a:buSzPts val="2000"/>
+            </a:pPr>
+            <a:endParaRPr lang="en-US" sz="2000" dirty="0"/>
+          </a:p>
+          <a:p>
+            <a:pPr marL="514350" lvl="0" indent="-285750">
+              <a:buSzPts val="2000"/>
             </a:pPr>
             <a:r>
-              <a:rPr lang="en-US" sz="1800" dirty="0">
-                <a:solidFill>
-                  <a:srgbClr val="000000"/>
-                </a:solidFill>
-              </a:rPr>
-              <a:t>Secondary copy goes here.</a:t>
+              <a:rPr lang="en-US" sz="2000" dirty="0"/>
+              <a:t>Brightcove Player samples</a:t>
             </a:r>
-            <a:br>
-              <a:rPr lang="en-US" sz="1800" dirty="0">
-                <a:solidFill>
-                  <a:srgbClr val="000000"/>
-                </a:solidFill>
-              </a:rPr>
-            </a:br>
-            <a:endParaRPr sz="1800" dirty="0">
-              <a:solidFill>
-                <a:srgbClr val="000000"/>
-              </a:solidFill>
-            </a:endParaRPr>
           </a:p>
           <a:p>
-            <a:pPr marL="514350" lvl="0" indent="-285750" algn="l" rtl="0">
-              <a:lnSpc>
-                <a:spcPct val="90000"/>
-              </a:lnSpc>
+            <a:pPr marL="971550" lvl="1" indent="-285750"/>
+            <a:r>
+              <a:rPr lang="en-US" sz="1600" dirty="0"/>
+              <a:t>https://</a:t>
+            </a:r>
+            <a:r>
+              <a:rPr lang="en-US" sz="1600" dirty="0" err="1"/>
+              <a:t>player.support.brightcove.com</a:t>
+            </a:r>
+            <a:r>
+              <a:rPr lang="en-US" sz="1600" dirty="0"/>
+              <a:t>/code-samples/</a:t>
+            </a:r>
+            <a:endParaRPr lang="en-US" sz="2000" dirty="0"/>
+          </a:p>
+          <a:p>
+            <a:pPr marL="971550" lvl="1" indent="-285750">
               <a:spcBef>
                 <a:spcPts val="1200"/>
               </a:spcBef>
-              <a:spcAft>
-                <a:spcPts val="0"/>
-              </a:spcAft>
-              <a:buClr>
-                <a:srgbClr val="000000"/>
-              </a:buClr>
-              <a:buSzPts val="2000"/>
               <a:buFont typeface="Arial"/>
               <a:buChar char="•"/>
             </a:pPr>
-            <a:r>
-              <a:rPr lang="en-US" sz="2000" dirty="0">
-                <a:solidFill>
-                  <a:srgbClr val="000000"/>
-                </a:solidFill>
-              </a:rPr>
-              <a:t>Supporting copy here.</a:t>
-            </a:r>
             <a:endParaRPr dirty="0"/>
-          </a:p>
-          <a:p>
-            <a:pPr marL="971550" lvl="1" indent="-285750" algn="l" rtl="0">
-              <a:lnSpc>
-                <a:spcPct val="90000"/>
-              </a:lnSpc>
-              <a:spcBef>
-                <a:spcPts val="600"/>
-              </a:spcBef>
-              <a:spcAft>
-                <a:spcPts val="0"/>
-              </a:spcAft>
-              <a:buClr>
-                <a:srgbClr val="000000"/>
-              </a:buClr>
-              <a:buSzPts val="1620"/>
-              <a:buFont typeface="Courier New"/>
-              <a:buChar char="o"/>
-            </a:pPr>
-            <a:r>
-              <a:rPr lang="en-US" sz="1800" dirty="0">
-                <a:solidFill>
-                  <a:srgbClr val="000000"/>
-                </a:solidFill>
-              </a:rPr>
-              <a:t>Secondary copy goes here.</a:t>
-            </a:r>
-            <a:endParaRPr dirty="0"/>
-          </a:p>
-          <a:p>
-            <a:pPr marL="971550" lvl="1" indent="-182880" algn="l" rtl="0">
-              <a:lnSpc>
-                <a:spcPct val="90000"/>
-              </a:lnSpc>
-              <a:spcBef>
-                <a:spcPts val="600"/>
-              </a:spcBef>
-              <a:spcAft>
-                <a:spcPts val="0"/>
-              </a:spcAft>
-              <a:buClr>
-                <a:srgbClr val="000000"/>
-              </a:buClr>
-              <a:buSzPts val="1620"/>
-              <a:buFont typeface="Courier New"/>
-              <a:buNone/>
-            </a:pPr>
-            <a:endParaRPr sz="1800" dirty="0">
-              <a:solidFill>
-                <a:srgbClr val="000000"/>
-              </a:solidFill>
-            </a:endParaRPr>
           </a:p>
           <a:p>
             <a:pPr marL="0" lvl="0" indent="0" algn="l" rtl="0">
@@ -16840,7 +17868,7 @@
                 <a:cs typeface="Arial"/>
                 <a:sym typeface="Arial"/>
               </a:rPr>
-              <a:t>DEMONSTRATION OF SAMPLES</a:t>
+              <a:t>LOCATIONS OF SAMPLES</a:t>
             </a:r>
             <a:endParaRPr sz="4000" b="1" i="0" u="none" strike="noStrike" cap="none" dirty="0">
               <a:solidFill>
@@ -16854,6 +17882,43 @@
           </a:p>
         </p:txBody>
       </p:sp>
+      <p:pic>
+        <p:nvPicPr>
+          <p:cNvPr id="2" name="Picture 1">
+            <a:extLst>
+              <a:ext uri="{FF2B5EF4-FFF2-40B4-BE49-F238E27FC236}">
+                <a16:creationId xmlns:a16="http://schemas.microsoft.com/office/drawing/2014/main" id="{B3A6F83E-7C74-F743-9DE8-75D63F711FA7}"/>
+              </a:ext>
+            </a:extLst>
+          </p:cNvPr>
+          <p:cNvPicPr>
+            <a:picLocks noChangeAspect="1"/>
+          </p:cNvPicPr>
+          <p:nvPr/>
+        </p:nvPicPr>
+        <p:blipFill>
+          <a:blip r:embed="rId3"/>
+          <a:stretch>
+            <a:fillRect/>
+          </a:stretch>
+        </p:blipFill>
+        <p:spPr>
+          <a:xfrm>
+            <a:off x="6420077" y="3119664"/>
+            <a:ext cx="3022600" cy="3576158"/>
+          </a:xfrm>
+          <a:prstGeom prst="rect">
+            <a:avLst/>
+          </a:prstGeom>
+          <a:ln>
+            <a:solidFill>
+              <a:schemeClr val="tx2">
+                <a:lumMod val="10000"/>
+              </a:schemeClr>
+            </a:solidFill>
+          </a:ln>
+        </p:spPr>
+      </p:pic>
     </p:spTree>
     <p:extLst>
       <p:ext uri="{BB962C8B-B14F-4D97-AF65-F5344CB8AC3E}">
@@ -16870,7 +17935,7 @@
         <p:fade/>
       </p:transition>
     </mc:Choice>
-    <mc:Fallback xmlns="" xmlns:mv="urn:schemas-microsoft-com:mac:vml" xmlns:c="http://schemas.openxmlformats.org/drawingml/2006/chart" xmlns:dgm="http://schemas.openxmlformats.org/drawingml/2006/diagram" xmlns:o="urn:schemas-microsoft-com:office:office" xmlns:v="urn:schemas-microsoft-com:vml" xmlns:pvml="urn:schemas-microsoft-com:office:powerpoint" xmlns:com="http://schemas.openxmlformats.org/drawingml/2006/compatibility" xmlns:p15="http://schemas.microsoft.com/office/powerpoint/2012/main">
+    <mc:Fallback xmlns:p15="http://schemas.microsoft.com/office/powerpoint/2012/main" xmlns:com="http://schemas.openxmlformats.org/drawingml/2006/compatibility" xmlns:pvml="urn:schemas-microsoft-com:office:powerpoint" xmlns:v="urn:schemas-microsoft-com:vml" xmlns:o="urn:schemas-microsoft-com:office:office" xmlns:dgm="http://schemas.openxmlformats.org/drawingml/2006/diagram" xmlns:c="http://schemas.openxmlformats.org/drawingml/2006/chart" xmlns:mv="urn:schemas-microsoft-com:mac:vml" xmlns="">
       <p:transition spd="slow">
         <p:fade/>
       </p:transition>
@@ -16925,214 +17990,87 @@
           </a:bodyPr>
           <a:lstStyle/>
           <a:p>
-            <a:pPr marL="514350" lvl="0" indent="-285750" algn="l" rtl="0">
-              <a:lnSpc>
-                <a:spcPct val="90000"/>
-              </a:lnSpc>
-              <a:spcBef>
-                <a:spcPts val="1200"/>
-              </a:spcBef>
-              <a:spcAft>
-                <a:spcPts val="0"/>
-              </a:spcAft>
-              <a:buClr>
-                <a:srgbClr val="000000"/>
-              </a:buClr>
+            <a:pPr marL="514350" lvl="0" indent="-285750">
               <a:buSzPts val="2000"/>
-              <a:buFont typeface="Arial"/>
-              <a:buChar char="•"/>
             </a:pPr>
             <a:r>
-              <a:rPr lang="en-US" sz="2000">
-                <a:solidFill>
-                  <a:srgbClr val="000000"/>
-                </a:solidFill>
-              </a:rPr>
-              <a:t>Supporting copy here.</a:t>
+              <a:rPr lang="en-US" sz="2000" dirty="0"/>
+              <a:t>All Time Video Views</a:t>
             </a:r>
-            <a:endParaRPr/>
           </a:p>
           <a:p>
-            <a:pPr marL="971550" lvl="1" indent="-285750" algn="l" rtl="0">
-              <a:lnSpc>
-                <a:spcPct val="90000"/>
-              </a:lnSpc>
-              <a:spcBef>
-                <a:spcPts val="600"/>
-              </a:spcBef>
-              <a:spcAft>
-                <a:spcPts val="0"/>
-              </a:spcAft>
-              <a:buClr>
-                <a:srgbClr val="000000"/>
-              </a:buClr>
-              <a:buSzPts val="1620"/>
-              <a:buFont typeface="Courier New"/>
-              <a:buChar char="o"/>
+            <a:pPr marL="971550" lvl="1" indent="-285750"/>
+            <a:r>
+              <a:rPr lang="en-US" sz="1600" dirty="0">
+                <a:solidFill>
+                  <a:schemeClr val="tx2">
+                    <a:lumMod val="10000"/>
+                  </a:schemeClr>
+                </a:solidFill>
+                <a:hlinkClick r:id="rId3">
+                  <a:extLst>
+                    <a:ext uri="{A12FA001-AC4F-418D-AE19-62706E023703}">
+                      <ahyp:hlinkClr xmlns:ahyp="http://schemas.microsoft.com/office/drawing/2018/hyperlinkcolor" val="tx"/>
+                    </a:ext>
+                  </a:extLst>
+                </a:hlinkClick>
+              </a:rPr>
+              <a:t>https://player.support.brightcove.com/code-samples/brightcove-player-sample-all-time-video-views.html</a:t>
+            </a:r>
+            <a:endParaRPr lang="en-US" sz="1600" dirty="0">
+              <a:solidFill>
+                <a:schemeClr val="tx2">
+                  <a:lumMod val="10000"/>
+                </a:schemeClr>
+              </a:solidFill>
+            </a:endParaRPr>
+          </a:p>
+          <a:p>
+            <a:pPr marL="685800" lvl="1" indent="0">
+              <a:buNone/>
             </a:pPr>
-            <a:r>
-              <a:rPr lang="en-US" sz="1800">
-                <a:solidFill>
-                  <a:srgbClr val="000000"/>
-                </a:solidFill>
-              </a:rPr>
-              <a:t>Secondary copy goes here.</a:t>
-            </a:r>
-            <a:br>
-              <a:rPr lang="en-US" sz="1800">
-                <a:solidFill>
-                  <a:srgbClr val="000000"/>
-                </a:solidFill>
-              </a:rPr>
-            </a:br>
-            <a:endParaRPr sz="1800">
+            <a:endParaRPr lang="en-US" sz="1600" dirty="0">
               <a:solidFill>
                 <a:srgbClr val="000000"/>
               </a:solidFill>
             </a:endParaRPr>
           </a:p>
           <a:p>
-            <a:pPr marL="514350" lvl="0" indent="-285750" algn="l" rtl="0">
-              <a:lnSpc>
-                <a:spcPct val="90000"/>
-              </a:lnSpc>
-              <a:spcBef>
-                <a:spcPts val="1200"/>
-              </a:spcBef>
-              <a:spcAft>
-                <a:spcPts val="0"/>
-              </a:spcAft>
-              <a:buClr>
-                <a:srgbClr val="000000"/>
-              </a:buClr>
+            <a:pPr marL="514350" lvl="0" indent="-285750">
               <a:buSzPts val="2000"/>
-              <a:buFont typeface="Arial"/>
-              <a:buChar char="•"/>
             </a:pPr>
             <a:r>
-              <a:rPr lang="en-US" sz="2000">
-                <a:solidFill>
-                  <a:srgbClr val="000000"/>
-                </a:solidFill>
-              </a:rPr>
-              <a:t>Supporting copy here.</a:t>
+              <a:rPr lang="en-US" sz="1800" dirty="0"/>
+              <a:t>Newest Videos in Playlist</a:t>
             </a:r>
-            <a:endParaRPr/>
           </a:p>
           <a:p>
-            <a:pPr marL="971550" lvl="1" indent="-285750" algn="l" rtl="0">
-              <a:lnSpc>
-                <a:spcPct val="90000"/>
-              </a:lnSpc>
-              <a:spcBef>
-                <a:spcPts val="600"/>
-              </a:spcBef>
-              <a:spcAft>
-                <a:spcPts val="0"/>
-              </a:spcAft>
-              <a:buClr>
-                <a:srgbClr val="000000"/>
-              </a:buClr>
-              <a:buSzPts val="1620"/>
-              <a:buFont typeface="Courier New"/>
-              <a:buChar char="o"/>
-            </a:pPr>
+            <a:pPr marL="971550" lvl="1" indent="-285750"/>
             <a:r>
-              <a:rPr lang="en-US" sz="1800">
-                <a:solidFill>
-                  <a:srgbClr val="000000"/>
-                </a:solidFill>
-              </a:rPr>
-              <a:t>Secondary copy goes here.</a:t>
+              <a:rPr lang="en-US" sz="1400" dirty="0"/>
+              <a:t>https://</a:t>
             </a:r>
-            <a:br>
-              <a:rPr lang="en-US" sz="1800">
-                <a:solidFill>
-                  <a:srgbClr val="000000"/>
-                </a:solidFill>
-              </a:rPr>
-            </a:br>
-            <a:endParaRPr sz="1800">
-              <a:solidFill>
-                <a:srgbClr val="000000"/>
-              </a:solidFill>
-            </a:endParaRPr>
-          </a:p>
-          <a:p>
-            <a:pPr marL="514350" lvl="0" indent="-285750" algn="l" rtl="0">
-              <a:lnSpc>
-                <a:spcPct val="90000"/>
-              </a:lnSpc>
-              <a:spcBef>
-                <a:spcPts val="1200"/>
-              </a:spcBef>
-              <a:spcAft>
-                <a:spcPts val="0"/>
-              </a:spcAft>
-              <a:buClr>
-                <a:srgbClr val="000000"/>
-              </a:buClr>
-              <a:buSzPts val="2000"/>
-              <a:buFont typeface="Arial"/>
-              <a:buChar char="•"/>
-            </a:pPr>
             <a:r>
-              <a:rPr lang="en-US" sz="2000">
-                <a:solidFill>
-                  <a:srgbClr val="000000"/>
-                </a:solidFill>
-              </a:rPr>
-              <a:t>Supporting copy here.</a:t>
+              <a:rPr lang="en-US" sz="1400" dirty="0" err="1"/>
+              <a:t>player.support.brightcove.com</a:t>
             </a:r>
-            <a:endParaRPr/>
-          </a:p>
-          <a:p>
-            <a:pPr marL="971550" lvl="1" indent="-285750" algn="l" rtl="0">
-              <a:lnSpc>
-                <a:spcPct val="90000"/>
-              </a:lnSpc>
-              <a:spcBef>
-                <a:spcPts val="600"/>
-              </a:spcBef>
-              <a:spcAft>
-                <a:spcPts val="0"/>
-              </a:spcAft>
-              <a:buClr>
-                <a:srgbClr val="000000"/>
-              </a:buClr>
-              <a:buSzPts val="1620"/>
-              <a:buFont typeface="Courier New"/>
-              <a:buChar char="o"/>
-            </a:pPr>
             <a:r>
-              <a:rPr lang="en-US" sz="1800">
-                <a:solidFill>
-                  <a:srgbClr val="000000"/>
-                </a:solidFill>
-              </a:rPr>
-              <a:t>Secondary copy goes here.</a:t>
+              <a:rPr lang="en-US" sz="1400" dirty="0"/>
+              <a:t>/code-samples/</a:t>
             </a:r>
-            <a:endParaRPr/>
-          </a:p>
-          <a:p>
-            <a:pPr marL="971550" lvl="1" indent="-182880" algn="l" rtl="0">
-              <a:lnSpc>
-                <a:spcPct val="90000"/>
-              </a:lnSpc>
-              <a:spcBef>
-                <a:spcPts val="600"/>
-              </a:spcBef>
-              <a:spcAft>
-                <a:spcPts val="0"/>
-              </a:spcAft>
-              <a:buClr>
-                <a:srgbClr val="000000"/>
-              </a:buClr>
-              <a:buSzPts val="1620"/>
-              <a:buFont typeface="Courier New"/>
-              <a:buNone/>
-            </a:pPr>
-            <a:endParaRPr sz="1800">
+            <a:r>
+              <a:rPr lang="en-US" sz="1400" dirty="0" err="1"/>
+              <a:t>brightcove</a:t>
+            </a:r>
+            <a:r>
+              <a:rPr lang="en-US" sz="1400" dirty="0"/>
+              <a:t>-player-sample-newest-videos-</a:t>
+            </a:r>
+            <a:r>
+              <a:rPr lang="en-US" sz="1400" dirty="0" err="1"/>
+              <a:t>playlist.html</a:t>
+            </a:r>
+            <a:endParaRPr sz="1800" dirty="0">
               <a:solidFill>
                 <a:srgbClr val="000000"/>
               </a:solidFill>
@@ -17156,7 +18094,7 @@
               <a:buFont typeface="Arial"/>
               <a:buNone/>
             </a:pPr>
-            <a:endParaRPr/>
+            <a:endParaRPr dirty="0"/>
           </a:p>
         </p:txBody>
       </p:sp>
@@ -17185,43 +18123,38 @@
           </a:bodyPr>
           <a:lstStyle/>
           <a:p>
-            <a:pPr marL="0" marR="0" lvl="0" indent="0" algn="l" rtl="0">
-              <a:lnSpc>
-                <a:spcPct val="90000"/>
-              </a:lnSpc>
-              <a:spcBef>
-                <a:spcPts val="0"/>
-              </a:spcBef>
-              <a:spcAft>
-                <a:spcPts val="0"/>
-              </a:spcAft>
+            <a:pPr lvl="0">
+              <a:lnSpc>
+                <a:spcPct val="90000"/>
+              </a:lnSpc>
               <a:buClr>
                 <a:schemeClr val="dk1"/>
               </a:buClr>
               <a:buSzPts val="3200"/>
-              <a:buFont typeface="Arial"/>
-              <a:buNone/>
             </a:pPr>
             <a:r>
-              <a:rPr lang="en-US" sz="4000" b="1" i="0" u="none" strike="noStrike" cap="none">
+              <a:rPr lang="en-US" sz="4000" b="1" dirty="0">
                 <a:solidFill>
                   <a:srgbClr val="161614"/>
                 </a:solidFill>
-                <a:latin typeface="Arial"/>
-                <a:ea typeface="Arial"/>
-                <a:cs typeface="Arial"/>
-                <a:sym typeface="Arial"/>
               </a:rPr>
-              <a:t>CLICK TO ADD TITLE</a:t>
+              <a:t>DEMONSTRATION OF SAMPLES</a:t>
             </a:r>
-            <a:endParaRPr sz="4000" b="1" i="0" u="none" strike="noStrike" cap="none">
+          </a:p>
+          <a:p>
+            <a:pPr lvl="0">
+              <a:lnSpc>
+                <a:spcPct val="90000"/>
+              </a:lnSpc>
+              <a:buClr>
+                <a:schemeClr val="dk1"/>
+              </a:buClr>
+              <a:buSzPts val="3200"/>
+            </a:pPr>
+            <a:endParaRPr lang="en-US" sz="4000" b="1" dirty="0">
               <a:solidFill>
                 <a:srgbClr val="161614"/>
               </a:solidFill>
-              <a:latin typeface="Arial"/>
-              <a:ea typeface="Arial"/>
-              <a:cs typeface="Arial"/>
-              <a:sym typeface="Arial"/>
             </a:endParaRPr>
           </a:p>
         </p:txBody>
@@ -17242,7 +18175,7 @@
         <p:fade/>
       </p:transition>
     </mc:Choice>
-    <mc:Fallback xmlns="" xmlns:mv="urn:schemas-microsoft-com:mac:vml" xmlns:c="http://schemas.openxmlformats.org/drawingml/2006/chart" xmlns:dgm="http://schemas.openxmlformats.org/drawingml/2006/diagram" xmlns:o="urn:schemas-microsoft-com:office:office" xmlns:v="urn:schemas-microsoft-com:vml" xmlns:pvml="urn:schemas-microsoft-com:office:powerpoint" xmlns:com="http://schemas.openxmlformats.org/drawingml/2006/compatibility" xmlns:p15="http://schemas.microsoft.com/office/powerpoint/2012/main">
+    <mc:Fallback xmlns:p15="http://schemas.microsoft.com/office/powerpoint/2012/main" xmlns:com="http://schemas.openxmlformats.org/drawingml/2006/compatibility" xmlns:pvml="urn:schemas-microsoft-com:office:powerpoint" xmlns:v="urn:schemas-microsoft-com:vml" xmlns:o="urn:schemas-microsoft-com:office:office" xmlns:dgm="http://schemas.openxmlformats.org/drawingml/2006/diagram" xmlns:c="http://schemas.openxmlformats.org/drawingml/2006/chart" xmlns:mv="urn:schemas-microsoft-com:mac:vml" xmlns="">
       <p:transition spd="slow">
         <p:fade/>
       </p:transition>
@@ -17256,7 +18189,7 @@
   <p:cSld>
     <p:spTree>
       <p:nvGrpSpPr>
-        <p:cNvPr id="1" name="Shape 145"/>
+        <p:cNvPr id="1" name="Shape 98"/>
         <p:cNvGrpSpPr/>
         <p:nvPr/>
       </p:nvGrpSpPr>
@@ -17270,18 +18203,18 @@
       </p:grpSpPr>
       <p:sp>
         <p:nvSpPr>
-          <p:cNvPr id="146" name="Google Shape;146;p12"/>
+          <p:cNvPr id="99" name="Google Shape;99;p3"/>
           <p:cNvSpPr txBox="1">
             <a:spLocks noGrp="1"/>
           </p:cNvSpPr>
           <p:nvPr>
-            <p:ph type="body" idx="1"/>
+            <p:ph type="title"/>
           </p:nvPr>
         </p:nvSpPr>
         <p:spPr>
           <a:xfrm>
-            <a:off x="619125" y="2017713"/>
-            <a:ext cx="9532938" cy="3294062"/>
+            <a:off x="609600" y="655914"/>
+            <a:ext cx="8044543" cy="1333903"/>
           </a:xfrm>
           <a:prstGeom prst="rect">
             <a:avLst/>
@@ -17297,251 +18230,37 @@
           </a:bodyPr>
           <a:lstStyle/>
           <a:p>
-            <a:pPr marL="514350" lvl="0" indent="-285750" algn="l" rtl="0">
-              <a:lnSpc>
-                <a:spcPct val="90000"/>
-              </a:lnSpc>
-              <a:spcBef>
-                <a:spcPts val="1200"/>
-              </a:spcBef>
-              <a:spcAft>
-                <a:spcPts val="0"/>
-              </a:spcAft>
-              <a:buClr>
-                <a:srgbClr val="000000"/>
-              </a:buClr>
-              <a:buSzPts val="2000"/>
-              <a:buFont typeface="Arial"/>
-              <a:buChar char="•"/>
-            </a:pPr>
             <a:r>
-              <a:rPr lang="en-US" sz="2000">
-                <a:solidFill>
-                  <a:srgbClr val="000000"/>
-                </a:solidFill>
-              </a:rPr>
-              <a:t>Supporting copy here.</a:t>
-            </a:r>
-            <a:endParaRPr/>
-          </a:p>
-          <a:p>
-            <a:pPr marL="971550" lvl="1" indent="-285750" algn="l" rtl="0">
-              <a:lnSpc>
-                <a:spcPct val="90000"/>
-              </a:lnSpc>
-              <a:spcBef>
-                <a:spcPts val="600"/>
-              </a:spcBef>
-              <a:spcAft>
-                <a:spcPts val="0"/>
-              </a:spcAft>
-              <a:buClr>
-                <a:srgbClr val="000000"/>
-              </a:buClr>
-              <a:buSzPts val="1620"/>
-              <a:buFont typeface="Courier New"/>
-              <a:buChar char="o"/>
-            </a:pPr>
-            <a:r>
-              <a:rPr lang="en-US" sz="1800">
-                <a:solidFill>
-                  <a:srgbClr val="000000"/>
-                </a:solidFill>
-              </a:rPr>
-              <a:t>Secondary copy goes here.</a:t>
+              <a:rPr lang="en-US" b="0" dirty="0"/>
+              <a:t>HIGH LEVEL IMPLEMENTATION VIEW</a:t>
             </a:r>
             <a:br>
-              <a:rPr lang="en-US" sz="1800">
-                <a:solidFill>
-                  <a:srgbClr val="000000"/>
-                </a:solidFill>
-              </a:rPr>
+              <a:rPr lang="en-US" dirty="0"/>
             </a:br>
-            <a:endParaRPr sz="1800">
-              <a:solidFill>
-                <a:srgbClr val="000000"/>
-              </a:solidFill>
-            </a:endParaRPr>
-          </a:p>
-          <a:p>
-            <a:pPr marL="514350" lvl="0" indent="-285750" algn="l" rtl="0">
-              <a:lnSpc>
-                <a:spcPct val="90000"/>
-              </a:lnSpc>
-              <a:spcBef>
-                <a:spcPts val="1200"/>
-              </a:spcBef>
-              <a:spcAft>
-                <a:spcPts val="0"/>
-              </a:spcAft>
-              <a:buClr>
-                <a:srgbClr val="000000"/>
-              </a:buClr>
-              <a:buSzPts val="2000"/>
-              <a:buFont typeface="Arial"/>
-              <a:buChar char="•"/>
-            </a:pPr>
-            <a:r>
-              <a:rPr lang="en-US" sz="2000">
-                <a:solidFill>
-                  <a:srgbClr val="000000"/>
-                </a:solidFill>
-              </a:rPr>
-              <a:t>Supporting copy here.</a:t>
-            </a:r>
-            <a:endParaRPr/>
-          </a:p>
-          <a:p>
-            <a:pPr marL="971550" lvl="1" indent="-285750" algn="l" rtl="0">
-              <a:lnSpc>
-                <a:spcPct val="90000"/>
-              </a:lnSpc>
-              <a:spcBef>
-                <a:spcPts val="600"/>
-              </a:spcBef>
-              <a:spcAft>
-                <a:spcPts val="0"/>
-              </a:spcAft>
-              <a:buClr>
-                <a:srgbClr val="000000"/>
-              </a:buClr>
-              <a:buSzPts val="1620"/>
-              <a:buFont typeface="Courier New"/>
-              <a:buChar char="o"/>
-            </a:pPr>
-            <a:r>
-              <a:rPr lang="en-US" sz="1800">
-                <a:solidFill>
-                  <a:srgbClr val="000000"/>
-                </a:solidFill>
-              </a:rPr>
-              <a:t>Secondary copy goes here.</a:t>
-            </a:r>
-            <a:br>
-              <a:rPr lang="en-US" sz="1800">
-                <a:solidFill>
-                  <a:srgbClr val="000000"/>
-                </a:solidFill>
-              </a:rPr>
-            </a:br>
-            <a:endParaRPr sz="1800">
-              <a:solidFill>
-                <a:srgbClr val="000000"/>
-              </a:solidFill>
-            </a:endParaRPr>
-          </a:p>
-          <a:p>
-            <a:pPr marL="514350" lvl="0" indent="-285750" algn="l" rtl="0">
-              <a:lnSpc>
-                <a:spcPct val="90000"/>
-              </a:lnSpc>
-              <a:spcBef>
-                <a:spcPts val="1200"/>
-              </a:spcBef>
-              <a:spcAft>
-                <a:spcPts val="0"/>
-              </a:spcAft>
-              <a:buClr>
-                <a:srgbClr val="000000"/>
-              </a:buClr>
-              <a:buSzPts val="2000"/>
-              <a:buFont typeface="Arial"/>
-              <a:buChar char="•"/>
-            </a:pPr>
-            <a:r>
-              <a:rPr lang="en-US" sz="2000">
-                <a:solidFill>
-                  <a:srgbClr val="000000"/>
-                </a:solidFill>
-              </a:rPr>
-              <a:t>Supporting copy here.</a:t>
-            </a:r>
-            <a:endParaRPr/>
-          </a:p>
-          <a:p>
-            <a:pPr marL="971550" lvl="1" indent="-285750" algn="l" rtl="0">
-              <a:lnSpc>
-                <a:spcPct val="90000"/>
-              </a:lnSpc>
-              <a:spcBef>
-                <a:spcPts val="600"/>
-              </a:spcBef>
-              <a:spcAft>
-                <a:spcPts val="0"/>
-              </a:spcAft>
-              <a:buClr>
-                <a:srgbClr val="000000"/>
-              </a:buClr>
-              <a:buSzPts val="1620"/>
-              <a:buFont typeface="Courier New"/>
-              <a:buChar char="o"/>
-            </a:pPr>
-            <a:r>
-              <a:rPr lang="en-US" sz="1800">
-                <a:solidFill>
-                  <a:srgbClr val="000000"/>
-                </a:solidFill>
-              </a:rPr>
-              <a:t>Secondary copy goes here.</a:t>
-            </a:r>
-            <a:endParaRPr/>
-          </a:p>
-          <a:p>
-            <a:pPr marL="971550" lvl="1" indent="-182880" algn="l" rtl="0">
-              <a:lnSpc>
-                <a:spcPct val="90000"/>
-              </a:lnSpc>
-              <a:spcBef>
-                <a:spcPts val="600"/>
-              </a:spcBef>
-              <a:spcAft>
-                <a:spcPts val="0"/>
-              </a:spcAft>
-              <a:buClr>
-                <a:srgbClr val="000000"/>
-              </a:buClr>
-              <a:buSzPts val="1620"/>
-              <a:buFont typeface="Courier New"/>
-              <a:buNone/>
-            </a:pPr>
-            <a:endParaRPr sz="1800">
-              <a:solidFill>
-                <a:srgbClr val="000000"/>
-              </a:solidFill>
-            </a:endParaRPr>
-          </a:p>
-          <a:p>
-            <a:pPr marL="0" lvl="0" indent="0" algn="l" rtl="0">
-              <a:lnSpc>
-                <a:spcPct val="90000"/>
-              </a:lnSpc>
-              <a:spcBef>
-                <a:spcPts val="0"/>
-              </a:spcBef>
-              <a:spcAft>
-                <a:spcPts val="0"/>
-              </a:spcAft>
-              <a:buClr>
-                <a:schemeClr val="dk1"/>
-              </a:buClr>
-              <a:buSzPts val="1800"/>
-              <a:buFont typeface="Arial"/>
-              <a:buNone/>
-            </a:pPr>
-            <a:endParaRPr/>
+            <a:endParaRPr sz="6000" dirty="0"/>
           </a:p>
         </p:txBody>
       </p:sp>
       <p:sp>
         <p:nvSpPr>
-          <p:cNvPr id="147" name="Google Shape;147;p12"/>
-          <p:cNvSpPr txBox="1"/>
-          <p:nvPr/>
+          <p:cNvPr id="4" name="Google Shape;100;p3">
+            <a:extLst>
+              <a:ext uri="{FF2B5EF4-FFF2-40B4-BE49-F238E27FC236}">
+                <a16:creationId xmlns:a16="http://schemas.microsoft.com/office/drawing/2014/main" id="{5F29453B-CE75-FD40-B24E-2BB5DAC32986}"/>
+              </a:ext>
+            </a:extLst>
+          </p:cNvPr>
+          <p:cNvSpPr txBox="1">
+            <a:spLocks noGrp="1"/>
+          </p:cNvSpPr>
+          <p:nvPr>
+            <p:ph type="body" idx="1"/>
+          </p:nvPr>
         </p:nvSpPr>
         <p:spPr>
           <a:xfrm>
-            <a:off x="615192" y="856891"/>
-            <a:ext cx="10969943" cy="411480"/>
+            <a:off x="609600" y="3586881"/>
+            <a:ext cx="7279341" cy="711912"/>
           </a:xfrm>
           <a:prstGeom prst="rect">
             <a:avLst/>
@@ -17557,51 +18276,92 @@
           </a:bodyPr>
           <a:lstStyle/>
           <a:p>
-            <a:pPr marL="0" marR="0" lvl="0" indent="0" algn="l" rtl="0">
-              <a:lnSpc>
-                <a:spcPct val="90000"/>
-              </a:lnSpc>
-              <a:spcBef>
-                <a:spcPts val="0"/>
-              </a:spcBef>
-              <a:spcAft>
-                <a:spcPts val="0"/>
-              </a:spcAft>
-              <a:buClr>
-                <a:schemeClr val="dk1"/>
-              </a:buClr>
-              <a:buSzPts val="3200"/>
-              <a:buFont typeface="Arial"/>
-              <a:buNone/>
+            <a:pPr marL="347663" lvl="0" indent="-342900" algn="l" rtl="0">
+              <a:lnSpc>
+                <a:spcPct val="90000"/>
+              </a:lnSpc>
+              <a:spcBef>
+                <a:spcPts val="0"/>
+              </a:spcBef>
+              <a:spcAft>
+                <a:spcPts val="0"/>
+              </a:spcAft>
+              <a:buSzPts val="2400"/>
+              <a:buFont typeface="Arial" panose="020B0604020202020204" pitchFamily="34" charset="0"/>
+              <a:buChar char="•"/>
             </a:pPr>
             <a:r>
-              <a:rPr lang="en-US" sz="4000" b="1" i="0" u="none" strike="noStrike" cap="none">
-                <a:solidFill>
-                  <a:srgbClr val="161614"/>
-                </a:solidFill>
-                <a:latin typeface="Arial"/>
-                <a:ea typeface="Arial"/>
-                <a:cs typeface="Arial"/>
-                <a:sym typeface="Arial"/>
-              </a:rPr>
-              <a:t>CLICK TO ADD TITLE</a:t>
+              <a:rPr lang="en-US" dirty="0"/>
+              <a:t>Add functionality</a:t>
             </a:r>
-            <a:endParaRPr sz="4000" b="1" i="0" u="none" strike="noStrike" cap="none">
-              <a:solidFill>
-                <a:srgbClr val="161614"/>
-              </a:solidFill>
-              <a:latin typeface="Arial"/>
-              <a:ea typeface="Arial"/>
-              <a:cs typeface="Arial"/>
-              <a:sym typeface="Arial"/>
-            </a:endParaRPr>
+          </a:p>
+          <a:p>
+            <a:pPr marL="347663" lvl="0" indent="-342900" algn="l" rtl="0">
+              <a:lnSpc>
+                <a:spcPct val="90000"/>
+              </a:lnSpc>
+              <a:spcBef>
+                <a:spcPts val="0"/>
+              </a:spcBef>
+              <a:spcAft>
+                <a:spcPts val="0"/>
+              </a:spcAft>
+              <a:buSzPts val="2400"/>
+              <a:buFont typeface="Arial" panose="020B0604020202020204" pitchFamily="34" charset="0"/>
+              <a:buChar char="•"/>
+            </a:pPr>
+            <a:r>
+              <a:rPr lang="en-US" dirty="0"/>
+              <a:t>Location of samples</a:t>
+            </a:r>
+          </a:p>
+          <a:p>
+            <a:pPr marL="347663" lvl="0" indent="-342900" algn="l" rtl="0">
+              <a:lnSpc>
+                <a:spcPct val="90000"/>
+              </a:lnSpc>
+              <a:spcBef>
+                <a:spcPts val="0"/>
+              </a:spcBef>
+              <a:spcAft>
+                <a:spcPts val="0"/>
+              </a:spcAft>
+              <a:buSzPts val="2400"/>
+              <a:buFont typeface="Arial" panose="020B0604020202020204" pitchFamily="34" charset="0"/>
+              <a:buChar char="•"/>
+            </a:pPr>
+            <a:r>
+              <a:rPr lang="en-US" dirty="0"/>
+              <a:t>Demonstration of a few samples</a:t>
+            </a:r>
+            <a:endParaRPr dirty="0"/>
+          </a:p>
+          <a:p>
+            <a:pPr marL="457200" lvl="0" indent="-228600" algn="l" rtl="0">
+              <a:lnSpc>
+                <a:spcPct val="90000"/>
+              </a:lnSpc>
+              <a:spcBef>
+                <a:spcPts val="0"/>
+              </a:spcBef>
+              <a:spcAft>
+                <a:spcPts val="0"/>
+              </a:spcAft>
+              <a:buClr>
+                <a:schemeClr val="dk1"/>
+              </a:buClr>
+              <a:buSzPts val="2400"/>
+              <a:buFont typeface="Arial"/>
+              <a:buNone/>
+            </a:pPr>
+            <a:endParaRPr dirty="0"/>
           </a:p>
         </p:txBody>
       </p:sp>
     </p:spTree>
     <p:extLst>
       <p:ext uri="{BB962C8B-B14F-4D97-AF65-F5344CB8AC3E}">
-        <p14:creationId xmlns:p14="http://schemas.microsoft.com/office/powerpoint/2010/main" val="3567339343"/>
+        <p14:creationId xmlns:p14="http://schemas.microsoft.com/office/powerpoint/2010/main" val="1740870512"/>
       </p:ext>
     </p:extLst>
   </p:cSld>
@@ -17614,7 +18374,7 @@
         <p:fade/>
       </p:transition>
     </mc:Choice>
-    <mc:Fallback xmlns="" xmlns:mv="urn:schemas-microsoft-com:mac:vml" xmlns:c="http://schemas.openxmlformats.org/drawingml/2006/chart" xmlns:dgm="http://schemas.openxmlformats.org/drawingml/2006/diagram" xmlns:o="urn:schemas-microsoft-com:office:office" xmlns:v="urn:schemas-microsoft-com:vml" xmlns:pvml="urn:schemas-microsoft-com:office:powerpoint" xmlns:com="http://schemas.openxmlformats.org/drawingml/2006/compatibility" xmlns:p15="http://schemas.microsoft.com/office/powerpoint/2012/main">
+    <mc:Fallback xmlns:p15="http://schemas.microsoft.com/office/powerpoint/2012/main" xmlns:com="http://schemas.openxmlformats.org/drawingml/2006/compatibility" xmlns:pvml="urn:schemas-microsoft-com:office:powerpoint" xmlns:v="urn:schemas-microsoft-com:vml" xmlns:o="urn:schemas-microsoft-com:office:office" xmlns:dgm="http://schemas.openxmlformats.org/drawingml/2006/diagram" xmlns:c="http://schemas.openxmlformats.org/drawingml/2006/chart" xmlns:mv="urn:schemas-microsoft-com:mac:vml" xmlns="">
       <p:transition spd="slow">
         <p:fade/>
       </p:transition>

--- a/PLAYTV2020/matt-boles-video.pptx
+++ b/PLAYTV2020/matt-boles-video.pptx
@@ -6,7 +6,7 @@
     <p:sldMasterId id="2147483651" r:id="rId2"/>
   </p:sldMasterIdLst>
   <p:notesMasterIdLst>
-    <p:notesMasterId r:id="rId23"/>
+    <p:notesMasterId r:id="rId25"/>
   </p:notesMasterIdLst>
   <p:sldIdLst>
     <p:sldId id="257" r:id="rId3"/>
@@ -19,16 +19,18 @@
     <p:sldId id="273" r:id="rId10"/>
     <p:sldId id="294" r:id="rId11"/>
     <p:sldId id="274" r:id="rId12"/>
-    <p:sldId id="293" r:id="rId13"/>
-    <p:sldId id="260" r:id="rId14"/>
-    <p:sldId id="266" r:id="rId15"/>
-    <p:sldId id="261" r:id="rId16"/>
-    <p:sldId id="262" r:id="rId17"/>
-    <p:sldId id="263" r:id="rId18"/>
-    <p:sldId id="264" r:id="rId19"/>
-    <p:sldId id="265" r:id="rId20"/>
-    <p:sldId id="267" r:id="rId21"/>
-    <p:sldId id="268" r:id="rId22"/>
+    <p:sldId id="290" r:id="rId13"/>
+    <p:sldId id="295" r:id="rId14"/>
+    <p:sldId id="293" r:id="rId15"/>
+    <p:sldId id="260" r:id="rId16"/>
+    <p:sldId id="266" r:id="rId17"/>
+    <p:sldId id="261" r:id="rId18"/>
+    <p:sldId id="262" r:id="rId19"/>
+    <p:sldId id="263" r:id="rId20"/>
+    <p:sldId id="264" r:id="rId21"/>
+    <p:sldId id="265" r:id="rId22"/>
+    <p:sldId id="267" r:id="rId23"/>
+    <p:sldId id="268" r:id="rId24"/>
   </p:sldIdLst>
   <p:sldSz cx="12192000" cy="6858000"/>
   <p:notesSz cx="6858000" cy="9144000"/>
@@ -311,7 +313,7 @@
       </p15:notesGuideLst>
     </p:ext>
     <p:ext uri="http://customooxmlschemas.google.com/">
-      <go:slidesCustomData xmlns:go="http://customooxmlschemas.google.com/" xmlns:p15="http://schemas.microsoft.com/office/powerpoint/2012/main" xmlns:p14="http://schemas.microsoft.com/office/powerpoint/2010/main" xmlns:com="http://schemas.openxmlformats.org/drawingml/2006/compatibility" xmlns:pvml="urn:schemas-microsoft-com:office:powerpoint" xmlns:v="urn:schemas-microsoft-com:vml" xmlns:o="urn:schemas-microsoft-com:office:office" xmlns:dgm="http://schemas.openxmlformats.org/drawingml/2006/diagram" xmlns:c="http://schemas.openxmlformats.org/drawingml/2006/chart" xmlns:mv="urn:schemas-microsoft-com:mac:vml" xmlns:mc="http://schemas.openxmlformats.org/markup-compatibility/2006" xmlns="" r:id="rId24" roundtripDataSignature="AMtx7mhTXUsXJMZT1PuQXuqxCJc3N1Qu9w=="/>
+      <go:slidesCustomData xmlns="" xmlns:mc="http://schemas.openxmlformats.org/markup-compatibility/2006" xmlns:mv="urn:schemas-microsoft-com:mac:vml" xmlns:c="http://schemas.openxmlformats.org/drawingml/2006/chart" xmlns:dgm="http://schemas.openxmlformats.org/drawingml/2006/diagram" xmlns:o="urn:schemas-microsoft-com:office:office" xmlns:v="urn:schemas-microsoft-com:vml" xmlns:pvml="urn:schemas-microsoft-com:office:powerpoint" xmlns:com="http://schemas.openxmlformats.org/drawingml/2006/compatibility" xmlns:p14="http://schemas.microsoft.com/office/powerpoint/2010/main" xmlns:p15="http://schemas.microsoft.com/office/powerpoint/2012/main" xmlns:go="http://customooxmlschemas.google.com/" r:id="rId26" roundtripDataSignature="AMtx7mhTXUsXJMZT1PuQXuqxCJc3N1Qu9w=="/>
     </p:ext>
   </p:extLst>
 </p:presentation>
@@ -1582,6 +1584,242 @@
     </p:spTree>
     <p:extLst>
       <p:ext uri="{BB962C8B-B14F-4D97-AF65-F5344CB8AC3E}">
+        <p14:creationId xmlns:p14="http://schemas.microsoft.com/office/powerpoint/2010/main" val="1221696747"/>
+      </p:ext>
+    </p:extLst>
+  </p:cSld>
+  <p:clrMapOvr>
+    <a:masterClrMapping/>
+  </p:clrMapOvr>
+</p:notes>
+</file>
+
+<file path=ppt/notesSlides/notesSlide12.xml><?xml version="1.0" encoding="utf-8"?>
+<p:notes xmlns:a="http://schemas.openxmlformats.org/drawingml/2006/main" xmlns:r="http://schemas.openxmlformats.org/officeDocument/2006/relationships" xmlns:p="http://schemas.openxmlformats.org/presentationml/2006/main" showMasterSp="0" showMasterPhAnim="0">
+  <p:cSld>
+    <p:spTree>
+      <p:nvGrpSpPr>
+        <p:cNvPr id="1" name="Shape 95"/>
+        <p:cNvGrpSpPr/>
+        <p:nvPr/>
+      </p:nvGrpSpPr>
+      <p:grpSpPr>
+        <a:xfrm>
+          <a:off x="0" y="0"/>
+          <a:ext cx="0" cy="0"/>
+          <a:chOff x="0" y="0"/>
+          <a:chExt cx="0" cy="0"/>
+        </a:xfrm>
+      </p:grpSpPr>
+      <p:sp>
+        <p:nvSpPr>
+          <p:cNvPr id="96" name="Google Shape;96;p3:notes"/>
+          <p:cNvSpPr txBox="1">
+            <a:spLocks noGrp="1"/>
+          </p:cNvSpPr>
+          <p:nvPr>
+            <p:ph type="body" idx="1"/>
+          </p:nvPr>
+        </p:nvSpPr>
+        <p:spPr>
+          <a:xfrm>
+            <a:off x="381000" y="3124200"/>
+            <a:ext cx="6096000" cy="5334000"/>
+          </a:xfrm>
+          <a:prstGeom prst="rect">
+            <a:avLst/>
+          </a:prstGeom>
+          <a:noFill/>
+          <a:ln>
+            <a:noFill/>
+          </a:ln>
+        </p:spPr>
+        <p:txBody>
+          <a:bodyPr spcFirstLastPara="1" wrap="square" lIns="0" tIns="0" rIns="0" bIns="0" anchor="t" anchorCtr="0">
+            <a:noAutofit/>
+          </a:bodyPr>
+          <a:lstStyle/>
+          <a:p>
+            <a:pPr marL="0" lvl="0" indent="0" algn="l" rtl="0">
+              <a:lnSpc>
+                <a:spcPct val="100000"/>
+              </a:lnSpc>
+              <a:spcBef>
+                <a:spcPts val="600"/>
+              </a:spcBef>
+              <a:spcAft>
+                <a:spcPts val="0"/>
+              </a:spcAft>
+              <a:buSzPts val="275"/>
+              <a:buNone/>
+            </a:pPr>
+            <a:endParaRPr/>
+          </a:p>
+        </p:txBody>
+      </p:sp>
+      <p:sp>
+        <p:nvSpPr>
+          <p:cNvPr id="97" name="Google Shape;97;p3:notes"/>
+          <p:cNvSpPr>
+            <a:spLocks noGrp="1" noRot="1" noChangeAspect="1"/>
+          </p:cNvSpPr>
+          <p:nvPr>
+            <p:ph type="sldImg" idx="2"/>
+          </p:nvPr>
+        </p:nvSpPr>
+        <p:spPr>
+          <a:xfrm>
+            <a:off x="381000" y="381000"/>
+            <a:ext cx="4572000" cy="2573338"/>
+          </a:xfrm>
+          <a:custGeom>
+            <a:avLst/>
+            <a:gdLst/>
+            <a:ahLst/>
+            <a:cxnLst/>
+            <a:rect l="l" t="t" r="r" b="b"/>
+            <a:pathLst>
+              <a:path w="120000" h="120000" extrusionOk="0">
+                <a:moveTo>
+                  <a:pt x="0" y="0"/>
+                </a:moveTo>
+                <a:lnTo>
+                  <a:pt x="120000" y="0"/>
+                </a:lnTo>
+                <a:lnTo>
+                  <a:pt x="120000" y="120000"/>
+                </a:lnTo>
+                <a:lnTo>
+                  <a:pt x="0" y="120000"/>
+                </a:lnTo>
+                <a:close/>
+              </a:path>
+            </a:pathLst>
+          </a:custGeom>
+          <a:noFill/>
+          <a:ln w="12700" cap="flat" cmpd="sng">
+            <a:solidFill>
+              <a:srgbClr val="000000"/>
+            </a:solidFill>
+            <a:prstDash val="solid"/>
+            <a:round/>
+            <a:headEnd type="none" w="sm" len="sm"/>
+            <a:tailEnd type="none" w="sm" len="sm"/>
+          </a:ln>
+        </p:spPr>
+      </p:sp>
+    </p:spTree>
+    <p:extLst>
+      <p:ext uri="{BB962C8B-B14F-4D97-AF65-F5344CB8AC3E}">
+        <p14:creationId xmlns:p14="http://schemas.microsoft.com/office/powerpoint/2010/main" val="3802092472"/>
+      </p:ext>
+    </p:extLst>
+  </p:cSld>
+  <p:clrMapOvr>
+    <a:masterClrMapping/>
+  </p:clrMapOvr>
+</p:notes>
+</file>
+
+<file path=ppt/notesSlides/notesSlide13.xml><?xml version="1.0" encoding="utf-8"?>
+<p:notes xmlns:a="http://schemas.openxmlformats.org/drawingml/2006/main" xmlns:r="http://schemas.openxmlformats.org/officeDocument/2006/relationships" xmlns:p="http://schemas.openxmlformats.org/presentationml/2006/main" showMasterSp="0" showMasterPhAnim="0">
+  <p:cSld>
+    <p:spTree>
+      <p:nvGrpSpPr>
+        <p:cNvPr id="1" name="Shape 207"/>
+        <p:cNvGrpSpPr/>
+        <p:nvPr/>
+      </p:nvGrpSpPr>
+      <p:grpSpPr>
+        <a:xfrm>
+          <a:off x="0" y="0"/>
+          <a:ext cx="0" cy="0"/>
+          <a:chOff x="0" y="0"/>
+          <a:chExt cx="0" cy="0"/>
+        </a:xfrm>
+      </p:grpSpPr>
+      <p:sp>
+        <p:nvSpPr>
+          <p:cNvPr id="208" name="Google Shape;208;p11:notes"/>
+          <p:cNvSpPr txBox="1">
+            <a:spLocks noGrp="1"/>
+          </p:cNvSpPr>
+          <p:nvPr>
+            <p:ph type="body" idx="1"/>
+          </p:nvPr>
+        </p:nvSpPr>
+        <p:spPr>
+          <a:xfrm>
+            <a:off x="685800" y="4400550"/>
+            <a:ext cx="5486400" cy="3600450"/>
+          </a:xfrm>
+          <a:prstGeom prst="rect">
+            <a:avLst/>
+          </a:prstGeom>
+        </p:spPr>
+        <p:txBody>
+          <a:bodyPr spcFirstLastPara="1" wrap="square" lIns="91425" tIns="45700" rIns="91425" bIns="45700" anchor="t" anchorCtr="0">
+            <a:noAutofit/>
+          </a:bodyPr>
+          <a:lstStyle/>
+          <a:p>
+            <a:pPr marL="0" lvl="0" indent="0" algn="l" rtl="0">
+              <a:spcBef>
+                <a:spcPts val="0"/>
+              </a:spcBef>
+              <a:spcAft>
+                <a:spcPts val="0"/>
+              </a:spcAft>
+              <a:buNone/>
+            </a:pPr>
+            <a:endParaRPr/>
+          </a:p>
+        </p:txBody>
+      </p:sp>
+      <p:sp>
+        <p:nvSpPr>
+          <p:cNvPr id="209" name="Google Shape;209;p11:notes"/>
+          <p:cNvSpPr>
+            <a:spLocks noGrp="1" noRot="1" noChangeAspect="1"/>
+          </p:cNvSpPr>
+          <p:nvPr>
+            <p:ph type="sldImg" idx="2"/>
+          </p:nvPr>
+        </p:nvSpPr>
+        <p:spPr>
+          <a:xfrm>
+            <a:off x="685800" y="1143000"/>
+            <a:ext cx="5486400" cy="3086100"/>
+          </a:xfrm>
+          <a:custGeom>
+            <a:avLst/>
+            <a:gdLst/>
+            <a:ahLst/>
+            <a:cxnLst/>
+            <a:rect l="l" t="t" r="r" b="b"/>
+            <a:pathLst>
+              <a:path w="120000" h="120000" extrusionOk="0">
+                <a:moveTo>
+                  <a:pt x="0" y="0"/>
+                </a:moveTo>
+                <a:lnTo>
+                  <a:pt x="120000" y="0"/>
+                </a:lnTo>
+                <a:lnTo>
+                  <a:pt x="120000" y="120000"/>
+                </a:lnTo>
+                <a:lnTo>
+                  <a:pt x="0" y="120000"/>
+                </a:lnTo>
+                <a:close/>
+              </a:path>
+            </a:pathLst>
+          </a:custGeom>
+        </p:spPr>
+      </p:sp>
+    </p:spTree>
+    <p:extLst>
+      <p:ext uri="{BB962C8B-B14F-4D97-AF65-F5344CB8AC3E}">
         <p14:creationId xmlns:p14="http://schemas.microsoft.com/office/powerpoint/2010/main" val="465917021"/>
       </p:ext>
     </p:extLst>
@@ -1592,7 +1830,7 @@
 </p:notes>
 </file>
 
-<file path=ppt/notesSlides/notesSlide12.xml><?xml version="1.0" encoding="utf-8"?>
+<file path=ppt/notesSlides/notesSlide14.xml><?xml version="1.0" encoding="utf-8"?>
 <p:notes xmlns:a="http://schemas.openxmlformats.org/drawingml/2006/main" xmlns:r="http://schemas.openxmlformats.org/officeDocument/2006/relationships" xmlns:p="http://schemas.openxmlformats.org/presentationml/2006/main" showMasterSp="0" showMasterPhAnim="0">
   <p:cSld>
     <p:spTree>
@@ -1714,7 +1952,7 @@
 </p:notes>
 </file>
 
-<file path=ppt/notesSlides/notesSlide13.xml><?xml version="1.0" encoding="utf-8"?>
+<file path=ppt/notesSlides/notesSlide15.xml><?xml version="1.0" encoding="utf-8"?>
 <p:notes xmlns:a="http://schemas.openxmlformats.org/drawingml/2006/main" xmlns:r="http://schemas.openxmlformats.org/officeDocument/2006/relationships" xmlns:p="http://schemas.openxmlformats.org/presentationml/2006/main" showMasterSp="0" showMasterPhAnim="0">
   <p:cSld>
     <p:spTree>
@@ -1836,7 +2074,7 @@
 </p:notes>
 </file>
 
-<file path=ppt/notesSlides/notesSlide14.xml><?xml version="1.0" encoding="utf-8"?>
+<file path=ppt/notesSlides/notesSlide16.xml><?xml version="1.0" encoding="utf-8"?>
 <p:notes xmlns:a="http://schemas.openxmlformats.org/drawingml/2006/main" xmlns:r="http://schemas.openxmlformats.org/officeDocument/2006/relationships" xmlns:p="http://schemas.openxmlformats.org/presentationml/2006/main" showMasterSp="0" showMasterPhAnim="0">
   <p:cSld>
     <p:spTree>
@@ -1958,7 +2196,7 @@
 </p:notes>
 </file>
 
-<file path=ppt/notesSlides/notesSlide15.xml><?xml version="1.0" encoding="utf-8"?>
+<file path=ppt/notesSlides/notesSlide17.xml><?xml version="1.0" encoding="utf-8"?>
 <p:notes xmlns:a="http://schemas.openxmlformats.org/drawingml/2006/main" xmlns:r="http://schemas.openxmlformats.org/officeDocument/2006/relationships" xmlns:p="http://schemas.openxmlformats.org/presentationml/2006/main" showMasterSp="0" showMasterPhAnim="0">
   <p:cSld>
     <p:spTree>
@@ -2080,7 +2318,7 @@
 </p:notes>
 </file>
 
-<file path=ppt/notesSlides/notesSlide16.xml><?xml version="1.0" encoding="utf-8"?>
+<file path=ppt/notesSlides/notesSlide18.xml><?xml version="1.0" encoding="utf-8"?>
 <p:notes xmlns:a="http://schemas.openxmlformats.org/drawingml/2006/main" xmlns:r="http://schemas.openxmlformats.org/officeDocument/2006/relationships" xmlns:p="http://schemas.openxmlformats.org/presentationml/2006/main" showMasterSp="0" showMasterPhAnim="0">
   <p:cSld>
     <p:spTree>
@@ -2202,7 +2440,7 @@
 </p:notes>
 </file>
 
-<file path=ppt/notesSlides/notesSlide17.xml><?xml version="1.0" encoding="utf-8"?>
+<file path=ppt/notesSlides/notesSlide19.xml><?xml version="1.0" encoding="utf-8"?>
 <p:notes xmlns:a="http://schemas.openxmlformats.org/drawingml/2006/main" xmlns:r="http://schemas.openxmlformats.org/officeDocument/2006/relationships" xmlns:p="http://schemas.openxmlformats.org/presentationml/2006/main" showMasterSp="0" showMasterPhAnim="0">
   <p:cSld>
     <p:spTree>
@@ -2268,250 +2506,6 @@
       <p:sp>
         <p:nvSpPr>
           <p:cNvPr id="132" name="Google Shape;132;p24:notes"/>
-          <p:cNvSpPr>
-            <a:spLocks noGrp="1" noRot="1" noChangeAspect="1"/>
-          </p:cNvSpPr>
-          <p:nvPr>
-            <p:ph type="sldImg" idx="2"/>
-          </p:nvPr>
-        </p:nvSpPr>
-        <p:spPr>
-          <a:xfrm>
-            <a:off x="381000" y="381000"/>
-            <a:ext cx="4572000" cy="2573338"/>
-          </a:xfrm>
-          <a:custGeom>
-            <a:avLst/>
-            <a:gdLst/>
-            <a:ahLst/>
-            <a:cxnLst/>
-            <a:rect l="l" t="t" r="r" b="b"/>
-            <a:pathLst>
-              <a:path w="120000" h="120000" extrusionOk="0">
-                <a:moveTo>
-                  <a:pt x="0" y="0"/>
-                </a:moveTo>
-                <a:lnTo>
-                  <a:pt x="120000" y="0"/>
-                </a:lnTo>
-                <a:lnTo>
-                  <a:pt x="120000" y="120000"/>
-                </a:lnTo>
-                <a:lnTo>
-                  <a:pt x="0" y="120000"/>
-                </a:lnTo>
-                <a:close/>
-              </a:path>
-            </a:pathLst>
-          </a:custGeom>
-          <a:noFill/>
-          <a:ln w="12700" cap="flat" cmpd="sng">
-            <a:solidFill>
-              <a:srgbClr val="000000"/>
-            </a:solidFill>
-            <a:prstDash val="solid"/>
-            <a:round/>
-            <a:headEnd type="none" w="sm" len="sm"/>
-            <a:tailEnd type="none" w="sm" len="sm"/>
-          </a:ln>
-        </p:spPr>
-      </p:sp>
-    </p:spTree>
-  </p:cSld>
-  <p:clrMapOvr>
-    <a:masterClrMapping/>
-  </p:clrMapOvr>
-</p:notes>
-</file>
-
-<file path=ppt/notesSlides/notesSlide18.xml><?xml version="1.0" encoding="utf-8"?>
-<p:notes xmlns:a="http://schemas.openxmlformats.org/drawingml/2006/main" xmlns:r="http://schemas.openxmlformats.org/officeDocument/2006/relationships" xmlns:p="http://schemas.openxmlformats.org/presentationml/2006/main" showMasterSp="0" showMasterPhAnim="0">
-  <p:cSld>
-    <p:spTree>
-      <p:nvGrpSpPr>
-        <p:cNvPr id="1" name="Shape 137"/>
-        <p:cNvGrpSpPr/>
-        <p:nvPr/>
-      </p:nvGrpSpPr>
-      <p:grpSpPr>
-        <a:xfrm>
-          <a:off x="0" y="0"/>
-          <a:ext cx="0" cy="0"/>
-          <a:chOff x="0" y="0"/>
-          <a:chExt cx="0" cy="0"/>
-        </a:xfrm>
-      </p:grpSpPr>
-      <p:sp>
-        <p:nvSpPr>
-          <p:cNvPr id="138" name="Google Shape;138;p11:notes"/>
-          <p:cNvSpPr txBox="1">
-            <a:spLocks noGrp="1"/>
-          </p:cNvSpPr>
-          <p:nvPr>
-            <p:ph type="body" idx="1"/>
-          </p:nvPr>
-        </p:nvSpPr>
-        <p:spPr>
-          <a:xfrm>
-            <a:off x="381000" y="3124200"/>
-            <a:ext cx="6096000" cy="5334000"/>
-          </a:xfrm>
-          <a:prstGeom prst="rect">
-            <a:avLst/>
-          </a:prstGeom>
-          <a:noFill/>
-          <a:ln>
-            <a:noFill/>
-          </a:ln>
-        </p:spPr>
-        <p:txBody>
-          <a:bodyPr spcFirstLastPara="1" wrap="square" lIns="0" tIns="0" rIns="0" bIns="0" anchor="t" anchorCtr="0">
-            <a:noAutofit/>
-          </a:bodyPr>
-          <a:lstStyle/>
-          <a:p>
-            <a:pPr marL="0" lvl="0" indent="0" algn="l" rtl="0">
-              <a:lnSpc>
-                <a:spcPct val="100000"/>
-              </a:lnSpc>
-              <a:spcBef>
-                <a:spcPts val="600"/>
-              </a:spcBef>
-              <a:spcAft>
-                <a:spcPts val="0"/>
-              </a:spcAft>
-              <a:buSzPts val="275"/>
-              <a:buNone/>
-            </a:pPr>
-            <a:endParaRPr/>
-          </a:p>
-        </p:txBody>
-      </p:sp>
-      <p:sp>
-        <p:nvSpPr>
-          <p:cNvPr id="139" name="Google Shape;139;p11:notes"/>
-          <p:cNvSpPr>
-            <a:spLocks noGrp="1" noRot="1" noChangeAspect="1"/>
-          </p:cNvSpPr>
-          <p:nvPr>
-            <p:ph type="sldImg" idx="2"/>
-          </p:nvPr>
-        </p:nvSpPr>
-        <p:spPr>
-          <a:xfrm>
-            <a:off x="381000" y="381000"/>
-            <a:ext cx="4572000" cy="2573338"/>
-          </a:xfrm>
-          <a:custGeom>
-            <a:avLst/>
-            <a:gdLst/>
-            <a:ahLst/>
-            <a:cxnLst/>
-            <a:rect l="l" t="t" r="r" b="b"/>
-            <a:pathLst>
-              <a:path w="120000" h="120000" extrusionOk="0">
-                <a:moveTo>
-                  <a:pt x="0" y="0"/>
-                </a:moveTo>
-                <a:lnTo>
-                  <a:pt x="120000" y="0"/>
-                </a:lnTo>
-                <a:lnTo>
-                  <a:pt x="120000" y="120000"/>
-                </a:lnTo>
-                <a:lnTo>
-                  <a:pt x="0" y="120000"/>
-                </a:lnTo>
-                <a:close/>
-              </a:path>
-            </a:pathLst>
-          </a:custGeom>
-          <a:noFill/>
-          <a:ln w="12700" cap="flat" cmpd="sng">
-            <a:solidFill>
-              <a:srgbClr val="000000"/>
-            </a:solidFill>
-            <a:prstDash val="solid"/>
-            <a:round/>
-            <a:headEnd type="none" w="sm" len="sm"/>
-            <a:tailEnd type="none" w="sm" len="sm"/>
-          </a:ln>
-        </p:spPr>
-      </p:sp>
-    </p:spTree>
-  </p:cSld>
-  <p:clrMapOvr>
-    <a:masterClrMapping/>
-  </p:clrMapOvr>
-</p:notes>
-</file>
-
-<file path=ppt/notesSlides/notesSlide19.xml><?xml version="1.0" encoding="utf-8"?>
-<p:notes xmlns:a="http://schemas.openxmlformats.org/drawingml/2006/main" xmlns:r="http://schemas.openxmlformats.org/officeDocument/2006/relationships" xmlns:p="http://schemas.openxmlformats.org/presentationml/2006/main" showMasterSp="0" showMasterPhAnim="0">
-  <p:cSld>
-    <p:spTree>
-      <p:nvGrpSpPr>
-        <p:cNvPr id="1" name="Shape 148"/>
-        <p:cNvGrpSpPr/>
-        <p:nvPr/>
-      </p:nvGrpSpPr>
-      <p:grpSpPr>
-        <a:xfrm>
-          <a:off x="0" y="0"/>
-          <a:ext cx="0" cy="0"/>
-          <a:chOff x="0" y="0"/>
-          <a:chExt cx="0" cy="0"/>
-        </a:xfrm>
-      </p:grpSpPr>
-      <p:sp>
-        <p:nvSpPr>
-          <p:cNvPr id="149" name="Google Shape;149;p14:notes"/>
-          <p:cNvSpPr txBox="1">
-            <a:spLocks noGrp="1"/>
-          </p:cNvSpPr>
-          <p:nvPr>
-            <p:ph type="body" idx="1"/>
-          </p:nvPr>
-        </p:nvSpPr>
-        <p:spPr>
-          <a:xfrm>
-            <a:off x="381000" y="3124200"/>
-            <a:ext cx="6096000" cy="5334000"/>
-          </a:xfrm>
-          <a:prstGeom prst="rect">
-            <a:avLst/>
-          </a:prstGeom>
-          <a:noFill/>
-          <a:ln>
-            <a:noFill/>
-          </a:ln>
-        </p:spPr>
-        <p:txBody>
-          <a:bodyPr spcFirstLastPara="1" wrap="square" lIns="0" tIns="0" rIns="0" bIns="0" anchor="t" anchorCtr="0">
-            <a:noAutofit/>
-          </a:bodyPr>
-          <a:lstStyle/>
-          <a:p>
-            <a:pPr marL="0" lvl="0" indent="0" algn="l" rtl="0">
-              <a:lnSpc>
-                <a:spcPct val="100000"/>
-              </a:lnSpc>
-              <a:spcBef>
-                <a:spcPts val="600"/>
-              </a:spcBef>
-              <a:spcAft>
-                <a:spcPts val="0"/>
-              </a:spcAft>
-              <a:buSzPts val="275"/>
-              <a:buNone/>
-            </a:pPr>
-            <a:endParaRPr/>
-          </a:p>
-        </p:txBody>
-      </p:sp>
-      <p:sp>
-        <p:nvSpPr>
-          <p:cNvPr id="150" name="Google Shape;150;p14:notes"/>
           <p:cNvSpPr>
             <a:spLocks noGrp="1" noRot="1" noChangeAspect="1"/>
           </p:cNvSpPr>
@@ -2745,6 +2739,250 @@
 </file>
 
 <file path=ppt/notesSlides/notesSlide20.xml><?xml version="1.0" encoding="utf-8"?>
+<p:notes xmlns:a="http://schemas.openxmlformats.org/drawingml/2006/main" xmlns:r="http://schemas.openxmlformats.org/officeDocument/2006/relationships" xmlns:p="http://schemas.openxmlformats.org/presentationml/2006/main" showMasterSp="0" showMasterPhAnim="0">
+  <p:cSld>
+    <p:spTree>
+      <p:nvGrpSpPr>
+        <p:cNvPr id="1" name="Shape 137"/>
+        <p:cNvGrpSpPr/>
+        <p:nvPr/>
+      </p:nvGrpSpPr>
+      <p:grpSpPr>
+        <a:xfrm>
+          <a:off x="0" y="0"/>
+          <a:ext cx="0" cy="0"/>
+          <a:chOff x="0" y="0"/>
+          <a:chExt cx="0" cy="0"/>
+        </a:xfrm>
+      </p:grpSpPr>
+      <p:sp>
+        <p:nvSpPr>
+          <p:cNvPr id="138" name="Google Shape;138;p11:notes"/>
+          <p:cNvSpPr txBox="1">
+            <a:spLocks noGrp="1"/>
+          </p:cNvSpPr>
+          <p:nvPr>
+            <p:ph type="body" idx="1"/>
+          </p:nvPr>
+        </p:nvSpPr>
+        <p:spPr>
+          <a:xfrm>
+            <a:off x="381000" y="3124200"/>
+            <a:ext cx="6096000" cy="5334000"/>
+          </a:xfrm>
+          <a:prstGeom prst="rect">
+            <a:avLst/>
+          </a:prstGeom>
+          <a:noFill/>
+          <a:ln>
+            <a:noFill/>
+          </a:ln>
+        </p:spPr>
+        <p:txBody>
+          <a:bodyPr spcFirstLastPara="1" wrap="square" lIns="0" tIns="0" rIns="0" bIns="0" anchor="t" anchorCtr="0">
+            <a:noAutofit/>
+          </a:bodyPr>
+          <a:lstStyle/>
+          <a:p>
+            <a:pPr marL="0" lvl="0" indent="0" algn="l" rtl="0">
+              <a:lnSpc>
+                <a:spcPct val="100000"/>
+              </a:lnSpc>
+              <a:spcBef>
+                <a:spcPts val="600"/>
+              </a:spcBef>
+              <a:spcAft>
+                <a:spcPts val="0"/>
+              </a:spcAft>
+              <a:buSzPts val="275"/>
+              <a:buNone/>
+            </a:pPr>
+            <a:endParaRPr/>
+          </a:p>
+        </p:txBody>
+      </p:sp>
+      <p:sp>
+        <p:nvSpPr>
+          <p:cNvPr id="139" name="Google Shape;139;p11:notes"/>
+          <p:cNvSpPr>
+            <a:spLocks noGrp="1" noRot="1" noChangeAspect="1"/>
+          </p:cNvSpPr>
+          <p:nvPr>
+            <p:ph type="sldImg" idx="2"/>
+          </p:nvPr>
+        </p:nvSpPr>
+        <p:spPr>
+          <a:xfrm>
+            <a:off x="381000" y="381000"/>
+            <a:ext cx="4572000" cy="2573338"/>
+          </a:xfrm>
+          <a:custGeom>
+            <a:avLst/>
+            <a:gdLst/>
+            <a:ahLst/>
+            <a:cxnLst/>
+            <a:rect l="l" t="t" r="r" b="b"/>
+            <a:pathLst>
+              <a:path w="120000" h="120000" extrusionOk="0">
+                <a:moveTo>
+                  <a:pt x="0" y="0"/>
+                </a:moveTo>
+                <a:lnTo>
+                  <a:pt x="120000" y="0"/>
+                </a:lnTo>
+                <a:lnTo>
+                  <a:pt x="120000" y="120000"/>
+                </a:lnTo>
+                <a:lnTo>
+                  <a:pt x="0" y="120000"/>
+                </a:lnTo>
+                <a:close/>
+              </a:path>
+            </a:pathLst>
+          </a:custGeom>
+          <a:noFill/>
+          <a:ln w="12700" cap="flat" cmpd="sng">
+            <a:solidFill>
+              <a:srgbClr val="000000"/>
+            </a:solidFill>
+            <a:prstDash val="solid"/>
+            <a:round/>
+            <a:headEnd type="none" w="sm" len="sm"/>
+            <a:tailEnd type="none" w="sm" len="sm"/>
+          </a:ln>
+        </p:spPr>
+      </p:sp>
+    </p:spTree>
+  </p:cSld>
+  <p:clrMapOvr>
+    <a:masterClrMapping/>
+  </p:clrMapOvr>
+</p:notes>
+</file>
+
+<file path=ppt/notesSlides/notesSlide21.xml><?xml version="1.0" encoding="utf-8"?>
+<p:notes xmlns:a="http://schemas.openxmlformats.org/drawingml/2006/main" xmlns:r="http://schemas.openxmlformats.org/officeDocument/2006/relationships" xmlns:p="http://schemas.openxmlformats.org/presentationml/2006/main" showMasterSp="0" showMasterPhAnim="0">
+  <p:cSld>
+    <p:spTree>
+      <p:nvGrpSpPr>
+        <p:cNvPr id="1" name="Shape 148"/>
+        <p:cNvGrpSpPr/>
+        <p:nvPr/>
+      </p:nvGrpSpPr>
+      <p:grpSpPr>
+        <a:xfrm>
+          <a:off x="0" y="0"/>
+          <a:ext cx="0" cy="0"/>
+          <a:chOff x="0" y="0"/>
+          <a:chExt cx="0" cy="0"/>
+        </a:xfrm>
+      </p:grpSpPr>
+      <p:sp>
+        <p:nvSpPr>
+          <p:cNvPr id="149" name="Google Shape;149;p14:notes"/>
+          <p:cNvSpPr txBox="1">
+            <a:spLocks noGrp="1"/>
+          </p:cNvSpPr>
+          <p:nvPr>
+            <p:ph type="body" idx="1"/>
+          </p:nvPr>
+        </p:nvSpPr>
+        <p:spPr>
+          <a:xfrm>
+            <a:off x="381000" y="3124200"/>
+            <a:ext cx="6096000" cy="5334000"/>
+          </a:xfrm>
+          <a:prstGeom prst="rect">
+            <a:avLst/>
+          </a:prstGeom>
+          <a:noFill/>
+          <a:ln>
+            <a:noFill/>
+          </a:ln>
+        </p:spPr>
+        <p:txBody>
+          <a:bodyPr spcFirstLastPara="1" wrap="square" lIns="0" tIns="0" rIns="0" bIns="0" anchor="t" anchorCtr="0">
+            <a:noAutofit/>
+          </a:bodyPr>
+          <a:lstStyle/>
+          <a:p>
+            <a:pPr marL="0" lvl="0" indent="0" algn="l" rtl="0">
+              <a:lnSpc>
+                <a:spcPct val="100000"/>
+              </a:lnSpc>
+              <a:spcBef>
+                <a:spcPts val="600"/>
+              </a:spcBef>
+              <a:spcAft>
+                <a:spcPts val="0"/>
+              </a:spcAft>
+              <a:buSzPts val="275"/>
+              <a:buNone/>
+            </a:pPr>
+            <a:endParaRPr/>
+          </a:p>
+        </p:txBody>
+      </p:sp>
+      <p:sp>
+        <p:nvSpPr>
+          <p:cNvPr id="150" name="Google Shape;150;p14:notes"/>
+          <p:cNvSpPr>
+            <a:spLocks noGrp="1" noRot="1" noChangeAspect="1"/>
+          </p:cNvSpPr>
+          <p:nvPr>
+            <p:ph type="sldImg" idx="2"/>
+          </p:nvPr>
+        </p:nvSpPr>
+        <p:spPr>
+          <a:xfrm>
+            <a:off x="381000" y="381000"/>
+            <a:ext cx="4572000" cy="2573338"/>
+          </a:xfrm>
+          <a:custGeom>
+            <a:avLst/>
+            <a:gdLst/>
+            <a:ahLst/>
+            <a:cxnLst/>
+            <a:rect l="l" t="t" r="r" b="b"/>
+            <a:pathLst>
+              <a:path w="120000" h="120000" extrusionOk="0">
+                <a:moveTo>
+                  <a:pt x="0" y="0"/>
+                </a:moveTo>
+                <a:lnTo>
+                  <a:pt x="120000" y="0"/>
+                </a:lnTo>
+                <a:lnTo>
+                  <a:pt x="120000" y="120000"/>
+                </a:lnTo>
+                <a:lnTo>
+                  <a:pt x="0" y="120000"/>
+                </a:lnTo>
+                <a:close/>
+              </a:path>
+            </a:pathLst>
+          </a:custGeom>
+          <a:noFill/>
+          <a:ln w="12700" cap="flat" cmpd="sng">
+            <a:solidFill>
+              <a:srgbClr val="000000"/>
+            </a:solidFill>
+            <a:prstDash val="solid"/>
+            <a:round/>
+            <a:headEnd type="none" w="sm" len="sm"/>
+            <a:tailEnd type="none" w="sm" len="sm"/>
+          </a:ln>
+        </p:spPr>
+      </p:sp>
+    </p:spTree>
+  </p:cSld>
+  <p:clrMapOvr>
+    <a:masterClrMapping/>
+  </p:clrMapOvr>
+</p:notes>
+</file>
+
+<file path=ppt/notesSlides/notesSlide22.xml><?xml version="1.0" encoding="utf-8"?>
 <p:notes xmlns:a="http://schemas.openxmlformats.org/drawingml/2006/main" xmlns:r="http://schemas.openxmlformats.org/officeDocument/2006/relationships" xmlns:p="http://schemas.openxmlformats.org/presentationml/2006/main" showMasterSp="0" showMasterPhAnim="0">
   <p:cSld>
     <p:spTree>
@@ -4544,7 +4782,7 @@
         <p:fade/>
       </p:transition>
     </mc:Choice>
-    <mc:Fallback xmlns:p15="http://schemas.microsoft.com/office/powerpoint/2012/main" xmlns:com="http://schemas.openxmlformats.org/drawingml/2006/compatibility" xmlns:pvml="urn:schemas-microsoft-com:office:powerpoint" xmlns:v="urn:schemas-microsoft-com:vml" xmlns:o="urn:schemas-microsoft-com:office:office" xmlns:dgm="http://schemas.openxmlformats.org/drawingml/2006/diagram" xmlns:c="http://schemas.openxmlformats.org/drawingml/2006/chart" xmlns:mv="urn:schemas-microsoft-com:mac:vml" xmlns="">
+    <mc:Fallback xmlns="" xmlns:mv="urn:schemas-microsoft-com:mac:vml" xmlns:c="http://schemas.openxmlformats.org/drawingml/2006/chart" xmlns:dgm="http://schemas.openxmlformats.org/drawingml/2006/diagram" xmlns:o="urn:schemas-microsoft-com:office:office" xmlns:v="urn:schemas-microsoft-com:vml" xmlns:pvml="urn:schemas-microsoft-com:office:powerpoint" xmlns:com="http://schemas.openxmlformats.org/drawingml/2006/compatibility" xmlns:p15="http://schemas.microsoft.com/office/powerpoint/2012/main">
       <p:transition spd="slow">
         <p:fade/>
       </p:transition>
@@ -4952,7 +5190,7 @@
         <p:fade/>
       </p:transition>
     </mc:Choice>
-    <mc:Fallback xmlns:p15="http://schemas.microsoft.com/office/powerpoint/2012/main" xmlns:com="http://schemas.openxmlformats.org/drawingml/2006/compatibility" xmlns:pvml="urn:schemas-microsoft-com:office:powerpoint" xmlns:v="urn:schemas-microsoft-com:vml" xmlns:o="urn:schemas-microsoft-com:office:office" xmlns:dgm="http://schemas.openxmlformats.org/drawingml/2006/diagram" xmlns:c="http://schemas.openxmlformats.org/drawingml/2006/chart" xmlns:mv="urn:schemas-microsoft-com:mac:vml" xmlns="">
+    <mc:Fallback xmlns="" xmlns:mv="urn:schemas-microsoft-com:mac:vml" xmlns:c="http://schemas.openxmlformats.org/drawingml/2006/chart" xmlns:dgm="http://schemas.openxmlformats.org/drawingml/2006/diagram" xmlns:o="urn:schemas-microsoft-com:office:office" xmlns:v="urn:schemas-microsoft-com:vml" xmlns:pvml="urn:schemas-microsoft-com:office:powerpoint" xmlns:com="http://schemas.openxmlformats.org/drawingml/2006/compatibility" xmlns:p15="http://schemas.microsoft.com/office/powerpoint/2012/main">
       <p:transition spd="slow">
         <p:fade/>
       </p:transition>
@@ -5177,7 +5415,7 @@
         <p:fade/>
       </p:transition>
     </mc:Choice>
-    <mc:Fallback xmlns:p15="http://schemas.microsoft.com/office/powerpoint/2012/main" xmlns:com="http://schemas.openxmlformats.org/drawingml/2006/compatibility" xmlns:pvml="urn:schemas-microsoft-com:office:powerpoint" xmlns:v="urn:schemas-microsoft-com:vml" xmlns:o="urn:schemas-microsoft-com:office:office" xmlns:dgm="http://schemas.openxmlformats.org/drawingml/2006/diagram" xmlns:c="http://schemas.openxmlformats.org/drawingml/2006/chart" xmlns:mv="urn:schemas-microsoft-com:mac:vml" xmlns="">
+    <mc:Fallback xmlns="" xmlns:mv="urn:schemas-microsoft-com:mac:vml" xmlns:c="http://schemas.openxmlformats.org/drawingml/2006/chart" xmlns:dgm="http://schemas.openxmlformats.org/drawingml/2006/diagram" xmlns:o="urn:schemas-microsoft-com:office:office" xmlns:v="urn:schemas-microsoft-com:vml" xmlns:pvml="urn:schemas-microsoft-com:office:powerpoint" xmlns:com="http://schemas.openxmlformats.org/drawingml/2006/compatibility" xmlns:p15="http://schemas.microsoft.com/office/powerpoint/2012/main">
       <p:transition spd="slow">
         <p:fade/>
       </p:transition>
@@ -5562,7 +5800,7 @@
         <p:fade/>
       </p:transition>
     </mc:Choice>
-    <mc:Fallback xmlns:p15="http://schemas.microsoft.com/office/powerpoint/2012/main" xmlns:com="http://schemas.openxmlformats.org/drawingml/2006/compatibility" xmlns:pvml="urn:schemas-microsoft-com:office:powerpoint" xmlns:v="urn:schemas-microsoft-com:vml" xmlns:o="urn:schemas-microsoft-com:office:office" xmlns:dgm="http://schemas.openxmlformats.org/drawingml/2006/diagram" xmlns:c="http://schemas.openxmlformats.org/drawingml/2006/chart" xmlns:mv="urn:schemas-microsoft-com:mac:vml" xmlns="">
+    <mc:Fallback xmlns="" xmlns:mv="urn:schemas-microsoft-com:mac:vml" xmlns:c="http://schemas.openxmlformats.org/drawingml/2006/chart" xmlns:dgm="http://schemas.openxmlformats.org/drawingml/2006/diagram" xmlns:o="urn:schemas-microsoft-com:office:office" xmlns:v="urn:schemas-microsoft-com:vml" xmlns:pvml="urn:schemas-microsoft-com:office:powerpoint" xmlns:com="http://schemas.openxmlformats.org/drawingml/2006/compatibility" xmlns:p15="http://schemas.microsoft.com/office/powerpoint/2012/main">
       <p:transition spd="slow">
         <p:fade/>
       </p:transition>
@@ -6372,7 +6610,7 @@
         <p:fade/>
       </p:transition>
     </mc:Choice>
-    <mc:Fallback xmlns:p15="http://schemas.microsoft.com/office/powerpoint/2012/main" xmlns:com="http://schemas.openxmlformats.org/drawingml/2006/compatibility" xmlns:pvml="urn:schemas-microsoft-com:office:powerpoint" xmlns:v="urn:schemas-microsoft-com:vml" xmlns:o="urn:schemas-microsoft-com:office:office" xmlns:dgm="http://schemas.openxmlformats.org/drawingml/2006/diagram" xmlns:c="http://schemas.openxmlformats.org/drawingml/2006/chart" xmlns:mv="urn:schemas-microsoft-com:mac:vml" xmlns="">
+    <mc:Fallback xmlns="" xmlns:mv="urn:schemas-microsoft-com:mac:vml" xmlns:c="http://schemas.openxmlformats.org/drawingml/2006/chart" xmlns:dgm="http://schemas.openxmlformats.org/drawingml/2006/diagram" xmlns:o="urn:schemas-microsoft-com:office:office" xmlns:v="urn:schemas-microsoft-com:vml" xmlns:pvml="urn:schemas-microsoft-com:office:powerpoint" xmlns:com="http://schemas.openxmlformats.org/drawingml/2006/compatibility" xmlns:p15="http://schemas.microsoft.com/office/powerpoint/2012/main">
       <p:transition spd="slow">
         <p:fade/>
       </p:transition>
@@ -6863,7 +7101,7 @@
         <p:fade/>
       </p:transition>
     </mc:Choice>
-    <mc:Fallback xmlns:p15="http://schemas.microsoft.com/office/powerpoint/2012/main" xmlns:com="http://schemas.openxmlformats.org/drawingml/2006/compatibility" xmlns:pvml="urn:schemas-microsoft-com:office:powerpoint" xmlns:v="urn:schemas-microsoft-com:vml" xmlns:o="urn:schemas-microsoft-com:office:office" xmlns:dgm="http://schemas.openxmlformats.org/drawingml/2006/diagram" xmlns:c="http://schemas.openxmlformats.org/drawingml/2006/chart" xmlns:mv="urn:schemas-microsoft-com:mac:vml" xmlns="">
+    <mc:Fallback xmlns="" xmlns:mv="urn:schemas-microsoft-com:mac:vml" xmlns:c="http://schemas.openxmlformats.org/drawingml/2006/chart" xmlns:dgm="http://schemas.openxmlformats.org/drawingml/2006/diagram" xmlns:o="urn:schemas-microsoft-com:office:office" xmlns:v="urn:schemas-microsoft-com:vml" xmlns:pvml="urn:schemas-microsoft-com:office:powerpoint" xmlns:com="http://schemas.openxmlformats.org/drawingml/2006/compatibility" xmlns:p15="http://schemas.microsoft.com/office/powerpoint/2012/main">
       <p:transition spd="slow">
         <p:fade/>
       </p:transition>
@@ -7253,7 +7491,7 @@
         <p:fade/>
       </p:transition>
     </mc:Choice>
-    <mc:Fallback xmlns:p15="http://schemas.microsoft.com/office/powerpoint/2012/main" xmlns:com="http://schemas.openxmlformats.org/drawingml/2006/compatibility" xmlns:pvml="urn:schemas-microsoft-com:office:powerpoint" xmlns:v="urn:schemas-microsoft-com:vml" xmlns:o="urn:schemas-microsoft-com:office:office" xmlns:dgm="http://schemas.openxmlformats.org/drawingml/2006/diagram" xmlns:c="http://schemas.openxmlformats.org/drawingml/2006/chart" xmlns:mv="urn:schemas-microsoft-com:mac:vml" xmlns="">
+    <mc:Fallback xmlns="" xmlns:mv="urn:schemas-microsoft-com:mac:vml" xmlns:c="http://schemas.openxmlformats.org/drawingml/2006/chart" xmlns:dgm="http://schemas.openxmlformats.org/drawingml/2006/diagram" xmlns:o="urn:schemas-microsoft-com:office:office" xmlns:v="urn:schemas-microsoft-com:vml" xmlns:pvml="urn:schemas-microsoft-com:office:powerpoint" xmlns:com="http://schemas.openxmlformats.org/drawingml/2006/compatibility" xmlns:p15="http://schemas.microsoft.com/office/powerpoint/2012/main">
       <p:transition spd="slow">
         <p:fade/>
       </p:transition>
@@ -7458,7 +7696,7 @@
         <p:fade/>
       </p:transition>
     </mc:Choice>
-    <mc:Fallback xmlns:p15="http://schemas.microsoft.com/office/powerpoint/2012/main" xmlns:com="http://schemas.openxmlformats.org/drawingml/2006/compatibility" xmlns:pvml="urn:schemas-microsoft-com:office:powerpoint" xmlns:v="urn:schemas-microsoft-com:vml" xmlns:o="urn:schemas-microsoft-com:office:office" xmlns:dgm="http://schemas.openxmlformats.org/drawingml/2006/diagram" xmlns:c="http://schemas.openxmlformats.org/drawingml/2006/chart" xmlns:mv="urn:schemas-microsoft-com:mac:vml" xmlns="">
+    <mc:Fallback xmlns="" xmlns:mv="urn:schemas-microsoft-com:mac:vml" xmlns:c="http://schemas.openxmlformats.org/drawingml/2006/chart" xmlns:dgm="http://schemas.openxmlformats.org/drawingml/2006/diagram" xmlns:o="urn:schemas-microsoft-com:office:office" xmlns:v="urn:schemas-microsoft-com:vml" xmlns:pvml="urn:schemas-microsoft-com:office:powerpoint" xmlns:com="http://schemas.openxmlformats.org/drawingml/2006/compatibility" xmlns:p15="http://schemas.microsoft.com/office/powerpoint/2012/main">
       <p:transition spd="slow">
         <p:fade/>
       </p:transition>
@@ -8114,7 +8352,7 @@
         <p:fade/>
       </p:transition>
     </mc:Choice>
-    <mc:Fallback xmlns:p15="http://schemas.microsoft.com/office/powerpoint/2012/main" xmlns:com="http://schemas.openxmlformats.org/drawingml/2006/compatibility" xmlns:pvml="urn:schemas-microsoft-com:office:powerpoint" xmlns:v="urn:schemas-microsoft-com:vml" xmlns:o="urn:schemas-microsoft-com:office:office" xmlns:dgm="http://schemas.openxmlformats.org/drawingml/2006/diagram" xmlns:c="http://schemas.openxmlformats.org/drawingml/2006/chart" xmlns:mv="urn:schemas-microsoft-com:mac:vml" xmlns="">
+    <mc:Fallback xmlns="" xmlns:mv="urn:schemas-microsoft-com:mac:vml" xmlns:c="http://schemas.openxmlformats.org/drawingml/2006/chart" xmlns:dgm="http://schemas.openxmlformats.org/drawingml/2006/diagram" xmlns:o="urn:schemas-microsoft-com:office:office" xmlns:v="urn:schemas-microsoft-com:vml" xmlns:pvml="urn:schemas-microsoft-com:office:powerpoint" xmlns:com="http://schemas.openxmlformats.org/drawingml/2006/compatibility" xmlns:p15="http://schemas.microsoft.com/office/powerpoint/2012/main">
       <p:transition spd="slow">
         <p:fade/>
       </p:transition>
@@ -8685,7 +8923,7 @@
         <p:fade/>
       </p:transition>
     </mc:Choice>
-    <mc:Fallback xmlns:p15="http://schemas.microsoft.com/office/powerpoint/2012/main" xmlns:com="http://schemas.openxmlformats.org/drawingml/2006/compatibility" xmlns:pvml="urn:schemas-microsoft-com:office:powerpoint" xmlns:v="urn:schemas-microsoft-com:vml" xmlns:o="urn:schemas-microsoft-com:office:office" xmlns:dgm="http://schemas.openxmlformats.org/drawingml/2006/diagram" xmlns:c="http://schemas.openxmlformats.org/drawingml/2006/chart" xmlns:mv="urn:schemas-microsoft-com:mac:vml" xmlns="">
+    <mc:Fallback xmlns="" xmlns:mv="urn:schemas-microsoft-com:mac:vml" xmlns:c="http://schemas.openxmlformats.org/drawingml/2006/chart" xmlns:dgm="http://schemas.openxmlformats.org/drawingml/2006/diagram" xmlns:o="urn:schemas-microsoft-com:office:office" xmlns:v="urn:schemas-microsoft-com:vml" xmlns:pvml="urn:schemas-microsoft-com:office:powerpoint" xmlns:com="http://schemas.openxmlformats.org/drawingml/2006/compatibility" xmlns:p15="http://schemas.microsoft.com/office/powerpoint/2012/main">
       <p:transition spd="slow">
         <p:fade/>
       </p:transition>
@@ -9321,7 +9559,7 @@
         <p:fade/>
       </p:transition>
     </mc:Choice>
-    <mc:Fallback xmlns:p15="http://schemas.microsoft.com/office/powerpoint/2012/main" xmlns:com="http://schemas.openxmlformats.org/drawingml/2006/compatibility" xmlns:pvml="urn:schemas-microsoft-com:office:powerpoint" xmlns:v="urn:schemas-microsoft-com:vml" xmlns:o="urn:schemas-microsoft-com:office:office" xmlns:dgm="http://schemas.openxmlformats.org/drawingml/2006/diagram" xmlns:c="http://schemas.openxmlformats.org/drawingml/2006/chart" xmlns:mv="urn:schemas-microsoft-com:mac:vml" xmlns="">
+    <mc:Fallback xmlns="" xmlns:mv="urn:schemas-microsoft-com:mac:vml" xmlns:c="http://schemas.openxmlformats.org/drawingml/2006/chart" xmlns:dgm="http://schemas.openxmlformats.org/drawingml/2006/diagram" xmlns:o="urn:schemas-microsoft-com:office:office" xmlns:v="urn:schemas-microsoft-com:vml" xmlns:pvml="urn:schemas-microsoft-com:office:powerpoint" xmlns:com="http://schemas.openxmlformats.org/drawingml/2006/compatibility" xmlns:p15="http://schemas.microsoft.com/office/powerpoint/2012/main">
       <p:transition spd="slow">
         <p:fade/>
       </p:transition>
@@ -9890,7 +10128,7 @@
         <p:fade/>
       </p:transition>
     </mc:Choice>
-    <mc:Fallback xmlns:p15="http://schemas.microsoft.com/office/powerpoint/2012/main" xmlns:com="http://schemas.openxmlformats.org/drawingml/2006/compatibility" xmlns:pvml="urn:schemas-microsoft-com:office:powerpoint" xmlns:v="urn:schemas-microsoft-com:vml" xmlns:o="urn:schemas-microsoft-com:office:office" xmlns:dgm="http://schemas.openxmlformats.org/drawingml/2006/diagram" xmlns:c="http://schemas.openxmlformats.org/drawingml/2006/chart" xmlns:mv="urn:schemas-microsoft-com:mac:vml" xmlns="">
+    <mc:Fallback xmlns="" xmlns:mv="urn:schemas-microsoft-com:mac:vml" xmlns:c="http://schemas.openxmlformats.org/drawingml/2006/chart" xmlns:dgm="http://schemas.openxmlformats.org/drawingml/2006/diagram" xmlns:o="urn:schemas-microsoft-com:office:office" xmlns:v="urn:schemas-microsoft-com:vml" xmlns:pvml="urn:schemas-microsoft-com:office:powerpoint" xmlns:com="http://schemas.openxmlformats.org/drawingml/2006/compatibility" xmlns:p15="http://schemas.microsoft.com/office/powerpoint/2012/main">
       <p:transition spd="slow">
         <p:fade/>
       </p:transition>
@@ -10767,7 +11005,7 @@
         <p:fade/>
       </p:transition>
     </mc:Choice>
-    <mc:Fallback xmlns:p15="http://schemas.microsoft.com/office/powerpoint/2012/main" xmlns:com="http://schemas.openxmlformats.org/drawingml/2006/compatibility" xmlns:pvml="urn:schemas-microsoft-com:office:powerpoint" xmlns:v="urn:schemas-microsoft-com:vml" xmlns:o="urn:schemas-microsoft-com:office:office" xmlns:dgm="http://schemas.openxmlformats.org/drawingml/2006/diagram" xmlns:c="http://schemas.openxmlformats.org/drawingml/2006/chart" xmlns:mv="urn:schemas-microsoft-com:mac:vml" xmlns="">
+    <mc:Fallback xmlns="" xmlns:mv="urn:schemas-microsoft-com:mac:vml" xmlns:c="http://schemas.openxmlformats.org/drawingml/2006/chart" xmlns:dgm="http://schemas.openxmlformats.org/drawingml/2006/diagram" xmlns:o="urn:schemas-microsoft-com:office:office" xmlns:v="urn:schemas-microsoft-com:vml" xmlns:pvml="urn:schemas-microsoft-com:office:powerpoint" xmlns:com="http://schemas.openxmlformats.org/drawingml/2006/compatibility" xmlns:p15="http://schemas.microsoft.com/office/powerpoint/2012/main">
       <p:transition spd="slow">
         <p:fade/>
       </p:transition>
@@ -12118,7 +12356,7 @@
         <p:fade/>
       </p:transition>
     </mc:Choice>
-    <mc:Fallback xmlns:p15="http://schemas.microsoft.com/office/powerpoint/2012/main" xmlns:com="http://schemas.openxmlformats.org/drawingml/2006/compatibility" xmlns:pvml="urn:schemas-microsoft-com:office:powerpoint" xmlns:v="urn:schemas-microsoft-com:vml" xmlns:o="urn:schemas-microsoft-com:office:office" xmlns:dgm="http://schemas.openxmlformats.org/drawingml/2006/diagram" xmlns:c="http://schemas.openxmlformats.org/drawingml/2006/chart" xmlns:mv="urn:schemas-microsoft-com:mac:vml" xmlns="">
+    <mc:Fallback xmlns="" xmlns:mv="urn:schemas-microsoft-com:mac:vml" xmlns:c="http://schemas.openxmlformats.org/drawingml/2006/chart" xmlns:dgm="http://schemas.openxmlformats.org/drawingml/2006/diagram" xmlns:o="urn:schemas-microsoft-com:office:office" xmlns:v="urn:schemas-microsoft-com:vml" xmlns:pvml="urn:schemas-microsoft-com:office:powerpoint" xmlns:com="http://schemas.openxmlformats.org/drawingml/2006/compatibility" xmlns:p15="http://schemas.microsoft.com/office/powerpoint/2012/main">
       <p:transition spd="slow">
         <p:fade/>
       </p:transition>
@@ -13252,7 +13490,7 @@
         <p:fade/>
       </p:transition>
     </mc:Choice>
-    <mc:Fallback xmlns:p15="http://schemas.microsoft.com/office/powerpoint/2012/main" xmlns:com="http://schemas.openxmlformats.org/drawingml/2006/compatibility" xmlns:pvml="urn:schemas-microsoft-com:office:powerpoint" xmlns:v="urn:schemas-microsoft-com:vml" xmlns:o="urn:schemas-microsoft-com:office:office" xmlns:dgm="http://schemas.openxmlformats.org/drawingml/2006/diagram" xmlns:c="http://schemas.openxmlformats.org/drawingml/2006/chart" xmlns:mv="urn:schemas-microsoft-com:mac:vml" xmlns="">
+    <mc:Fallback xmlns="" xmlns:mv="urn:schemas-microsoft-com:mac:vml" xmlns:c="http://schemas.openxmlformats.org/drawingml/2006/chart" xmlns:dgm="http://schemas.openxmlformats.org/drawingml/2006/diagram" xmlns:o="urn:schemas-microsoft-com:office:office" xmlns:v="urn:schemas-microsoft-com:vml" xmlns:pvml="urn:schemas-microsoft-com:office:powerpoint" xmlns:com="http://schemas.openxmlformats.org/drawingml/2006/compatibility" xmlns:p15="http://schemas.microsoft.com/office/powerpoint/2012/main">
       <p:transition spd="slow">
         <p:fade/>
       </p:transition>
@@ -13290,8 +13528,8 @@
         </p:nvSpPr>
         <p:spPr>
           <a:xfrm>
-            <a:off x="619125" y="2017713"/>
-            <a:ext cx="9532938" cy="3294062"/>
+            <a:off x="615192" y="1586198"/>
+            <a:ext cx="9532938" cy="4413910"/>
           </a:xfrm>
           <a:prstGeom prst="rect">
             <a:avLst/>
@@ -13307,43 +13545,50 @@
           </a:bodyPr>
           <a:lstStyle/>
           <a:p>
-            <a:pPr marL="514350" lvl="0" indent="-285750">
+            <a:pPr marL="514350" lvl="0" indent="-285750" algn="l" rtl="0">
+              <a:lnSpc>
+                <a:spcPct val="90000"/>
+              </a:lnSpc>
+              <a:spcBef>
+                <a:spcPts val="1200"/>
+              </a:spcBef>
+              <a:spcAft>
+                <a:spcPts val="0"/>
+              </a:spcAft>
+              <a:buClr>
+                <a:srgbClr val="000000"/>
+              </a:buClr>
               <a:buSzPts val="2000"/>
+              <a:buFont typeface="Arial"/>
+              <a:buChar char="•"/>
             </a:pPr>
             <a:r>
-              <a:rPr lang="en-US" sz="2000" dirty="0"/>
-              <a:t>All Time Video Views</a:t>
+              <a:rPr lang="en-US" sz="2000" dirty="0">
+                <a:solidFill>
+                  <a:srgbClr val="000000"/>
+                </a:solidFill>
+              </a:rPr>
+              <a:t>Client code</a:t>
             </a:r>
+            <a:endParaRPr dirty="0"/>
           </a:p>
           <a:p>
-            <a:pPr marL="971550" lvl="1" indent="-285750"/>
-            <a:r>
-              <a:rPr lang="en-US" sz="1600" dirty="0">
-                <a:hlinkClick r:id="rId3"/>
-              </a:rPr>
-              <a:t>https://player.support.brightcove.com/code-samples/brightcove-player-sample-all-time-video-views.html</a:t>
-            </a:r>
-            <a:endParaRPr lang="en-US" sz="1600" dirty="0"/>
-          </a:p>
-          <a:p>
-            <a:pPr marL="971550" lvl="1" indent="-285750"/>
-            <a:endParaRPr lang="en-US" sz="1600" dirty="0">
-              <a:solidFill>
+            <a:pPr marL="971550" lvl="1" indent="-285750" algn="l" rtl="0">
+              <a:lnSpc>
+                <a:spcPct val="90000"/>
+              </a:lnSpc>
+              <a:spcBef>
+                <a:spcPts val="600"/>
+              </a:spcBef>
+              <a:spcAft>
+                <a:spcPts val="0"/>
+              </a:spcAft>
+              <a:buClr>
                 <a:srgbClr val="000000"/>
-              </a:solidFill>
-            </a:endParaRPr>
-          </a:p>
-          <a:p>
-            <a:pPr marL="514350" indent="-285750"/>
-            <a:endParaRPr lang="en-US" sz="2000" dirty="0">
-              <a:solidFill>
-                <a:srgbClr val="000000"/>
-              </a:solidFill>
-            </a:endParaRPr>
-          </a:p>
-          <a:p>
-            <a:pPr marL="514350" lvl="0" indent="-285750">
-              <a:buSzPts val="2000"/>
+              </a:buClr>
+              <a:buSzPts val="1620"/>
+              <a:buFont typeface="Courier New"/>
+              <a:buChar char="o"/>
             </a:pPr>
             <a:r>
               <a:rPr lang="en-US" sz="1800" dirty="0">
@@ -13351,7 +13596,30 @@
                   <a:srgbClr val="000000"/>
                 </a:solidFill>
               </a:rPr>
-              <a:t>Secondary copy goes here.</a:t>
+              <a:t>Requests data from the API</a:t>
+            </a:r>
+          </a:p>
+          <a:p>
+            <a:pPr marL="971550" lvl="1" indent="-285750" algn="l" rtl="0">
+              <a:lnSpc>
+                <a:spcPct val="90000"/>
+              </a:lnSpc>
+              <a:spcBef>
+                <a:spcPts val="600"/>
+              </a:spcBef>
+              <a:spcAft>
+                <a:spcPts val="0"/>
+              </a:spcAft>
+              <a:buClr>
+                <a:srgbClr val="000000"/>
+              </a:buClr>
+              <a:buSzPts val="1620"/>
+              <a:buFont typeface="Courier New"/>
+              <a:buChar char="o"/>
+            </a:pPr>
+            <a:r>
+              <a:rPr lang="en-US" sz="1800" dirty="0"/>
+              <a:t>Displays returned data</a:t>
             </a:r>
             <a:br>
               <a:rPr lang="en-US" sz="1800" dirty="0">
@@ -13367,151 +13635,89 @@
             </a:endParaRPr>
           </a:p>
           <a:p>
-            <a:pPr marL="514350" lvl="0" indent="-285750" algn="l" rtl="0">
-              <a:lnSpc>
-                <a:spcPct val="90000"/>
-              </a:lnSpc>
-              <a:spcBef>
-                <a:spcPts val="1200"/>
-              </a:spcBef>
-              <a:spcAft>
-                <a:spcPts val="0"/>
-              </a:spcAft>
-              <a:buClr>
-                <a:srgbClr val="000000"/>
-              </a:buClr>
+            <a:pPr marL="514350" lvl="0" indent="-285750">
               <a:buSzPts val="2000"/>
-              <a:buFont typeface="Arial"/>
-              <a:buChar char="•"/>
             </a:pPr>
             <a:r>
-              <a:rPr lang="en-US" sz="2000" dirty="0">
-                <a:solidFill>
-                  <a:srgbClr val="000000"/>
-                </a:solidFill>
-              </a:rPr>
-              <a:t>Supporting copy here.</a:t>
+              <a:rPr lang="en-US" sz="2000" dirty="0"/>
+              <a:t>Proxy server</a:t>
             </a:r>
-            <a:endParaRPr dirty="0"/>
+            <a:endParaRPr lang="en-US" dirty="0"/>
           </a:p>
           <a:p>
-            <a:pPr marL="971550" lvl="1" indent="-285750" algn="l" rtl="0">
-              <a:lnSpc>
-                <a:spcPct val="90000"/>
-              </a:lnSpc>
-              <a:spcBef>
-                <a:spcPts val="600"/>
-              </a:spcBef>
-              <a:spcAft>
-                <a:spcPts val="0"/>
-              </a:spcAft>
-              <a:buClr>
-                <a:srgbClr val="000000"/>
-              </a:buClr>
+            <a:pPr marL="971550" lvl="1" indent="-285750">
               <a:buSzPts val="1620"/>
-              <a:buFont typeface="Courier New"/>
-              <a:buChar char="o"/>
             </a:pPr>
             <a:r>
-              <a:rPr lang="en-US" sz="1800" dirty="0">
-                <a:solidFill>
-                  <a:srgbClr val="000000"/>
-                </a:solidFill>
-              </a:rPr>
-              <a:t>Secondary copy goes here.</a:t>
+              <a:rPr lang="en-US" sz="1800" dirty="0"/>
+              <a:t>For security reasons Brightcove REST APIs will not accept request directly from client</a:t>
             </a:r>
-            <a:br>
-              <a:rPr lang="en-US" sz="1800" dirty="0">
-                <a:solidFill>
-                  <a:srgbClr val="000000"/>
-                </a:solidFill>
-              </a:rPr>
-            </a:br>
-            <a:endParaRPr sz="1800" dirty="0">
-              <a:solidFill>
-                <a:srgbClr val="000000"/>
-              </a:solidFill>
-            </a:endParaRPr>
           </a:p>
           <a:p>
-            <a:pPr marL="514350" lvl="0" indent="-285750" algn="l" rtl="0">
-              <a:lnSpc>
-                <a:spcPct val="90000"/>
-              </a:lnSpc>
-              <a:spcBef>
-                <a:spcPts val="1200"/>
-              </a:spcBef>
-              <a:spcAft>
-                <a:spcPts val="0"/>
-              </a:spcAft>
-              <a:buClr>
-                <a:srgbClr val="000000"/>
-              </a:buClr>
-              <a:buSzPts val="2000"/>
-              <a:buFont typeface="Arial"/>
-              <a:buChar char="•"/>
+            <a:pPr marL="971550" lvl="1" indent="-285750">
+              <a:buSzPts val="1620"/>
             </a:pPr>
             <a:r>
-              <a:rPr lang="en-US" sz="2000" dirty="0">
-                <a:solidFill>
-                  <a:srgbClr val="000000"/>
-                </a:solidFill>
-              </a:rPr>
-              <a:t>Supporting copy here.</a:t>
+              <a:rPr lang="en-US" sz="1800" dirty="0"/>
+              <a:t>You must setup a proxy server under your control</a:t>
             </a:r>
-            <a:endParaRPr dirty="0"/>
           </a:p>
           <a:p>
-            <a:pPr marL="971550" lvl="1" indent="-285750" algn="l" rtl="0">
-              <a:lnSpc>
-                <a:spcPct val="90000"/>
-              </a:lnSpc>
-              <a:spcBef>
-                <a:spcPts val="600"/>
-              </a:spcBef>
-              <a:spcAft>
-                <a:spcPts val="0"/>
-              </a:spcAft>
-              <a:buClr>
-                <a:srgbClr val="000000"/>
-              </a:buClr>
+            <a:pPr marL="971550" lvl="1" indent="-285750">
               <a:buSzPts val="1620"/>
-              <a:buFont typeface="Courier New"/>
-              <a:buChar char="o"/>
             </a:pPr>
             <a:r>
-              <a:rPr lang="en-US" sz="1800" dirty="0">
-                <a:solidFill>
-                  <a:srgbClr val="000000"/>
-                </a:solidFill>
-              </a:rPr>
-              <a:t>Secondary copy goes here.</a:t>
+              <a:rPr lang="en-US" sz="1800" dirty="0"/>
+              <a:t>Demos use a PHP proxy</a:t>
             </a:r>
-            <a:endParaRPr dirty="0"/>
           </a:p>
           <a:p>
-            <a:pPr marL="971550" lvl="1" indent="-182880" algn="l" rtl="0">
-              <a:lnSpc>
-                <a:spcPct val="90000"/>
-              </a:lnSpc>
-              <a:spcBef>
-                <a:spcPts val="600"/>
-              </a:spcBef>
-              <a:spcAft>
-                <a:spcPts val="0"/>
-              </a:spcAft>
-              <a:buClr>
-                <a:srgbClr val="000000"/>
-              </a:buClr>
+            <a:pPr marL="1428750" lvl="2" indent="-285750">
               <a:buSzPts val="1620"/>
-              <a:buFont typeface="Courier New"/>
-              <a:buNone/>
             </a:pPr>
-            <a:endParaRPr sz="1800" dirty="0">
-              <a:solidFill>
-                <a:srgbClr val="000000"/>
-              </a:solidFill>
-            </a:endParaRPr>
+            <a:r>
+              <a:rPr lang="en-US" dirty="0"/>
+              <a:t>https://</a:t>
+            </a:r>
+            <a:r>
+              <a:rPr lang="en-US" dirty="0" err="1"/>
+              <a:t>player.support.brightcove.com</a:t>
+            </a:r>
+            <a:r>
+              <a:rPr lang="en-US" dirty="0"/>
+              <a:t>/getting-started/</a:t>
+            </a:r>
+            <a:r>
+              <a:rPr lang="en-US" dirty="0" err="1"/>
+              <a:t>learning-guide-using-rest-apis.html#Proxy_code</a:t>
+            </a:r>
+            <a:endParaRPr lang="en-US" dirty="0"/>
+          </a:p>
+          <a:p>
+            <a:pPr marL="971550" lvl="1" indent="-182880">
+              <a:buSzPts val="1620"/>
+              <a:buNone/>
+            </a:pPr>
+            <a:endParaRPr lang="en-US" sz="1800" dirty="0"/>
+          </a:p>
+          <a:p>
+            <a:pPr marL="514350" lvl="0" indent="-285750">
+              <a:buSzPts val="2000"/>
+            </a:pPr>
+            <a:r>
+              <a:rPr lang="en-US" sz="2000" dirty="0"/>
+              <a:t>REST APIs</a:t>
+            </a:r>
+            <a:endParaRPr lang="en-US" dirty="0"/>
+          </a:p>
+          <a:p>
+            <a:pPr marL="971550" lvl="1" indent="-285750">
+              <a:buSzPts val="1620"/>
+            </a:pPr>
+            <a:r>
+              <a:rPr lang="en-US" sz="1800" dirty="0"/>
+              <a:t>GET, PUT, POST and DELETE data</a:t>
+            </a:r>
           </a:p>
           <a:p>
             <a:pPr marL="0" lvl="0" indent="0" algn="l" rtl="0">
@@ -13578,7 +13784,7 @@
               <a:buNone/>
             </a:pPr>
             <a:r>
-              <a:rPr lang="en-US" sz="4000" b="1" i="0" u="none" strike="noStrike" cap="none">
+              <a:rPr lang="en-US" sz="4000" b="1" i="0" u="none" strike="noStrike" cap="none" dirty="0">
                 <a:solidFill>
                   <a:srgbClr val="161614"/>
                 </a:solidFill>
@@ -13587,9 +13793,9 @@
                 <a:cs typeface="Arial"/>
                 <a:sym typeface="Arial"/>
               </a:rPr>
-              <a:t>CLICK TO ADD TITLE</a:t>
+              <a:t>THREE ENTITIES INVOLVED</a:t>
             </a:r>
-            <a:endParaRPr sz="4000" b="1" i="0" u="none" strike="noStrike" cap="none">
+            <a:endParaRPr sz="4000" b="1" i="0" u="none" strike="noStrike" cap="none" dirty="0">
               <a:solidFill>
                 <a:srgbClr val="161614"/>
               </a:solidFill>
@@ -13617,7 +13823,7 @@
         <p:fade/>
       </p:transition>
     </mc:Choice>
-    <mc:Fallback xmlns:p15="http://schemas.microsoft.com/office/powerpoint/2012/main" xmlns:com="http://schemas.openxmlformats.org/drawingml/2006/compatibility" xmlns:pvml="urn:schemas-microsoft-com:office:powerpoint" xmlns:v="urn:schemas-microsoft-com:vml" xmlns:o="urn:schemas-microsoft-com:office:office" xmlns:dgm="http://schemas.openxmlformats.org/drawingml/2006/diagram" xmlns:c="http://schemas.openxmlformats.org/drawingml/2006/chart" xmlns:mv="urn:schemas-microsoft-com:mac:vml" xmlns="">
+    <mc:Fallback xmlns="" xmlns:mv="urn:schemas-microsoft-com:mac:vml" xmlns:c="http://schemas.openxmlformats.org/drawingml/2006/chart" xmlns:dgm="http://schemas.openxmlformats.org/drawingml/2006/diagram" xmlns:o="urn:schemas-microsoft-com:office:office" xmlns:v="urn:schemas-microsoft-com:vml" xmlns:pvml="urn:schemas-microsoft-com:office:powerpoint" xmlns:com="http://schemas.openxmlformats.org/drawingml/2006/compatibility" xmlns:p15="http://schemas.microsoft.com/office/powerpoint/2012/main">
       <p:transition spd="slow">
         <p:fade/>
       </p:transition>
@@ -13674,7 +13880,303 @@
           <a:p>
             <a:r>
               <a:rPr lang="en-US" dirty="0"/>
-              <a:t>Client Functionality Overview</a:t>
+              <a:t>ENTITY INTERACTION</a:t>
+            </a:r>
+            <a:endParaRPr dirty="0"/>
+          </a:p>
+        </p:txBody>
+      </p:sp>
+      <p:pic>
+        <p:nvPicPr>
+          <p:cNvPr id="4" name="Picture 3">
+            <a:extLst>
+              <a:ext uri="{FF2B5EF4-FFF2-40B4-BE49-F238E27FC236}">
+                <a16:creationId xmlns:a16="http://schemas.microsoft.com/office/drawing/2014/main" id="{F54871F2-404F-9646-9976-AD23955760EB}"/>
+              </a:ext>
+            </a:extLst>
+          </p:cNvPr>
+          <p:cNvPicPr>
+            <a:picLocks noChangeAspect="1"/>
+          </p:cNvPicPr>
+          <p:nvPr/>
+        </p:nvPicPr>
+        <p:blipFill>
+          <a:blip r:embed="rId3"/>
+          <a:stretch>
+            <a:fillRect/>
+          </a:stretch>
+        </p:blipFill>
+        <p:spPr>
+          <a:xfrm>
+            <a:off x="232298" y="1199873"/>
+            <a:ext cx="11254964" cy="4668819"/>
+          </a:xfrm>
+          <a:prstGeom prst="rect">
+            <a:avLst/>
+          </a:prstGeom>
+        </p:spPr>
+      </p:pic>
+    </p:spTree>
+    <p:extLst>
+      <p:ext uri="{BB962C8B-B14F-4D97-AF65-F5344CB8AC3E}">
+        <p14:creationId xmlns:p14="http://schemas.microsoft.com/office/powerpoint/2010/main" val="1806923388"/>
+      </p:ext>
+    </p:extLst>
+  </p:cSld>
+  <p:clrMapOvr>
+    <a:masterClrMapping/>
+  </p:clrMapOvr>
+</p:sld>
+</file>
+
+<file path=ppt/slides/slide12.xml><?xml version="1.0" encoding="utf-8"?>
+<p:sld xmlns:a="http://schemas.openxmlformats.org/drawingml/2006/main" xmlns:r="http://schemas.openxmlformats.org/officeDocument/2006/relationships" xmlns:p="http://schemas.openxmlformats.org/presentationml/2006/main">
+  <p:cSld>
+    <p:spTree>
+      <p:nvGrpSpPr>
+        <p:cNvPr id="1" name="Shape 98"/>
+        <p:cNvGrpSpPr/>
+        <p:nvPr/>
+      </p:nvGrpSpPr>
+      <p:grpSpPr>
+        <a:xfrm>
+          <a:off x="0" y="0"/>
+          <a:ext cx="0" cy="0"/>
+          <a:chOff x="0" y="0"/>
+          <a:chExt cx="0" cy="0"/>
+        </a:xfrm>
+      </p:grpSpPr>
+      <p:sp>
+        <p:nvSpPr>
+          <p:cNvPr id="99" name="Google Shape;99;p3"/>
+          <p:cNvSpPr txBox="1">
+            <a:spLocks noGrp="1"/>
+          </p:cNvSpPr>
+          <p:nvPr>
+            <p:ph type="title"/>
+          </p:nvPr>
+        </p:nvSpPr>
+        <p:spPr>
+          <a:xfrm>
+            <a:off x="609600" y="655914"/>
+            <a:ext cx="8044543" cy="1333903"/>
+          </a:xfrm>
+          <a:prstGeom prst="rect">
+            <a:avLst/>
+          </a:prstGeom>
+          <a:noFill/>
+          <a:ln>
+            <a:noFill/>
+          </a:ln>
+        </p:spPr>
+        <p:txBody>
+          <a:bodyPr spcFirstLastPara="1" wrap="square" lIns="0" tIns="0" rIns="0" bIns="0" anchor="t" anchorCtr="0">
+            <a:noAutofit/>
+          </a:bodyPr>
+          <a:lstStyle/>
+          <a:p>
+            <a:r>
+              <a:rPr lang="en-US" b="0" dirty="0"/>
+              <a:t>CLIENT CODE DEEP DIVE</a:t>
+            </a:r>
+            <a:br>
+              <a:rPr lang="en-US" dirty="0"/>
+            </a:br>
+            <a:endParaRPr sz="6000" dirty="0"/>
+          </a:p>
+        </p:txBody>
+      </p:sp>
+      <p:sp>
+        <p:nvSpPr>
+          <p:cNvPr id="4" name="Google Shape;100;p3">
+            <a:extLst>
+              <a:ext uri="{FF2B5EF4-FFF2-40B4-BE49-F238E27FC236}">
+                <a16:creationId xmlns:a16="http://schemas.microsoft.com/office/drawing/2014/main" id="{5F29453B-CE75-FD40-B24E-2BB5DAC32986}"/>
+              </a:ext>
+            </a:extLst>
+          </p:cNvPr>
+          <p:cNvSpPr txBox="1">
+            <a:spLocks noGrp="1"/>
+          </p:cNvSpPr>
+          <p:nvPr>
+            <p:ph type="body" idx="1"/>
+          </p:nvPr>
+        </p:nvSpPr>
+        <p:spPr>
+          <a:xfrm>
+            <a:off x="609600" y="3586881"/>
+            <a:ext cx="7279341" cy="711912"/>
+          </a:xfrm>
+          <a:prstGeom prst="rect">
+            <a:avLst/>
+          </a:prstGeom>
+          <a:noFill/>
+          <a:ln>
+            <a:noFill/>
+          </a:ln>
+        </p:spPr>
+        <p:txBody>
+          <a:bodyPr spcFirstLastPara="1" wrap="square" lIns="0" tIns="0" rIns="0" bIns="0" anchor="t" anchorCtr="0">
+            <a:noAutofit/>
+          </a:bodyPr>
+          <a:lstStyle/>
+          <a:p>
+            <a:pPr marL="347663" lvl="0" indent="-342900" algn="l" rtl="0">
+              <a:lnSpc>
+                <a:spcPct val="90000"/>
+              </a:lnSpc>
+              <a:spcBef>
+                <a:spcPts val="0"/>
+              </a:spcBef>
+              <a:spcAft>
+                <a:spcPts val="0"/>
+              </a:spcAft>
+              <a:buSzPts val="2400"/>
+              <a:buFont typeface="Arial" panose="020B0604020202020204" pitchFamily="34" charset="0"/>
+              <a:buChar char="•"/>
+            </a:pPr>
+            <a:r>
+              <a:rPr lang="en-US" dirty="0"/>
+              <a:t>Add functionality</a:t>
+            </a:r>
+          </a:p>
+          <a:p>
+            <a:pPr marL="347663" lvl="0" indent="-342900" algn="l" rtl="0">
+              <a:lnSpc>
+                <a:spcPct val="90000"/>
+              </a:lnSpc>
+              <a:spcBef>
+                <a:spcPts val="0"/>
+              </a:spcBef>
+              <a:spcAft>
+                <a:spcPts val="0"/>
+              </a:spcAft>
+              <a:buSzPts val="2400"/>
+              <a:buFont typeface="Arial" panose="020B0604020202020204" pitchFamily="34" charset="0"/>
+              <a:buChar char="•"/>
+            </a:pPr>
+            <a:r>
+              <a:rPr lang="en-US" dirty="0"/>
+              <a:t>Location of samples</a:t>
+            </a:r>
+          </a:p>
+          <a:p>
+            <a:pPr marL="347663" lvl="0" indent="-342900" algn="l" rtl="0">
+              <a:lnSpc>
+                <a:spcPct val="90000"/>
+              </a:lnSpc>
+              <a:spcBef>
+                <a:spcPts val="0"/>
+              </a:spcBef>
+              <a:spcAft>
+                <a:spcPts val="0"/>
+              </a:spcAft>
+              <a:buSzPts val="2400"/>
+              <a:buFont typeface="Arial" panose="020B0604020202020204" pitchFamily="34" charset="0"/>
+              <a:buChar char="•"/>
+            </a:pPr>
+            <a:r>
+              <a:rPr lang="en-US" dirty="0"/>
+              <a:t>Demonstration of a few samples</a:t>
+            </a:r>
+            <a:endParaRPr dirty="0"/>
+          </a:p>
+          <a:p>
+            <a:pPr marL="457200" lvl="0" indent="-228600" algn="l" rtl="0">
+              <a:lnSpc>
+                <a:spcPct val="90000"/>
+              </a:lnSpc>
+              <a:spcBef>
+                <a:spcPts val="0"/>
+              </a:spcBef>
+              <a:spcAft>
+                <a:spcPts val="0"/>
+              </a:spcAft>
+              <a:buClr>
+                <a:schemeClr val="dk1"/>
+              </a:buClr>
+              <a:buSzPts val="2400"/>
+              <a:buFont typeface="Arial"/>
+              <a:buNone/>
+            </a:pPr>
+            <a:endParaRPr dirty="0"/>
+          </a:p>
+        </p:txBody>
+      </p:sp>
+    </p:spTree>
+    <p:extLst>
+      <p:ext uri="{BB962C8B-B14F-4D97-AF65-F5344CB8AC3E}">
+        <p14:creationId xmlns:p14="http://schemas.microsoft.com/office/powerpoint/2010/main" val="3838750022"/>
+      </p:ext>
+    </p:extLst>
+  </p:cSld>
+  <p:clrMapOvr>
+    <a:masterClrMapping/>
+  </p:clrMapOvr>
+  <mc:AlternateContent xmlns:mc="http://schemas.openxmlformats.org/markup-compatibility/2006" xmlns:p14="http://schemas.microsoft.com/office/powerpoint/2010/main">
+    <mc:Choice Requires="p14">
+      <p:transition spd="med" p14:dur="700">
+        <p:fade/>
+      </p:transition>
+    </mc:Choice>
+    <mc:Fallback xmlns="" xmlns:mv="urn:schemas-microsoft-com:mac:vml" xmlns:c="http://schemas.openxmlformats.org/drawingml/2006/chart" xmlns:dgm="http://schemas.openxmlformats.org/drawingml/2006/diagram" xmlns:o="urn:schemas-microsoft-com:office:office" xmlns:v="urn:schemas-microsoft-com:vml" xmlns:pvml="urn:schemas-microsoft-com:office:powerpoint" xmlns:com="http://schemas.openxmlformats.org/drawingml/2006/compatibility" xmlns:p15="http://schemas.microsoft.com/office/powerpoint/2012/main">
+      <p:transition spd="slow">
+        <p:fade/>
+      </p:transition>
+    </mc:Fallback>
+  </mc:AlternateContent>
+</p:sld>
+</file>
+
+<file path=ppt/slides/slide13.xml><?xml version="1.0" encoding="utf-8"?>
+<p:sld xmlns:a="http://schemas.openxmlformats.org/drawingml/2006/main" xmlns:r="http://schemas.openxmlformats.org/officeDocument/2006/relationships" xmlns:p="http://schemas.openxmlformats.org/presentationml/2006/main">
+  <p:cSld>
+    <p:spTree>
+      <p:nvGrpSpPr>
+        <p:cNvPr id="1" name="Shape 210"/>
+        <p:cNvGrpSpPr/>
+        <p:nvPr/>
+      </p:nvGrpSpPr>
+      <p:grpSpPr>
+        <a:xfrm>
+          <a:off x="0" y="0"/>
+          <a:ext cx="0" cy="0"/>
+          <a:chOff x="0" y="0"/>
+          <a:chExt cx="0" cy="0"/>
+        </a:xfrm>
+      </p:grpSpPr>
+      <p:sp>
+        <p:nvSpPr>
+          <p:cNvPr id="211" name="Google Shape;211;p11"/>
+          <p:cNvSpPr txBox="1">
+            <a:spLocks noGrp="1"/>
+          </p:cNvSpPr>
+          <p:nvPr>
+            <p:ph type="title"/>
+          </p:nvPr>
+        </p:nvSpPr>
+        <p:spPr>
+          <a:xfrm>
+            <a:off x="390145" y="313020"/>
+            <a:ext cx="10939272" cy="456217"/>
+          </a:xfrm>
+          <a:prstGeom prst="rect">
+            <a:avLst/>
+          </a:prstGeom>
+          <a:noFill/>
+          <a:ln>
+            <a:noFill/>
+          </a:ln>
+        </p:spPr>
+        <p:txBody>
+          <a:bodyPr spcFirstLastPara="1" wrap="square" lIns="121900" tIns="60933" rIns="121900" bIns="60933" anchor="t" anchorCtr="0">
+            <a:noAutofit/>
+          </a:bodyPr>
+          <a:lstStyle/>
+          <a:p>
+            <a:r>
+              <a:rPr lang="en-US" dirty="0"/>
+              <a:t>CLIENT FUNCTIONALITY OVERVIEW</a:t>
             </a:r>
             <a:endParaRPr dirty="0"/>
           </a:p>
@@ -13723,7 +14225,7 @@
 </p:sld>
 </file>
 
-<file path=ppt/slides/slide12.xml><?xml version="1.0" encoding="utf-8"?>
+<file path=ppt/slides/slide14.xml><?xml version="1.0" encoding="utf-8"?>
 <p:sld xmlns:a="http://schemas.openxmlformats.org/drawingml/2006/main" xmlns:r="http://schemas.openxmlformats.org/officeDocument/2006/relationships" xmlns:p="http://schemas.openxmlformats.org/presentationml/2006/main">
   <p:cSld>
     <p:bg>
@@ -13869,7 +14371,7 @@
         <p:fade/>
       </p:transition>
     </mc:Choice>
-    <mc:Fallback xmlns:p15="http://schemas.microsoft.com/office/powerpoint/2012/main" xmlns:com="http://schemas.openxmlformats.org/drawingml/2006/compatibility" xmlns:pvml="urn:schemas-microsoft-com:office:powerpoint" xmlns:v="urn:schemas-microsoft-com:vml" xmlns:o="urn:schemas-microsoft-com:office:office" xmlns:dgm="http://schemas.openxmlformats.org/drawingml/2006/diagram" xmlns:c="http://schemas.openxmlformats.org/drawingml/2006/chart" xmlns:mv="urn:schemas-microsoft-com:mac:vml" xmlns="">
+    <mc:Fallback xmlns="" xmlns:mv="urn:schemas-microsoft-com:mac:vml" xmlns:c="http://schemas.openxmlformats.org/drawingml/2006/chart" xmlns:dgm="http://schemas.openxmlformats.org/drawingml/2006/diagram" xmlns:o="urn:schemas-microsoft-com:office:office" xmlns:v="urn:schemas-microsoft-com:vml" xmlns:pvml="urn:schemas-microsoft-com:office:powerpoint" xmlns:com="http://schemas.openxmlformats.org/drawingml/2006/compatibility" xmlns:p15="http://schemas.microsoft.com/office/powerpoint/2012/main">
       <p:transition spd="slow">
         <p:fade/>
       </p:transition>
@@ -13878,7 +14380,7 @@
 </p:sld>
 </file>
 
-<file path=ppt/slides/slide13.xml><?xml version="1.0" encoding="utf-8"?>
+<file path=ppt/slides/slide15.xml><?xml version="1.0" encoding="utf-8"?>
 <p:sld xmlns:a="http://schemas.openxmlformats.org/drawingml/2006/main" xmlns:r="http://schemas.openxmlformats.org/officeDocument/2006/relationships" xmlns:p="http://schemas.openxmlformats.org/presentationml/2006/main">
   <p:cSld>
     <p:spTree>
@@ -14236,7 +14738,7 @@
         <p:fade/>
       </p:transition>
     </mc:Choice>
-    <mc:Fallback xmlns:p15="http://schemas.microsoft.com/office/powerpoint/2012/main" xmlns:com="http://schemas.openxmlformats.org/drawingml/2006/compatibility" xmlns:pvml="urn:schemas-microsoft-com:office:powerpoint" xmlns:v="urn:schemas-microsoft-com:vml" xmlns:o="urn:schemas-microsoft-com:office:office" xmlns:dgm="http://schemas.openxmlformats.org/drawingml/2006/diagram" xmlns:c="http://schemas.openxmlformats.org/drawingml/2006/chart" xmlns:mv="urn:schemas-microsoft-com:mac:vml" xmlns="">
+    <mc:Fallback xmlns="" xmlns:mv="urn:schemas-microsoft-com:mac:vml" xmlns:c="http://schemas.openxmlformats.org/drawingml/2006/chart" xmlns:dgm="http://schemas.openxmlformats.org/drawingml/2006/diagram" xmlns:o="urn:schemas-microsoft-com:office:office" xmlns:v="urn:schemas-microsoft-com:vml" xmlns:pvml="urn:schemas-microsoft-com:office:powerpoint" xmlns:com="http://schemas.openxmlformats.org/drawingml/2006/compatibility" xmlns:p15="http://schemas.microsoft.com/office/powerpoint/2012/main">
       <p:transition spd="slow">
         <p:fade/>
       </p:transition>
@@ -14245,7 +14747,7 @@
 </p:sld>
 </file>
 
-<file path=ppt/slides/slide14.xml><?xml version="1.0" encoding="utf-8"?>
+<file path=ppt/slides/slide16.xml><?xml version="1.0" encoding="utf-8"?>
 <p:sld xmlns:a="http://schemas.openxmlformats.org/drawingml/2006/main" xmlns:r="http://schemas.openxmlformats.org/officeDocument/2006/relationships" xmlns:p="http://schemas.openxmlformats.org/presentationml/2006/main">
   <p:cSld>
     <p:bg>
@@ -15351,7 +15853,7 @@
         <p:fade/>
       </p:transition>
     </mc:Choice>
-    <mc:Fallback xmlns:p15="http://schemas.microsoft.com/office/powerpoint/2012/main" xmlns:com="http://schemas.openxmlformats.org/drawingml/2006/compatibility" xmlns:pvml="urn:schemas-microsoft-com:office:powerpoint" xmlns:v="urn:schemas-microsoft-com:vml" xmlns:o="urn:schemas-microsoft-com:office:office" xmlns:dgm="http://schemas.openxmlformats.org/drawingml/2006/diagram" xmlns:c="http://schemas.openxmlformats.org/drawingml/2006/chart" xmlns:mv="urn:schemas-microsoft-com:mac:vml" xmlns="">
+    <mc:Fallback xmlns="" xmlns:mv="urn:schemas-microsoft-com:mac:vml" xmlns:c="http://schemas.openxmlformats.org/drawingml/2006/chart" xmlns:dgm="http://schemas.openxmlformats.org/drawingml/2006/diagram" xmlns:o="urn:schemas-microsoft-com:office:office" xmlns:v="urn:schemas-microsoft-com:vml" xmlns:pvml="urn:schemas-microsoft-com:office:powerpoint" xmlns:com="http://schemas.openxmlformats.org/drawingml/2006/compatibility" xmlns:p15="http://schemas.microsoft.com/office/powerpoint/2012/main">
       <p:transition spd="slow">
         <p:fade/>
       </p:transition>
@@ -15360,7 +15862,7 @@
 </p:sld>
 </file>
 
-<file path=ppt/slides/slide15.xml><?xml version="1.0" encoding="utf-8"?>
+<file path=ppt/slides/slide17.xml><?xml version="1.0" encoding="utf-8"?>
 <p:sld xmlns:a="http://schemas.openxmlformats.org/drawingml/2006/main" xmlns:r="http://schemas.openxmlformats.org/officeDocument/2006/relationships" xmlns:p="http://schemas.openxmlformats.org/presentationml/2006/main">
   <p:cSld>
     <p:bg>
@@ -15833,7 +16335,7 @@
         <p:fade/>
       </p:transition>
     </mc:Choice>
-    <mc:Fallback xmlns:p15="http://schemas.microsoft.com/office/powerpoint/2012/main" xmlns:com="http://schemas.openxmlformats.org/drawingml/2006/compatibility" xmlns:pvml="urn:schemas-microsoft-com:office:powerpoint" xmlns:v="urn:schemas-microsoft-com:vml" xmlns:o="urn:schemas-microsoft-com:office:office" xmlns:dgm="http://schemas.openxmlformats.org/drawingml/2006/diagram" xmlns:c="http://schemas.openxmlformats.org/drawingml/2006/chart" xmlns:mv="urn:schemas-microsoft-com:mac:vml" xmlns="">
+    <mc:Fallback xmlns="" xmlns:mv="urn:schemas-microsoft-com:mac:vml" xmlns:c="http://schemas.openxmlformats.org/drawingml/2006/chart" xmlns:dgm="http://schemas.openxmlformats.org/drawingml/2006/diagram" xmlns:o="urn:schemas-microsoft-com:office:office" xmlns:v="urn:schemas-microsoft-com:vml" xmlns:pvml="urn:schemas-microsoft-com:office:powerpoint" xmlns:com="http://schemas.openxmlformats.org/drawingml/2006/compatibility" xmlns:p15="http://schemas.microsoft.com/office/powerpoint/2012/main">
       <p:transition spd="slow">
         <p:fade/>
       </p:transition>
@@ -15842,7 +16344,7 @@
 </p:sld>
 </file>
 
-<file path=ppt/slides/slide16.xml><?xml version="1.0" encoding="utf-8"?>
+<file path=ppt/slides/slide18.xml><?xml version="1.0" encoding="utf-8"?>
 <p:sld xmlns:a="http://schemas.openxmlformats.org/drawingml/2006/main" xmlns:r="http://schemas.openxmlformats.org/officeDocument/2006/relationships" xmlns:p="http://schemas.openxmlformats.org/presentationml/2006/main">
   <p:cSld>
     <p:bg>
@@ -16053,7 +16555,7 @@
         <p:fade/>
       </p:transition>
     </mc:Choice>
-    <mc:Fallback xmlns:p15="http://schemas.microsoft.com/office/powerpoint/2012/main" xmlns:com="http://schemas.openxmlformats.org/drawingml/2006/compatibility" xmlns:pvml="urn:schemas-microsoft-com:office:powerpoint" xmlns:v="urn:schemas-microsoft-com:vml" xmlns:o="urn:schemas-microsoft-com:office:office" xmlns:dgm="http://schemas.openxmlformats.org/drawingml/2006/diagram" xmlns:c="http://schemas.openxmlformats.org/drawingml/2006/chart" xmlns:mv="urn:schemas-microsoft-com:mac:vml" xmlns="">
+    <mc:Fallback xmlns="" xmlns:mv="urn:schemas-microsoft-com:mac:vml" xmlns:c="http://schemas.openxmlformats.org/drawingml/2006/chart" xmlns:dgm="http://schemas.openxmlformats.org/drawingml/2006/diagram" xmlns:o="urn:schemas-microsoft-com:office:office" xmlns:v="urn:schemas-microsoft-com:vml" xmlns:pvml="urn:schemas-microsoft-com:office:powerpoint" xmlns:com="http://schemas.openxmlformats.org/drawingml/2006/compatibility" xmlns:p15="http://schemas.microsoft.com/office/powerpoint/2012/main">
       <p:transition spd="slow">
         <p:fade/>
       </p:transition>
@@ -16062,7 +16564,7 @@
 </p:sld>
 </file>
 
-<file path=ppt/slides/slide17.xml><?xml version="1.0" encoding="utf-8"?>
+<file path=ppt/slides/slide19.xml><?xml version="1.0" encoding="utf-8"?>
 <p:sld xmlns:a="http://schemas.openxmlformats.org/drawingml/2006/main" xmlns:r="http://schemas.openxmlformats.org/officeDocument/2006/relationships" xmlns:p="http://schemas.openxmlformats.org/presentationml/2006/main">
   <p:cSld>
     <p:bg>
@@ -16289,324 +16791,7 @@
         <p:fade/>
       </p:transition>
     </mc:Choice>
-    <mc:Fallback xmlns:p15="http://schemas.microsoft.com/office/powerpoint/2012/main" xmlns:com="http://schemas.openxmlformats.org/drawingml/2006/compatibility" xmlns:pvml="urn:schemas-microsoft-com:office:powerpoint" xmlns:v="urn:schemas-microsoft-com:vml" xmlns:o="urn:schemas-microsoft-com:office:office" xmlns:dgm="http://schemas.openxmlformats.org/drawingml/2006/diagram" xmlns:c="http://schemas.openxmlformats.org/drawingml/2006/chart" xmlns:mv="urn:schemas-microsoft-com:mac:vml" xmlns="">
-      <p:transition spd="slow">
-        <p:fade/>
-      </p:transition>
-    </mc:Fallback>
-  </mc:AlternateContent>
-</p:sld>
-</file>
-
-<file path=ppt/slides/slide18.xml><?xml version="1.0" encoding="utf-8"?>
-<p:sld xmlns:a="http://schemas.openxmlformats.org/drawingml/2006/main" xmlns:r="http://schemas.openxmlformats.org/officeDocument/2006/relationships" xmlns:p="http://schemas.openxmlformats.org/presentationml/2006/main" showMasterSp="0">
-  <p:cSld>
-    <p:bg>
-      <p:bgPr>
-        <a:solidFill>
-          <a:srgbClr val="FFFFFF"/>
-        </a:solidFill>
-        <a:effectLst/>
-      </p:bgPr>
-    </p:bg>
-    <p:spTree>
-      <p:nvGrpSpPr>
-        <p:cNvPr id="1" name="Shape 140"/>
-        <p:cNvGrpSpPr/>
-        <p:nvPr/>
-      </p:nvGrpSpPr>
-      <p:grpSpPr>
-        <a:xfrm>
-          <a:off x="0" y="0"/>
-          <a:ext cx="0" cy="0"/>
-          <a:chOff x="0" y="0"/>
-          <a:chExt cx="0" cy="0"/>
-        </a:xfrm>
-      </p:grpSpPr>
-      <p:sp>
-        <p:nvSpPr>
-          <p:cNvPr id="141" name="Google Shape;141;p11"/>
-          <p:cNvSpPr txBox="1"/>
-          <p:nvPr/>
-        </p:nvSpPr>
-        <p:spPr>
-          <a:xfrm>
-            <a:off x="2451652" y="3193775"/>
-            <a:ext cx="6864626" cy="338554"/>
-          </a:xfrm>
-          <a:prstGeom prst="rect">
-            <a:avLst/>
-          </a:prstGeom>
-          <a:noFill/>
-          <a:ln>
-            <a:noFill/>
-          </a:ln>
-        </p:spPr>
-        <p:txBody>
-          <a:bodyPr spcFirstLastPara="1" wrap="square" lIns="91425" tIns="45700" rIns="91425" bIns="45700" anchor="t" anchorCtr="0">
-            <a:spAutoFit/>
-          </a:bodyPr>
-          <a:lstStyle/>
-          <a:p>
-            <a:pPr marL="0" marR="0" lvl="0" indent="0" algn="ctr" rtl="0">
-              <a:lnSpc>
-                <a:spcPct val="100000"/>
-              </a:lnSpc>
-              <a:spcBef>
-                <a:spcPts val="0"/>
-              </a:spcBef>
-              <a:spcAft>
-                <a:spcPts val="0"/>
-              </a:spcAft>
-              <a:buClr>
-                <a:srgbClr val="000000"/>
-              </a:buClr>
-              <a:buSzPts val="1600"/>
-              <a:buFont typeface="Arial"/>
-              <a:buNone/>
-            </a:pPr>
-            <a:r>
-              <a:rPr lang="en-US" sz="1600" b="0" i="0" u="none" strike="noStrike" cap="none">
-                <a:solidFill>
-                  <a:srgbClr val="000000"/>
-                </a:solidFill>
-                <a:latin typeface="Arial"/>
-                <a:ea typeface="Arial"/>
-                <a:cs typeface="Arial"/>
-                <a:sym typeface="Arial"/>
-              </a:rPr>
-              <a:t>THIS IS YOUR SLIDE FOR FULL SCREEN VIDEO DELETE THIS BOX</a:t>
-            </a:r>
-            <a:endParaRPr sz="1600" b="0" i="0" u="none" strike="noStrike" cap="none">
-              <a:solidFill>
-                <a:srgbClr val="000000"/>
-              </a:solidFill>
-              <a:latin typeface="Arial"/>
-              <a:ea typeface="Arial"/>
-              <a:cs typeface="Arial"/>
-              <a:sym typeface="Arial"/>
-            </a:endParaRPr>
-          </a:p>
-        </p:txBody>
-      </p:sp>
-    </p:spTree>
-  </p:cSld>
-  <p:clrMapOvr>
-    <a:masterClrMapping/>
-  </p:clrMapOvr>
-  <mc:AlternateContent xmlns:mc="http://schemas.openxmlformats.org/markup-compatibility/2006" xmlns:p14="http://schemas.microsoft.com/office/powerpoint/2010/main">
-    <mc:Choice Requires="p14">
-      <p:transition spd="med" p14:dur="700">
-        <p:fade/>
-      </p:transition>
-    </mc:Choice>
-    <mc:Fallback xmlns:p15="http://schemas.microsoft.com/office/powerpoint/2012/main" xmlns:com="http://schemas.openxmlformats.org/drawingml/2006/compatibility" xmlns:pvml="urn:schemas-microsoft-com:office:powerpoint" xmlns:v="urn:schemas-microsoft-com:vml" xmlns:o="urn:schemas-microsoft-com:office:office" xmlns:dgm="http://schemas.openxmlformats.org/drawingml/2006/diagram" xmlns:c="http://schemas.openxmlformats.org/drawingml/2006/chart" xmlns:mv="urn:schemas-microsoft-com:mac:vml" xmlns="">
-      <p:transition spd="slow">
-        <p:fade/>
-      </p:transition>
-    </mc:Fallback>
-  </mc:AlternateContent>
-</p:sld>
-</file>
-
-<file path=ppt/slides/slide19.xml><?xml version="1.0" encoding="utf-8"?>
-<p:sld xmlns:a="http://schemas.openxmlformats.org/drawingml/2006/main" xmlns:r="http://schemas.openxmlformats.org/officeDocument/2006/relationships" xmlns:p="http://schemas.openxmlformats.org/presentationml/2006/main">
-  <p:cSld>
-    <p:spTree>
-      <p:nvGrpSpPr>
-        <p:cNvPr id="1" name="Shape 151"/>
-        <p:cNvGrpSpPr/>
-        <p:nvPr/>
-      </p:nvGrpSpPr>
-      <p:grpSpPr>
-        <a:xfrm>
-          <a:off x="0" y="0"/>
-          <a:ext cx="0" cy="0"/>
-          <a:chOff x="0" y="0"/>
-          <a:chExt cx="0" cy="0"/>
-        </a:xfrm>
-      </p:grpSpPr>
-      <p:sp>
-        <p:nvSpPr>
-          <p:cNvPr id="152" name="Google Shape;152;p14"/>
-          <p:cNvSpPr txBox="1">
-            <a:spLocks noGrp="1"/>
-          </p:cNvSpPr>
-          <p:nvPr>
-            <p:ph type="body" idx="1"/>
-          </p:nvPr>
-        </p:nvSpPr>
-        <p:spPr>
-          <a:xfrm>
-            <a:off x="609600" y="1839716"/>
-            <a:ext cx="10969800" cy="4572000"/>
-          </a:xfrm>
-          <a:prstGeom prst="rect">
-            <a:avLst/>
-          </a:prstGeom>
-          <a:noFill/>
-          <a:ln>
-            <a:noFill/>
-          </a:ln>
-        </p:spPr>
-        <p:txBody>
-          <a:bodyPr spcFirstLastPara="1" wrap="square" lIns="0" tIns="0" rIns="0" bIns="0" anchor="t" anchorCtr="0">
-            <a:noAutofit/>
-          </a:bodyPr>
-          <a:lstStyle/>
-          <a:p>
-            <a:pPr marL="4763" lvl="0" indent="0" algn="l" rtl="0">
-              <a:lnSpc>
-                <a:spcPct val="90000"/>
-              </a:lnSpc>
-              <a:spcBef>
-                <a:spcPts val="0"/>
-              </a:spcBef>
-              <a:spcAft>
-                <a:spcPts val="0"/>
-              </a:spcAft>
-              <a:buClr>
-                <a:schemeClr val="dk1"/>
-              </a:buClr>
-              <a:buSzPts val="2400"/>
-              <a:buNone/>
-            </a:pPr>
-            <a:r>
-              <a:rPr lang="en-US"/>
-              <a:t>Supporting copy here</a:t>
-            </a:r>
-            <a:endParaRPr/>
-          </a:p>
-        </p:txBody>
-      </p:sp>
-      <p:sp>
-        <p:nvSpPr>
-          <p:cNvPr id="153" name="Google Shape;153;p14"/>
-          <p:cNvSpPr txBox="1">
-            <a:spLocks noGrp="1"/>
-          </p:cNvSpPr>
-          <p:nvPr>
-            <p:ph type="body" idx="2"/>
-          </p:nvPr>
-        </p:nvSpPr>
-        <p:spPr>
-          <a:xfrm>
-            <a:off x="609441" y="1394532"/>
-            <a:ext cx="10969800" cy="320700"/>
-          </a:xfrm>
-          <a:prstGeom prst="rect">
-            <a:avLst/>
-          </a:prstGeom>
-          <a:noFill/>
-          <a:ln>
-            <a:noFill/>
-          </a:ln>
-        </p:spPr>
-        <p:txBody>
-          <a:bodyPr spcFirstLastPara="1" wrap="square" lIns="0" tIns="0" rIns="0" bIns="0" anchor="t" anchorCtr="0">
-            <a:noAutofit/>
-          </a:bodyPr>
-          <a:lstStyle/>
-          <a:p>
-            <a:pPr marL="0" lvl="0" indent="0" algn="l" rtl="0">
-              <a:lnSpc>
-                <a:spcPct val="90000"/>
-              </a:lnSpc>
-              <a:spcBef>
-                <a:spcPts val="0"/>
-              </a:spcBef>
-              <a:spcAft>
-                <a:spcPts val="0"/>
-              </a:spcAft>
-              <a:buSzPts val="2400"/>
-              <a:buNone/>
-            </a:pPr>
-            <a:r>
-              <a:rPr lang="en-US" b="0"/>
-              <a:t>Click to add category</a:t>
-            </a:r>
-            <a:endParaRPr/>
-          </a:p>
-        </p:txBody>
-      </p:sp>
-      <p:sp>
-        <p:nvSpPr>
-          <p:cNvPr id="154" name="Google Shape;154;p14"/>
-          <p:cNvSpPr txBox="1"/>
-          <p:nvPr/>
-        </p:nvSpPr>
-        <p:spPr>
-          <a:xfrm>
-            <a:off x="609600" y="814649"/>
-            <a:ext cx="7917871" cy="486285"/>
-          </a:xfrm>
-          <a:prstGeom prst="rect">
-            <a:avLst/>
-          </a:prstGeom>
-          <a:noFill/>
-          <a:ln>
-            <a:noFill/>
-          </a:ln>
-        </p:spPr>
-        <p:txBody>
-          <a:bodyPr spcFirstLastPara="1" wrap="square" lIns="0" tIns="0" rIns="0" bIns="0" anchor="t" anchorCtr="0">
-            <a:noAutofit/>
-          </a:bodyPr>
-          <a:lstStyle/>
-          <a:p>
-            <a:pPr marL="0" marR="0" lvl="0" indent="0" algn="l" rtl="0">
-              <a:lnSpc>
-                <a:spcPct val="90000"/>
-              </a:lnSpc>
-              <a:spcBef>
-                <a:spcPts val="0"/>
-              </a:spcBef>
-              <a:spcAft>
-                <a:spcPts val="0"/>
-              </a:spcAft>
-              <a:buClr>
-                <a:schemeClr val="dk1"/>
-              </a:buClr>
-              <a:buSzPts val="3200"/>
-              <a:buFont typeface="Arial"/>
-              <a:buNone/>
-            </a:pPr>
-            <a:r>
-              <a:rPr lang="en-US" sz="4000" b="1" i="0" u="none" strike="noStrike" cap="none">
-                <a:solidFill>
-                  <a:srgbClr val="161614"/>
-                </a:solidFill>
-                <a:latin typeface="Arial"/>
-                <a:ea typeface="Arial"/>
-                <a:cs typeface="Arial"/>
-                <a:sym typeface="Arial"/>
-              </a:rPr>
-              <a:t>CLICK TO ADD TITLE</a:t>
-            </a:r>
-            <a:endParaRPr sz="4000" b="1" i="0" u="none" strike="noStrike" cap="none">
-              <a:solidFill>
-                <a:srgbClr val="161614"/>
-              </a:solidFill>
-              <a:latin typeface="Arial"/>
-              <a:ea typeface="Arial"/>
-              <a:cs typeface="Arial"/>
-              <a:sym typeface="Arial"/>
-            </a:endParaRPr>
-          </a:p>
-        </p:txBody>
-      </p:sp>
-    </p:spTree>
-  </p:cSld>
-  <p:clrMapOvr>
-    <a:masterClrMapping/>
-  </p:clrMapOvr>
-  <mc:AlternateContent xmlns:mc="http://schemas.openxmlformats.org/markup-compatibility/2006" xmlns:p14="http://schemas.microsoft.com/office/powerpoint/2010/main">
-    <mc:Choice Requires="p14">
-      <p:transition spd="med" p14:dur="700">
-        <p:fade/>
-      </p:transition>
-    </mc:Choice>
-    <mc:Fallback xmlns:p15="http://schemas.microsoft.com/office/powerpoint/2012/main" xmlns:com="http://schemas.openxmlformats.org/drawingml/2006/compatibility" xmlns:pvml="urn:schemas-microsoft-com:office:powerpoint" xmlns:v="urn:schemas-microsoft-com:vml" xmlns:o="urn:schemas-microsoft-com:office:office" xmlns:dgm="http://schemas.openxmlformats.org/drawingml/2006/diagram" xmlns:c="http://schemas.openxmlformats.org/drawingml/2006/chart" xmlns:mv="urn:schemas-microsoft-com:mac:vml" xmlns="">
+    <mc:Fallback xmlns="" xmlns:mv="urn:schemas-microsoft-com:mac:vml" xmlns:c="http://schemas.openxmlformats.org/drawingml/2006/chart" xmlns:dgm="http://schemas.openxmlformats.org/drawingml/2006/diagram" xmlns:o="urn:schemas-microsoft-com:office:office" xmlns:v="urn:schemas-microsoft-com:vml" xmlns:pvml="urn:schemas-microsoft-com:office:powerpoint" xmlns:com="http://schemas.openxmlformats.org/drawingml/2006/compatibility" xmlns:p15="http://schemas.microsoft.com/office/powerpoint/2012/main">
       <p:transition spd="slow">
         <p:fade/>
       </p:transition>
@@ -16763,6 +16948,323 @@
 </file>
 
 <file path=ppt/slides/slide20.xml><?xml version="1.0" encoding="utf-8"?>
+<p:sld xmlns:a="http://schemas.openxmlformats.org/drawingml/2006/main" xmlns:r="http://schemas.openxmlformats.org/officeDocument/2006/relationships" xmlns:p="http://schemas.openxmlformats.org/presentationml/2006/main" showMasterSp="0">
+  <p:cSld>
+    <p:bg>
+      <p:bgPr>
+        <a:solidFill>
+          <a:srgbClr val="FFFFFF"/>
+        </a:solidFill>
+        <a:effectLst/>
+      </p:bgPr>
+    </p:bg>
+    <p:spTree>
+      <p:nvGrpSpPr>
+        <p:cNvPr id="1" name="Shape 140"/>
+        <p:cNvGrpSpPr/>
+        <p:nvPr/>
+      </p:nvGrpSpPr>
+      <p:grpSpPr>
+        <a:xfrm>
+          <a:off x="0" y="0"/>
+          <a:ext cx="0" cy="0"/>
+          <a:chOff x="0" y="0"/>
+          <a:chExt cx="0" cy="0"/>
+        </a:xfrm>
+      </p:grpSpPr>
+      <p:sp>
+        <p:nvSpPr>
+          <p:cNvPr id="141" name="Google Shape;141;p11"/>
+          <p:cNvSpPr txBox="1"/>
+          <p:nvPr/>
+        </p:nvSpPr>
+        <p:spPr>
+          <a:xfrm>
+            <a:off x="2451652" y="3193775"/>
+            <a:ext cx="6864626" cy="338554"/>
+          </a:xfrm>
+          <a:prstGeom prst="rect">
+            <a:avLst/>
+          </a:prstGeom>
+          <a:noFill/>
+          <a:ln>
+            <a:noFill/>
+          </a:ln>
+        </p:spPr>
+        <p:txBody>
+          <a:bodyPr spcFirstLastPara="1" wrap="square" lIns="91425" tIns="45700" rIns="91425" bIns="45700" anchor="t" anchorCtr="0">
+            <a:spAutoFit/>
+          </a:bodyPr>
+          <a:lstStyle/>
+          <a:p>
+            <a:pPr marL="0" marR="0" lvl="0" indent="0" algn="ctr" rtl="0">
+              <a:lnSpc>
+                <a:spcPct val="100000"/>
+              </a:lnSpc>
+              <a:spcBef>
+                <a:spcPts val="0"/>
+              </a:spcBef>
+              <a:spcAft>
+                <a:spcPts val="0"/>
+              </a:spcAft>
+              <a:buClr>
+                <a:srgbClr val="000000"/>
+              </a:buClr>
+              <a:buSzPts val="1600"/>
+              <a:buFont typeface="Arial"/>
+              <a:buNone/>
+            </a:pPr>
+            <a:r>
+              <a:rPr lang="en-US" sz="1600" b="0" i="0" u="none" strike="noStrike" cap="none">
+                <a:solidFill>
+                  <a:srgbClr val="000000"/>
+                </a:solidFill>
+                <a:latin typeface="Arial"/>
+                <a:ea typeface="Arial"/>
+                <a:cs typeface="Arial"/>
+                <a:sym typeface="Arial"/>
+              </a:rPr>
+              <a:t>THIS IS YOUR SLIDE FOR FULL SCREEN VIDEO DELETE THIS BOX</a:t>
+            </a:r>
+            <a:endParaRPr sz="1600" b="0" i="0" u="none" strike="noStrike" cap="none">
+              <a:solidFill>
+                <a:srgbClr val="000000"/>
+              </a:solidFill>
+              <a:latin typeface="Arial"/>
+              <a:ea typeface="Arial"/>
+              <a:cs typeface="Arial"/>
+              <a:sym typeface="Arial"/>
+            </a:endParaRPr>
+          </a:p>
+        </p:txBody>
+      </p:sp>
+    </p:spTree>
+  </p:cSld>
+  <p:clrMapOvr>
+    <a:masterClrMapping/>
+  </p:clrMapOvr>
+  <mc:AlternateContent xmlns:mc="http://schemas.openxmlformats.org/markup-compatibility/2006" xmlns:p14="http://schemas.microsoft.com/office/powerpoint/2010/main">
+    <mc:Choice Requires="p14">
+      <p:transition spd="med" p14:dur="700">
+        <p:fade/>
+      </p:transition>
+    </mc:Choice>
+    <mc:Fallback xmlns="" xmlns:mv="urn:schemas-microsoft-com:mac:vml" xmlns:c="http://schemas.openxmlformats.org/drawingml/2006/chart" xmlns:dgm="http://schemas.openxmlformats.org/drawingml/2006/diagram" xmlns:o="urn:schemas-microsoft-com:office:office" xmlns:v="urn:schemas-microsoft-com:vml" xmlns:pvml="urn:schemas-microsoft-com:office:powerpoint" xmlns:com="http://schemas.openxmlformats.org/drawingml/2006/compatibility" xmlns:p15="http://schemas.microsoft.com/office/powerpoint/2012/main">
+      <p:transition spd="slow">
+        <p:fade/>
+      </p:transition>
+    </mc:Fallback>
+  </mc:AlternateContent>
+</p:sld>
+</file>
+
+<file path=ppt/slides/slide21.xml><?xml version="1.0" encoding="utf-8"?>
+<p:sld xmlns:a="http://schemas.openxmlformats.org/drawingml/2006/main" xmlns:r="http://schemas.openxmlformats.org/officeDocument/2006/relationships" xmlns:p="http://schemas.openxmlformats.org/presentationml/2006/main">
+  <p:cSld>
+    <p:spTree>
+      <p:nvGrpSpPr>
+        <p:cNvPr id="1" name="Shape 151"/>
+        <p:cNvGrpSpPr/>
+        <p:nvPr/>
+      </p:nvGrpSpPr>
+      <p:grpSpPr>
+        <a:xfrm>
+          <a:off x="0" y="0"/>
+          <a:ext cx="0" cy="0"/>
+          <a:chOff x="0" y="0"/>
+          <a:chExt cx="0" cy="0"/>
+        </a:xfrm>
+      </p:grpSpPr>
+      <p:sp>
+        <p:nvSpPr>
+          <p:cNvPr id="152" name="Google Shape;152;p14"/>
+          <p:cNvSpPr txBox="1">
+            <a:spLocks noGrp="1"/>
+          </p:cNvSpPr>
+          <p:nvPr>
+            <p:ph type="body" idx="1"/>
+          </p:nvPr>
+        </p:nvSpPr>
+        <p:spPr>
+          <a:xfrm>
+            <a:off x="609600" y="1839716"/>
+            <a:ext cx="10969800" cy="4572000"/>
+          </a:xfrm>
+          <a:prstGeom prst="rect">
+            <a:avLst/>
+          </a:prstGeom>
+          <a:noFill/>
+          <a:ln>
+            <a:noFill/>
+          </a:ln>
+        </p:spPr>
+        <p:txBody>
+          <a:bodyPr spcFirstLastPara="1" wrap="square" lIns="0" tIns="0" rIns="0" bIns="0" anchor="t" anchorCtr="0">
+            <a:noAutofit/>
+          </a:bodyPr>
+          <a:lstStyle/>
+          <a:p>
+            <a:pPr marL="4763" lvl="0" indent="0" algn="l" rtl="0">
+              <a:lnSpc>
+                <a:spcPct val="90000"/>
+              </a:lnSpc>
+              <a:spcBef>
+                <a:spcPts val="0"/>
+              </a:spcBef>
+              <a:spcAft>
+                <a:spcPts val="0"/>
+              </a:spcAft>
+              <a:buClr>
+                <a:schemeClr val="dk1"/>
+              </a:buClr>
+              <a:buSzPts val="2400"/>
+              <a:buNone/>
+            </a:pPr>
+            <a:r>
+              <a:rPr lang="en-US"/>
+              <a:t>Supporting copy here</a:t>
+            </a:r>
+            <a:endParaRPr/>
+          </a:p>
+        </p:txBody>
+      </p:sp>
+      <p:sp>
+        <p:nvSpPr>
+          <p:cNvPr id="153" name="Google Shape;153;p14"/>
+          <p:cNvSpPr txBox="1">
+            <a:spLocks noGrp="1"/>
+          </p:cNvSpPr>
+          <p:nvPr>
+            <p:ph type="body" idx="2"/>
+          </p:nvPr>
+        </p:nvSpPr>
+        <p:spPr>
+          <a:xfrm>
+            <a:off x="609441" y="1394532"/>
+            <a:ext cx="10969800" cy="320700"/>
+          </a:xfrm>
+          <a:prstGeom prst="rect">
+            <a:avLst/>
+          </a:prstGeom>
+          <a:noFill/>
+          <a:ln>
+            <a:noFill/>
+          </a:ln>
+        </p:spPr>
+        <p:txBody>
+          <a:bodyPr spcFirstLastPara="1" wrap="square" lIns="0" tIns="0" rIns="0" bIns="0" anchor="t" anchorCtr="0">
+            <a:noAutofit/>
+          </a:bodyPr>
+          <a:lstStyle/>
+          <a:p>
+            <a:pPr marL="0" lvl="0" indent="0" algn="l" rtl="0">
+              <a:lnSpc>
+                <a:spcPct val="90000"/>
+              </a:lnSpc>
+              <a:spcBef>
+                <a:spcPts val="0"/>
+              </a:spcBef>
+              <a:spcAft>
+                <a:spcPts val="0"/>
+              </a:spcAft>
+              <a:buSzPts val="2400"/>
+              <a:buNone/>
+            </a:pPr>
+            <a:r>
+              <a:rPr lang="en-US" b="0"/>
+              <a:t>Click to add category</a:t>
+            </a:r>
+            <a:endParaRPr/>
+          </a:p>
+        </p:txBody>
+      </p:sp>
+      <p:sp>
+        <p:nvSpPr>
+          <p:cNvPr id="154" name="Google Shape;154;p14"/>
+          <p:cNvSpPr txBox="1"/>
+          <p:nvPr/>
+        </p:nvSpPr>
+        <p:spPr>
+          <a:xfrm>
+            <a:off x="609600" y="814649"/>
+            <a:ext cx="7917871" cy="486285"/>
+          </a:xfrm>
+          <a:prstGeom prst="rect">
+            <a:avLst/>
+          </a:prstGeom>
+          <a:noFill/>
+          <a:ln>
+            <a:noFill/>
+          </a:ln>
+        </p:spPr>
+        <p:txBody>
+          <a:bodyPr spcFirstLastPara="1" wrap="square" lIns="0" tIns="0" rIns="0" bIns="0" anchor="t" anchorCtr="0">
+            <a:noAutofit/>
+          </a:bodyPr>
+          <a:lstStyle/>
+          <a:p>
+            <a:pPr marL="0" marR="0" lvl="0" indent="0" algn="l" rtl="0">
+              <a:lnSpc>
+                <a:spcPct val="90000"/>
+              </a:lnSpc>
+              <a:spcBef>
+                <a:spcPts val="0"/>
+              </a:spcBef>
+              <a:spcAft>
+                <a:spcPts val="0"/>
+              </a:spcAft>
+              <a:buClr>
+                <a:schemeClr val="dk1"/>
+              </a:buClr>
+              <a:buSzPts val="3200"/>
+              <a:buFont typeface="Arial"/>
+              <a:buNone/>
+            </a:pPr>
+            <a:r>
+              <a:rPr lang="en-US" sz="4000" b="1" i="0" u="none" strike="noStrike" cap="none">
+                <a:solidFill>
+                  <a:srgbClr val="161614"/>
+                </a:solidFill>
+                <a:latin typeface="Arial"/>
+                <a:ea typeface="Arial"/>
+                <a:cs typeface="Arial"/>
+                <a:sym typeface="Arial"/>
+              </a:rPr>
+              <a:t>CLICK TO ADD TITLE</a:t>
+            </a:r>
+            <a:endParaRPr sz="4000" b="1" i="0" u="none" strike="noStrike" cap="none">
+              <a:solidFill>
+                <a:srgbClr val="161614"/>
+              </a:solidFill>
+              <a:latin typeface="Arial"/>
+              <a:ea typeface="Arial"/>
+              <a:cs typeface="Arial"/>
+              <a:sym typeface="Arial"/>
+            </a:endParaRPr>
+          </a:p>
+        </p:txBody>
+      </p:sp>
+    </p:spTree>
+  </p:cSld>
+  <p:clrMapOvr>
+    <a:masterClrMapping/>
+  </p:clrMapOvr>
+  <mc:AlternateContent xmlns:mc="http://schemas.openxmlformats.org/markup-compatibility/2006" xmlns:p14="http://schemas.microsoft.com/office/powerpoint/2010/main">
+    <mc:Choice Requires="p14">
+      <p:transition spd="med" p14:dur="700">
+        <p:fade/>
+      </p:transition>
+    </mc:Choice>
+    <mc:Fallback xmlns="" xmlns:mv="urn:schemas-microsoft-com:mac:vml" xmlns:c="http://schemas.openxmlformats.org/drawingml/2006/chart" xmlns:dgm="http://schemas.openxmlformats.org/drawingml/2006/diagram" xmlns:o="urn:schemas-microsoft-com:office:office" xmlns:v="urn:schemas-microsoft-com:vml" xmlns:pvml="urn:schemas-microsoft-com:office:powerpoint" xmlns:com="http://schemas.openxmlformats.org/drawingml/2006/compatibility" xmlns:p15="http://schemas.microsoft.com/office/powerpoint/2012/main">
+      <p:transition spd="slow">
+        <p:fade/>
+      </p:transition>
+    </mc:Fallback>
+  </mc:AlternateContent>
+</p:sld>
+</file>
+
+<file path=ppt/slides/slide22.xml><?xml version="1.0" encoding="utf-8"?>
 <p:sld xmlns:a="http://schemas.openxmlformats.org/drawingml/2006/main" xmlns:r="http://schemas.openxmlformats.org/officeDocument/2006/relationships" xmlns:p="http://schemas.openxmlformats.org/presentationml/2006/main">
   <p:cSld>
     <p:spTree>
@@ -16790,7 +17292,7 @@
         <p:fade/>
       </p:transition>
     </mc:Choice>
-    <mc:Fallback xmlns:p15="http://schemas.microsoft.com/office/powerpoint/2012/main" xmlns:com="http://schemas.openxmlformats.org/drawingml/2006/compatibility" xmlns:pvml="urn:schemas-microsoft-com:office:powerpoint" xmlns:v="urn:schemas-microsoft-com:vml" xmlns:o="urn:schemas-microsoft-com:office:office" xmlns:dgm="http://schemas.openxmlformats.org/drawingml/2006/diagram" xmlns:c="http://schemas.openxmlformats.org/drawingml/2006/chart" xmlns:mv="urn:schemas-microsoft-com:mac:vml" xmlns="">
+    <mc:Fallback xmlns="" xmlns:mv="urn:schemas-microsoft-com:mac:vml" xmlns:c="http://schemas.openxmlformats.org/drawingml/2006/chart" xmlns:dgm="http://schemas.openxmlformats.org/drawingml/2006/diagram" xmlns:o="urn:schemas-microsoft-com:office:office" xmlns:v="urn:schemas-microsoft-com:vml" xmlns:pvml="urn:schemas-microsoft-com:office:powerpoint" xmlns:com="http://schemas.openxmlformats.org/drawingml/2006/compatibility" xmlns:p15="http://schemas.microsoft.com/office/powerpoint/2012/main">
       <p:transition spd="slow">
         <p:fade/>
       </p:transition>
@@ -16958,7 +17460,7 @@
         <p:fade/>
       </p:transition>
     </mc:Choice>
-    <mc:Fallback xmlns:p15="http://schemas.microsoft.com/office/powerpoint/2012/main" xmlns:com="http://schemas.openxmlformats.org/drawingml/2006/compatibility" xmlns:pvml="urn:schemas-microsoft-com:office:powerpoint" xmlns:v="urn:schemas-microsoft-com:vml" xmlns:o="urn:schemas-microsoft-com:office:office" xmlns:dgm="http://schemas.openxmlformats.org/drawingml/2006/diagram" xmlns:c="http://schemas.openxmlformats.org/drawingml/2006/chart" xmlns:mv="urn:schemas-microsoft-com:mac:vml" xmlns="">
+    <mc:Fallback xmlns="" xmlns:mv="urn:schemas-microsoft-com:mac:vml" xmlns:c="http://schemas.openxmlformats.org/drawingml/2006/chart" xmlns:dgm="http://schemas.openxmlformats.org/drawingml/2006/diagram" xmlns:o="urn:schemas-microsoft-com:office:office" xmlns:v="urn:schemas-microsoft-com:vml" xmlns:pvml="urn:schemas-microsoft-com:office:powerpoint" xmlns:com="http://schemas.openxmlformats.org/drawingml/2006/compatibility" xmlns:p15="http://schemas.microsoft.com/office/powerpoint/2012/main">
       <p:transition spd="slow">
         <p:fade/>
       </p:transition>
@@ -17234,7 +17736,7 @@
         <p:fade/>
       </p:transition>
     </mc:Choice>
-    <mc:Fallback xmlns:p15="http://schemas.microsoft.com/office/powerpoint/2012/main" xmlns:com="http://schemas.openxmlformats.org/drawingml/2006/compatibility" xmlns:pvml="urn:schemas-microsoft-com:office:powerpoint" xmlns:v="urn:schemas-microsoft-com:vml" xmlns:o="urn:schemas-microsoft-com:office:office" xmlns:dgm="http://schemas.openxmlformats.org/drawingml/2006/diagram" xmlns:c="http://schemas.openxmlformats.org/drawingml/2006/chart" xmlns:mv="urn:schemas-microsoft-com:mac:vml" xmlns="">
+    <mc:Fallback xmlns="" xmlns:mv="urn:schemas-microsoft-com:mac:vml" xmlns:c="http://schemas.openxmlformats.org/drawingml/2006/chart" xmlns:dgm="http://schemas.openxmlformats.org/drawingml/2006/diagram" xmlns:o="urn:schemas-microsoft-com:office:office" xmlns:v="urn:schemas-microsoft-com:vml" xmlns:pvml="urn:schemas-microsoft-com:office:powerpoint" xmlns:com="http://schemas.openxmlformats.org/drawingml/2006/compatibility" xmlns:p15="http://schemas.microsoft.com/office/powerpoint/2012/main">
       <p:transition spd="slow">
         <p:fade/>
       </p:transition>
@@ -17447,7 +17949,7 @@
         <p:fade/>
       </p:transition>
     </mc:Choice>
-    <mc:Fallback xmlns:p15="http://schemas.microsoft.com/office/powerpoint/2012/main" xmlns:com="http://schemas.openxmlformats.org/drawingml/2006/compatibility" xmlns:pvml="urn:schemas-microsoft-com:office:powerpoint" xmlns:v="urn:schemas-microsoft-com:vml" xmlns:o="urn:schemas-microsoft-com:office:office" xmlns:dgm="http://schemas.openxmlformats.org/drawingml/2006/diagram" xmlns:c="http://schemas.openxmlformats.org/drawingml/2006/chart" xmlns:mv="urn:schemas-microsoft-com:mac:vml" xmlns="">
+    <mc:Fallback xmlns="" xmlns:mv="urn:schemas-microsoft-com:mac:vml" xmlns:c="http://schemas.openxmlformats.org/drawingml/2006/chart" xmlns:dgm="http://schemas.openxmlformats.org/drawingml/2006/diagram" xmlns:o="urn:schemas-microsoft-com:office:office" xmlns:v="urn:schemas-microsoft-com:vml" xmlns:pvml="urn:schemas-microsoft-com:office:powerpoint" xmlns:com="http://schemas.openxmlformats.org/drawingml/2006/compatibility" xmlns:p15="http://schemas.microsoft.com/office/powerpoint/2012/main">
       <p:transition spd="slow">
         <p:fade/>
       </p:transition>
@@ -17629,7 +18131,7 @@
         <p:fade/>
       </p:transition>
     </mc:Choice>
-    <mc:Fallback xmlns:p15="http://schemas.microsoft.com/office/powerpoint/2012/main" xmlns:com="http://schemas.openxmlformats.org/drawingml/2006/compatibility" xmlns:pvml="urn:schemas-microsoft-com:office:powerpoint" xmlns:v="urn:schemas-microsoft-com:vml" xmlns:o="urn:schemas-microsoft-com:office:office" xmlns:dgm="http://schemas.openxmlformats.org/drawingml/2006/diagram" xmlns:c="http://schemas.openxmlformats.org/drawingml/2006/chart" xmlns:mv="urn:schemas-microsoft-com:mac:vml" xmlns="">
+    <mc:Fallback xmlns="" xmlns:mv="urn:schemas-microsoft-com:mac:vml" xmlns:c="http://schemas.openxmlformats.org/drawingml/2006/chart" xmlns:dgm="http://schemas.openxmlformats.org/drawingml/2006/diagram" xmlns:o="urn:schemas-microsoft-com:office:office" xmlns:v="urn:schemas-microsoft-com:vml" xmlns:pvml="urn:schemas-microsoft-com:office:powerpoint" xmlns:com="http://schemas.openxmlformats.org/drawingml/2006/compatibility" xmlns:p15="http://schemas.microsoft.com/office/powerpoint/2012/main">
       <p:transition spd="slow">
         <p:fade/>
       </p:transition>
@@ -17935,7 +18437,7 @@
         <p:fade/>
       </p:transition>
     </mc:Choice>
-    <mc:Fallback xmlns:p15="http://schemas.microsoft.com/office/powerpoint/2012/main" xmlns:com="http://schemas.openxmlformats.org/drawingml/2006/compatibility" xmlns:pvml="urn:schemas-microsoft-com:office:powerpoint" xmlns:v="urn:schemas-microsoft-com:vml" xmlns:o="urn:schemas-microsoft-com:office:office" xmlns:dgm="http://schemas.openxmlformats.org/drawingml/2006/diagram" xmlns:c="http://schemas.openxmlformats.org/drawingml/2006/chart" xmlns:mv="urn:schemas-microsoft-com:mac:vml" xmlns="">
+    <mc:Fallback xmlns="" xmlns:mv="urn:schemas-microsoft-com:mac:vml" xmlns:c="http://schemas.openxmlformats.org/drawingml/2006/chart" xmlns:dgm="http://schemas.openxmlformats.org/drawingml/2006/diagram" xmlns:o="urn:schemas-microsoft-com:office:office" xmlns:v="urn:schemas-microsoft-com:vml" xmlns:pvml="urn:schemas-microsoft-com:office:powerpoint" xmlns:com="http://schemas.openxmlformats.org/drawingml/2006/compatibility" xmlns:p15="http://schemas.microsoft.com/office/powerpoint/2012/main">
       <p:transition spd="slow">
         <p:fade/>
       </p:transition>
@@ -18175,7 +18677,7 @@
         <p:fade/>
       </p:transition>
     </mc:Choice>
-    <mc:Fallback xmlns:p15="http://schemas.microsoft.com/office/powerpoint/2012/main" xmlns:com="http://schemas.openxmlformats.org/drawingml/2006/compatibility" xmlns:pvml="urn:schemas-microsoft-com:office:powerpoint" xmlns:v="urn:schemas-microsoft-com:vml" xmlns:o="urn:schemas-microsoft-com:office:office" xmlns:dgm="http://schemas.openxmlformats.org/drawingml/2006/diagram" xmlns:c="http://schemas.openxmlformats.org/drawingml/2006/chart" xmlns:mv="urn:schemas-microsoft-com:mac:vml" xmlns="">
+    <mc:Fallback xmlns="" xmlns:mv="urn:schemas-microsoft-com:mac:vml" xmlns:c="http://schemas.openxmlformats.org/drawingml/2006/chart" xmlns:dgm="http://schemas.openxmlformats.org/drawingml/2006/diagram" xmlns:o="urn:schemas-microsoft-com:office:office" xmlns:v="urn:schemas-microsoft-com:vml" xmlns:pvml="urn:schemas-microsoft-com:office:powerpoint" xmlns:com="http://schemas.openxmlformats.org/drawingml/2006/compatibility" xmlns:p15="http://schemas.microsoft.com/office/powerpoint/2012/main">
       <p:transition spd="slow">
         <p:fade/>
       </p:transition>
@@ -18374,7 +18876,7 @@
         <p:fade/>
       </p:transition>
     </mc:Choice>
-    <mc:Fallback xmlns:p15="http://schemas.microsoft.com/office/powerpoint/2012/main" xmlns:com="http://schemas.openxmlformats.org/drawingml/2006/compatibility" xmlns:pvml="urn:schemas-microsoft-com:office:powerpoint" xmlns:v="urn:schemas-microsoft-com:vml" xmlns:o="urn:schemas-microsoft-com:office:office" xmlns:dgm="http://schemas.openxmlformats.org/drawingml/2006/diagram" xmlns:c="http://schemas.openxmlformats.org/drawingml/2006/chart" xmlns:mv="urn:schemas-microsoft-com:mac:vml" xmlns="">
+    <mc:Fallback xmlns="" xmlns:mv="urn:schemas-microsoft-com:mac:vml" xmlns:c="http://schemas.openxmlformats.org/drawingml/2006/chart" xmlns:dgm="http://schemas.openxmlformats.org/drawingml/2006/diagram" xmlns:o="urn:schemas-microsoft-com:office:office" xmlns:v="urn:schemas-microsoft-com:vml" xmlns:pvml="urn:schemas-microsoft-com:office:powerpoint" xmlns:com="http://schemas.openxmlformats.org/drawingml/2006/compatibility" xmlns:p15="http://schemas.microsoft.com/office/powerpoint/2012/main">
       <p:transition spd="slow">
         <p:fade/>
       </p:transition>

--- a/PLAYTV2020/matt-boles-video.pptx
+++ b/PLAYTV2020/matt-boles-video.pptx
@@ -316,7 +316,7 @@
       </p15:notesGuideLst>
     </p:ext>
     <p:ext uri="http://customooxmlschemas.google.com/">
-      <go:slidesCustomData xmlns:go="http://customooxmlschemas.google.com/" xmlns:p15="http://schemas.microsoft.com/office/powerpoint/2012/main" xmlns:p14="http://schemas.microsoft.com/office/powerpoint/2010/main" xmlns:com="http://schemas.openxmlformats.org/drawingml/2006/compatibility" xmlns:pvml="urn:schemas-microsoft-com:office:powerpoint" xmlns:v="urn:schemas-microsoft-com:vml" xmlns:o="urn:schemas-microsoft-com:office:office" xmlns:dgm="http://schemas.openxmlformats.org/drawingml/2006/diagram" xmlns:c="http://schemas.openxmlformats.org/drawingml/2006/chart" xmlns:mv="urn:schemas-microsoft-com:mac:vml" xmlns:mc="http://schemas.openxmlformats.org/markup-compatibility/2006" xmlns="" r:id="rId29" roundtripDataSignature="AMtx7mhTXUsXJMZT1PuQXuqxCJc3N1Qu9w=="/>
+      <go:slidesCustomData xmlns="" xmlns:mc="http://schemas.openxmlformats.org/markup-compatibility/2006" xmlns:mv="urn:schemas-microsoft-com:mac:vml" xmlns:c="http://schemas.openxmlformats.org/drawingml/2006/chart" xmlns:dgm="http://schemas.openxmlformats.org/drawingml/2006/diagram" xmlns:o="urn:schemas-microsoft-com:office:office" xmlns:v="urn:schemas-microsoft-com:vml" xmlns:pvml="urn:schemas-microsoft-com:office:powerpoint" xmlns:com="http://schemas.openxmlformats.org/drawingml/2006/compatibility" xmlns:p14="http://schemas.microsoft.com/office/powerpoint/2010/main" xmlns:p15="http://schemas.microsoft.com/office/powerpoint/2012/main" xmlns:go="http://customooxmlschemas.google.com/" r:id="rId29" roundtripDataSignature="AMtx7mhTXUsXJMZT1PuQXuqxCJc3N1Qu9w=="/>
     </p:ext>
   </p:extLst>
 </p:presentation>
@@ -5201,7 +5201,7 @@
         <p:fade/>
       </p:transition>
     </mc:Choice>
-    <mc:Fallback xmlns:p15="http://schemas.microsoft.com/office/powerpoint/2012/main" xmlns:com="http://schemas.openxmlformats.org/drawingml/2006/compatibility" xmlns:pvml="urn:schemas-microsoft-com:office:powerpoint" xmlns:v="urn:schemas-microsoft-com:vml" xmlns:o="urn:schemas-microsoft-com:office:office" xmlns:dgm="http://schemas.openxmlformats.org/drawingml/2006/diagram" xmlns:c="http://schemas.openxmlformats.org/drawingml/2006/chart" xmlns:mv="urn:schemas-microsoft-com:mac:vml" xmlns="">
+    <mc:Fallback xmlns="" xmlns:mv="urn:schemas-microsoft-com:mac:vml" xmlns:c="http://schemas.openxmlformats.org/drawingml/2006/chart" xmlns:dgm="http://schemas.openxmlformats.org/drawingml/2006/diagram" xmlns:o="urn:schemas-microsoft-com:office:office" xmlns:v="urn:schemas-microsoft-com:vml" xmlns:pvml="urn:schemas-microsoft-com:office:powerpoint" xmlns:com="http://schemas.openxmlformats.org/drawingml/2006/compatibility" xmlns:p15="http://schemas.microsoft.com/office/powerpoint/2012/main">
       <p:transition spd="slow">
         <p:fade/>
       </p:transition>
@@ -5601,7 +5601,7 @@
         <p:fade/>
       </p:transition>
     </mc:Choice>
-    <mc:Fallback xmlns:p15="http://schemas.microsoft.com/office/powerpoint/2012/main" xmlns:com="http://schemas.openxmlformats.org/drawingml/2006/compatibility" xmlns:pvml="urn:schemas-microsoft-com:office:powerpoint" xmlns:v="urn:schemas-microsoft-com:vml" xmlns:o="urn:schemas-microsoft-com:office:office" xmlns:dgm="http://schemas.openxmlformats.org/drawingml/2006/diagram" xmlns:c="http://schemas.openxmlformats.org/drawingml/2006/chart" xmlns:mv="urn:schemas-microsoft-com:mac:vml" xmlns="">
+    <mc:Fallback xmlns="" xmlns:mv="urn:schemas-microsoft-com:mac:vml" xmlns:c="http://schemas.openxmlformats.org/drawingml/2006/chart" xmlns:dgm="http://schemas.openxmlformats.org/drawingml/2006/diagram" xmlns:o="urn:schemas-microsoft-com:office:office" xmlns:v="urn:schemas-microsoft-com:vml" xmlns:pvml="urn:schemas-microsoft-com:office:powerpoint" xmlns:com="http://schemas.openxmlformats.org/drawingml/2006/compatibility" xmlns:p15="http://schemas.microsoft.com/office/powerpoint/2012/main">
       <p:transition spd="slow">
         <p:fade/>
       </p:transition>
@@ -6092,7 +6092,7 @@
         <p:fade/>
       </p:transition>
     </mc:Choice>
-    <mc:Fallback xmlns:p15="http://schemas.microsoft.com/office/powerpoint/2012/main" xmlns:com="http://schemas.openxmlformats.org/drawingml/2006/compatibility" xmlns:pvml="urn:schemas-microsoft-com:office:powerpoint" xmlns:v="urn:schemas-microsoft-com:vml" xmlns:o="urn:schemas-microsoft-com:office:office" xmlns:dgm="http://schemas.openxmlformats.org/drawingml/2006/diagram" xmlns:c="http://schemas.openxmlformats.org/drawingml/2006/chart" xmlns:mv="urn:schemas-microsoft-com:mac:vml" xmlns="">
+    <mc:Fallback xmlns="" xmlns:mv="urn:schemas-microsoft-com:mac:vml" xmlns:c="http://schemas.openxmlformats.org/drawingml/2006/chart" xmlns:dgm="http://schemas.openxmlformats.org/drawingml/2006/diagram" xmlns:o="urn:schemas-microsoft-com:office:office" xmlns:v="urn:schemas-microsoft-com:vml" xmlns:pvml="urn:schemas-microsoft-com:office:powerpoint" xmlns:com="http://schemas.openxmlformats.org/drawingml/2006/compatibility" xmlns:p15="http://schemas.microsoft.com/office/powerpoint/2012/main">
       <p:transition spd="slow">
         <p:fade/>
       </p:transition>
@@ -6500,7 +6500,7 @@
         <p:fade/>
       </p:transition>
     </mc:Choice>
-    <mc:Fallback xmlns:p15="http://schemas.microsoft.com/office/powerpoint/2012/main" xmlns:com="http://schemas.openxmlformats.org/drawingml/2006/compatibility" xmlns:pvml="urn:schemas-microsoft-com:office:powerpoint" xmlns:v="urn:schemas-microsoft-com:vml" xmlns:o="urn:schemas-microsoft-com:office:office" xmlns:dgm="http://schemas.openxmlformats.org/drawingml/2006/diagram" xmlns:c="http://schemas.openxmlformats.org/drawingml/2006/chart" xmlns:mv="urn:schemas-microsoft-com:mac:vml" xmlns="">
+    <mc:Fallback xmlns="" xmlns:mv="urn:schemas-microsoft-com:mac:vml" xmlns:c="http://schemas.openxmlformats.org/drawingml/2006/chart" xmlns:dgm="http://schemas.openxmlformats.org/drawingml/2006/diagram" xmlns:o="urn:schemas-microsoft-com:office:office" xmlns:v="urn:schemas-microsoft-com:vml" xmlns:pvml="urn:schemas-microsoft-com:office:powerpoint" xmlns:com="http://schemas.openxmlformats.org/drawingml/2006/compatibility" xmlns:p15="http://schemas.microsoft.com/office/powerpoint/2012/main">
       <p:transition spd="slow">
         <p:fade/>
       </p:transition>
@@ -6725,7 +6725,7 @@
         <p:fade/>
       </p:transition>
     </mc:Choice>
-    <mc:Fallback xmlns:p15="http://schemas.microsoft.com/office/powerpoint/2012/main" xmlns:com="http://schemas.openxmlformats.org/drawingml/2006/compatibility" xmlns:pvml="urn:schemas-microsoft-com:office:powerpoint" xmlns:v="urn:schemas-microsoft-com:vml" xmlns:o="urn:schemas-microsoft-com:office:office" xmlns:dgm="http://schemas.openxmlformats.org/drawingml/2006/diagram" xmlns:c="http://schemas.openxmlformats.org/drawingml/2006/chart" xmlns:mv="urn:schemas-microsoft-com:mac:vml" xmlns="">
+    <mc:Fallback xmlns="" xmlns:mv="urn:schemas-microsoft-com:mac:vml" xmlns:c="http://schemas.openxmlformats.org/drawingml/2006/chart" xmlns:dgm="http://schemas.openxmlformats.org/drawingml/2006/diagram" xmlns:o="urn:schemas-microsoft-com:office:office" xmlns:v="urn:schemas-microsoft-com:vml" xmlns:pvml="urn:schemas-microsoft-com:office:powerpoint" xmlns:com="http://schemas.openxmlformats.org/drawingml/2006/compatibility" xmlns:p15="http://schemas.microsoft.com/office/powerpoint/2012/main">
       <p:transition spd="slow">
         <p:fade/>
       </p:transition>
@@ -7110,7 +7110,7 @@
         <p:fade/>
       </p:transition>
     </mc:Choice>
-    <mc:Fallback xmlns:p15="http://schemas.microsoft.com/office/powerpoint/2012/main" xmlns:com="http://schemas.openxmlformats.org/drawingml/2006/compatibility" xmlns:pvml="urn:schemas-microsoft-com:office:powerpoint" xmlns:v="urn:schemas-microsoft-com:vml" xmlns:o="urn:schemas-microsoft-com:office:office" xmlns:dgm="http://schemas.openxmlformats.org/drawingml/2006/diagram" xmlns:c="http://schemas.openxmlformats.org/drawingml/2006/chart" xmlns:mv="urn:schemas-microsoft-com:mac:vml" xmlns="">
+    <mc:Fallback xmlns="" xmlns:mv="urn:schemas-microsoft-com:mac:vml" xmlns:c="http://schemas.openxmlformats.org/drawingml/2006/chart" xmlns:dgm="http://schemas.openxmlformats.org/drawingml/2006/diagram" xmlns:o="urn:schemas-microsoft-com:office:office" xmlns:v="urn:schemas-microsoft-com:vml" xmlns:pvml="urn:schemas-microsoft-com:office:powerpoint" xmlns:com="http://schemas.openxmlformats.org/drawingml/2006/compatibility" xmlns:p15="http://schemas.microsoft.com/office/powerpoint/2012/main">
       <p:transition spd="slow">
         <p:fade/>
       </p:transition>
@@ -8397,7 +8397,7 @@
         <p:fade/>
       </p:transition>
     </mc:Choice>
-    <mc:Fallback xmlns:p15="http://schemas.microsoft.com/office/powerpoint/2012/main" xmlns:com="http://schemas.openxmlformats.org/drawingml/2006/compatibility" xmlns:pvml="urn:schemas-microsoft-com:office:powerpoint" xmlns:v="urn:schemas-microsoft-com:vml" xmlns:o="urn:schemas-microsoft-com:office:office" xmlns:dgm="http://schemas.openxmlformats.org/drawingml/2006/diagram" xmlns:c="http://schemas.openxmlformats.org/drawingml/2006/chart" xmlns:mv="urn:schemas-microsoft-com:mac:vml" xmlns="">
+    <mc:Fallback xmlns="" xmlns:mv="urn:schemas-microsoft-com:mac:vml" xmlns:c="http://schemas.openxmlformats.org/drawingml/2006/chart" xmlns:dgm="http://schemas.openxmlformats.org/drawingml/2006/diagram" xmlns:o="urn:schemas-microsoft-com:office:office" xmlns:v="urn:schemas-microsoft-com:vml" xmlns:pvml="urn:schemas-microsoft-com:office:powerpoint" xmlns:com="http://schemas.openxmlformats.org/drawingml/2006/compatibility" xmlns:p15="http://schemas.microsoft.com/office/powerpoint/2012/main">
       <p:transition spd="slow">
         <p:fade/>
       </p:transition>
@@ -9742,7 +9742,7 @@
         <p:fade/>
       </p:transition>
     </mc:Choice>
-    <mc:Fallback xmlns:p15="http://schemas.microsoft.com/office/powerpoint/2012/main" xmlns:com="http://schemas.openxmlformats.org/drawingml/2006/compatibility" xmlns:pvml="urn:schemas-microsoft-com:office:powerpoint" xmlns:v="urn:schemas-microsoft-com:vml" xmlns:o="urn:schemas-microsoft-com:office:office" xmlns:dgm="http://schemas.openxmlformats.org/drawingml/2006/diagram" xmlns:c="http://schemas.openxmlformats.org/drawingml/2006/chart" xmlns:mv="urn:schemas-microsoft-com:mac:vml" xmlns="">
+    <mc:Fallback xmlns="" xmlns:mv="urn:schemas-microsoft-com:mac:vml" xmlns:c="http://schemas.openxmlformats.org/drawingml/2006/chart" xmlns:dgm="http://schemas.openxmlformats.org/drawingml/2006/diagram" xmlns:o="urn:schemas-microsoft-com:office:office" xmlns:v="urn:schemas-microsoft-com:vml" xmlns:pvml="urn:schemas-microsoft-com:office:powerpoint" xmlns:com="http://schemas.openxmlformats.org/drawingml/2006/compatibility" xmlns:p15="http://schemas.microsoft.com/office/powerpoint/2012/main">
       <p:transition spd="slow">
         <p:fade/>
       </p:transition>
@@ -10875,7 +10875,7 @@
         <p:fade/>
       </p:transition>
     </mc:Choice>
-    <mc:Fallback xmlns:p15="http://schemas.microsoft.com/office/powerpoint/2012/main" xmlns:com="http://schemas.openxmlformats.org/drawingml/2006/compatibility" xmlns:pvml="urn:schemas-microsoft-com:office:powerpoint" xmlns:v="urn:schemas-microsoft-com:vml" xmlns:o="urn:schemas-microsoft-com:office:office" xmlns:dgm="http://schemas.openxmlformats.org/drawingml/2006/diagram" xmlns:c="http://schemas.openxmlformats.org/drawingml/2006/chart" xmlns:mv="urn:schemas-microsoft-com:mac:vml" xmlns="">
+    <mc:Fallback xmlns="" xmlns:mv="urn:schemas-microsoft-com:mac:vml" xmlns:c="http://schemas.openxmlformats.org/drawingml/2006/chart" xmlns:dgm="http://schemas.openxmlformats.org/drawingml/2006/diagram" xmlns:o="urn:schemas-microsoft-com:office:office" xmlns:v="urn:schemas-microsoft-com:vml" xmlns:pvml="urn:schemas-microsoft-com:office:powerpoint" xmlns:com="http://schemas.openxmlformats.org/drawingml/2006/compatibility" xmlns:p15="http://schemas.microsoft.com/office/powerpoint/2012/main">
       <p:transition spd="slow">
         <p:fade/>
       </p:transition>
@@ -11025,7 +11025,7 @@
             </a:pPr>
             <a:r>
               <a:rPr lang="en-US" sz="2000" dirty="0"/>
-              <a:t>Proxy server</a:t>
+              <a:t>Proxy server (for web apps)</a:t>
             </a:r>
             <a:endParaRPr lang="en-US" dirty="0"/>
           </a:p>
@@ -11044,7 +11044,7 @@
             </a:pPr>
             <a:r>
               <a:rPr lang="en-US" sz="1800" dirty="0"/>
-              <a:t>You must setup a proxy server under your control</a:t>
+              <a:t>Server based apps can make requests directly</a:t>
             </a:r>
           </a:p>
           <a:p>
@@ -11053,7 +11053,16 @@
             </a:pPr>
             <a:r>
               <a:rPr lang="en-US" sz="1800" dirty="0"/>
-              <a:t>Demos use a PHP proxy</a:t>
+              <a:t>You must setup a proxy server under your control</a:t>
+            </a:r>
+          </a:p>
+          <a:p>
+            <a:pPr marL="971550" lvl="1" indent="-285750">
+              <a:buSzPts val="1620"/>
+            </a:pPr>
+            <a:r>
+              <a:rPr lang="en-US" sz="1800" dirty="0"/>
+              <a:t>Demos use a web app and PHP proxy</a:t>
             </a:r>
           </a:p>
           <a:p>
@@ -11088,7 +11097,7 @@
             </a:pPr>
             <a:r>
               <a:rPr lang="en-US" sz="1800" dirty="0"/>
-              <a:t>GET, PUT, POST and DELETE data</a:t>
+              <a:t>GET, PUT, POST, PATCH and DELETE data</a:t>
             </a:r>
           </a:p>
           <a:p>
@@ -11195,7 +11204,7 @@
         <p:fade/>
       </p:transition>
     </mc:Choice>
-    <mc:Fallback xmlns:p15="http://schemas.microsoft.com/office/powerpoint/2012/main" xmlns:com="http://schemas.openxmlformats.org/drawingml/2006/compatibility" xmlns:pvml="urn:schemas-microsoft-com:office:powerpoint" xmlns:v="urn:schemas-microsoft-com:vml" xmlns:o="urn:schemas-microsoft-com:office:office" xmlns:dgm="http://schemas.openxmlformats.org/drawingml/2006/diagram" xmlns:c="http://schemas.openxmlformats.org/drawingml/2006/chart" xmlns:mv="urn:schemas-microsoft-com:mac:vml" xmlns="">
+    <mc:Fallback xmlns="" xmlns:mv="urn:schemas-microsoft-com:mac:vml" xmlns:c="http://schemas.openxmlformats.org/drawingml/2006/chart" xmlns:dgm="http://schemas.openxmlformats.org/drawingml/2006/diagram" xmlns:o="urn:schemas-microsoft-com:office:office" xmlns:v="urn:schemas-microsoft-com:vml" xmlns:pvml="urn:schemas-microsoft-com:office:powerpoint" xmlns:com="http://schemas.openxmlformats.org/drawingml/2006/compatibility" xmlns:p15="http://schemas.microsoft.com/office/powerpoint/2012/main">
       <p:transition spd="slow">
         <p:fade/>
       </p:transition>
@@ -11511,7 +11520,7 @@
         <p:fade/>
       </p:transition>
     </mc:Choice>
-    <mc:Fallback xmlns:p15="http://schemas.microsoft.com/office/powerpoint/2012/main" xmlns:com="http://schemas.openxmlformats.org/drawingml/2006/compatibility" xmlns:pvml="urn:schemas-microsoft-com:office:powerpoint" xmlns:v="urn:schemas-microsoft-com:vml" xmlns:o="urn:schemas-microsoft-com:office:office" xmlns:dgm="http://schemas.openxmlformats.org/drawingml/2006/diagram" xmlns:c="http://schemas.openxmlformats.org/drawingml/2006/chart" xmlns:mv="urn:schemas-microsoft-com:mac:vml" xmlns="">
+    <mc:Fallback xmlns="" xmlns:mv="urn:schemas-microsoft-com:mac:vml" xmlns:c="http://schemas.openxmlformats.org/drawingml/2006/chart" xmlns:dgm="http://schemas.openxmlformats.org/drawingml/2006/diagram" xmlns:o="urn:schemas-microsoft-com:office:office" xmlns:v="urn:schemas-microsoft-com:vml" xmlns:pvml="urn:schemas-microsoft-com:office:powerpoint" xmlns:com="http://schemas.openxmlformats.org/drawingml/2006/compatibility" xmlns:p15="http://schemas.microsoft.com/office/powerpoint/2012/main">
       <p:transition spd="slow">
         <p:fade/>
       </p:transition>
@@ -12002,7 +12011,7 @@
         <p:fade/>
       </p:transition>
     </mc:Choice>
-    <mc:Fallback xmlns:p15="http://schemas.microsoft.com/office/powerpoint/2012/main" xmlns:com="http://schemas.openxmlformats.org/drawingml/2006/compatibility" xmlns:pvml="urn:schemas-microsoft-com:office:powerpoint" xmlns:v="urn:schemas-microsoft-com:vml" xmlns:o="urn:schemas-microsoft-com:office:office" xmlns:dgm="http://schemas.openxmlformats.org/drawingml/2006/diagram" xmlns:c="http://schemas.openxmlformats.org/drawingml/2006/chart" xmlns:mv="urn:schemas-microsoft-com:mac:vml" xmlns="">
+    <mc:Fallback xmlns="" xmlns:mv="urn:schemas-microsoft-com:mac:vml" xmlns:c="http://schemas.openxmlformats.org/drawingml/2006/chart" xmlns:dgm="http://schemas.openxmlformats.org/drawingml/2006/diagram" xmlns:o="urn:schemas-microsoft-com:office:office" xmlns:v="urn:schemas-microsoft-com:vml" xmlns:pvml="urn:schemas-microsoft-com:office:powerpoint" xmlns:com="http://schemas.openxmlformats.org/drawingml/2006/compatibility" xmlns:p15="http://schemas.microsoft.com/office/powerpoint/2012/main">
       <p:transition spd="slow">
         <p:fade/>
       </p:transition>
@@ -12403,7 +12412,7 @@
         <p:fade/>
       </p:transition>
     </mc:Choice>
-    <mc:Fallback xmlns:p15="http://schemas.microsoft.com/office/powerpoint/2012/main" xmlns:com="http://schemas.openxmlformats.org/drawingml/2006/compatibility" xmlns:pvml="urn:schemas-microsoft-com:office:powerpoint" xmlns:v="urn:schemas-microsoft-com:vml" xmlns:o="urn:schemas-microsoft-com:office:office" xmlns:dgm="http://schemas.openxmlformats.org/drawingml/2006/diagram" xmlns:c="http://schemas.openxmlformats.org/drawingml/2006/chart" xmlns:mv="urn:schemas-microsoft-com:mac:vml" xmlns="">
+    <mc:Fallback xmlns="" xmlns:mv="urn:schemas-microsoft-com:mac:vml" xmlns:c="http://schemas.openxmlformats.org/drawingml/2006/chart" xmlns:dgm="http://schemas.openxmlformats.org/drawingml/2006/diagram" xmlns:o="urn:schemas-microsoft-com:office:office" xmlns:v="urn:schemas-microsoft-com:vml" xmlns:pvml="urn:schemas-microsoft-com:office:powerpoint" xmlns:com="http://schemas.openxmlformats.org/drawingml/2006/compatibility" xmlns:p15="http://schemas.microsoft.com/office/powerpoint/2012/main">
       <p:transition spd="slow">
         <p:fade/>
       </p:transition>
@@ -12541,7 +12550,7 @@
         <p:fade/>
       </p:transition>
     </mc:Choice>
-    <mc:Fallback xmlns:p15="http://schemas.microsoft.com/office/powerpoint/2012/main" xmlns:com="http://schemas.openxmlformats.org/drawingml/2006/compatibility" xmlns:pvml="urn:schemas-microsoft-com:office:powerpoint" xmlns:v="urn:schemas-microsoft-com:vml" xmlns:o="urn:schemas-microsoft-com:office:office" xmlns:dgm="http://schemas.openxmlformats.org/drawingml/2006/diagram" xmlns:c="http://schemas.openxmlformats.org/drawingml/2006/chart" xmlns:mv="urn:schemas-microsoft-com:mac:vml" xmlns="">
+    <mc:Fallback xmlns="" xmlns:mv="urn:schemas-microsoft-com:mac:vml" xmlns:c="http://schemas.openxmlformats.org/drawingml/2006/chart" xmlns:dgm="http://schemas.openxmlformats.org/drawingml/2006/diagram" xmlns:o="urn:schemas-microsoft-com:office:office" xmlns:v="urn:schemas-microsoft-com:vml" xmlns:pvml="urn:schemas-microsoft-com:office:powerpoint" xmlns:com="http://schemas.openxmlformats.org/drawingml/2006/compatibility" xmlns:p15="http://schemas.microsoft.com/office/powerpoint/2012/main">
       <p:transition spd="slow">
         <p:fade/>
       </p:transition>
@@ -12785,7 +12794,7 @@
         <p:fade/>
       </p:transition>
     </mc:Choice>
-    <mc:Fallback xmlns:p15="http://schemas.microsoft.com/office/powerpoint/2012/main" xmlns:com="http://schemas.openxmlformats.org/drawingml/2006/compatibility" xmlns:pvml="urn:schemas-microsoft-com:office:powerpoint" xmlns:v="urn:schemas-microsoft-com:vml" xmlns:o="urn:schemas-microsoft-com:office:office" xmlns:dgm="http://schemas.openxmlformats.org/drawingml/2006/diagram" xmlns:c="http://schemas.openxmlformats.org/drawingml/2006/chart" xmlns:mv="urn:schemas-microsoft-com:mac:vml" xmlns="">
+    <mc:Fallback xmlns="" xmlns:mv="urn:schemas-microsoft-com:mac:vml" xmlns:c="http://schemas.openxmlformats.org/drawingml/2006/chart" xmlns:dgm="http://schemas.openxmlformats.org/drawingml/2006/diagram" xmlns:o="urn:schemas-microsoft-com:office:office" xmlns:v="urn:schemas-microsoft-com:vml" xmlns:pvml="urn:schemas-microsoft-com:office:powerpoint" xmlns:com="http://schemas.openxmlformats.org/drawingml/2006/compatibility" xmlns:p15="http://schemas.microsoft.com/office/powerpoint/2012/main">
       <p:transition spd="slow">
         <p:fade/>
       </p:transition>
@@ -13032,7 +13041,27 @@
                 <a:latin typeface="Source Code Pro" panose="020B0509030403020204" pitchFamily="49" charset="0"/>
                 <a:ea typeface="Source Code Pro" panose="020B0509030403020204" pitchFamily="49" charset="0"/>
               </a:rPr>
-              <a:t>  newElement.innerHTML = "Total Views: " + viewsCount;</a:t>
+              <a:t>  </a:t>
+            </a:r>
+            <a:r>
+              <a:rPr lang="en-US" sz="1800" dirty="0" err="1">
+                <a:solidFill>
+                  <a:srgbClr val="FF0000"/>
+                </a:solidFill>
+                <a:latin typeface="Source Code Pro" panose="020B0509030403020204" pitchFamily="49" charset="0"/>
+                <a:ea typeface="Source Code Pro" panose="020B0509030403020204" pitchFamily="49" charset="0"/>
+              </a:rPr>
+              <a:t>newElement.textContent</a:t>
+            </a:r>
+            <a:r>
+              <a:rPr lang="en-US" sz="1800" dirty="0">
+                <a:solidFill>
+                  <a:srgbClr val="FF0000"/>
+                </a:solidFill>
+                <a:latin typeface="Source Code Pro" panose="020B0509030403020204" pitchFamily="49" charset="0"/>
+                <a:ea typeface="Source Code Pro" panose="020B0509030403020204" pitchFamily="49" charset="0"/>
+              </a:rPr>
+              <a:t> = "Total Views: " + viewsCount;</a:t>
             </a:r>
             <a:br>
               <a:rPr lang="en-US" sz="1800" dirty="0">
@@ -13295,7 +13324,7 @@
         <p:fade/>
       </p:transition>
     </mc:Choice>
-    <mc:Fallback xmlns:p15="http://schemas.microsoft.com/office/powerpoint/2012/main" xmlns:com="http://schemas.openxmlformats.org/drawingml/2006/compatibility" xmlns:pvml="urn:schemas-microsoft-com:office:powerpoint" xmlns:v="urn:schemas-microsoft-com:vml" xmlns:o="urn:schemas-microsoft-com:office:office" xmlns:dgm="http://schemas.openxmlformats.org/drawingml/2006/diagram" xmlns:c="http://schemas.openxmlformats.org/drawingml/2006/chart" xmlns:mv="urn:schemas-microsoft-com:mac:vml" xmlns="">
+    <mc:Fallback xmlns="" xmlns:mv="urn:schemas-microsoft-com:mac:vml" xmlns:c="http://schemas.openxmlformats.org/drawingml/2006/chart" xmlns:dgm="http://schemas.openxmlformats.org/drawingml/2006/diagram" xmlns:o="urn:schemas-microsoft-com:office:office" xmlns:v="urn:schemas-microsoft-com:vml" xmlns:pvml="urn:schemas-microsoft-com:office:powerpoint" xmlns:com="http://schemas.openxmlformats.org/drawingml/2006/compatibility" xmlns:p15="http://schemas.microsoft.com/office/powerpoint/2012/main">
       <p:transition spd="slow">
         <p:fade/>
       </p:transition>
@@ -13433,7 +13462,7 @@
         <p:fade/>
       </p:transition>
     </mc:Choice>
-    <mc:Fallback xmlns:p15="http://schemas.microsoft.com/office/powerpoint/2012/main" xmlns:com="http://schemas.openxmlformats.org/drawingml/2006/compatibility" xmlns:pvml="urn:schemas-microsoft-com:office:powerpoint" xmlns:v="urn:schemas-microsoft-com:vml" xmlns:o="urn:schemas-microsoft-com:office:office" xmlns:dgm="http://schemas.openxmlformats.org/drawingml/2006/diagram" xmlns:c="http://schemas.openxmlformats.org/drawingml/2006/chart" xmlns:mv="urn:schemas-microsoft-com:mac:vml" xmlns="">
+    <mc:Fallback xmlns="" xmlns:mv="urn:schemas-microsoft-com:mac:vml" xmlns:c="http://schemas.openxmlformats.org/drawingml/2006/chart" xmlns:dgm="http://schemas.openxmlformats.org/drawingml/2006/diagram" xmlns:o="urn:schemas-microsoft-com:office:office" xmlns:v="urn:schemas-microsoft-com:vml" xmlns:pvml="urn:schemas-microsoft-com:office:powerpoint" xmlns:com="http://schemas.openxmlformats.org/drawingml/2006/compatibility" xmlns:p15="http://schemas.microsoft.com/office/powerpoint/2012/main">
       <p:transition spd="slow">
         <p:fade/>
       </p:transition>
@@ -13562,7 +13591,7 @@
             <a:pPr lvl="0"/>
             <a:r>
               <a:rPr lang="en-US" dirty="0"/>
-              <a:t>Understanding the Client Side Code</a:t>
+              <a:t>Understanding the Client-Side Code</a:t>
             </a:r>
           </a:p>
           <a:p>
@@ -13664,8 +13693,8 @@
         </p:nvSpPr>
         <p:spPr>
           <a:xfrm>
-            <a:off x="609600" y="3586881"/>
-            <a:ext cx="7279341" cy="711912"/>
+            <a:off x="609600" y="3586880"/>
+            <a:ext cx="7279341" cy="1252247"/>
           </a:xfrm>
           <a:prstGeom prst="rect">
             <a:avLst/>
@@ -13719,6 +13748,39 @@
               <a:rPr lang="en-US" dirty="0"/>
               <a:t>Bulk update video metadata</a:t>
             </a:r>
+          </a:p>
+          <a:p>
+            <a:pPr marL="347663" lvl="0" indent="-342900">
+              <a:buFont typeface="Arial" panose="020B0604020202020204" pitchFamily="34" charset="0"/>
+              <a:buChar char="•"/>
+            </a:pPr>
+            <a:r>
+              <a:rPr lang="en-US" dirty="0"/>
+              <a:t>Video engagement graph</a:t>
+            </a:r>
+          </a:p>
+          <a:p>
+            <a:pPr marL="347663" lvl="0" indent="-342900">
+              <a:buFont typeface="Arial" panose="020B0604020202020204" pitchFamily="34" charset="0"/>
+              <a:buChar char="•"/>
+            </a:pPr>
+            <a:endParaRPr lang="en-US" dirty="0"/>
+          </a:p>
+          <a:p>
+            <a:pPr marL="347663" lvl="0" indent="-342900" algn="l" rtl="0">
+              <a:lnSpc>
+                <a:spcPct val="90000"/>
+              </a:lnSpc>
+              <a:spcBef>
+                <a:spcPts val="0"/>
+              </a:spcBef>
+              <a:spcAft>
+                <a:spcPts val="0"/>
+              </a:spcAft>
+              <a:buSzPts val="2400"/>
+              <a:buFont typeface="Arial" panose="020B0604020202020204" pitchFamily="34" charset="0"/>
+              <a:buChar char="•"/>
+            </a:pPr>
             <a:endParaRPr dirty="0"/>
           </a:p>
           <a:p>
@@ -13759,7 +13821,7 @@
         <p:fade/>
       </p:transition>
     </mc:Choice>
-    <mc:Fallback xmlns:p15="http://schemas.microsoft.com/office/powerpoint/2012/main" xmlns:com="http://schemas.openxmlformats.org/drawingml/2006/compatibility" xmlns:pvml="urn:schemas-microsoft-com:office:powerpoint" xmlns:v="urn:schemas-microsoft-com:vml" xmlns:o="urn:schemas-microsoft-com:office:office" xmlns:dgm="http://schemas.openxmlformats.org/drawingml/2006/diagram" xmlns:c="http://schemas.openxmlformats.org/drawingml/2006/chart" xmlns:mv="urn:schemas-microsoft-com:mac:vml" xmlns="">
+    <mc:Fallback xmlns="" xmlns:mv="urn:schemas-microsoft-com:mac:vml" xmlns:c="http://schemas.openxmlformats.org/drawingml/2006/chart" xmlns:dgm="http://schemas.openxmlformats.org/drawingml/2006/diagram" xmlns:o="urn:schemas-microsoft-com:office:office" xmlns:v="urn:schemas-microsoft-com:vml" xmlns:pvml="urn:schemas-microsoft-com:office:powerpoint" xmlns:com="http://schemas.openxmlformats.org/drawingml/2006/compatibility" xmlns:p15="http://schemas.microsoft.com/office/powerpoint/2012/main">
       <p:transition spd="slow">
         <p:fade/>
       </p:transition>
@@ -13944,7 +14006,7 @@
         <p:fade/>
       </p:transition>
     </mc:Choice>
-    <mc:Fallback xmlns:p15="http://schemas.microsoft.com/office/powerpoint/2012/main" xmlns:com="http://schemas.openxmlformats.org/drawingml/2006/compatibility" xmlns:pvml="urn:schemas-microsoft-com:office:powerpoint" xmlns:v="urn:schemas-microsoft-com:vml" xmlns:o="urn:schemas-microsoft-com:office:office" xmlns:dgm="http://schemas.openxmlformats.org/drawingml/2006/diagram" xmlns:c="http://schemas.openxmlformats.org/drawingml/2006/chart" xmlns:mv="urn:schemas-microsoft-com:mac:vml" xmlns="">
+    <mc:Fallback xmlns="" xmlns:mv="urn:schemas-microsoft-com:mac:vml" xmlns:c="http://schemas.openxmlformats.org/drawingml/2006/chart" xmlns:dgm="http://schemas.openxmlformats.org/drawingml/2006/diagram" xmlns:o="urn:schemas-microsoft-com:office:office" xmlns:v="urn:schemas-microsoft-com:vml" xmlns:pvml="urn:schemas-microsoft-com:office:powerpoint" xmlns:com="http://schemas.openxmlformats.org/drawingml/2006/compatibility" xmlns:p15="http://schemas.microsoft.com/office/powerpoint/2012/main">
       <p:transition spd="slow">
         <p:fade/>
       </p:transition>
@@ -14149,7 +14211,7 @@
         <p:fade/>
       </p:transition>
     </mc:Choice>
-    <mc:Fallback xmlns:p15="http://schemas.microsoft.com/office/powerpoint/2012/main" xmlns:com="http://schemas.openxmlformats.org/drawingml/2006/compatibility" xmlns:pvml="urn:schemas-microsoft-com:office:powerpoint" xmlns:v="urn:schemas-microsoft-com:vml" xmlns:o="urn:schemas-microsoft-com:office:office" xmlns:dgm="http://schemas.openxmlformats.org/drawingml/2006/diagram" xmlns:c="http://schemas.openxmlformats.org/drawingml/2006/chart" xmlns:mv="urn:schemas-microsoft-com:mac:vml" xmlns="">
+    <mc:Fallback xmlns="" xmlns:mv="urn:schemas-microsoft-com:mac:vml" xmlns:c="http://schemas.openxmlformats.org/drawingml/2006/chart" xmlns:dgm="http://schemas.openxmlformats.org/drawingml/2006/diagram" xmlns:o="urn:schemas-microsoft-com:office:office" xmlns:v="urn:schemas-microsoft-com:vml" xmlns:pvml="urn:schemas-microsoft-com:office:powerpoint" xmlns:com="http://schemas.openxmlformats.org/drawingml/2006/compatibility" xmlns:p15="http://schemas.microsoft.com/office/powerpoint/2012/main">
       <p:transition spd="slow">
         <p:fade/>
       </p:transition>
@@ -14372,7 +14434,7 @@
         <p:fade/>
       </p:transition>
     </mc:Choice>
-    <mc:Fallback xmlns:p15="http://schemas.microsoft.com/office/powerpoint/2012/main" xmlns:com="http://schemas.openxmlformats.org/drawingml/2006/compatibility" xmlns:pvml="urn:schemas-microsoft-com:office:powerpoint" xmlns:v="urn:schemas-microsoft-com:vml" xmlns:o="urn:schemas-microsoft-com:office:office" xmlns:dgm="http://schemas.openxmlformats.org/drawingml/2006/diagram" xmlns:c="http://schemas.openxmlformats.org/drawingml/2006/chart" xmlns:mv="urn:schemas-microsoft-com:mac:vml" xmlns="">
+    <mc:Fallback xmlns="" xmlns:mv="urn:schemas-microsoft-com:mac:vml" xmlns:c="http://schemas.openxmlformats.org/drawingml/2006/chart" xmlns:dgm="http://schemas.openxmlformats.org/drawingml/2006/diagram" xmlns:o="urn:schemas-microsoft-com:office:office" xmlns:v="urn:schemas-microsoft-com:vml" xmlns:pvml="urn:schemas-microsoft-com:office:powerpoint" xmlns:com="http://schemas.openxmlformats.org/drawingml/2006/compatibility" xmlns:p15="http://schemas.microsoft.com/office/powerpoint/2012/main">
       <p:transition spd="slow">
         <p:fade/>
       </p:transition>
@@ -14657,7 +14719,7 @@
         <p:fade/>
       </p:transition>
     </mc:Choice>
-    <mc:Fallback xmlns:p15="http://schemas.microsoft.com/office/powerpoint/2012/main" xmlns:com="http://schemas.openxmlformats.org/drawingml/2006/compatibility" xmlns:pvml="urn:schemas-microsoft-com:office:powerpoint" xmlns:v="urn:schemas-microsoft-com:vml" xmlns:o="urn:schemas-microsoft-com:office:office" xmlns:dgm="http://schemas.openxmlformats.org/drawingml/2006/diagram" xmlns:c="http://schemas.openxmlformats.org/drawingml/2006/chart" xmlns:mv="urn:schemas-microsoft-com:mac:vml" xmlns="">
+    <mc:Fallback xmlns="" xmlns:mv="urn:schemas-microsoft-com:mac:vml" xmlns:c="http://schemas.openxmlformats.org/drawingml/2006/chart" xmlns:dgm="http://schemas.openxmlformats.org/drawingml/2006/diagram" xmlns:o="urn:schemas-microsoft-com:office:office" xmlns:v="urn:schemas-microsoft-com:vml" xmlns:pvml="urn:schemas-microsoft-com:office:powerpoint" xmlns:com="http://schemas.openxmlformats.org/drawingml/2006/compatibility" xmlns:p15="http://schemas.microsoft.com/office/powerpoint/2012/main">
       <p:transition spd="slow">
         <p:fade/>
       </p:transition>
@@ -14694,7 +14756,7 @@
         <p:fade/>
       </p:transition>
     </mc:Choice>
-    <mc:Fallback xmlns:p15="http://schemas.microsoft.com/office/powerpoint/2012/main" xmlns:com="http://schemas.openxmlformats.org/drawingml/2006/compatibility" xmlns:pvml="urn:schemas-microsoft-com:office:powerpoint" xmlns:v="urn:schemas-microsoft-com:vml" xmlns:o="urn:schemas-microsoft-com:office:office" xmlns:dgm="http://schemas.openxmlformats.org/drawingml/2006/diagram" xmlns:c="http://schemas.openxmlformats.org/drawingml/2006/chart" xmlns:mv="urn:schemas-microsoft-com:mac:vml" xmlns="">
+    <mc:Fallback xmlns="" xmlns:mv="urn:schemas-microsoft-com:mac:vml" xmlns:c="http://schemas.openxmlformats.org/drawingml/2006/chart" xmlns:dgm="http://schemas.openxmlformats.org/drawingml/2006/diagram" xmlns:o="urn:schemas-microsoft-com:office:office" xmlns:v="urn:schemas-microsoft-com:vml" xmlns:pvml="urn:schemas-microsoft-com:office:powerpoint" xmlns:com="http://schemas.openxmlformats.org/drawingml/2006/compatibility" xmlns:p15="http://schemas.microsoft.com/office/powerpoint/2012/main">
       <p:transition spd="slow">
         <p:fade/>
       </p:transition>
@@ -14862,7 +14924,7 @@
         <p:fade/>
       </p:transition>
     </mc:Choice>
-    <mc:Fallback xmlns:p15="http://schemas.microsoft.com/office/powerpoint/2012/main" xmlns:com="http://schemas.openxmlformats.org/drawingml/2006/compatibility" xmlns:pvml="urn:schemas-microsoft-com:office:powerpoint" xmlns:v="urn:schemas-microsoft-com:vml" xmlns:o="urn:schemas-microsoft-com:office:office" xmlns:dgm="http://schemas.openxmlformats.org/drawingml/2006/diagram" xmlns:c="http://schemas.openxmlformats.org/drawingml/2006/chart" xmlns:mv="urn:schemas-microsoft-com:mac:vml" xmlns="">
+    <mc:Fallback xmlns="" xmlns:mv="urn:schemas-microsoft-com:mac:vml" xmlns:c="http://schemas.openxmlformats.org/drawingml/2006/chart" xmlns:dgm="http://schemas.openxmlformats.org/drawingml/2006/diagram" xmlns:o="urn:schemas-microsoft-com:office:office" xmlns:v="urn:schemas-microsoft-com:vml" xmlns:pvml="urn:schemas-microsoft-com:office:powerpoint" xmlns:com="http://schemas.openxmlformats.org/drawingml/2006/compatibility" xmlns:p15="http://schemas.microsoft.com/office/powerpoint/2012/main">
       <p:transition spd="slow">
         <p:fade/>
       </p:transition>
@@ -15020,7 +15082,14 @@
             <a:pPr marL="971550" lvl="1" indent="-285750"/>
             <a:r>
               <a:rPr lang="en-US" sz="1600" dirty="0"/>
-              <a:t>Uses HTTP requests to GET, PUT, POST and DELETE data</a:t>
+              <a:t>Uses HTTP requests to GET, PUT, POST, PATCH and DELETE data</a:t>
+            </a:r>
+          </a:p>
+          <a:p>
+            <a:pPr marL="971550" lvl="1" indent="-285750"/>
+            <a:r>
+              <a:rPr lang="en-US" sz="1600" dirty="0"/>
+              <a:t>Request and response bodies are usually in JSON format</a:t>
             </a:r>
           </a:p>
           <a:p>
@@ -15134,7 +15203,7 @@
         <p:fade/>
       </p:transition>
     </mc:Choice>
-    <mc:Fallback xmlns:p15="http://schemas.microsoft.com/office/powerpoint/2012/main" xmlns:com="http://schemas.openxmlformats.org/drawingml/2006/compatibility" xmlns:pvml="urn:schemas-microsoft-com:office:powerpoint" xmlns:v="urn:schemas-microsoft-com:vml" xmlns:o="urn:schemas-microsoft-com:office:office" xmlns:dgm="http://schemas.openxmlformats.org/drawingml/2006/diagram" xmlns:c="http://schemas.openxmlformats.org/drawingml/2006/chart" xmlns:mv="urn:schemas-microsoft-com:mac:vml" xmlns="">
+    <mc:Fallback xmlns="" xmlns:mv="urn:schemas-microsoft-com:mac:vml" xmlns:c="http://schemas.openxmlformats.org/drawingml/2006/chart" xmlns:dgm="http://schemas.openxmlformats.org/drawingml/2006/diagram" xmlns:o="urn:schemas-microsoft-com:office:office" xmlns:v="urn:schemas-microsoft-com:vml" xmlns:pvml="urn:schemas-microsoft-com:office:powerpoint" xmlns:com="http://schemas.openxmlformats.org/drawingml/2006/compatibility" xmlns:p15="http://schemas.microsoft.com/office/powerpoint/2012/main">
       <p:transition spd="slow">
         <p:fade/>
       </p:transition>
@@ -15347,7 +15416,7 @@
         <p:fade/>
       </p:transition>
     </mc:Choice>
-    <mc:Fallback xmlns:p15="http://schemas.microsoft.com/office/powerpoint/2012/main" xmlns:com="http://schemas.openxmlformats.org/drawingml/2006/compatibility" xmlns:pvml="urn:schemas-microsoft-com:office:powerpoint" xmlns:v="urn:schemas-microsoft-com:vml" xmlns:o="urn:schemas-microsoft-com:office:office" xmlns:dgm="http://schemas.openxmlformats.org/drawingml/2006/diagram" xmlns:c="http://schemas.openxmlformats.org/drawingml/2006/chart" xmlns:mv="urn:schemas-microsoft-com:mac:vml" xmlns="">
+    <mc:Fallback xmlns="" xmlns:mv="urn:schemas-microsoft-com:mac:vml" xmlns:c="http://schemas.openxmlformats.org/drawingml/2006/chart" xmlns:dgm="http://schemas.openxmlformats.org/drawingml/2006/diagram" xmlns:o="urn:schemas-microsoft-com:office:office" xmlns:v="urn:schemas-microsoft-com:vml" xmlns:pvml="urn:schemas-microsoft-com:office:powerpoint" xmlns:com="http://schemas.openxmlformats.org/drawingml/2006/compatibility" xmlns:p15="http://schemas.microsoft.com/office/powerpoint/2012/main">
       <p:transition spd="slow">
         <p:fade/>
       </p:transition>
@@ -15407,42 +15476,56 @@
             </a:pPr>
             <a:r>
               <a:rPr lang="en-US" sz="2000" dirty="0"/>
-              <a:t>Use cases</a:t>
+              <a:t>General use cases</a:t>
             </a:r>
           </a:p>
           <a:p>
             <a:pPr marL="971550" lvl="1" indent="-285750"/>
             <a:r>
               <a:rPr lang="en-US" sz="1600" dirty="0"/>
-              <a:t>General: Searching to build custom reports/playlists</a:t>
+              <a:t>Searching to build custom reports/playlists</a:t>
             </a:r>
           </a:p>
           <a:p>
             <a:pPr marL="971550" lvl="1" indent="-285750"/>
             <a:r>
               <a:rPr lang="en-US" sz="1600" dirty="0"/>
-              <a:t>General: Combine functionality from multiple REST APIs</a:t>
+              <a:t>Combine functionality from multiple REST APIs</a:t>
             </a:r>
           </a:p>
           <a:p>
             <a:pPr marL="971550" lvl="1" indent="-285750"/>
             <a:r>
               <a:rPr lang="en-US" sz="1600" dirty="0"/>
-              <a:t>Specific: Build a playlist from the newest videos </a:t>
+              <a:t>Integrating systems (such as Video Cloud with a CMS)</a:t>
+            </a:r>
+          </a:p>
+          <a:p>
+            <a:pPr marL="514350" indent="-285750"/>
+            <a:r>
+              <a:rPr lang="en-US" sz="2000" dirty="0"/>
+              <a:t>Specific use cases</a:t>
             </a:r>
           </a:p>
           <a:p>
             <a:pPr marL="971550" lvl="1" indent="-285750"/>
             <a:r>
               <a:rPr lang="en-US" sz="1600" dirty="0"/>
-              <a:t>Specific: Get analytics by playlist</a:t>
+              <a:t>Build a playlist from the newest videos </a:t>
             </a:r>
           </a:p>
           <a:p>
             <a:pPr marL="971550" lvl="1" indent="-285750"/>
             <a:r>
               <a:rPr lang="en-US" sz="1600" dirty="0"/>
-              <a:t>Specific: Retrieve data and display in player</a:t>
+              <a:t>Get analytics by playlist</a:t>
+            </a:r>
+          </a:p>
+          <a:p>
+            <a:pPr marL="971550" lvl="1" indent="-285750"/>
+            <a:r>
+              <a:rPr lang="en-US" sz="1600" dirty="0"/>
+              <a:t>Retrieve data and display in player</a:t>
             </a:r>
           </a:p>
         </p:txBody>
@@ -15529,7 +15612,7 @@
         <p:fade/>
       </p:transition>
     </mc:Choice>
-    <mc:Fallback xmlns:p15="http://schemas.microsoft.com/office/powerpoint/2012/main" xmlns:com="http://schemas.openxmlformats.org/drawingml/2006/compatibility" xmlns:pvml="urn:schemas-microsoft-com:office:powerpoint" xmlns:v="urn:schemas-microsoft-com:vml" xmlns:o="urn:schemas-microsoft-com:office:office" xmlns:dgm="http://schemas.openxmlformats.org/drawingml/2006/diagram" xmlns:c="http://schemas.openxmlformats.org/drawingml/2006/chart" xmlns:mv="urn:schemas-microsoft-com:mac:vml" xmlns="">
+    <mc:Fallback xmlns="" xmlns:mv="urn:schemas-microsoft-com:mac:vml" xmlns:c="http://schemas.openxmlformats.org/drawingml/2006/chart" xmlns:dgm="http://schemas.openxmlformats.org/drawingml/2006/diagram" xmlns:o="urn:schemas-microsoft-com:office:office" xmlns:v="urn:schemas-microsoft-com:vml" xmlns:pvml="urn:schemas-microsoft-com:office:powerpoint" xmlns:com="http://schemas.openxmlformats.org/drawingml/2006/compatibility" xmlns:p15="http://schemas.microsoft.com/office/powerpoint/2012/main">
       <p:transition spd="slow">
         <p:fade/>
       </p:transition>
@@ -15819,7 +15902,7 @@
         <p:fade/>
       </p:transition>
     </mc:Choice>
-    <mc:Fallback xmlns:p15="http://schemas.microsoft.com/office/powerpoint/2012/main" xmlns:com="http://schemas.openxmlformats.org/drawingml/2006/compatibility" xmlns:pvml="urn:schemas-microsoft-com:office:powerpoint" xmlns:v="urn:schemas-microsoft-com:vml" xmlns:o="urn:schemas-microsoft-com:office:office" xmlns:dgm="http://schemas.openxmlformats.org/drawingml/2006/diagram" xmlns:c="http://schemas.openxmlformats.org/drawingml/2006/chart" xmlns:mv="urn:schemas-microsoft-com:mac:vml" xmlns="">
+    <mc:Fallback xmlns="" xmlns:mv="urn:schemas-microsoft-com:mac:vml" xmlns:c="http://schemas.openxmlformats.org/drawingml/2006/chart" xmlns:dgm="http://schemas.openxmlformats.org/drawingml/2006/diagram" xmlns:o="urn:schemas-microsoft-com:office:office" xmlns:v="urn:schemas-microsoft-com:vml" xmlns:pvml="urn:schemas-microsoft-com:office:powerpoint" xmlns:com="http://schemas.openxmlformats.org/drawingml/2006/compatibility" xmlns:p15="http://schemas.microsoft.com/office/powerpoint/2012/main">
       <p:transition spd="slow">
         <p:fade/>
       </p:transition>
@@ -16040,7 +16123,7 @@
         <p:fade/>
       </p:transition>
     </mc:Choice>
-    <mc:Fallback xmlns:p15="http://schemas.microsoft.com/office/powerpoint/2012/main" xmlns:com="http://schemas.openxmlformats.org/drawingml/2006/compatibility" xmlns:pvml="urn:schemas-microsoft-com:office:powerpoint" xmlns:v="urn:schemas-microsoft-com:vml" xmlns:o="urn:schemas-microsoft-com:office:office" xmlns:dgm="http://schemas.openxmlformats.org/drawingml/2006/diagram" xmlns:c="http://schemas.openxmlformats.org/drawingml/2006/chart" xmlns:mv="urn:schemas-microsoft-com:mac:vml" xmlns="">
+    <mc:Fallback xmlns="" xmlns:mv="urn:schemas-microsoft-com:mac:vml" xmlns:c="http://schemas.openxmlformats.org/drawingml/2006/chart" xmlns:dgm="http://schemas.openxmlformats.org/drawingml/2006/diagram" xmlns:o="urn:schemas-microsoft-com:office:office" xmlns:v="urn:schemas-microsoft-com:vml" xmlns:pvml="urn:schemas-microsoft-com:office:powerpoint" xmlns:com="http://schemas.openxmlformats.org/drawingml/2006/compatibility" xmlns:p15="http://schemas.microsoft.com/office/powerpoint/2012/main">
       <p:transition spd="slow">
         <p:fade/>
       </p:transition>
@@ -16199,7 +16282,7 @@
         <p:fade/>
       </p:transition>
     </mc:Choice>
-    <mc:Fallback xmlns:p15="http://schemas.microsoft.com/office/powerpoint/2012/main" xmlns:com="http://schemas.openxmlformats.org/drawingml/2006/compatibility" xmlns:pvml="urn:schemas-microsoft-com:office:powerpoint" xmlns:v="urn:schemas-microsoft-com:vml" xmlns:o="urn:schemas-microsoft-com:office:office" xmlns:dgm="http://schemas.openxmlformats.org/drawingml/2006/diagram" xmlns:c="http://schemas.openxmlformats.org/drawingml/2006/chart" xmlns:mv="urn:schemas-microsoft-com:mac:vml" xmlns="">
+    <mc:Fallback xmlns="" xmlns:mv="urn:schemas-microsoft-com:mac:vml" xmlns:c="http://schemas.openxmlformats.org/drawingml/2006/chart" xmlns:dgm="http://schemas.openxmlformats.org/drawingml/2006/diagram" xmlns:o="urn:schemas-microsoft-com:office:office" xmlns:v="urn:schemas-microsoft-com:vml" xmlns:pvml="urn:schemas-microsoft-com:office:powerpoint" xmlns:com="http://schemas.openxmlformats.org/drawingml/2006/compatibility" xmlns:p15="http://schemas.microsoft.com/office/powerpoint/2012/main">
       <p:transition spd="slow">
         <p:fade/>
       </p:transition>
